--- a/Präsentationen/Steganographie&Steganalyse_Gesamtpräsentation.pptx
+++ b/Präsentationen/Steganographie&Steganalyse_Gesamtpräsentation.pptx
@@ -4284,7 +4284,7 @@
           <p:cNvPr id="4" name="Grafik 3">
             <a:extLst>
               <a:ext uri="{FF2B5EF4-FFF2-40B4-BE49-F238E27FC236}">
-                <a16:creationId xmlns:a16="http://schemas.microsoft.com/office/drawing/2014/main" xmlns="" id="{F69BB79F-E552-4E4C-8CBE-957E849CC8B4}"/>
+                <a16:creationId xmlns="" xmlns:a16="http://schemas.microsoft.com/office/drawing/2014/main" id="{F69BB79F-E552-4E4C-8CBE-957E849CC8B4}"/>
               </a:ext>
             </a:extLst>
           </p:cNvPr>
@@ -4373,7 +4373,7 @@
           <p:cNvPr id="5" name="Grafik 4">
             <a:extLst>
               <a:ext uri="{FF2B5EF4-FFF2-40B4-BE49-F238E27FC236}">
-                <a16:creationId xmlns:a16="http://schemas.microsoft.com/office/drawing/2014/main" xmlns="" id="{3F8E3A34-2CAD-614D-9FEE-921CF91B4FC6}"/>
+                <a16:creationId xmlns="" xmlns:a16="http://schemas.microsoft.com/office/drawing/2014/main" id="{3F8E3A34-2CAD-614D-9FEE-921CF91B4FC6}"/>
               </a:ext>
             </a:extLst>
           </p:cNvPr>
@@ -4462,7 +4462,7 @@
           <p:cNvPr id="4" name="Grafik 3">
             <a:extLst>
               <a:ext uri="{FF2B5EF4-FFF2-40B4-BE49-F238E27FC236}">
-                <a16:creationId xmlns:a16="http://schemas.microsoft.com/office/drawing/2014/main" xmlns="" id="{38BF1D61-EFE8-0C43-8139-76BD0D7A6BAD}"/>
+                <a16:creationId xmlns="" xmlns:a16="http://schemas.microsoft.com/office/drawing/2014/main" id="{38BF1D61-EFE8-0C43-8139-76BD0D7A6BAD}"/>
               </a:ext>
             </a:extLst>
           </p:cNvPr>
@@ -4551,7 +4551,7 @@
           <p:cNvPr id="7" name="Grafik 6">
             <a:extLst>
               <a:ext uri="{FF2B5EF4-FFF2-40B4-BE49-F238E27FC236}">
-                <a16:creationId xmlns:a16="http://schemas.microsoft.com/office/drawing/2014/main" xmlns="" id="{4A98AE2C-4EC1-7F44-AD7C-3F4669FE5846}"/>
+                <a16:creationId xmlns="" xmlns:a16="http://schemas.microsoft.com/office/drawing/2014/main" id="{4A98AE2C-4EC1-7F44-AD7C-3F4669FE5846}"/>
               </a:ext>
             </a:extLst>
           </p:cNvPr>
@@ -4581,7 +4581,7 @@
           <p:cNvPr id="9" name="Grafik 8">
             <a:extLst>
               <a:ext uri="{FF2B5EF4-FFF2-40B4-BE49-F238E27FC236}">
-                <a16:creationId xmlns:a16="http://schemas.microsoft.com/office/drawing/2014/main" xmlns="" id="{FF955252-EF42-9849-8D62-41A51BA973D2}"/>
+                <a16:creationId xmlns="" xmlns:a16="http://schemas.microsoft.com/office/drawing/2014/main" id="{FF955252-EF42-9849-8D62-41A51BA973D2}"/>
               </a:ext>
             </a:extLst>
           </p:cNvPr>
@@ -4670,7 +4670,7 @@
           <p:cNvPr id="7" name="Grafik 6">
             <a:extLst>
               <a:ext uri="{FF2B5EF4-FFF2-40B4-BE49-F238E27FC236}">
-                <a16:creationId xmlns:a16="http://schemas.microsoft.com/office/drawing/2014/main" xmlns="" id="{75974717-D42F-0745-A3CE-4518ECE0AB6E}"/>
+                <a16:creationId xmlns="" xmlns:a16="http://schemas.microsoft.com/office/drawing/2014/main" id="{75974717-D42F-0745-A3CE-4518ECE0AB6E}"/>
               </a:ext>
             </a:extLst>
           </p:cNvPr>
@@ -4759,7 +4759,7 @@
           <p:cNvPr id="5" name="Grafik 4">
             <a:extLst>
               <a:ext uri="{FF2B5EF4-FFF2-40B4-BE49-F238E27FC236}">
-                <a16:creationId xmlns:a16="http://schemas.microsoft.com/office/drawing/2014/main" xmlns="" id="{042E58FD-4D23-334A-A6C6-60F5D2C4D394}"/>
+                <a16:creationId xmlns="" xmlns:a16="http://schemas.microsoft.com/office/drawing/2014/main" id="{042E58FD-4D23-334A-A6C6-60F5D2C4D394}"/>
               </a:ext>
             </a:extLst>
           </p:cNvPr>
@@ -4875,11 +4875,7 @@
           <a:p>
             <a:r>
               <a:rPr lang="de-DE" dirty="0" smtClean="0"/>
-              <a:t>Eine Nachricht wird mithilfe eines festgelegten Verfahrens in ein Medium wie </a:t>
-            </a:r>
-            <a:r>
-              <a:rPr lang="de-DE" dirty="0" smtClean="0"/>
-              <a:t>bspw. ein Bild codiert</a:t>
+              <a:t>Eine Nachricht wird mithilfe eines festgelegten Verfahrens in ein Medium wie bspw. ein Bild codiert</a:t>
             </a:r>
             <a:br>
               <a:rPr lang="de-DE" dirty="0" smtClean="0"/>
@@ -4893,11 +4889,7 @@
             </a:r>
             <a:r>
               <a:rPr lang="de-DE" dirty="0" smtClean="0"/>
-              <a:t> computergestützt in Kombination mit Bildern, </a:t>
-            </a:r>
-            <a:r>
-              <a:rPr lang="de-DE" dirty="0" smtClean="0"/>
-              <a:t>Videos und Audiodateien</a:t>
+              <a:t> computergestützt in Kombination mit Bildern, Videos und Audiodateien</a:t>
             </a:r>
             <a:br>
               <a:rPr lang="de-DE" dirty="0" smtClean="0"/>
@@ -4914,11 +4906,15 @@
             </a:br>
             <a:r>
               <a:rPr lang="de-DE" dirty="0" err="1" smtClean="0"/>
-              <a:t>Stego</a:t>
+              <a:t>Steganographische</a:t>
             </a:r>
             <a:r>
               <a:rPr lang="de-DE" dirty="0" smtClean="0"/>
-              <a:t>-Analyse bzw. Steganalyse</a:t>
+              <a:t> Analyse </a:t>
+            </a:r>
+            <a:r>
+              <a:rPr lang="de-DE" dirty="0" smtClean="0"/>
+              <a:t>bzw. Steganalyse</a:t>
             </a:r>
             <a:endParaRPr lang="de-DE" dirty="0"/>
           </a:p>
@@ -5268,7 +5264,7 @@
           <p:cNvPr id="2" name="Titel 1">
             <a:extLst>
               <a:ext uri="{FF2B5EF4-FFF2-40B4-BE49-F238E27FC236}">
-                <a16:creationId xmlns:a16="http://schemas.microsoft.com/office/drawing/2014/main" xmlns="" id="{5FF6CD7F-1442-4093-94B4-D780428F1254}"/>
+                <a16:creationId xmlns="" xmlns:a16="http://schemas.microsoft.com/office/drawing/2014/main" id="{5FF6CD7F-1442-4093-94B4-D780428F1254}"/>
               </a:ext>
             </a:extLst>
           </p:cNvPr>
@@ -5296,7 +5292,7 @@
           <p:cNvPr id="3" name="Inhaltsplatzhalter 2">
             <a:extLst>
               <a:ext uri="{FF2B5EF4-FFF2-40B4-BE49-F238E27FC236}">
-                <a16:creationId xmlns:a16="http://schemas.microsoft.com/office/drawing/2014/main" xmlns="" id="{32D3E699-82FD-4FAB-9360-39ACF8561A95}"/>
+                <a16:creationId xmlns="" xmlns:a16="http://schemas.microsoft.com/office/drawing/2014/main" id="{32D3E699-82FD-4FAB-9360-39ACF8561A95}"/>
               </a:ext>
             </a:extLst>
           </p:cNvPr>
@@ -5430,7 +5426,7 @@
           <p:cNvPr id="5" name="Tabelle 4">
             <a:extLst>
               <a:ext uri="{FF2B5EF4-FFF2-40B4-BE49-F238E27FC236}">
-                <a16:creationId xmlns:a16="http://schemas.microsoft.com/office/drawing/2014/main" xmlns="" id="{EE1AB0B7-CF13-43B1-A209-552898714154}"/>
+                <a16:creationId xmlns="" xmlns:a16="http://schemas.microsoft.com/office/drawing/2014/main" id="{EE1AB0B7-CF13-43B1-A209-552898714154}"/>
               </a:ext>
             </a:extLst>
           </p:cNvPr>
@@ -5455,21 +5451,21 @@
                 <a:gridCol w="1117600">
                   <a:extLst>
                     <a:ext uri="{9D8B030D-6E8A-4147-A177-3AD203B41FA5}">
-                      <a16:colId xmlns:a16="http://schemas.microsoft.com/office/drawing/2014/main" xmlns="" val="1521050298"/>
+                      <a16:colId xmlns="" xmlns:a16="http://schemas.microsoft.com/office/drawing/2014/main" val="1521050298"/>
                     </a:ext>
                   </a:extLst>
                 </a:gridCol>
                 <a:gridCol w="2917371">
                   <a:extLst>
                     <a:ext uri="{9D8B030D-6E8A-4147-A177-3AD203B41FA5}">
-                      <a16:colId xmlns:a16="http://schemas.microsoft.com/office/drawing/2014/main" xmlns="" val="1946410970"/>
+                      <a16:colId xmlns="" xmlns:a16="http://schemas.microsoft.com/office/drawing/2014/main" val="1946410970"/>
                     </a:ext>
                   </a:extLst>
                 </a:gridCol>
                 <a:gridCol w="2032000">
                   <a:extLst>
                     <a:ext uri="{9D8B030D-6E8A-4147-A177-3AD203B41FA5}">
-                      <a16:colId xmlns:a16="http://schemas.microsoft.com/office/drawing/2014/main" xmlns="" val="1228833664"/>
+                      <a16:colId xmlns="" xmlns:a16="http://schemas.microsoft.com/office/drawing/2014/main" val="1228833664"/>
                     </a:ext>
                   </a:extLst>
                 </a:gridCol>
@@ -5533,7 +5529,7 @@
                 </a:tc>
                 <a:extLst>
                   <a:ext uri="{0D108BD9-81ED-4DB2-BD59-A6C34878D82A}">
-                    <a16:rowId xmlns:a16="http://schemas.microsoft.com/office/drawing/2014/main" xmlns="" val="4224393478"/>
+                    <a16:rowId xmlns="" xmlns:a16="http://schemas.microsoft.com/office/drawing/2014/main" val="4224393478"/>
                   </a:ext>
                 </a:extLst>
               </a:tr>
@@ -5593,7 +5589,7 @@
                 </a:tc>
                 <a:extLst>
                   <a:ext uri="{0D108BD9-81ED-4DB2-BD59-A6C34878D82A}">
-                    <a16:rowId xmlns:a16="http://schemas.microsoft.com/office/drawing/2014/main" xmlns="" val="479920095"/>
+                    <a16:rowId xmlns="" xmlns:a16="http://schemas.microsoft.com/office/drawing/2014/main" val="479920095"/>
                   </a:ext>
                 </a:extLst>
               </a:tr>
@@ -5646,7 +5642,7 @@
                 </a:tc>
                 <a:extLst>
                   <a:ext uri="{0D108BD9-81ED-4DB2-BD59-A6C34878D82A}">
-                    <a16:rowId xmlns:a16="http://schemas.microsoft.com/office/drawing/2014/main" xmlns="" val="4175534960"/>
+                    <a16:rowId xmlns="" xmlns:a16="http://schemas.microsoft.com/office/drawing/2014/main" val="4175534960"/>
                   </a:ext>
                 </a:extLst>
               </a:tr>
@@ -5695,7 +5691,7 @@
                 </a:tc>
                 <a:extLst>
                   <a:ext uri="{0D108BD9-81ED-4DB2-BD59-A6C34878D82A}">
-                    <a16:rowId xmlns:a16="http://schemas.microsoft.com/office/drawing/2014/main" xmlns="" val="2247199928"/>
+                    <a16:rowId xmlns="" xmlns:a16="http://schemas.microsoft.com/office/drawing/2014/main" val="2247199928"/>
                   </a:ext>
                 </a:extLst>
               </a:tr>
@@ -5745,7 +5741,7 @@
           <p:cNvPr id="2" name="Titel 1">
             <a:extLst>
               <a:ext uri="{FF2B5EF4-FFF2-40B4-BE49-F238E27FC236}">
-                <a16:creationId xmlns:a16="http://schemas.microsoft.com/office/drawing/2014/main" xmlns="" id="{EF536E04-EAC1-47A0-8829-51766F106DCC}"/>
+                <a16:creationId xmlns="" xmlns:a16="http://schemas.microsoft.com/office/drawing/2014/main" id="{EF536E04-EAC1-47A0-8829-51766F106DCC}"/>
               </a:ext>
             </a:extLst>
           </p:cNvPr>
@@ -5778,7 +5774,7 @@
           <p:cNvPr id="4" name="Textfeld 3">
             <a:extLst>
               <a:ext uri="{FF2B5EF4-FFF2-40B4-BE49-F238E27FC236}">
-                <a16:creationId xmlns:a16="http://schemas.microsoft.com/office/drawing/2014/main" xmlns="" id="{32FE719B-0696-4C8D-84B7-05ED8A8D436A}"/>
+                <a16:creationId xmlns="" xmlns:a16="http://schemas.microsoft.com/office/drawing/2014/main" id="{32FE719B-0696-4C8D-84B7-05ED8A8D436A}"/>
               </a:ext>
             </a:extLst>
           </p:cNvPr>
@@ -5813,7 +5809,7 @@
           <p:cNvPr id="5" name="Textfeld 4">
             <a:extLst>
               <a:ext uri="{FF2B5EF4-FFF2-40B4-BE49-F238E27FC236}">
-                <a16:creationId xmlns:a16="http://schemas.microsoft.com/office/drawing/2014/main" xmlns="" id="{998894AA-639C-42C3-9C85-2D3B3A5A3016}"/>
+                <a16:creationId xmlns="" xmlns:a16="http://schemas.microsoft.com/office/drawing/2014/main" id="{998894AA-639C-42C3-9C85-2D3B3A5A3016}"/>
               </a:ext>
             </a:extLst>
           </p:cNvPr>
@@ -5848,7 +5844,7 @@
           <p:cNvPr id="6" name="Rechteck 5">
             <a:extLst>
               <a:ext uri="{FF2B5EF4-FFF2-40B4-BE49-F238E27FC236}">
-                <a16:creationId xmlns:a16="http://schemas.microsoft.com/office/drawing/2014/main" xmlns="" id="{F76FA42C-6237-4F24-8AF1-CB0F6F717A92}"/>
+                <a16:creationId xmlns="" xmlns:a16="http://schemas.microsoft.com/office/drawing/2014/main" id="{F76FA42C-6237-4F24-8AF1-CB0F6F717A92}"/>
               </a:ext>
             </a:extLst>
           </p:cNvPr>
@@ -5897,7 +5893,7 @@
           <p:cNvPr id="7" name="Rechteck 6">
             <a:extLst>
               <a:ext uri="{FF2B5EF4-FFF2-40B4-BE49-F238E27FC236}">
-                <a16:creationId xmlns:a16="http://schemas.microsoft.com/office/drawing/2014/main" xmlns="" id="{4B49A3BD-1A73-4636-9F2C-3C4BCBEB0A4C}"/>
+                <a16:creationId xmlns="" xmlns:a16="http://schemas.microsoft.com/office/drawing/2014/main" id="{4B49A3BD-1A73-4636-9F2C-3C4BCBEB0A4C}"/>
               </a:ext>
             </a:extLst>
           </p:cNvPr>
@@ -5948,7 +5944,7 @@
           <p:cNvPr id="8" name="Rechteck 7">
             <a:extLst>
               <a:ext uri="{FF2B5EF4-FFF2-40B4-BE49-F238E27FC236}">
-                <a16:creationId xmlns:a16="http://schemas.microsoft.com/office/drawing/2014/main" xmlns="" id="{B727591C-D425-46F6-B354-C4940CB9DAB9}"/>
+                <a16:creationId xmlns="" xmlns:a16="http://schemas.microsoft.com/office/drawing/2014/main" id="{B727591C-D425-46F6-B354-C4940CB9DAB9}"/>
               </a:ext>
             </a:extLst>
           </p:cNvPr>
@@ -5997,7 +5993,7 @@
           <p:cNvPr id="9" name="Pfeil: nach unten 8">
             <a:extLst>
               <a:ext uri="{FF2B5EF4-FFF2-40B4-BE49-F238E27FC236}">
-                <a16:creationId xmlns:a16="http://schemas.microsoft.com/office/drawing/2014/main" xmlns="" id="{C42042D9-7A44-44AB-B286-4D088E9BA4D5}"/>
+                <a16:creationId xmlns="" xmlns:a16="http://schemas.microsoft.com/office/drawing/2014/main" id="{C42042D9-7A44-44AB-B286-4D088E9BA4D5}"/>
               </a:ext>
             </a:extLst>
           </p:cNvPr>
@@ -6043,7 +6039,7 @@
           <p:cNvPr id="11" name="Inhaltsplatzhalter 10" descr="Schlüssel">
             <a:extLst>
               <a:ext uri="{FF2B5EF4-FFF2-40B4-BE49-F238E27FC236}">
-                <a16:creationId xmlns:a16="http://schemas.microsoft.com/office/drawing/2014/main" xmlns="" id="{6D7BFB5B-731D-452B-B693-0F2F0B2F354C}"/>
+                <a16:creationId xmlns="" xmlns:a16="http://schemas.microsoft.com/office/drawing/2014/main" id="{6D7BFB5B-731D-452B-B693-0F2F0B2F354C}"/>
               </a:ext>
             </a:extLst>
           </p:cNvPr>
@@ -6058,7 +6054,7 @@
           <a:blip r:embed="rId2">
             <a:extLst>
               <a:ext uri="{96DAC541-7B7A-43D3-8B79-37D633B846F1}">
-                <asvg:svgBlip xmlns:asvg="http://schemas.microsoft.com/office/drawing/2016/SVG/main" xmlns="" r:embed="rId3"/>
+                <asvg:svgBlip xmlns="" xmlns:asvg="http://schemas.microsoft.com/office/drawing/2016/SVG/main" r:embed="rId3"/>
               </a:ext>
             </a:extLst>
           </a:blip>
@@ -6078,7 +6074,7 @@
           <p:cNvPr id="12" name="Rechteck 11">
             <a:extLst>
               <a:ext uri="{FF2B5EF4-FFF2-40B4-BE49-F238E27FC236}">
-                <a16:creationId xmlns:a16="http://schemas.microsoft.com/office/drawing/2014/main" xmlns="" id="{82576D0B-508B-40D3-9228-7AAC1B6AB72B}"/>
+                <a16:creationId xmlns="" xmlns:a16="http://schemas.microsoft.com/office/drawing/2014/main" id="{82576D0B-508B-40D3-9228-7AAC1B6AB72B}"/>
               </a:ext>
             </a:extLst>
           </p:cNvPr>
@@ -6129,7 +6125,7 @@
           <p:cNvPr id="14" name="Rechteck 13">
             <a:extLst>
               <a:ext uri="{FF2B5EF4-FFF2-40B4-BE49-F238E27FC236}">
-                <a16:creationId xmlns:a16="http://schemas.microsoft.com/office/drawing/2014/main" xmlns="" id="{2F2C98AE-3954-45EE-A438-EA42E1660AC5}"/>
+                <a16:creationId xmlns="" xmlns:a16="http://schemas.microsoft.com/office/drawing/2014/main" id="{2F2C98AE-3954-45EE-A438-EA42E1660AC5}"/>
               </a:ext>
             </a:extLst>
           </p:cNvPr>
@@ -6178,7 +6174,7 @@
           <p:cNvPr id="15" name="Pfeil: nach unten 14">
             <a:extLst>
               <a:ext uri="{FF2B5EF4-FFF2-40B4-BE49-F238E27FC236}">
-                <a16:creationId xmlns:a16="http://schemas.microsoft.com/office/drawing/2014/main" xmlns="" id="{59B8D604-0C2E-41D3-B7F2-6996A1172587}"/>
+                <a16:creationId xmlns="" xmlns:a16="http://schemas.microsoft.com/office/drawing/2014/main" id="{59B8D604-0C2E-41D3-B7F2-6996A1172587}"/>
               </a:ext>
             </a:extLst>
           </p:cNvPr>
@@ -6224,7 +6220,7 @@
           <p:cNvPr id="17" name="Grafik 16" descr="Umschlag">
             <a:extLst>
               <a:ext uri="{FF2B5EF4-FFF2-40B4-BE49-F238E27FC236}">
-                <a16:creationId xmlns:a16="http://schemas.microsoft.com/office/drawing/2014/main" xmlns="" id="{A2B38B75-A68C-486B-9A4F-ADC2253DF048}"/>
+                <a16:creationId xmlns="" xmlns:a16="http://schemas.microsoft.com/office/drawing/2014/main" id="{A2B38B75-A68C-486B-9A4F-ADC2253DF048}"/>
               </a:ext>
             </a:extLst>
           </p:cNvPr>
@@ -6237,7 +6233,7 @@
           <a:blip r:embed="rId4">
             <a:extLst>
               <a:ext uri="{96DAC541-7B7A-43D3-8B79-37D633B846F1}">
-                <asvg:svgBlip xmlns:asvg="http://schemas.microsoft.com/office/drawing/2016/SVG/main" xmlns="" r:embed="rId5"/>
+                <asvg:svgBlip xmlns="" xmlns:asvg="http://schemas.microsoft.com/office/drawing/2016/SVG/main" r:embed="rId5"/>
               </a:ext>
             </a:extLst>
           </a:blip>
@@ -6260,7 +6256,7 @@
           <p:cNvPr id="18" name="Textfeld 17">
             <a:extLst>
               <a:ext uri="{FF2B5EF4-FFF2-40B4-BE49-F238E27FC236}">
-                <a16:creationId xmlns:a16="http://schemas.microsoft.com/office/drawing/2014/main" xmlns="" id="{FA0FED51-9512-4036-95D7-083076142DAC}"/>
+                <a16:creationId xmlns="" xmlns:a16="http://schemas.microsoft.com/office/drawing/2014/main" id="{FA0FED51-9512-4036-95D7-083076142DAC}"/>
               </a:ext>
             </a:extLst>
           </p:cNvPr>
@@ -6953,7 +6949,7 @@
           <p:cNvPr id="2" name="Titel 1">
             <a:extLst>
               <a:ext uri="{FF2B5EF4-FFF2-40B4-BE49-F238E27FC236}">
-                <a16:creationId xmlns:a16="http://schemas.microsoft.com/office/drawing/2014/main" xmlns="" id="{4194B536-3561-4DED-AAD8-70C8558F7BB2}"/>
+                <a16:creationId xmlns="" xmlns:a16="http://schemas.microsoft.com/office/drawing/2014/main" id="{4194B536-3561-4DED-AAD8-70C8558F7BB2}"/>
               </a:ext>
             </a:extLst>
           </p:cNvPr>
@@ -6981,7 +6977,7 @@
           <p:cNvPr id="4" name="Textfeld 3">
             <a:extLst>
               <a:ext uri="{FF2B5EF4-FFF2-40B4-BE49-F238E27FC236}">
-                <a16:creationId xmlns:a16="http://schemas.microsoft.com/office/drawing/2014/main" xmlns="" id="{D43745DA-730F-4B9E-AB94-ED671069BA44}"/>
+                <a16:creationId xmlns="" xmlns:a16="http://schemas.microsoft.com/office/drawing/2014/main" id="{D43745DA-730F-4B9E-AB94-ED671069BA44}"/>
               </a:ext>
             </a:extLst>
           </p:cNvPr>
@@ -7120,7 +7116,7 @@
           <p:cNvPr id="6" name="Rechteck 5">
             <a:extLst>
               <a:ext uri="{FF2B5EF4-FFF2-40B4-BE49-F238E27FC236}">
-                <a16:creationId xmlns:a16="http://schemas.microsoft.com/office/drawing/2014/main" xmlns="" id="{A25ED339-59D9-463E-A3C4-B6D84BE5B6D7}"/>
+                <a16:creationId xmlns="" xmlns:a16="http://schemas.microsoft.com/office/drawing/2014/main" id="{A25ED339-59D9-463E-A3C4-B6D84BE5B6D7}"/>
               </a:ext>
             </a:extLst>
           </p:cNvPr>
@@ -7178,7 +7174,7 @@
           <p:cNvPr id="7" name="Rechteck 6">
             <a:extLst>
               <a:ext uri="{FF2B5EF4-FFF2-40B4-BE49-F238E27FC236}">
-                <a16:creationId xmlns:a16="http://schemas.microsoft.com/office/drawing/2014/main" xmlns="" id="{089A73A4-8D45-434C-8217-3C91B1307487}"/>
+                <a16:creationId xmlns="" xmlns:a16="http://schemas.microsoft.com/office/drawing/2014/main" id="{089A73A4-8D45-434C-8217-3C91B1307487}"/>
               </a:ext>
             </a:extLst>
           </p:cNvPr>
@@ -7227,7 +7223,7 @@
           <p:cNvPr id="8" name="Pfeil: nach unten 7">
             <a:extLst>
               <a:ext uri="{FF2B5EF4-FFF2-40B4-BE49-F238E27FC236}">
-                <a16:creationId xmlns:a16="http://schemas.microsoft.com/office/drawing/2014/main" xmlns="" id="{627132F9-9F8A-4C39-8700-05429A0C96FF}"/>
+                <a16:creationId xmlns="" xmlns:a16="http://schemas.microsoft.com/office/drawing/2014/main" id="{627132F9-9F8A-4C39-8700-05429A0C96FF}"/>
               </a:ext>
             </a:extLst>
           </p:cNvPr>
@@ -7273,7 +7269,7 @@
           <p:cNvPr id="10" name="Grafik 9" descr="Umschlag">
             <a:extLst>
               <a:ext uri="{FF2B5EF4-FFF2-40B4-BE49-F238E27FC236}">
-                <a16:creationId xmlns:a16="http://schemas.microsoft.com/office/drawing/2014/main" xmlns="" id="{F1295AF7-BC96-440E-991B-56D55DE2171E}"/>
+                <a16:creationId xmlns="" xmlns:a16="http://schemas.microsoft.com/office/drawing/2014/main" id="{F1295AF7-BC96-440E-991B-56D55DE2171E}"/>
               </a:ext>
             </a:extLst>
           </p:cNvPr>
@@ -7286,7 +7282,7 @@
           <a:blip r:embed="rId2">
             <a:extLst>
               <a:ext uri="{96DAC541-7B7A-43D3-8B79-37D633B846F1}">
-                <asvg:svgBlip xmlns:asvg="http://schemas.microsoft.com/office/drawing/2016/SVG/main" xmlns="" r:embed="rId3"/>
+                <asvg:svgBlip xmlns="" xmlns:asvg="http://schemas.microsoft.com/office/drawing/2016/SVG/main" r:embed="rId3"/>
               </a:ext>
             </a:extLst>
           </a:blip>
@@ -7309,7 +7305,7 @@
           <p:cNvPr id="11" name="Textfeld 10">
             <a:extLst>
               <a:ext uri="{FF2B5EF4-FFF2-40B4-BE49-F238E27FC236}">
-                <a16:creationId xmlns:a16="http://schemas.microsoft.com/office/drawing/2014/main" xmlns="" id="{3A52AEB7-32CE-497A-9B56-5D2DE7D9C226}"/>
+                <a16:creationId xmlns="" xmlns:a16="http://schemas.microsoft.com/office/drawing/2014/main" id="{3A52AEB7-32CE-497A-9B56-5D2DE7D9C226}"/>
               </a:ext>
             </a:extLst>
           </p:cNvPr>
@@ -7349,7 +7345,7 @@
           <p:cNvPr id="13" name="Grafik 12" descr="Zahnräder">
             <a:extLst>
               <a:ext uri="{FF2B5EF4-FFF2-40B4-BE49-F238E27FC236}">
-                <a16:creationId xmlns:a16="http://schemas.microsoft.com/office/drawing/2014/main" xmlns="" id="{FFF7DBD6-56D7-4A78-B12B-E0BFAD8714F7}"/>
+                <a16:creationId xmlns="" xmlns:a16="http://schemas.microsoft.com/office/drawing/2014/main" id="{FFF7DBD6-56D7-4A78-B12B-E0BFAD8714F7}"/>
               </a:ext>
             </a:extLst>
           </p:cNvPr>
@@ -7362,7 +7358,7 @@
           <a:blip r:embed="rId4">
             <a:extLst>
               <a:ext uri="{96DAC541-7B7A-43D3-8B79-37D633B846F1}">
-                <asvg:svgBlip xmlns:asvg="http://schemas.microsoft.com/office/drawing/2016/SVG/main" xmlns="" r:embed="rId5"/>
+                <asvg:svgBlip xmlns="" xmlns:asvg="http://schemas.microsoft.com/office/drawing/2016/SVG/main" r:embed="rId5"/>
               </a:ext>
             </a:extLst>
           </a:blip>
@@ -7796,7 +7792,7 @@
           <p:cNvPr id="2" name="Titel 1">
             <a:extLst>
               <a:ext uri="{FF2B5EF4-FFF2-40B4-BE49-F238E27FC236}">
-                <a16:creationId xmlns:a16="http://schemas.microsoft.com/office/drawing/2014/main" xmlns="" id="{2A3BD540-D9C6-4786-AC06-C2E5D7DF1BC2}"/>
+                <a16:creationId xmlns="" xmlns:a16="http://schemas.microsoft.com/office/drawing/2014/main" id="{2A3BD540-D9C6-4786-AC06-C2E5D7DF1BC2}"/>
               </a:ext>
             </a:extLst>
           </p:cNvPr>
@@ -7824,7 +7820,7 @@
           <p:cNvPr id="3" name="Inhaltsplatzhalter 2">
             <a:extLst>
               <a:ext uri="{FF2B5EF4-FFF2-40B4-BE49-F238E27FC236}">
-                <a16:creationId xmlns:a16="http://schemas.microsoft.com/office/drawing/2014/main" xmlns="" id="{175C8ADC-6AC9-4431-8425-75DA39884991}"/>
+                <a16:creationId xmlns="" xmlns:a16="http://schemas.microsoft.com/office/drawing/2014/main" id="{175C8ADC-6AC9-4431-8425-75DA39884991}"/>
               </a:ext>
             </a:extLst>
           </p:cNvPr>
@@ -7919,7 +7915,7 @@
           <p:cNvPr id="2" name="Titel 1">
             <a:extLst>
               <a:ext uri="{FF2B5EF4-FFF2-40B4-BE49-F238E27FC236}">
-                <a16:creationId xmlns:a16="http://schemas.microsoft.com/office/drawing/2014/main" xmlns="" id="{8171CFD2-AC23-4109-BD0D-21B9EB4AEA0D}"/>
+                <a16:creationId xmlns="" xmlns:a16="http://schemas.microsoft.com/office/drawing/2014/main" id="{8171CFD2-AC23-4109-BD0D-21B9EB4AEA0D}"/>
               </a:ext>
             </a:extLst>
           </p:cNvPr>
@@ -7947,7 +7943,7 @@
           <p:cNvPr id="3" name="Inhaltsplatzhalter 2">
             <a:extLst>
               <a:ext uri="{FF2B5EF4-FFF2-40B4-BE49-F238E27FC236}">
-                <a16:creationId xmlns:a16="http://schemas.microsoft.com/office/drawing/2014/main" xmlns="" id="{1CD1DB79-E4AB-4162-BBA9-C61E24112BCD}"/>
+                <a16:creationId xmlns="" xmlns:a16="http://schemas.microsoft.com/office/drawing/2014/main" id="{1CD1DB79-E4AB-4162-BBA9-C61E24112BCD}"/>
               </a:ext>
             </a:extLst>
           </p:cNvPr>
@@ -8077,7 +8073,7 @@
           <p:cNvPr id="5" name="Inhaltsplatzhalter 4">
             <a:extLst>
               <a:ext uri="{FF2B5EF4-FFF2-40B4-BE49-F238E27FC236}">
-                <a16:creationId xmlns:a16="http://schemas.microsoft.com/office/drawing/2014/main" xmlns="" id="{4B151A84-1B23-5D44-B458-480E5CACA641}"/>
+                <a16:creationId xmlns="" xmlns:a16="http://schemas.microsoft.com/office/drawing/2014/main" id="{4B151A84-1B23-5D44-B458-480E5CACA641}"/>
               </a:ext>
             </a:extLst>
           </p:cNvPr>
@@ -8103,28 +8099,28 @@
                 <a:gridCol w="450000">
                   <a:extLst>
                     <a:ext uri="{9D8B030D-6E8A-4147-A177-3AD203B41FA5}">
-                      <a16:colId xmlns:a16="http://schemas.microsoft.com/office/drawing/2014/main" xmlns="" val="1793104185"/>
+                      <a16:colId xmlns="" xmlns:a16="http://schemas.microsoft.com/office/drawing/2014/main" val="1793104185"/>
                     </a:ext>
                   </a:extLst>
                 </a:gridCol>
                 <a:gridCol w="450000">
                   <a:extLst>
                     <a:ext uri="{9D8B030D-6E8A-4147-A177-3AD203B41FA5}">
-                      <a16:colId xmlns:a16="http://schemas.microsoft.com/office/drawing/2014/main" xmlns="" val="2564365368"/>
+                      <a16:colId xmlns="" xmlns:a16="http://schemas.microsoft.com/office/drawing/2014/main" val="2564365368"/>
                     </a:ext>
                   </a:extLst>
                 </a:gridCol>
                 <a:gridCol w="450000">
                   <a:extLst>
                     <a:ext uri="{9D8B030D-6E8A-4147-A177-3AD203B41FA5}">
-                      <a16:colId xmlns:a16="http://schemas.microsoft.com/office/drawing/2014/main" xmlns="" val="2895716269"/>
+                      <a16:colId xmlns="" xmlns:a16="http://schemas.microsoft.com/office/drawing/2014/main" val="2895716269"/>
                     </a:ext>
                   </a:extLst>
                 </a:gridCol>
                 <a:gridCol w="450000">
                   <a:extLst>
                     <a:ext uri="{9D8B030D-6E8A-4147-A177-3AD203B41FA5}">
-                      <a16:colId xmlns:a16="http://schemas.microsoft.com/office/drawing/2014/main" xmlns="" val="2846545993"/>
+                      <a16:colId xmlns="" xmlns:a16="http://schemas.microsoft.com/office/drawing/2014/main" val="2846545993"/>
                     </a:ext>
                   </a:extLst>
                 </a:gridCol>
@@ -8364,7 +8360,7 @@
                 </a:tc>
                 <a:extLst>
                   <a:ext uri="{0D108BD9-81ED-4DB2-BD59-A6C34878D82A}">
-                    <a16:rowId xmlns:a16="http://schemas.microsoft.com/office/drawing/2014/main" xmlns="" val="645863001"/>
+                    <a16:rowId xmlns="" xmlns:a16="http://schemas.microsoft.com/office/drawing/2014/main" val="645863001"/>
                   </a:ext>
                 </a:extLst>
               </a:tr>
@@ -8603,7 +8599,7 @@
                 </a:tc>
                 <a:extLst>
                   <a:ext uri="{0D108BD9-81ED-4DB2-BD59-A6C34878D82A}">
-                    <a16:rowId xmlns:a16="http://schemas.microsoft.com/office/drawing/2014/main" xmlns="" val="3661175127"/>
+                    <a16:rowId xmlns="" xmlns:a16="http://schemas.microsoft.com/office/drawing/2014/main" val="3661175127"/>
                   </a:ext>
                 </a:extLst>
               </a:tr>
@@ -8842,7 +8838,7 @@
                 </a:tc>
                 <a:extLst>
                   <a:ext uri="{0D108BD9-81ED-4DB2-BD59-A6C34878D82A}">
-                    <a16:rowId xmlns:a16="http://schemas.microsoft.com/office/drawing/2014/main" xmlns="" val="3927872209"/>
+                    <a16:rowId xmlns="" xmlns:a16="http://schemas.microsoft.com/office/drawing/2014/main" val="3927872209"/>
                   </a:ext>
                 </a:extLst>
               </a:tr>
@@ -9081,7 +9077,7 @@
                 </a:tc>
                 <a:extLst>
                   <a:ext uri="{0D108BD9-81ED-4DB2-BD59-A6C34878D82A}">
-                    <a16:rowId xmlns:a16="http://schemas.microsoft.com/office/drawing/2014/main" xmlns="" val="1439815679"/>
+                    <a16:rowId xmlns="" xmlns:a16="http://schemas.microsoft.com/office/drawing/2014/main" val="1439815679"/>
                   </a:ext>
                 </a:extLst>
               </a:tr>
@@ -9094,7 +9090,7 @@
           <p:cNvPr id="12" name="Rechteck 11">
             <a:extLst>
               <a:ext uri="{FF2B5EF4-FFF2-40B4-BE49-F238E27FC236}">
-                <a16:creationId xmlns:a16="http://schemas.microsoft.com/office/drawing/2014/main" xmlns="" id="{D661AC50-4938-5049-8712-7924FCDA5E71}"/>
+                <a16:creationId xmlns="" xmlns:a16="http://schemas.microsoft.com/office/drawing/2014/main" id="{D661AC50-4938-5049-8712-7924FCDA5E71}"/>
               </a:ext>
             </a:extLst>
           </p:cNvPr>
@@ -9146,7 +9142,7 @@
           <p:cNvPr id="13" name="Pfeil nach rechts 12">
             <a:extLst>
               <a:ext uri="{FF2B5EF4-FFF2-40B4-BE49-F238E27FC236}">
-                <a16:creationId xmlns:a16="http://schemas.microsoft.com/office/drawing/2014/main" xmlns="" id="{DB76D098-EBA4-E24E-92B8-163FB16868BA}"/>
+                <a16:creationId xmlns="" xmlns:a16="http://schemas.microsoft.com/office/drawing/2014/main" id="{DB76D098-EBA4-E24E-92B8-163FB16868BA}"/>
               </a:ext>
             </a:extLst>
           </p:cNvPr>
@@ -9192,7 +9188,7 @@
           <p:cNvPr id="14" name="Textfeld 13">
             <a:extLst>
               <a:ext uri="{FF2B5EF4-FFF2-40B4-BE49-F238E27FC236}">
-                <a16:creationId xmlns:a16="http://schemas.microsoft.com/office/drawing/2014/main" xmlns="" id="{C887F461-4D90-474E-9B89-23BC65C231C9}"/>
+                <a16:creationId xmlns="" xmlns:a16="http://schemas.microsoft.com/office/drawing/2014/main" id="{C887F461-4D90-474E-9B89-23BC65C231C9}"/>
               </a:ext>
             </a:extLst>
           </p:cNvPr>
@@ -9232,7 +9228,7 @@
           <p:cNvPr id="16" name="Textfeld 15">
             <a:extLst>
               <a:ext uri="{FF2B5EF4-FFF2-40B4-BE49-F238E27FC236}">
-                <a16:creationId xmlns:a16="http://schemas.microsoft.com/office/drawing/2014/main" xmlns="" id="{80DB5BA5-2ED5-D647-B7BB-B1B32DA24895}"/>
+                <a16:creationId xmlns="" xmlns:a16="http://schemas.microsoft.com/office/drawing/2014/main" id="{80DB5BA5-2ED5-D647-B7BB-B1B32DA24895}"/>
               </a:ext>
             </a:extLst>
           </p:cNvPr>
@@ -9268,7 +9264,7 @@
           <p:cNvPr id="18" name="Textfeld 17">
             <a:extLst>
               <a:ext uri="{FF2B5EF4-FFF2-40B4-BE49-F238E27FC236}">
-                <a16:creationId xmlns:a16="http://schemas.microsoft.com/office/drawing/2014/main" xmlns="" id="{7496C66C-1E15-E645-9BFE-A543DD2FD105}"/>
+                <a16:creationId xmlns="" xmlns:a16="http://schemas.microsoft.com/office/drawing/2014/main" id="{7496C66C-1E15-E645-9BFE-A543DD2FD105}"/>
               </a:ext>
             </a:extLst>
           </p:cNvPr>
@@ -9303,7 +9299,7 @@
           <p:cNvPr id="19" name="Textfeld 18">
             <a:extLst>
               <a:ext uri="{FF2B5EF4-FFF2-40B4-BE49-F238E27FC236}">
-                <a16:creationId xmlns:a16="http://schemas.microsoft.com/office/drawing/2014/main" xmlns="" id="{92870ED6-2512-EC44-BCC5-1F1CCEBB14C0}"/>
+                <a16:creationId xmlns="" xmlns:a16="http://schemas.microsoft.com/office/drawing/2014/main" id="{92870ED6-2512-EC44-BCC5-1F1CCEBB14C0}"/>
               </a:ext>
             </a:extLst>
           </p:cNvPr>
@@ -9338,7 +9334,7 @@
           <p:cNvPr id="21" name="Rechteck 20">
             <a:extLst>
               <a:ext uri="{FF2B5EF4-FFF2-40B4-BE49-F238E27FC236}">
-                <a16:creationId xmlns:a16="http://schemas.microsoft.com/office/drawing/2014/main" xmlns="" id="{4AFD8E6B-31A6-EF45-AF9E-1C6A066A4F02}"/>
+                <a16:creationId xmlns="" xmlns:a16="http://schemas.microsoft.com/office/drawing/2014/main" id="{4AFD8E6B-31A6-EF45-AF9E-1C6A066A4F02}"/>
               </a:ext>
             </a:extLst>
           </p:cNvPr>
@@ -9499,7 +9495,7 @@
           <p:cNvPr id="22" name="Pfeil nach rechts 21">
             <a:extLst>
               <a:ext uri="{FF2B5EF4-FFF2-40B4-BE49-F238E27FC236}">
-                <a16:creationId xmlns:a16="http://schemas.microsoft.com/office/drawing/2014/main" xmlns="" id="{BF69A26C-FC84-A546-BA8E-0AA858501DD7}"/>
+                <a16:creationId xmlns="" xmlns:a16="http://schemas.microsoft.com/office/drawing/2014/main" id="{BF69A26C-FC84-A546-BA8E-0AA858501DD7}"/>
               </a:ext>
             </a:extLst>
           </p:cNvPr>
@@ -9545,7 +9541,7 @@
           <p:cNvPr id="24" name="Rechteck 23">
             <a:extLst>
               <a:ext uri="{FF2B5EF4-FFF2-40B4-BE49-F238E27FC236}">
-                <a16:creationId xmlns:a16="http://schemas.microsoft.com/office/drawing/2014/main" xmlns="" id="{0278C1FD-B8FE-4644-B1E4-4308F77AA079}"/>
+                <a16:creationId xmlns="" xmlns:a16="http://schemas.microsoft.com/office/drawing/2014/main" id="{0278C1FD-B8FE-4644-B1E4-4308F77AA079}"/>
               </a:ext>
             </a:extLst>
           </p:cNvPr>
@@ -9597,7 +9593,7 @@
           <p:cNvPr id="26" name="Textfeld 25">
             <a:extLst>
               <a:ext uri="{FF2B5EF4-FFF2-40B4-BE49-F238E27FC236}">
-                <a16:creationId xmlns:a16="http://schemas.microsoft.com/office/drawing/2014/main" xmlns="" id="{1728373E-2BBC-0540-9B0A-07DD41E6FD17}"/>
+                <a16:creationId xmlns="" xmlns:a16="http://schemas.microsoft.com/office/drawing/2014/main" id="{1728373E-2BBC-0540-9B0A-07DD41E6FD17}"/>
               </a:ext>
             </a:extLst>
           </p:cNvPr>
@@ -9632,7 +9628,7 @@
           <p:cNvPr id="27" name="Pfeil nach rechts 26">
             <a:extLst>
               <a:ext uri="{FF2B5EF4-FFF2-40B4-BE49-F238E27FC236}">
-                <a16:creationId xmlns:a16="http://schemas.microsoft.com/office/drawing/2014/main" xmlns="" id="{D1449B73-AA44-7640-9F6D-C7DE4117DBB9}"/>
+                <a16:creationId xmlns="" xmlns:a16="http://schemas.microsoft.com/office/drawing/2014/main" id="{D1449B73-AA44-7640-9F6D-C7DE4117DBB9}"/>
               </a:ext>
             </a:extLst>
           </p:cNvPr>
@@ -9678,7 +9674,7 @@
           <p:cNvPr id="28" name="Textfeld 27">
             <a:extLst>
               <a:ext uri="{FF2B5EF4-FFF2-40B4-BE49-F238E27FC236}">
-                <a16:creationId xmlns:a16="http://schemas.microsoft.com/office/drawing/2014/main" xmlns="" id="{71D1A6D2-C19B-754E-9D86-3291C844EACA}"/>
+                <a16:creationId xmlns="" xmlns:a16="http://schemas.microsoft.com/office/drawing/2014/main" id="{71D1A6D2-C19B-754E-9D86-3291C844EACA}"/>
               </a:ext>
             </a:extLst>
           </p:cNvPr>
@@ -9713,7 +9709,7 @@
           <p:cNvPr id="29" name="Pfeil nach rechts 28">
             <a:extLst>
               <a:ext uri="{FF2B5EF4-FFF2-40B4-BE49-F238E27FC236}">
-                <a16:creationId xmlns:a16="http://schemas.microsoft.com/office/drawing/2014/main" xmlns="" id="{C23A2E74-C480-034A-BD80-190F5A1AC1F1}"/>
+                <a16:creationId xmlns="" xmlns:a16="http://schemas.microsoft.com/office/drawing/2014/main" id="{C23A2E74-C480-034A-BD80-190F5A1AC1F1}"/>
               </a:ext>
             </a:extLst>
           </p:cNvPr>
@@ -9759,7 +9755,7 @@
           <p:cNvPr id="30" name="Textfeld 29">
             <a:extLst>
               <a:ext uri="{FF2B5EF4-FFF2-40B4-BE49-F238E27FC236}">
-                <a16:creationId xmlns:a16="http://schemas.microsoft.com/office/drawing/2014/main" xmlns="" id="{426B111E-CE9C-D14F-9261-7D06B742709C}"/>
+                <a16:creationId xmlns="" xmlns:a16="http://schemas.microsoft.com/office/drawing/2014/main" id="{426B111E-CE9C-D14F-9261-7D06B742709C}"/>
               </a:ext>
             </a:extLst>
           </p:cNvPr>
@@ -9794,7 +9790,7 @@
           <p:cNvPr id="31" name="Pfeil nach rechts 30">
             <a:extLst>
               <a:ext uri="{FF2B5EF4-FFF2-40B4-BE49-F238E27FC236}">
-                <a16:creationId xmlns:a16="http://schemas.microsoft.com/office/drawing/2014/main" xmlns="" id="{846150B6-CD17-864F-AEC5-85E84BF085B0}"/>
+                <a16:creationId xmlns="" xmlns:a16="http://schemas.microsoft.com/office/drawing/2014/main" id="{846150B6-CD17-864F-AEC5-85E84BF085B0}"/>
               </a:ext>
             </a:extLst>
           </p:cNvPr>
@@ -9840,7 +9836,7 @@
           <p:cNvPr id="32" name="Textfeld 31">
             <a:extLst>
               <a:ext uri="{FF2B5EF4-FFF2-40B4-BE49-F238E27FC236}">
-                <a16:creationId xmlns:a16="http://schemas.microsoft.com/office/drawing/2014/main" xmlns="" id="{CAC378BD-11FD-8B46-828A-11DF7B25674F}"/>
+                <a16:creationId xmlns="" xmlns:a16="http://schemas.microsoft.com/office/drawing/2014/main" id="{CAC378BD-11FD-8B46-828A-11DF7B25674F}"/>
               </a:ext>
             </a:extLst>
           </p:cNvPr>
@@ -9875,7 +9871,7 @@
           <p:cNvPr id="33" name="Textfeld 32">
             <a:extLst>
               <a:ext uri="{FF2B5EF4-FFF2-40B4-BE49-F238E27FC236}">
-                <a16:creationId xmlns:a16="http://schemas.microsoft.com/office/drawing/2014/main" xmlns="" id="{02AF5F33-406D-4646-AF98-1DCEE6EE1281}"/>
+                <a16:creationId xmlns="" xmlns:a16="http://schemas.microsoft.com/office/drawing/2014/main" id="{02AF5F33-406D-4646-AF98-1DCEE6EE1281}"/>
               </a:ext>
             </a:extLst>
           </p:cNvPr>
@@ -9910,7 +9906,7 @@
           <p:cNvPr id="40" name="Textfeld 39">
             <a:extLst>
               <a:ext uri="{FF2B5EF4-FFF2-40B4-BE49-F238E27FC236}">
-                <a16:creationId xmlns:a16="http://schemas.microsoft.com/office/drawing/2014/main" xmlns="" id="{6350F64E-245D-8547-BD5B-216BA3F58A11}"/>
+                <a16:creationId xmlns="" xmlns:a16="http://schemas.microsoft.com/office/drawing/2014/main" id="{6350F64E-245D-8547-BD5B-216BA3F58A11}"/>
               </a:ext>
             </a:extLst>
           </p:cNvPr>
@@ -9945,7 +9941,7 @@
           <p:cNvPr id="42" name="Rechteck 41">
             <a:extLst>
               <a:ext uri="{FF2B5EF4-FFF2-40B4-BE49-F238E27FC236}">
-                <a16:creationId xmlns:a16="http://schemas.microsoft.com/office/drawing/2014/main" xmlns="" id="{F26871B9-F063-CD40-94DE-F61A542737F7}"/>
+                <a16:creationId xmlns="" xmlns:a16="http://schemas.microsoft.com/office/drawing/2014/main" id="{F26871B9-F063-CD40-94DE-F61A542737F7}"/>
               </a:ext>
             </a:extLst>
           </p:cNvPr>
@@ -10000,7 +9996,7 @@
           <p:cNvPr id="44" name="Rechteck 43">
             <a:extLst>
               <a:ext uri="{FF2B5EF4-FFF2-40B4-BE49-F238E27FC236}">
-                <a16:creationId xmlns:a16="http://schemas.microsoft.com/office/drawing/2014/main" xmlns="" id="{C48281B8-D5D7-AC4C-912F-A626417A7BA0}"/>
+                <a16:creationId xmlns="" xmlns:a16="http://schemas.microsoft.com/office/drawing/2014/main" id="{C48281B8-D5D7-AC4C-912F-A626417A7BA0}"/>
               </a:ext>
             </a:extLst>
           </p:cNvPr>
@@ -10055,7 +10051,7 @@
           <p:cNvPr id="46" name="Rechteck 45">
             <a:extLst>
               <a:ext uri="{FF2B5EF4-FFF2-40B4-BE49-F238E27FC236}">
-                <a16:creationId xmlns:a16="http://schemas.microsoft.com/office/drawing/2014/main" xmlns="" id="{B3D5E505-3BC6-2E42-852F-071B6B8EEB33}"/>
+                <a16:creationId xmlns="" xmlns:a16="http://schemas.microsoft.com/office/drawing/2014/main" id="{B3D5E505-3BC6-2E42-852F-071B6B8EEB33}"/>
               </a:ext>
             </a:extLst>
           </p:cNvPr>
@@ -10110,7 +10106,7 @@
           <p:cNvPr id="47" name="Rechteck 46">
             <a:extLst>
               <a:ext uri="{FF2B5EF4-FFF2-40B4-BE49-F238E27FC236}">
-                <a16:creationId xmlns:a16="http://schemas.microsoft.com/office/drawing/2014/main" xmlns="" id="{204EF40F-4FDC-3040-8EB2-6753E48E0DA0}"/>
+                <a16:creationId xmlns="" xmlns:a16="http://schemas.microsoft.com/office/drawing/2014/main" id="{204EF40F-4FDC-3040-8EB2-6753E48E0DA0}"/>
               </a:ext>
             </a:extLst>
           </p:cNvPr>
@@ -10165,7 +10161,7 @@
           <p:cNvPr id="51" name="Gewinkelte Verbindung 50">
             <a:extLst>
               <a:ext uri="{FF2B5EF4-FFF2-40B4-BE49-F238E27FC236}">
-                <a16:creationId xmlns:a16="http://schemas.microsoft.com/office/drawing/2014/main" xmlns="" id="{839A9111-DE5A-C54D-8764-6BD4E4F2C2CD}"/>
+                <a16:creationId xmlns="" xmlns:a16="http://schemas.microsoft.com/office/drawing/2014/main" id="{839A9111-DE5A-C54D-8764-6BD4E4F2C2CD}"/>
               </a:ext>
             </a:extLst>
           </p:cNvPr>
@@ -10207,7 +10203,7 @@
           <p:cNvPr id="53" name="Gewinkelte Verbindung 52">
             <a:extLst>
               <a:ext uri="{FF2B5EF4-FFF2-40B4-BE49-F238E27FC236}">
-                <a16:creationId xmlns:a16="http://schemas.microsoft.com/office/drawing/2014/main" xmlns="" id="{36DBE74B-F50D-484B-8D7A-1F0787EB8D4F}"/>
+                <a16:creationId xmlns="" xmlns:a16="http://schemas.microsoft.com/office/drawing/2014/main" id="{36DBE74B-F50D-484B-8D7A-1F0787EB8D4F}"/>
               </a:ext>
             </a:extLst>
           </p:cNvPr>
@@ -11106,7 +11102,7 @@
           <p:cNvPr id="23" name="Grafik 22">
             <a:extLst>
               <a:ext uri="{FF2B5EF4-FFF2-40B4-BE49-F238E27FC236}">
-                <a16:creationId xmlns:a16="http://schemas.microsoft.com/office/drawing/2014/main" xmlns="" id="{97E32352-D993-7044-85BB-3926FD99A06E}"/>
+                <a16:creationId xmlns="" xmlns:a16="http://schemas.microsoft.com/office/drawing/2014/main" id="{97E32352-D993-7044-85BB-3926FD99A06E}"/>
               </a:ext>
             </a:extLst>
           </p:cNvPr>

--- a/Präsentationen/Steganographie&Steganalyse_Gesamtpräsentation.pptx
+++ b/Präsentationen/Steganographie&Steganalyse_Gesamtpräsentation.pptx
@@ -5,7 +5,7 @@
     <p:sldMasterId id="2147483648" r:id="rId1"/>
   </p:sldMasterIdLst>
   <p:notesMasterIdLst>
-    <p:notesMasterId r:id="rId19"/>
+    <p:notesMasterId r:id="rId23"/>
   </p:notesMasterIdLst>
   <p:sldIdLst>
     <p:sldId id="272" r:id="rId2"/>
@@ -15,16 +15,20 @@
     <p:sldId id="269" r:id="rId6"/>
     <p:sldId id="270" r:id="rId7"/>
     <p:sldId id="271" r:id="rId8"/>
-    <p:sldId id="259" r:id="rId9"/>
-    <p:sldId id="260" r:id="rId10"/>
-    <p:sldId id="261" r:id="rId11"/>
-    <p:sldId id="262" r:id="rId12"/>
-    <p:sldId id="263" r:id="rId13"/>
-    <p:sldId id="264" r:id="rId14"/>
-    <p:sldId id="265" r:id="rId15"/>
-    <p:sldId id="266" r:id="rId16"/>
-    <p:sldId id="258" r:id="rId17"/>
-    <p:sldId id="257" r:id="rId18"/>
+    <p:sldId id="274" r:id="rId9"/>
+    <p:sldId id="275" r:id="rId10"/>
+    <p:sldId id="276" r:id="rId11"/>
+    <p:sldId id="277" r:id="rId12"/>
+    <p:sldId id="259" r:id="rId13"/>
+    <p:sldId id="260" r:id="rId14"/>
+    <p:sldId id="261" r:id="rId15"/>
+    <p:sldId id="262" r:id="rId16"/>
+    <p:sldId id="263" r:id="rId17"/>
+    <p:sldId id="264" r:id="rId18"/>
+    <p:sldId id="265" r:id="rId19"/>
+    <p:sldId id="266" r:id="rId20"/>
+    <p:sldId id="258" r:id="rId21"/>
+    <p:sldId id="257" r:id="rId22"/>
   </p:sldIdLst>
   <p:sldSz cx="9144000" cy="6858000" type="screen4x3"/>
   <p:notesSz cx="6858000" cy="9144000"/>
@@ -213,7 +217,7 @@
           <a:p>
             <a:fld id="{A2405D4A-591D-2B41-B8F4-FA371B41D1CF}" type="datetimeFigureOut">
               <a:rPr lang="de-DE" smtClean="0"/>
-              <a:t>11.11.18</a:t>
+              <a:t>12.11.18</a:t>
             </a:fld>
             <a:endParaRPr lang="de-DE"/>
           </a:p>
@@ -880,6 +884,449 @@
 </p:notes>
 </file>
 
+<file path=ppt/notesSlides/notesSlide3.xml><?xml version="1.0" encoding="utf-8"?>
+<p:notes xmlns:a="http://schemas.openxmlformats.org/drawingml/2006/main" xmlns:r="http://schemas.openxmlformats.org/officeDocument/2006/relationships" xmlns:p="http://schemas.openxmlformats.org/presentationml/2006/main">
+  <p:cSld>
+    <p:spTree>
+      <p:nvGrpSpPr>
+        <p:cNvPr id="1" name=""/>
+        <p:cNvGrpSpPr/>
+        <p:nvPr/>
+      </p:nvGrpSpPr>
+      <p:grpSpPr>
+        <a:xfrm>
+          <a:off x="0" y="0"/>
+          <a:ext cx="0" cy="0"/>
+          <a:chOff x="0" y="0"/>
+          <a:chExt cx="0" cy="0"/>
+        </a:xfrm>
+      </p:grpSpPr>
+      <p:sp>
+        <p:nvSpPr>
+          <p:cNvPr id="2" name="Folienbildplatzhalter 1"/>
+          <p:cNvSpPr>
+            <a:spLocks noGrp="1" noRot="1" noChangeAspect="1"/>
+          </p:cNvSpPr>
+          <p:nvPr>
+            <p:ph type="sldImg"/>
+          </p:nvPr>
+        </p:nvSpPr>
+        <p:spPr/>
+      </p:sp>
+      <p:sp>
+        <p:nvSpPr>
+          <p:cNvPr id="3" name="Notizenplatzhalter 2"/>
+          <p:cNvSpPr>
+            <a:spLocks noGrp="1"/>
+          </p:cNvSpPr>
+          <p:nvPr>
+            <p:ph type="body" idx="1"/>
+          </p:nvPr>
+        </p:nvSpPr>
+        <p:spPr/>
+        <p:txBody>
+          <a:bodyPr/>
+          <a:lstStyle/>
+          <a:p>
+            <a:r>
+              <a:rPr lang="de-DE" dirty="0" smtClean="0"/>
+              <a:t>Wasserzeichen z.B.</a:t>
+            </a:r>
+            <a:r>
+              <a:rPr lang="de-DE" baseline="0" dirty="0" smtClean="0"/>
+              <a:t> </a:t>
+            </a:r>
+            <a:r>
+              <a:rPr lang="de-DE" baseline="0" dirty="0" err="1" smtClean="0"/>
+              <a:t>Screener</a:t>
+            </a:r>
+            <a:r>
+              <a:rPr lang="de-DE" baseline="0" dirty="0" smtClean="0"/>
+              <a:t> vor Oscars, </a:t>
+            </a:r>
+          </a:p>
+          <a:p>
+            <a:endParaRPr lang="de-DE" baseline="0" dirty="0" smtClean="0"/>
+          </a:p>
+          <a:p>
+            <a:r>
+              <a:rPr lang="de-DE" baseline="0" dirty="0" smtClean="0"/>
+              <a:t>Plausible </a:t>
+            </a:r>
+            <a:r>
+              <a:rPr lang="de-DE" baseline="0" dirty="0" err="1" smtClean="0"/>
+              <a:t>Deniability</a:t>
+            </a:r>
+            <a:r>
+              <a:rPr lang="de-DE" baseline="0" dirty="0" smtClean="0"/>
+              <a:t> in erster Linie um sich vor Strafverfolgung zu schützen. (Beugehaft zur </a:t>
+            </a:r>
+            <a:r>
+              <a:rPr lang="de-DE" baseline="0" dirty="0" err="1" smtClean="0"/>
+              <a:t>Passwordherausgabe</a:t>
+            </a:r>
+            <a:r>
+              <a:rPr lang="de-DE" baseline="0" dirty="0" smtClean="0"/>
+              <a:t>)</a:t>
+            </a:r>
+          </a:p>
+          <a:p>
+            <a:endParaRPr lang="de-DE" baseline="0" dirty="0" smtClean="0"/>
+          </a:p>
+          <a:p>
+            <a:r>
+              <a:rPr lang="de-DE" baseline="0" dirty="0" smtClean="0"/>
+              <a:t>Ultraschall </a:t>
+            </a:r>
+            <a:r>
+              <a:rPr lang="de-DE" baseline="0" dirty="0" err="1" smtClean="0"/>
+              <a:t>tracking</a:t>
+            </a:r>
+            <a:r>
+              <a:rPr lang="de-DE" baseline="0" dirty="0" smtClean="0"/>
+              <a:t> für Android Geräte https://www.heise.de/newsticker/meldung/Tracking-Forscher-finden-Ultraschall-Spyware-in-234-Android-Apps-3704642.html</a:t>
+            </a:r>
+          </a:p>
+          <a:p>
+            <a:r>
+              <a:rPr lang="de-DE" baseline="0" dirty="0" smtClean="0"/>
+              <a:t>Verstecken von Informationen um Firewall zu täuschen.</a:t>
+            </a:r>
+          </a:p>
+          <a:p>
+            <a:endParaRPr lang="de-DE" baseline="0" dirty="0" smtClean="0"/>
+          </a:p>
+          <a:p>
+            <a:endParaRPr lang="de-DE" baseline="0" dirty="0" smtClean="0"/>
+          </a:p>
+        </p:txBody>
+      </p:sp>
+      <p:sp>
+        <p:nvSpPr>
+          <p:cNvPr id="4" name="Foliennummernplatzhalter 3"/>
+          <p:cNvSpPr>
+            <a:spLocks noGrp="1"/>
+          </p:cNvSpPr>
+          <p:nvPr>
+            <p:ph type="sldNum" sz="quarter" idx="10"/>
+          </p:nvPr>
+        </p:nvSpPr>
+        <p:spPr/>
+        <p:txBody>
+          <a:bodyPr/>
+          <a:lstStyle/>
+          <a:p>
+            <a:fld id="{4657A71A-5AE3-EA43-B407-0093EC871AAE}" type="slidenum">
+              <a:rPr lang="de-DE" smtClean="0"/>
+              <a:t>8</a:t>
+            </a:fld>
+            <a:endParaRPr lang="de-DE"/>
+          </a:p>
+        </p:txBody>
+      </p:sp>
+    </p:spTree>
+    <p:extLst>
+      <p:ext uri="{BB962C8B-B14F-4D97-AF65-F5344CB8AC3E}">
+        <p14:creationId xmlns:p14="http://schemas.microsoft.com/office/powerpoint/2010/main" val="823487787"/>
+      </p:ext>
+    </p:extLst>
+  </p:cSld>
+  <p:clrMapOvr>
+    <a:masterClrMapping/>
+  </p:clrMapOvr>
+</p:notes>
+</file>
+
+<file path=ppt/notesSlides/notesSlide4.xml><?xml version="1.0" encoding="utf-8"?>
+<p:notes xmlns:a="http://schemas.openxmlformats.org/drawingml/2006/main" xmlns:r="http://schemas.openxmlformats.org/officeDocument/2006/relationships" xmlns:p="http://schemas.openxmlformats.org/presentationml/2006/main">
+  <p:cSld>
+    <p:spTree>
+      <p:nvGrpSpPr>
+        <p:cNvPr id="1" name=""/>
+        <p:cNvGrpSpPr/>
+        <p:nvPr/>
+      </p:nvGrpSpPr>
+      <p:grpSpPr>
+        <a:xfrm>
+          <a:off x="0" y="0"/>
+          <a:ext cx="0" cy="0"/>
+          <a:chOff x="0" y="0"/>
+          <a:chExt cx="0" cy="0"/>
+        </a:xfrm>
+      </p:grpSpPr>
+      <p:sp>
+        <p:nvSpPr>
+          <p:cNvPr id="2" name="Folienbildplatzhalter 1"/>
+          <p:cNvSpPr>
+            <a:spLocks noGrp="1" noRot="1" noChangeAspect="1"/>
+          </p:cNvSpPr>
+          <p:nvPr>
+            <p:ph type="sldImg"/>
+          </p:nvPr>
+        </p:nvSpPr>
+        <p:spPr/>
+      </p:sp>
+      <p:sp>
+        <p:nvSpPr>
+          <p:cNvPr id="3" name="Notizenplatzhalter 2"/>
+          <p:cNvSpPr>
+            <a:spLocks noGrp="1"/>
+          </p:cNvSpPr>
+          <p:nvPr>
+            <p:ph type="body" idx="1"/>
+          </p:nvPr>
+        </p:nvSpPr>
+        <p:spPr/>
+        <p:txBody>
+          <a:bodyPr/>
+          <a:lstStyle/>
+          <a:p>
+            <a:endParaRPr lang="de-DE" baseline="0" dirty="0" smtClean="0"/>
+          </a:p>
+          <a:p>
+            <a:endParaRPr lang="de-DE" baseline="0" dirty="0" smtClean="0"/>
+          </a:p>
+        </p:txBody>
+      </p:sp>
+      <p:sp>
+        <p:nvSpPr>
+          <p:cNvPr id="4" name="Foliennummernplatzhalter 3"/>
+          <p:cNvSpPr>
+            <a:spLocks noGrp="1"/>
+          </p:cNvSpPr>
+          <p:nvPr>
+            <p:ph type="sldNum" sz="quarter" idx="10"/>
+          </p:nvPr>
+        </p:nvSpPr>
+        <p:spPr/>
+        <p:txBody>
+          <a:bodyPr/>
+          <a:lstStyle/>
+          <a:p>
+            <a:fld id="{4657A71A-5AE3-EA43-B407-0093EC871AAE}" type="slidenum">
+              <a:rPr lang="de-DE" smtClean="0"/>
+              <a:t>9</a:t>
+            </a:fld>
+            <a:endParaRPr lang="de-DE"/>
+          </a:p>
+        </p:txBody>
+      </p:sp>
+    </p:spTree>
+    <p:extLst>
+      <p:ext uri="{BB962C8B-B14F-4D97-AF65-F5344CB8AC3E}">
+        <p14:creationId xmlns:p14="http://schemas.microsoft.com/office/powerpoint/2010/main" val="139351949"/>
+      </p:ext>
+    </p:extLst>
+  </p:cSld>
+  <p:clrMapOvr>
+    <a:masterClrMapping/>
+  </p:clrMapOvr>
+</p:notes>
+</file>
+
+<file path=ppt/notesSlides/notesSlide5.xml><?xml version="1.0" encoding="utf-8"?>
+<p:notes xmlns:a="http://schemas.openxmlformats.org/drawingml/2006/main" xmlns:r="http://schemas.openxmlformats.org/officeDocument/2006/relationships" xmlns:p="http://schemas.openxmlformats.org/presentationml/2006/main">
+  <p:cSld>
+    <p:spTree>
+      <p:nvGrpSpPr>
+        <p:cNvPr id="1" name=""/>
+        <p:cNvGrpSpPr/>
+        <p:nvPr/>
+      </p:nvGrpSpPr>
+      <p:grpSpPr>
+        <a:xfrm>
+          <a:off x="0" y="0"/>
+          <a:ext cx="0" cy="0"/>
+          <a:chOff x="0" y="0"/>
+          <a:chExt cx="0" cy="0"/>
+        </a:xfrm>
+      </p:grpSpPr>
+      <p:sp>
+        <p:nvSpPr>
+          <p:cNvPr id="2" name="Folienbildplatzhalter 1"/>
+          <p:cNvSpPr>
+            <a:spLocks noGrp="1" noRot="1" noChangeAspect="1"/>
+          </p:cNvSpPr>
+          <p:nvPr>
+            <p:ph type="sldImg"/>
+          </p:nvPr>
+        </p:nvSpPr>
+        <p:spPr/>
+      </p:sp>
+      <p:sp>
+        <p:nvSpPr>
+          <p:cNvPr id="3" name="Notizenplatzhalter 2"/>
+          <p:cNvSpPr>
+            <a:spLocks noGrp="1"/>
+          </p:cNvSpPr>
+          <p:nvPr>
+            <p:ph type="body" idx="1"/>
+          </p:nvPr>
+        </p:nvSpPr>
+        <p:spPr/>
+        <p:txBody>
+          <a:bodyPr/>
+          <a:lstStyle/>
+          <a:p>
+            <a:endParaRPr lang="de-DE" baseline="0" dirty="0" smtClean="0"/>
+          </a:p>
+          <a:p>
+            <a:r>
+              <a:rPr lang="de-DE" baseline="0" dirty="0" smtClean="0"/>
+              <a:t>Kompression nicht immer Unter Nutzerkontrolle</a:t>
+            </a:r>
+          </a:p>
+          <a:p>
+            <a:endParaRPr lang="de-DE" baseline="0" dirty="0" smtClean="0"/>
+          </a:p>
+          <a:p>
+            <a:r>
+              <a:rPr lang="de-DE" baseline="0" dirty="0" smtClean="0"/>
+              <a:t>Die Art der </a:t>
+            </a:r>
+            <a:r>
+              <a:rPr lang="de-DE" baseline="0" dirty="0" err="1" smtClean="0"/>
+              <a:t>Steganographischen</a:t>
+            </a:r>
+            <a:r>
+              <a:rPr lang="de-DE" baseline="0" dirty="0" smtClean="0"/>
+              <a:t> Speicherung muss zur Art der Datenspeicherung passen</a:t>
+            </a:r>
+          </a:p>
+          <a:p>
+            <a:endParaRPr lang="de-DE" baseline="0" dirty="0" smtClean="0"/>
+          </a:p>
+          <a:p>
+            <a:r>
+              <a:rPr lang="de-DE" baseline="0" dirty="0" smtClean="0"/>
+              <a:t>Im Beispielprogramm wird PNG verwendet</a:t>
+            </a:r>
+          </a:p>
+        </p:txBody>
+      </p:sp>
+      <p:sp>
+        <p:nvSpPr>
+          <p:cNvPr id="4" name="Foliennummernplatzhalter 3"/>
+          <p:cNvSpPr>
+            <a:spLocks noGrp="1"/>
+          </p:cNvSpPr>
+          <p:nvPr>
+            <p:ph type="sldNum" sz="quarter" idx="10"/>
+          </p:nvPr>
+        </p:nvSpPr>
+        <p:spPr/>
+        <p:txBody>
+          <a:bodyPr/>
+          <a:lstStyle/>
+          <a:p>
+            <a:fld id="{4657A71A-5AE3-EA43-B407-0093EC871AAE}" type="slidenum">
+              <a:rPr lang="de-DE" smtClean="0"/>
+              <a:t>10</a:t>
+            </a:fld>
+            <a:endParaRPr lang="de-DE"/>
+          </a:p>
+        </p:txBody>
+      </p:sp>
+    </p:spTree>
+    <p:extLst>
+      <p:ext uri="{BB962C8B-B14F-4D97-AF65-F5344CB8AC3E}">
+        <p14:creationId xmlns:p14="http://schemas.microsoft.com/office/powerpoint/2010/main" val="311168892"/>
+      </p:ext>
+    </p:extLst>
+  </p:cSld>
+  <p:clrMapOvr>
+    <a:masterClrMapping/>
+  </p:clrMapOvr>
+</p:notes>
+</file>
+
+<file path=ppt/notesSlides/notesSlide6.xml><?xml version="1.0" encoding="utf-8"?>
+<p:notes xmlns:a="http://schemas.openxmlformats.org/drawingml/2006/main" xmlns:r="http://schemas.openxmlformats.org/officeDocument/2006/relationships" xmlns:p="http://schemas.openxmlformats.org/presentationml/2006/main">
+  <p:cSld>
+    <p:spTree>
+      <p:nvGrpSpPr>
+        <p:cNvPr id="1" name=""/>
+        <p:cNvGrpSpPr/>
+        <p:nvPr/>
+      </p:nvGrpSpPr>
+      <p:grpSpPr>
+        <a:xfrm>
+          <a:off x="0" y="0"/>
+          <a:ext cx="0" cy="0"/>
+          <a:chOff x="0" y="0"/>
+          <a:chExt cx="0" cy="0"/>
+        </a:xfrm>
+      </p:grpSpPr>
+      <p:sp>
+        <p:nvSpPr>
+          <p:cNvPr id="2" name="Folienbildplatzhalter 1"/>
+          <p:cNvSpPr>
+            <a:spLocks noGrp="1" noRot="1" noChangeAspect="1"/>
+          </p:cNvSpPr>
+          <p:nvPr>
+            <p:ph type="sldImg"/>
+          </p:nvPr>
+        </p:nvSpPr>
+        <p:spPr/>
+      </p:sp>
+      <p:sp>
+        <p:nvSpPr>
+          <p:cNvPr id="3" name="Notizenplatzhalter 2"/>
+          <p:cNvSpPr>
+            <a:spLocks noGrp="1"/>
+          </p:cNvSpPr>
+          <p:nvPr>
+            <p:ph type="body" idx="1"/>
+          </p:nvPr>
+        </p:nvSpPr>
+        <p:spPr/>
+        <p:txBody>
+          <a:bodyPr/>
+          <a:lstStyle/>
+          <a:p>
+            <a:endParaRPr lang="de-DE" baseline="0" dirty="0" smtClean="0"/>
+          </a:p>
+          <a:p>
+            <a:endParaRPr lang="de-DE" baseline="0" dirty="0" smtClean="0"/>
+          </a:p>
+        </p:txBody>
+      </p:sp>
+      <p:sp>
+        <p:nvSpPr>
+          <p:cNvPr id="4" name="Foliennummernplatzhalter 3"/>
+          <p:cNvSpPr>
+            <a:spLocks noGrp="1"/>
+          </p:cNvSpPr>
+          <p:nvPr>
+            <p:ph type="sldNum" sz="quarter" idx="10"/>
+          </p:nvPr>
+        </p:nvSpPr>
+        <p:spPr/>
+        <p:txBody>
+          <a:bodyPr/>
+          <a:lstStyle/>
+          <a:p>
+            <a:fld id="{4657A71A-5AE3-EA43-B407-0093EC871AAE}" type="slidenum">
+              <a:rPr lang="de-DE" smtClean="0"/>
+              <a:t>11</a:t>
+            </a:fld>
+            <a:endParaRPr lang="de-DE"/>
+          </a:p>
+        </p:txBody>
+      </p:sp>
+    </p:spTree>
+    <p:extLst>
+      <p:ext uri="{BB962C8B-B14F-4D97-AF65-F5344CB8AC3E}">
+        <p14:creationId xmlns:p14="http://schemas.microsoft.com/office/powerpoint/2010/main" val="1702180959"/>
+      </p:ext>
+    </p:extLst>
+  </p:cSld>
+  <p:clrMapOvr>
+    <a:masterClrMapping/>
+  </p:clrMapOvr>
+</p:notes>
+</file>
+
 <file path=ppt/slideLayouts/slideLayout1.xml><?xml version="1.0" encoding="utf-8"?>
 <p:sldLayout xmlns:a="http://schemas.openxmlformats.org/drawingml/2006/main" xmlns:r="http://schemas.openxmlformats.org/officeDocument/2006/relationships" xmlns:p="http://schemas.openxmlformats.org/presentationml/2006/main" preserve="1" userDrawn="1">
   <p:cSld name="Titelfolie">
@@ -1897,7 +2344,7 @@
                 <a:ea typeface="Helvetica" charset="0"/>
                 <a:cs typeface="Helvetica" charset="0"/>
               </a:rPr>
-              <a:t>11. November 2018</a:t>
+              <a:t>12. November 2018</a:t>
             </a:fld>
             <a:endParaRPr lang="de-DE" sz="1400" b="1" dirty="0">
               <a:effectLst/>
@@ -4273,46 +4720,63 @@
           <a:lstStyle/>
           <a:p>
             <a:r>
-              <a:rPr lang="de-DE" dirty="0"/>
-              <a:t>Text in Binär</a:t>
-            </a:r>
-          </a:p>
-        </p:txBody>
-      </p:sp>
-      <p:pic>
-        <p:nvPicPr>
-          <p:cNvPr id="4" name="Grafik 3">
-            <a:extLst>
-              <a:ext uri="{FF2B5EF4-FFF2-40B4-BE49-F238E27FC236}">
-                <a16:creationId xmlns="" xmlns:a16="http://schemas.microsoft.com/office/drawing/2014/main" id="{F69BB79F-E552-4E4C-8CBE-957E849CC8B4}"/>
-              </a:ext>
-            </a:extLst>
-          </p:cNvPr>
-          <p:cNvPicPr>
-            <a:picLocks noChangeAspect="1"/>
-          </p:cNvPicPr>
-          <p:nvPr/>
-        </p:nvPicPr>
-        <p:blipFill>
-          <a:blip r:embed="rId2"/>
-          <a:stretch>
-            <a:fillRect/>
-          </a:stretch>
-        </p:blipFill>
-        <p:spPr>
-          <a:xfrm>
-            <a:off x="717550" y="1590413"/>
-            <a:ext cx="7797800" cy="3670300"/>
-          </a:xfrm>
-          <a:prstGeom prst="rect">
-            <a:avLst/>
-          </a:prstGeom>
-        </p:spPr>
-      </p:pic>
+              <a:rPr lang="de-DE" dirty="0" smtClean="0"/>
+              <a:t>Dateiformate</a:t>
+            </a:r>
+            <a:endParaRPr lang="de-DE" dirty="0"/>
+          </a:p>
+        </p:txBody>
+      </p:sp>
+      <p:sp>
+        <p:nvSpPr>
+          <p:cNvPr id="3" name="Inhaltsplatzhalter 2"/>
+          <p:cNvSpPr>
+            <a:spLocks noGrp="1"/>
+          </p:cNvSpPr>
+          <p:nvPr>
+            <p:ph idx="1"/>
+          </p:nvPr>
+        </p:nvSpPr>
+        <p:spPr/>
+        <p:txBody>
+          <a:bodyPr/>
+          <a:lstStyle/>
+          <a:p>
+            <a:r>
+              <a:rPr lang="de-DE" dirty="0" smtClean="0"/>
+              <a:t>Bilder werden meistens komprimiert gespeichert.</a:t>
+            </a:r>
+          </a:p>
+          <a:p>
+            <a:endParaRPr lang="de-DE" dirty="0"/>
+          </a:p>
+          <a:p>
+            <a:r>
+              <a:rPr lang="de-DE" dirty="0" smtClean="0"/>
+              <a:t>JPEG verändert auch bereits komprimierte Dateien.</a:t>
+            </a:r>
+          </a:p>
+          <a:p>
+            <a:endParaRPr lang="de-DE" dirty="0" smtClean="0"/>
+          </a:p>
+          <a:p>
+            <a:r>
+              <a:rPr lang="de-DE" dirty="0" smtClean="0"/>
+              <a:t>Hierdurch können Stenographische Informationen verloren gehen.</a:t>
+            </a:r>
+          </a:p>
+          <a:p>
+            <a:endParaRPr lang="de-DE" dirty="0"/>
+          </a:p>
+          <a:p>
+            <a:endParaRPr lang="de-DE" dirty="0" smtClean="0"/>
+          </a:p>
+        </p:txBody>
+      </p:sp>
     </p:spTree>
     <p:extLst>
       <p:ext uri="{BB962C8B-B14F-4D97-AF65-F5344CB8AC3E}">
-        <p14:creationId xmlns:p14="http://schemas.microsoft.com/office/powerpoint/2010/main" val="1903962627"/>
+        <p14:creationId xmlns:p14="http://schemas.microsoft.com/office/powerpoint/2010/main" val="1331031613"/>
       </p:ext>
     </p:extLst>
   </p:cSld>
@@ -4362,46 +4826,80 @@
           <a:lstStyle/>
           <a:p>
             <a:r>
-              <a:rPr lang="de-DE" dirty="0"/>
-              <a:t>Bits einfügen</a:t>
-            </a:r>
+              <a:rPr lang="de-DE" dirty="0" smtClean="0"/>
+              <a:t>JPEG-Kompression</a:t>
+            </a:r>
+            <a:endParaRPr lang="de-DE" dirty="0"/>
+          </a:p>
+        </p:txBody>
+      </p:sp>
+      <p:sp>
+        <p:nvSpPr>
+          <p:cNvPr id="3" name="Inhaltsplatzhalter 2"/>
+          <p:cNvSpPr>
+            <a:spLocks noGrp="1"/>
+          </p:cNvSpPr>
+          <p:nvPr>
+            <p:ph idx="1"/>
+          </p:nvPr>
+        </p:nvSpPr>
+        <p:spPr/>
+        <p:txBody>
+          <a:bodyPr/>
+          <a:lstStyle/>
+          <a:p>
+            <a:endParaRPr lang="de-DE" b="1" dirty="0" smtClean="0"/>
+          </a:p>
+          <a:p>
+            <a:endParaRPr lang="de-DE" dirty="0"/>
           </a:p>
         </p:txBody>
       </p:sp>
       <p:pic>
         <p:nvPicPr>
-          <p:cNvPr id="5" name="Grafik 4">
-            <a:extLst>
-              <a:ext uri="{FF2B5EF4-FFF2-40B4-BE49-F238E27FC236}">
-                <a16:creationId xmlns="" xmlns:a16="http://schemas.microsoft.com/office/drawing/2014/main" id="{3F8E3A34-2CAD-614D-9FEE-921CF91B4FC6}"/>
-              </a:ext>
-            </a:extLst>
-          </p:cNvPr>
+          <p:cNvPr id="3074" name="Picture 2" descr="C:\Big Data\29015.jpg"/>
           <p:cNvPicPr>
-            <a:picLocks noChangeAspect="1"/>
+            <a:picLocks noChangeAspect="1" noChangeArrowheads="1"/>
           </p:cNvPicPr>
           <p:nvPr/>
         </p:nvPicPr>
         <p:blipFill>
-          <a:blip r:embed="rId2"/>
+          <a:blip r:embed="rId3">
+            <a:extLst>
+              <a:ext uri="{28A0092B-C50C-407E-A947-70E740481C1C}">
+                <a14:useLocalDpi xmlns:a14="http://schemas.microsoft.com/office/drawing/2010/main" val="0"/>
+              </a:ext>
+            </a:extLst>
+          </a:blip>
+          <a:srcRect/>
           <a:stretch>
             <a:fillRect/>
           </a:stretch>
         </p:blipFill>
-        <p:spPr>
+        <p:spPr bwMode="auto">
           <a:xfrm>
-            <a:off x="0" y="1455510"/>
-            <a:ext cx="9144000" cy="4933813"/>
+            <a:off x="826141" y="1473083"/>
+            <a:ext cx="7689209" cy="4167551"/>
           </a:xfrm>
           <a:prstGeom prst="rect">
             <a:avLst/>
           </a:prstGeom>
+          <a:noFill/>
+          <a:extLst>
+            <a:ext uri="{909E8E84-426E-40DD-AFC4-6F175D3DCCD1}">
+              <a14:hiddenFill xmlns:a14="http://schemas.microsoft.com/office/drawing/2010/main">
+                <a:solidFill>
+                  <a:srgbClr val="FFFFFF"/>
+                </a:solidFill>
+              </a14:hiddenFill>
+            </a:ext>
+          </a:extLst>
         </p:spPr>
       </p:pic>
     </p:spTree>
     <p:extLst>
       <p:ext uri="{BB962C8B-B14F-4D97-AF65-F5344CB8AC3E}">
-        <p14:creationId xmlns:p14="http://schemas.microsoft.com/office/powerpoint/2010/main" val="246048042"/>
+        <p14:creationId xmlns:p14="http://schemas.microsoft.com/office/powerpoint/2010/main" val="692887399"/>
       </p:ext>
     </p:extLst>
   </p:cSld>
@@ -4445,3604 +4943,6 @@
             <p:ph type="title"/>
           </p:nvPr>
         </p:nvSpPr>
-        <p:spPr/>
-        <p:txBody>
-          <a:bodyPr/>
-          <a:lstStyle/>
-          <a:p>
-            <a:r>
-              <a:rPr lang="de-DE" dirty="0"/>
-              <a:t>Speichern</a:t>
-            </a:r>
-          </a:p>
-        </p:txBody>
-      </p:sp>
-      <p:pic>
-        <p:nvPicPr>
-          <p:cNvPr id="4" name="Grafik 3">
-            <a:extLst>
-              <a:ext uri="{FF2B5EF4-FFF2-40B4-BE49-F238E27FC236}">
-                <a16:creationId xmlns="" xmlns:a16="http://schemas.microsoft.com/office/drawing/2014/main" id="{38BF1D61-EFE8-0C43-8139-76BD0D7A6BAD}"/>
-              </a:ext>
-            </a:extLst>
-          </p:cNvPr>
-          <p:cNvPicPr>
-            <a:picLocks noChangeAspect="1"/>
-          </p:cNvPicPr>
-          <p:nvPr/>
-        </p:nvPicPr>
-        <p:blipFill>
-          <a:blip r:embed="rId2"/>
-          <a:stretch>
-            <a:fillRect/>
-          </a:stretch>
-        </p:blipFill>
-        <p:spPr>
-          <a:xfrm>
-            <a:off x="2044700" y="1593847"/>
-            <a:ext cx="5054600" cy="3670300"/>
-          </a:xfrm>
-          <a:prstGeom prst="rect">
-            <a:avLst/>
-          </a:prstGeom>
-        </p:spPr>
-      </p:pic>
-    </p:spTree>
-    <p:extLst>
-      <p:ext uri="{BB962C8B-B14F-4D97-AF65-F5344CB8AC3E}">
-        <p14:creationId xmlns:p14="http://schemas.microsoft.com/office/powerpoint/2010/main" val="109236196"/>
-      </p:ext>
-    </p:extLst>
-  </p:cSld>
-  <p:clrMapOvr>
-    <a:masterClrMapping/>
-  </p:clrMapOvr>
-  <p:timing>
-    <p:tnLst>
-      <p:par>
-        <p:cTn id="1" dur="indefinite" restart="never" nodeType="tmRoot"/>
-      </p:par>
-    </p:tnLst>
-  </p:timing>
-</p:sld>
-</file>
-
-<file path=ppt/slides/slide13.xml><?xml version="1.0" encoding="utf-8"?>
-<p:sld xmlns:a="http://schemas.openxmlformats.org/drawingml/2006/main" xmlns:r="http://schemas.openxmlformats.org/officeDocument/2006/relationships" xmlns:p="http://schemas.openxmlformats.org/presentationml/2006/main">
-  <p:cSld>
-    <p:spTree>
-      <p:nvGrpSpPr>
-        <p:cNvPr id="1" name=""/>
-        <p:cNvGrpSpPr/>
-        <p:nvPr/>
-      </p:nvGrpSpPr>
-      <p:grpSpPr>
-        <a:xfrm>
-          <a:off x="0" y="0"/>
-          <a:ext cx="0" cy="0"/>
-          <a:chOff x="0" y="0"/>
-          <a:chExt cx="0" cy="0"/>
-        </a:xfrm>
-      </p:grpSpPr>
-      <p:sp>
-        <p:nvSpPr>
-          <p:cNvPr id="2" name="Titel 1"/>
-          <p:cNvSpPr>
-            <a:spLocks noGrp="1"/>
-          </p:cNvSpPr>
-          <p:nvPr>
-            <p:ph type="title"/>
-          </p:nvPr>
-        </p:nvSpPr>
-        <p:spPr/>
-        <p:txBody>
-          <a:bodyPr/>
-          <a:lstStyle/>
-          <a:p>
-            <a:r>
-              <a:rPr lang="de-DE" dirty="0"/>
-              <a:t>Bild nachher</a:t>
-            </a:r>
-          </a:p>
-        </p:txBody>
-      </p:sp>
-      <p:pic>
-        <p:nvPicPr>
-          <p:cNvPr id="7" name="Grafik 6">
-            <a:extLst>
-              <a:ext uri="{FF2B5EF4-FFF2-40B4-BE49-F238E27FC236}">
-                <a16:creationId xmlns="" xmlns:a16="http://schemas.microsoft.com/office/drawing/2014/main" id="{4A98AE2C-4EC1-7F44-AD7C-3F4669FE5846}"/>
-              </a:ext>
-            </a:extLst>
-          </p:cNvPr>
-          <p:cNvPicPr>
-            <a:picLocks noChangeAspect="1"/>
-          </p:cNvPicPr>
-          <p:nvPr/>
-        </p:nvPicPr>
-        <p:blipFill>
-          <a:blip r:embed="rId2"/>
-          <a:stretch>
-            <a:fillRect/>
-          </a:stretch>
-        </p:blipFill>
-        <p:spPr>
-          <a:xfrm>
-            <a:off x="4783020" y="2076450"/>
-            <a:ext cx="4064000" cy="2705100"/>
-          </a:xfrm>
-          <a:prstGeom prst="rect">
-            <a:avLst/>
-          </a:prstGeom>
-        </p:spPr>
-      </p:pic>
-      <p:pic>
-        <p:nvPicPr>
-          <p:cNvPr id="9" name="Grafik 8">
-            <a:extLst>
-              <a:ext uri="{FF2B5EF4-FFF2-40B4-BE49-F238E27FC236}">
-                <a16:creationId xmlns="" xmlns:a16="http://schemas.microsoft.com/office/drawing/2014/main" id="{FF955252-EF42-9849-8D62-41A51BA973D2}"/>
-              </a:ext>
-            </a:extLst>
-          </p:cNvPr>
-          <p:cNvPicPr>
-            <a:picLocks noChangeAspect="1"/>
-          </p:cNvPicPr>
-          <p:nvPr/>
-        </p:nvPicPr>
-        <p:blipFill>
-          <a:blip r:embed="rId3"/>
-          <a:stretch>
-            <a:fillRect/>
-          </a:stretch>
-        </p:blipFill>
-        <p:spPr>
-          <a:xfrm>
-            <a:off x="296981" y="2076450"/>
-            <a:ext cx="4064000" cy="2705100"/>
-          </a:xfrm>
-          <a:prstGeom prst="rect">
-            <a:avLst/>
-          </a:prstGeom>
-        </p:spPr>
-      </p:pic>
-    </p:spTree>
-    <p:extLst>
-      <p:ext uri="{BB962C8B-B14F-4D97-AF65-F5344CB8AC3E}">
-        <p14:creationId xmlns:p14="http://schemas.microsoft.com/office/powerpoint/2010/main" val="1981711634"/>
-      </p:ext>
-    </p:extLst>
-  </p:cSld>
-  <p:clrMapOvr>
-    <a:masterClrMapping/>
-  </p:clrMapOvr>
-  <p:timing>
-    <p:tnLst>
-      <p:par>
-        <p:cTn id="1" dur="indefinite" restart="never" nodeType="tmRoot"/>
-      </p:par>
-    </p:tnLst>
-  </p:timing>
-</p:sld>
-</file>
-
-<file path=ppt/slides/slide14.xml><?xml version="1.0" encoding="utf-8"?>
-<p:sld xmlns:a="http://schemas.openxmlformats.org/drawingml/2006/main" xmlns:r="http://schemas.openxmlformats.org/officeDocument/2006/relationships" xmlns:p="http://schemas.openxmlformats.org/presentationml/2006/main">
-  <p:cSld>
-    <p:spTree>
-      <p:nvGrpSpPr>
-        <p:cNvPr id="1" name=""/>
-        <p:cNvGrpSpPr/>
-        <p:nvPr/>
-      </p:nvGrpSpPr>
-      <p:grpSpPr>
-        <a:xfrm>
-          <a:off x="0" y="0"/>
-          <a:ext cx="0" cy="0"/>
-          <a:chOff x="0" y="0"/>
-          <a:chExt cx="0" cy="0"/>
-        </a:xfrm>
-      </p:grpSpPr>
-      <p:sp>
-        <p:nvSpPr>
-          <p:cNvPr id="2" name="Titel 1"/>
-          <p:cNvSpPr>
-            <a:spLocks noGrp="1"/>
-          </p:cNvSpPr>
-          <p:nvPr>
-            <p:ph type="title"/>
-          </p:nvPr>
-        </p:nvSpPr>
-        <p:spPr/>
-        <p:txBody>
-          <a:bodyPr/>
-          <a:lstStyle/>
-          <a:p>
-            <a:r>
-              <a:rPr lang="de-DE" dirty="0"/>
-              <a:t>Verteilung der Bits</a:t>
-            </a:r>
-          </a:p>
-        </p:txBody>
-      </p:sp>
-      <p:pic>
-        <p:nvPicPr>
-          <p:cNvPr id="7" name="Grafik 6">
-            <a:extLst>
-              <a:ext uri="{FF2B5EF4-FFF2-40B4-BE49-F238E27FC236}">
-                <a16:creationId xmlns="" xmlns:a16="http://schemas.microsoft.com/office/drawing/2014/main" id="{75974717-D42F-0745-A3CE-4518ECE0AB6E}"/>
-              </a:ext>
-            </a:extLst>
-          </p:cNvPr>
-          <p:cNvPicPr>
-            <a:picLocks noChangeAspect="1"/>
-          </p:cNvPicPr>
-          <p:nvPr/>
-        </p:nvPicPr>
-        <p:blipFill>
-          <a:blip r:embed="rId2"/>
-          <a:stretch>
-            <a:fillRect/>
-          </a:stretch>
-        </p:blipFill>
-        <p:spPr>
-          <a:xfrm>
-            <a:off x="1068168" y="1388110"/>
-            <a:ext cx="7035800" cy="4813300"/>
-          </a:xfrm>
-          <a:prstGeom prst="rect">
-            <a:avLst/>
-          </a:prstGeom>
-        </p:spPr>
-      </p:pic>
-    </p:spTree>
-    <p:extLst>
-      <p:ext uri="{BB962C8B-B14F-4D97-AF65-F5344CB8AC3E}">
-        <p14:creationId xmlns:p14="http://schemas.microsoft.com/office/powerpoint/2010/main" val="1303551315"/>
-      </p:ext>
-    </p:extLst>
-  </p:cSld>
-  <p:clrMapOvr>
-    <a:masterClrMapping/>
-  </p:clrMapOvr>
-  <p:timing>
-    <p:tnLst>
-      <p:par>
-        <p:cTn id="1" dur="indefinite" restart="never" nodeType="tmRoot"/>
-      </p:par>
-    </p:tnLst>
-  </p:timing>
-</p:sld>
-</file>
-
-<file path=ppt/slides/slide15.xml><?xml version="1.0" encoding="utf-8"?>
-<p:sld xmlns:a="http://schemas.openxmlformats.org/drawingml/2006/main" xmlns:r="http://schemas.openxmlformats.org/officeDocument/2006/relationships" xmlns:p="http://schemas.openxmlformats.org/presentationml/2006/main">
-  <p:cSld>
-    <p:spTree>
-      <p:nvGrpSpPr>
-        <p:cNvPr id="1" name=""/>
-        <p:cNvGrpSpPr/>
-        <p:nvPr/>
-      </p:nvGrpSpPr>
-      <p:grpSpPr>
-        <a:xfrm>
-          <a:off x="0" y="0"/>
-          <a:ext cx="0" cy="0"/>
-          <a:chOff x="0" y="0"/>
-          <a:chExt cx="0" cy="0"/>
-        </a:xfrm>
-      </p:grpSpPr>
-      <p:sp>
-        <p:nvSpPr>
-          <p:cNvPr id="2" name="Titel 1"/>
-          <p:cNvSpPr>
-            <a:spLocks noGrp="1"/>
-          </p:cNvSpPr>
-          <p:nvPr>
-            <p:ph type="title"/>
-          </p:nvPr>
-        </p:nvSpPr>
-        <p:spPr/>
-        <p:txBody>
-          <a:bodyPr/>
-          <a:lstStyle/>
-          <a:p>
-            <a:r>
-              <a:rPr lang="de-DE" dirty="0"/>
-              <a:t>Verteilung der Bits</a:t>
-            </a:r>
-          </a:p>
-        </p:txBody>
-      </p:sp>
-      <p:pic>
-        <p:nvPicPr>
-          <p:cNvPr id="5" name="Grafik 4">
-            <a:extLst>
-              <a:ext uri="{FF2B5EF4-FFF2-40B4-BE49-F238E27FC236}">
-                <a16:creationId xmlns="" xmlns:a16="http://schemas.microsoft.com/office/drawing/2014/main" id="{042E58FD-4D23-334A-A6C6-60F5D2C4D394}"/>
-              </a:ext>
-            </a:extLst>
-          </p:cNvPr>
-          <p:cNvPicPr>
-            <a:picLocks noChangeAspect="1"/>
-          </p:cNvPicPr>
-          <p:nvPr/>
-        </p:nvPicPr>
-        <p:blipFill>
-          <a:blip r:embed="rId2"/>
-          <a:stretch>
-            <a:fillRect/>
-          </a:stretch>
-        </p:blipFill>
-        <p:spPr>
-          <a:xfrm>
-            <a:off x="1124440" y="1402178"/>
-            <a:ext cx="7035800" cy="4813300"/>
-          </a:xfrm>
-          <a:prstGeom prst="rect">
-            <a:avLst/>
-          </a:prstGeom>
-        </p:spPr>
-      </p:pic>
-    </p:spTree>
-    <p:extLst>
-      <p:ext uri="{BB962C8B-B14F-4D97-AF65-F5344CB8AC3E}">
-        <p14:creationId xmlns:p14="http://schemas.microsoft.com/office/powerpoint/2010/main" val="158784511"/>
-      </p:ext>
-    </p:extLst>
-  </p:cSld>
-  <p:clrMapOvr>
-    <a:masterClrMapping/>
-  </p:clrMapOvr>
-  <p:timing>
-    <p:tnLst>
-      <p:par>
-        <p:cTn id="1" dur="indefinite" restart="never" nodeType="tmRoot"/>
-      </p:par>
-    </p:tnLst>
-  </p:timing>
-</p:sld>
-</file>
-
-<file path=ppt/slides/slide16.xml><?xml version="1.0" encoding="utf-8"?>
-<p:sld xmlns:a="http://schemas.openxmlformats.org/drawingml/2006/main" xmlns:r="http://schemas.openxmlformats.org/officeDocument/2006/relationships" xmlns:p="http://schemas.openxmlformats.org/presentationml/2006/main">
-  <p:cSld>
-    <p:spTree>
-      <p:nvGrpSpPr>
-        <p:cNvPr id="1" name=""/>
-        <p:cNvGrpSpPr/>
-        <p:nvPr/>
-      </p:nvGrpSpPr>
-      <p:grpSpPr>
-        <a:xfrm>
-          <a:off x="0" y="0"/>
-          <a:ext cx="0" cy="0"/>
-          <a:chOff x="0" y="0"/>
-          <a:chExt cx="0" cy="0"/>
-        </a:xfrm>
-      </p:grpSpPr>
-      <p:sp>
-        <p:nvSpPr>
-          <p:cNvPr id="2" name="Titel 1"/>
-          <p:cNvSpPr>
-            <a:spLocks noGrp="1"/>
-          </p:cNvSpPr>
-          <p:nvPr>
-            <p:ph type="title"/>
-          </p:nvPr>
-        </p:nvSpPr>
-        <p:spPr/>
-        <p:txBody>
-          <a:bodyPr/>
-          <a:lstStyle/>
-          <a:p>
-            <a:r>
-              <a:rPr lang="de-DE" dirty="0" smtClean="0"/>
-              <a:t>Zusammenfassung</a:t>
-            </a:r>
-            <a:endParaRPr lang="de-DE" dirty="0"/>
-          </a:p>
-        </p:txBody>
-      </p:sp>
-      <p:sp>
-        <p:nvSpPr>
-          <p:cNvPr id="3" name="Inhaltsplatzhalter 2"/>
-          <p:cNvSpPr>
-            <a:spLocks noGrp="1"/>
-          </p:cNvSpPr>
-          <p:nvPr>
-            <p:ph idx="1"/>
-          </p:nvPr>
-        </p:nvSpPr>
-        <p:spPr/>
-        <p:txBody>
-          <a:bodyPr/>
-          <a:lstStyle/>
-          <a:p>
-            <a:r>
-              <a:rPr lang="de-DE" dirty="0" err="1" smtClean="0"/>
-              <a:t>Steganographie</a:t>
-            </a:r>
-            <a:r>
-              <a:rPr lang="de-DE" dirty="0" smtClean="0"/>
-              <a:t> befasst sich mit dem Verstecken von Informationen in verschiedenen Medien</a:t>
-            </a:r>
-            <a:br>
-              <a:rPr lang="de-DE" dirty="0" smtClean="0"/>
-            </a:br>
-            <a:endParaRPr lang="de-DE" dirty="0" smtClean="0"/>
-          </a:p>
-          <a:p>
-            <a:r>
-              <a:rPr lang="de-DE" dirty="0" smtClean="0"/>
-              <a:t>Eine Nachricht wird mithilfe eines festgelegten Verfahrens in ein Medium wie bspw. ein Bild codiert</a:t>
-            </a:r>
-            <a:br>
-              <a:rPr lang="de-DE" dirty="0" smtClean="0"/>
-            </a:br>
-            <a:endParaRPr lang="de-DE" dirty="0" smtClean="0"/>
-          </a:p>
-          <a:p>
-            <a:r>
-              <a:rPr lang="de-DE" dirty="0" err="1" smtClean="0"/>
-              <a:t>Steganographie</a:t>
-            </a:r>
-            <a:r>
-              <a:rPr lang="de-DE" dirty="0" smtClean="0"/>
-              <a:t> computergestützt in Kombination mit Bildern, Videos und Audiodateien</a:t>
-            </a:r>
-            <a:br>
-              <a:rPr lang="de-DE" dirty="0" smtClean="0"/>
-            </a:br>
-            <a:endParaRPr lang="de-DE" dirty="0" smtClean="0"/>
-          </a:p>
-          <a:p>
-            <a:r>
-              <a:rPr lang="de-DE" dirty="0" smtClean="0"/>
-              <a:t>Entdeckung von versteckten Informationen in einem Medium:</a:t>
-            </a:r>
-            <a:br>
-              <a:rPr lang="de-DE" dirty="0" smtClean="0"/>
-            </a:br>
-            <a:r>
-              <a:rPr lang="de-DE" dirty="0" err="1" smtClean="0"/>
-              <a:t>Steganographische</a:t>
-            </a:r>
-            <a:r>
-              <a:rPr lang="de-DE" dirty="0" smtClean="0"/>
-              <a:t> Analyse </a:t>
-            </a:r>
-            <a:r>
-              <a:rPr lang="de-DE" dirty="0" smtClean="0"/>
-              <a:t>bzw. Steganalyse</a:t>
-            </a:r>
-            <a:endParaRPr lang="de-DE" dirty="0"/>
-          </a:p>
-        </p:txBody>
-      </p:sp>
-    </p:spTree>
-    <p:extLst>
-      <p:ext uri="{BB962C8B-B14F-4D97-AF65-F5344CB8AC3E}">
-        <p14:creationId xmlns:p14="http://schemas.microsoft.com/office/powerpoint/2010/main" val="1717313812"/>
-      </p:ext>
-    </p:extLst>
-  </p:cSld>
-  <p:clrMapOvr>
-    <a:masterClrMapping/>
-  </p:clrMapOvr>
-  <p:timing>
-    <p:tnLst>
-      <p:par>
-        <p:cTn id="1" dur="indefinite" restart="never" nodeType="tmRoot"/>
-      </p:par>
-    </p:tnLst>
-  </p:timing>
-</p:sld>
-</file>
-
-<file path=ppt/slides/slide17.xml><?xml version="1.0" encoding="utf-8"?>
-<p:sld xmlns:a="http://schemas.openxmlformats.org/drawingml/2006/main" xmlns:r="http://schemas.openxmlformats.org/officeDocument/2006/relationships" xmlns:p="http://schemas.openxmlformats.org/presentationml/2006/main">
-  <p:cSld>
-    <p:spTree>
-      <p:nvGrpSpPr>
-        <p:cNvPr id="1" name=""/>
-        <p:cNvGrpSpPr/>
-        <p:nvPr/>
-      </p:nvGrpSpPr>
-      <p:grpSpPr>
-        <a:xfrm>
-          <a:off x="0" y="0"/>
-          <a:ext cx="0" cy="0"/>
-          <a:chOff x="0" y="0"/>
-          <a:chExt cx="0" cy="0"/>
-        </a:xfrm>
-      </p:grpSpPr>
-      <p:sp>
-        <p:nvSpPr>
-          <p:cNvPr id="2" name="Titel 1"/>
-          <p:cNvSpPr>
-            <a:spLocks noGrp="1"/>
-          </p:cNvSpPr>
-          <p:nvPr>
-            <p:ph type="title"/>
-          </p:nvPr>
-        </p:nvSpPr>
-        <p:spPr/>
-        <p:txBody>
-          <a:bodyPr/>
-          <a:lstStyle/>
-          <a:p>
-            <a:r>
-              <a:rPr lang="de-DE" dirty="0" smtClean="0"/>
-              <a:t>Ausblick</a:t>
-            </a:r>
-            <a:endParaRPr lang="de-DE" dirty="0"/>
-          </a:p>
-        </p:txBody>
-      </p:sp>
-      <p:sp>
-        <p:nvSpPr>
-          <p:cNvPr id="3" name="Inhaltsplatzhalter 2"/>
-          <p:cNvSpPr>
-            <a:spLocks noGrp="1"/>
-          </p:cNvSpPr>
-          <p:nvPr>
-            <p:ph idx="1"/>
-          </p:nvPr>
-        </p:nvSpPr>
-        <p:spPr/>
-        <p:txBody>
-          <a:bodyPr/>
-          <a:lstStyle/>
-          <a:p>
-            <a:r>
-              <a:rPr lang="de-DE" dirty="0" smtClean="0"/>
-              <a:t>Themen der nächsten Seminare:</a:t>
-            </a:r>
-            <a:br>
-              <a:rPr lang="de-DE" dirty="0" smtClean="0"/>
-            </a:br>
-            <a:endParaRPr lang="de-DE" dirty="0" smtClean="0"/>
-          </a:p>
-          <a:p>
-            <a:pPr lvl="1"/>
-            <a:r>
-              <a:rPr lang="de-DE" dirty="0" smtClean="0"/>
-              <a:t>Steganalyse</a:t>
-            </a:r>
-          </a:p>
-          <a:p>
-            <a:pPr lvl="2"/>
-            <a:r>
-              <a:rPr lang="de-DE" dirty="0" smtClean="0"/>
-              <a:t>Analyse von Bildern mit versteckten Informationen</a:t>
-            </a:r>
-          </a:p>
-          <a:p>
-            <a:pPr lvl="2"/>
-            <a:r>
-              <a:rPr lang="de-DE" dirty="0" smtClean="0"/>
-              <a:t>Verwendung der LSB-Methodik erkennen</a:t>
-            </a:r>
-          </a:p>
-          <a:p>
-            <a:pPr lvl="2"/>
-            <a:r>
-              <a:rPr lang="de-DE" dirty="0"/>
-              <a:t>s</a:t>
-            </a:r>
-            <a:r>
-              <a:rPr lang="de-DE" dirty="0" smtClean="0"/>
-              <a:t>tatistische bzw. stochastische Verfahren</a:t>
-            </a:r>
-          </a:p>
-          <a:p>
-            <a:pPr lvl="2"/>
-            <a:endParaRPr lang="de-DE" dirty="0" smtClean="0"/>
-          </a:p>
-          <a:p>
-            <a:pPr lvl="2"/>
-            <a:endParaRPr lang="de-DE" dirty="0"/>
-          </a:p>
-          <a:p>
-            <a:pPr lvl="2"/>
-            <a:endParaRPr lang="de-DE" dirty="0"/>
-          </a:p>
-        </p:txBody>
-      </p:sp>
-    </p:spTree>
-    <p:extLst>
-      <p:ext uri="{BB962C8B-B14F-4D97-AF65-F5344CB8AC3E}">
-        <p14:creationId xmlns:p14="http://schemas.microsoft.com/office/powerpoint/2010/main" val="1322205089"/>
-      </p:ext>
-    </p:extLst>
-  </p:cSld>
-  <p:clrMapOvr>
-    <a:masterClrMapping/>
-  </p:clrMapOvr>
-  <p:timing>
-    <p:tnLst>
-      <p:par>
-        <p:cTn id="1" dur="indefinite" restart="never" nodeType="tmRoot"/>
-      </p:par>
-    </p:tnLst>
-  </p:timing>
-</p:sld>
-</file>
-
-<file path=ppt/slides/slide2.xml><?xml version="1.0" encoding="utf-8"?>
-<p:sld xmlns:a="http://schemas.openxmlformats.org/drawingml/2006/main" xmlns:r="http://schemas.openxmlformats.org/officeDocument/2006/relationships" xmlns:p="http://schemas.openxmlformats.org/presentationml/2006/main">
-  <p:cSld>
-    <p:spTree>
-      <p:nvGrpSpPr>
-        <p:cNvPr id="1" name=""/>
-        <p:cNvGrpSpPr/>
-        <p:nvPr/>
-      </p:nvGrpSpPr>
-      <p:grpSpPr>
-        <a:xfrm>
-          <a:off x="0" y="0"/>
-          <a:ext cx="0" cy="0"/>
-          <a:chOff x="0" y="0"/>
-          <a:chExt cx="0" cy="0"/>
-        </a:xfrm>
-      </p:grpSpPr>
-      <p:sp>
-        <p:nvSpPr>
-          <p:cNvPr id="2" name="Titel 1"/>
-          <p:cNvSpPr>
-            <a:spLocks noGrp="1"/>
-          </p:cNvSpPr>
-          <p:nvPr>
-            <p:ph type="title"/>
-          </p:nvPr>
-        </p:nvSpPr>
-        <p:spPr/>
-        <p:txBody>
-          <a:bodyPr/>
-          <a:lstStyle/>
-          <a:p>
-            <a:r>
-              <a:rPr lang="de-DE" dirty="0" smtClean="0"/>
-              <a:t>Inhalt</a:t>
-            </a:r>
-            <a:endParaRPr lang="de-DE" dirty="0"/>
-          </a:p>
-        </p:txBody>
-      </p:sp>
-      <p:sp>
-        <p:nvSpPr>
-          <p:cNvPr id="3" name="Inhaltsplatzhalter 2"/>
-          <p:cNvSpPr>
-            <a:spLocks noGrp="1"/>
-          </p:cNvSpPr>
-          <p:nvPr>
-            <p:ph idx="1"/>
-          </p:nvPr>
-        </p:nvSpPr>
-        <p:spPr/>
-        <p:txBody>
-          <a:bodyPr/>
-          <a:lstStyle/>
-          <a:p>
-            <a:r>
-              <a:rPr lang="de-DE" b="1" dirty="0" smtClean="0"/>
-              <a:t>Grundlagen der </a:t>
-            </a:r>
-            <a:r>
-              <a:rPr lang="de-DE" b="1" dirty="0" err="1" smtClean="0"/>
-              <a:t>Steganographie</a:t>
-            </a:r>
-            <a:endParaRPr lang="de-DE" b="1" dirty="0" smtClean="0"/>
-          </a:p>
-          <a:p>
-            <a:pPr lvl="1"/>
-            <a:r>
-              <a:rPr lang="de-DE" dirty="0" smtClean="0"/>
-              <a:t>Erläuterung</a:t>
-            </a:r>
-          </a:p>
-          <a:p>
-            <a:pPr lvl="1"/>
-            <a:r>
-              <a:rPr lang="de-DE" dirty="0" smtClean="0"/>
-              <a:t>Geschichtliches</a:t>
-            </a:r>
-          </a:p>
-          <a:p>
-            <a:pPr lvl="1"/>
-            <a:r>
-              <a:rPr lang="de-DE" dirty="0" smtClean="0"/>
-              <a:t>Anwendungen heute</a:t>
-            </a:r>
-            <a:br>
-              <a:rPr lang="de-DE" dirty="0" smtClean="0"/>
-            </a:br>
-            <a:endParaRPr lang="de-DE" dirty="0" smtClean="0"/>
-          </a:p>
-          <a:p>
-            <a:r>
-              <a:rPr lang="de-DE" b="1" dirty="0" smtClean="0"/>
-              <a:t>Anwendung von </a:t>
-            </a:r>
-            <a:r>
-              <a:rPr lang="de-DE" b="1" dirty="0" err="1" smtClean="0"/>
-              <a:t>steganographischen</a:t>
-            </a:r>
-            <a:r>
-              <a:rPr lang="de-DE" b="1" dirty="0" smtClean="0"/>
-              <a:t> Verfahren</a:t>
-            </a:r>
-          </a:p>
-          <a:p>
-            <a:pPr lvl="1"/>
-            <a:r>
-              <a:rPr lang="de-DE" dirty="0"/>
-              <a:t>n</a:t>
-            </a:r>
-            <a:r>
-              <a:rPr lang="de-DE" dirty="0" smtClean="0"/>
-              <a:t>aiver Ansatz</a:t>
-            </a:r>
-          </a:p>
-          <a:p>
-            <a:pPr lvl="1"/>
-            <a:r>
-              <a:rPr lang="de-DE" dirty="0"/>
-              <a:t>t</a:t>
-            </a:r>
-            <a:r>
-              <a:rPr lang="de-DE" dirty="0" smtClean="0"/>
-              <a:t>echnische Grundlagen zu Bildern</a:t>
-            </a:r>
-          </a:p>
-          <a:p>
-            <a:pPr lvl="1"/>
-            <a:r>
-              <a:rPr lang="de-DE" dirty="0" smtClean="0"/>
-              <a:t>Speicherung von Bildern und Kompression</a:t>
-            </a:r>
-          </a:p>
-          <a:p>
-            <a:pPr lvl="1"/>
-            <a:r>
-              <a:rPr lang="de-DE" dirty="0" smtClean="0"/>
-              <a:t>LSB-Methodik</a:t>
-            </a:r>
-            <a:br>
-              <a:rPr lang="de-DE" dirty="0" smtClean="0"/>
-            </a:br>
-            <a:endParaRPr lang="de-DE" dirty="0"/>
-          </a:p>
-          <a:p>
-            <a:r>
-              <a:rPr lang="de-DE" b="1" dirty="0" smtClean="0"/>
-              <a:t>Zusammenfassung und Ausblick</a:t>
-            </a:r>
-          </a:p>
-        </p:txBody>
-      </p:sp>
-    </p:spTree>
-    <p:extLst>
-      <p:ext uri="{BB962C8B-B14F-4D97-AF65-F5344CB8AC3E}">
-        <p14:creationId xmlns:p14="http://schemas.microsoft.com/office/powerpoint/2010/main" val="1320407738"/>
-      </p:ext>
-    </p:extLst>
-  </p:cSld>
-  <p:clrMapOvr>
-    <a:masterClrMapping/>
-  </p:clrMapOvr>
-  <p:timing>
-    <p:tnLst>
-      <p:par>
-        <p:cTn id="1" dur="indefinite" restart="never" nodeType="tmRoot"/>
-      </p:par>
-    </p:tnLst>
-  </p:timing>
-</p:sld>
-</file>
-
-<file path=ppt/slides/slide3.xml><?xml version="1.0" encoding="utf-8"?>
-<p:sld xmlns:a="http://schemas.openxmlformats.org/drawingml/2006/main" xmlns:r="http://schemas.openxmlformats.org/officeDocument/2006/relationships" xmlns:p="http://schemas.openxmlformats.org/presentationml/2006/main">
-  <p:cSld>
-    <p:spTree>
-      <p:nvGrpSpPr>
-        <p:cNvPr id="1" name=""/>
-        <p:cNvGrpSpPr/>
-        <p:nvPr/>
-      </p:nvGrpSpPr>
-      <p:grpSpPr>
-        <a:xfrm>
-          <a:off x="0" y="0"/>
-          <a:ext cx="0" cy="0"/>
-          <a:chOff x="0" y="0"/>
-          <a:chExt cx="0" cy="0"/>
-        </a:xfrm>
-      </p:grpSpPr>
-      <p:sp>
-        <p:nvSpPr>
-          <p:cNvPr id="2" name="Titel 1">
-            <a:extLst>
-              <a:ext uri="{FF2B5EF4-FFF2-40B4-BE49-F238E27FC236}">
-                <a16:creationId xmlns="" xmlns:a16="http://schemas.microsoft.com/office/drawing/2014/main" id="{5FF6CD7F-1442-4093-94B4-D780428F1254}"/>
-              </a:ext>
-            </a:extLst>
-          </p:cNvPr>
-          <p:cNvSpPr>
-            <a:spLocks noGrp="1"/>
-          </p:cNvSpPr>
-          <p:nvPr>
-            <p:ph type="title"/>
-          </p:nvPr>
-        </p:nvSpPr>
-        <p:spPr/>
-        <p:txBody>
-          <a:bodyPr/>
-          <a:lstStyle/>
-          <a:p>
-            <a:r>
-              <a:rPr lang="de-DE" dirty="0"/>
-              <a:t>Steganographie</a:t>
-            </a:r>
-          </a:p>
-        </p:txBody>
-      </p:sp>
-      <p:sp>
-        <p:nvSpPr>
-          <p:cNvPr id="3" name="Inhaltsplatzhalter 2">
-            <a:extLst>
-              <a:ext uri="{FF2B5EF4-FFF2-40B4-BE49-F238E27FC236}">
-                <a16:creationId xmlns="" xmlns:a16="http://schemas.microsoft.com/office/drawing/2014/main" id="{32D3E699-82FD-4FAB-9360-39ACF8561A95}"/>
-              </a:ext>
-            </a:extLst>
-          </p:cNvPr>
-          <p:cNvSpPr>
-            <a:spLocks noGrp="1"/>
-          </p:cNvSpPr>
-          <p:nvPr>
-            <p:ph idx="1"/>
-          </p:nvPr>
-        </p:nvSpPr>
-        <p:spPr/>
-        <p:txBody>
-          <a:bodyPr>
-            <a:noAutofit/>
-          </a:bodyPr>
-          <a:lstStyle/>
-          <a:p>
-            <a:r>
-              <a:rPr lang="de-DE" dirty="0"/>
-              <a:t>Griechisch: </a:t>
-            </a:r>
-            <a:r>
-              <a:rPr lang="de-DE" dirty="0" err="1"/>
-              <a:t>steganos</a:t>
-            </a:r>
-            <a:r>
-              <a:rPr lang="de-DE" dirty="0"/>
-              <a:t> – bedeckt; </a:t>
-            </a:r>
-            <a:r>
-              <a:rPr lang="de-DE" dirty="0" err="1"/>
-              <a:t>graphein</a:t>
-            </a:r>
-            <a:r>
-              <a:rPr lang="de-DE" dirty="0"/>
-              <a:t> – schreiben</a:t>
-            </a:r>
-          </a:p>
-          <a:p>
-            <a:r>
-              <a:rPr lang="de-DE" dirty="0"/>
-              <a:t>Nachrichten in einem bestimmten Medium verborgen speichern</a:t>
-            </a:r>
-          </a:p>
-          <a:p>
-            <a:pPr marL="0" indent="0">
-              <a:buNone/>
-            </a:pPr>
-            <a:r>
-              <a:rPr lang="de-DE" dirty="0"/>
-              <a:t/>
-            </a:r>
-            <a:br>
-              <a:rPr lang="de-DE" dirty="0"/>
-            </a:br>
-            <a:r>
-              <a:rPr lang="de-DE" dirty="0"/>
-              <a:t/>
-            </a:r>
-            <a:br>
-              <a:rPr lang="de-DE" dirty="0"/>
-            </a:br>
-            <a:r>
-              <a:rPr lang="de-DE" dirty="0"/>
-              <a:t/>
-            </a:r>
-            <a:br>
-              <a:rPr lang="de-DE" dirty="0"/>
-            </a:br>
-            <a:r>
-              <a:rPr lang="de-DE" dirty="0"/>
-              <a:t/>
-            </a:r>
-            <a:br>
-              <a:rPr lang="de-DE" dirty="0"/>
-            </a:br>
-            <a:endParaRPr lang="de-DE" dirty="0"/>
-          </a:p>
-          <a:p>
-            <a:pPr marL="0" indent="0">
-              <a:buNone/>
-            </a:pPr>
-            <a:endParaRPr lang="de-DE" dirty="0"/>
-          </a:p>
-          <a:p>
-            <a:pPr marL="0" indent="0">
-              <a:buNone/>
-            </a:pPr>
-            <a:endParaRPr lang="de-DE" dirty="0"/>
-          </a:p>
-          <a:p>
-            <a:endParaRPr lang="de-DE" dirty="0"/>
-          </a:p>
-          <a:p>
-            <a:pPr marL="0" indent="0">
-              <a:buNone/>
-            </a:pPr>
-            <a:endParaRPr lang="de-DE" dirty="0"/>
-          </a:p>
-          <a:p>
-            <a:pPr marL="0" indent="0">
-              <a:buNone/>
-            </a:pPr>
-            <a:endParaRPr lang="de-DE" dirty="0"/>
-          </a:p>
-          <a:p>
-            <a:pPr marL="0" indent="0">
-              <a:buNone/>
-            </a:pPr>
-            <a:endParaRPr lang="de-DE" dirty="0"/>
-          </a:p>
-          <a:p>
-            <a:pPr marL="0" indent="0">
-              <a:buNone/>
-            </a:pPr>
-            <a:endParaRPr lang="de-DE" dirty="0"/>
-          </a:p>
-          <a:p>
-            <a:pPr marL="0" indent="0">
-              <a:buNone/>
-            </a:pPr>
-            <a:r>
-              <a:rPr lang="de-DE" dirty="0"/>
-              <a:t>			</a:t>
-            </a:r>
-          </a:p>
-        </p:txBody>
-      </p:sp>
-      <p:graphicFrame>
-        <p:nvGraphicFramePr>
-          <p:cNvPr id="5" name="Tabelle 4">
-            <a:extLst>
-              <a:ext uri="{FF2B5EF4-FFF2-40B4-BE49-F238E27FC236}">
-                <a16:creationId xmlns="" xmlns:a16="http://schemas.microsoft.com/office/drawing/2014/main" id="{EE1AB0B7-CF13-43B1-A209-552898714154}"/>
-              </a:ext>
-            </a:extLst>
-          </p:cNvPr>
-          <p:cNvGraphicFramePr>
-            <a:graphicFrameLocks noGrp="1"/>
-          </p:cNvGraphicFramePr>
-          <p:nvPr>
-            <p:extLst/>
-          </p:nvPr>
-        </p:nvGraphicFramePr>
-        <p:xfrm>
-          <a:off x="1553029" y="2888773"/>
-          <a:ext cx="6066971" cy="1765487"/>
-        </p:xfrm>
-        <a:graphic>
-          <a:graphicData uri="http://schemas.openxmlformats.org/drawingml/2006/table">
-            <a:tbl>
-              <a:tblPr firstRow="1" bandRow="1">
-                <a:tableStyleId>{5C22544A-7EE6-4342-B048-85BDC9FD1C3A}</a:tableStyleId>
-              </a:tblPr>
-              <a:tblGrid>
-                <a:gridCol w="1117600">
-                  <a:extLst>
-                    <a:ext uri="{9D8B030D-6E8A-4147-A177-3AD203B41FA5}">
-                      <a16:colId xmlns="" xmlns:a16="http://schemas.microsoft.com/office/drawing/2014/main" val="1521050298"/>
-                    </a:ext>
-                  </a:extLst>
-                </a:gridCol>
-                <a:gridCol w="2917371">
-                  <a:extLst>
-                    <a:ext uri="{9D8B030D-6E8A-4147-A177-3AD203B41FA5}">
-                      <a16:colId xmlns="" xmlns:a16="http://schemas.microsoft.com/office/drawing/2014/main" val="1946410970"/>
-                    </a:ext>
-                  </a:extLst>
-                </a:gridCol>
-                <a:gridCol w="2032000">
-                  <a:extLst>
-                    <a:ext uri="{9D8B030D-6E8A-4147-A177-3AD203B41FA5}">
-                      <a16:colId xmlns="" xmlns:a16="http://schemas.microsoft.com/office/drawing/2014/main" val="1228833664"/>
-                    </a:ext>
-                  </a:extLst>
-                </a:gridCol>
-              </a:tblGrid>
-              <a:tr h="420771">
-                <a:tc>
-                  <a:txBody>
-                    <a:bodyPr/>
-                    <a:lstStyle/>
-                    <a:p>
-                      <a:pPr algn="ctr"/>
-                      <a:endParaRPr lang="de-DE" dirty="0"/>
-                    </a:p>
-                  </a:txBody>
-                  <a:tcPr/>
-                </a:tc>
-                <a:tc>
-                  <a:txBody>
-                    <a:bodyPr/>
-                    <a:lstStyle/>
-                    <a:p>
-                      <a:pPr algn="ctr"/>
-                      <a:r>
-                        <a:rPr lang="de-DE" b="1" dirty="0"/>
-                        <a:t>Kryptographie</a:t>
-                      </a:r>
-                      <a:endParaRPr lang="de-DE" dirty="0"/>
-                    </a:p>
-                  </a:txBody>
-                  <a:tcPr/>
-                </a:tc>
-                <a:tc>
-                  <a:txBody>
-                    <a:bodyPr/>
-                    <a:lstStyle/>
-                    <a:p>
-                      <a:pPr marL="0" marR="0" lvl="0" indent="0" algn="ctr" defTabSz="685750" rtl="0" eaLnBrk="1" fontAlgn="auto" latinLnBrk="0" hangingPunct="1">
-                        <a:lnSpc>
-                          <a:spcPct val="100000"/>
-                        </a:lnSpc>
-                        <a:spcBef>
-                          <a:spcPts val="0"/>
-                        </a:spcBef>
-                        <a:spcAft>
-                          <a:spcPts val="0"/>
-                        </a:spcAft>
-                        <a:buClrTx/>
-                        <a:buSzTx/>
-                        <a:buFontTx/>
-                        <a:buNone/>
-                        <a:tabLst/>
-                        <a:defRPr/>
-                      </a:pPr>
-                      <a:r>
-                        <a:rPr lang="de-DE" b="1" dirty="0"/>
-                        <a:t>Steganographie</a:t>
-                      </a:r>
-                    </a:p>
-                  </a:txBody>
-                  <a:tcPr/>
-                </a:tc>
-                <a:extLst>
-                  <a:ext uri="{0D108BD9-81ED-4DB2-BD59-A6C34878D82A}">
-                    <a16:rowId xmlns="" xmlns:a16="http://schemas.microsoft.com/office/drawing/2014/main" val="4224393478"/>
-                  </a:ext>
-                </a:extLst>
-              </a:tr>
-              <a:tr h="420771">
-                <a:tc>
-                  <a:txBody>
-                    <a:bodyPr/>
-                    <a:lstStyle/>
-                    <a:p>
-                      <a:pPr algn="ctr"/>
-                      <a:r>
-                        <a:rPr lang="de-DE" b="1" dirty="0"/>
-                        <a:t>Fokus</a:t>
-                      </a:r>
-                    </a:p>
-                  </a:txBody>
-                  <a:tcPr/>
-                </a:tc>
-                <a:tc>
-                  <a:txBody>
-                    <a:bodyPr/>
-                    <a:lstStyle/>
-                    <a:p>
-                      <a:pPr algn="ctr"/>
-                      <a:r>
-                        <a:rPr lang="de-DE" b="1" dirty="0"/>
-                        <a:t>Fokus: Schlüssel </a:t>
-                      </a:r>
-                    </a:p>
-                    <a:p>
-                      <a:pPr algn="ctr"/>
-                      <a:r>
-                        <a:rPr lang="de-DE" b="1" dirty="0" err="1"/>
-                        <a:t>Kerckhoff‘s</a:t>
-                      </a:r>
-                      <a:r>
-                        <a:rPr lang="de-DE" b="1" dirty="0"/>
-                        <a:t> Prinzip</a:t>
-                      </a:r>
-                    </a:p>
-                  </a:txBody>
-                  <a:tcPr/>
-                </a:tc>
-                <a:tc>
-                  <a:txBody>
-                    <a:bodyPr/>
-                    <a:lstStyle/>
-                    <a:p>
-                      <a:pPr algn="ctr"/>
-                      <a:r>
-                        <a:rPr lang="de-DE" b="1" dirty="0"/>
-                        <a:t>Fokus: Verfahren</a:t>
-                      </a:r>
-                    </a:p>
-                  </a:txBody>
-                  <a:tcPr/>
-                </a:tc>
-                <a:extLst>
-                  <a:ext uri="{0D108BD9-81ED-4DB2-BD59-A6C34878D82A}">
-                    <a16:rowId xmlns="" xmlns:a16="http://schemas.microsoft.com/office/drawing/2014/main" val="479920095"/>
-                  </a:ext>
-                </a:extLst>
-              </a:tr>
-              <a:tr h="420771">
-                <a:tc>
-                  <a:txBody>
-                    <a:bodyPr/>
-                    <a:lstStyle/>
-                    <a:p>
-                      <a:pPr algn="ctr"/>
-                      <a:r>
-                        <a:rPr lang="de-DE" b="1" dirty="0"/>
-                        <a:t>Analyse</a:t>
-                      </a:r>
-                    </a:p>
-                  </a:txBody>
-                  <a:tcPr/>
-                </a:tc>
-                <a:tc>
-                  <a:txBody>
-                    <a:bodyPr/>
-                    <a:lstStyle/>
-                    <a:p>
-                      <a:pPr algn="ctr"/>
-                      <a:r>
-                        <a:rPr lang="de-DE" b="1" dirty="0" err="1"/>
-                        <a:t>Kryptoanalyse</a:t>
-                      </a:r>
-                      <a:r>
-                        <a:rPr lang="de-DE" b="1" dirty="0"/>
-                        <a:t>: Mathematisch</a:t>
-                      </a:r>
-                    </a:p>
-                  </a:txBody>
-                  <a:tcPr/>
-                </a:tc>
-                <a:tc>
-                  <a:txBody>
-                    <a:bodyPr/>
-                    <a:lstStyle/>
-                    <a:p>
-                      <a:pPr algn="ctr"/>
-                      <a:r>
-                        <a:rPr lang="de-DE" b="1" dirty="0"/>
-                        <a:t>Steganalyse ‚Kreativ‘</a:t>
-                      </a:r>
-                    </a:p>
-                  </a:txBody>
-                  <a:tcPr/>
-                </a:tc>
-                <a:extLst>
-                  <a:ext uri="{0D108BD9-81ED-4DB2-BD59-A6C34878D82A}">
-                    <a16:rowId xmlns="" xmlns:a16="http://schemas.microsoft.com/office/drawing/2014/main" val="4175534960"/>
-                  </a:ext>
-                </a:extLst>
-              </a:tr>
-              <a:tr h="420771">
-                <a:tc>
-                  <a:txBody>
-                    <a:bodyPr/>
-                    <a:lstStyle/>
-                    <a:p>
-                      <a:pPr algn="ctr"/>
-                      <a:r>
-                        <a:rPr lang="de-DE" b="1" dirty="0"/>
-                        <a:t>Beispiel</a:t>
-                      </a:r>
-                    </a:p>
-                  </a:txBody>
-                  <a:tcPr/>
-                </a:tc>
-                <a:tc>
-                  <a:txBody>
-                    <a:bodyPr/>
-                    <a:lstStyle/>
-                    <a:p>
-                      <a:pPr algn="ctr"/>
-                      <a:r>
-                        <a:rPr lang="de-DE" b="1" dirty="0"/>
-                        <a:t>Brief „Geheime Nachricht“</a:t>
-                      </a:r>
-                    </a:p>
-                  </a:txBody>
-                  <a:tcPr/>
-                </a:tc>
-                <a:tc>
-                  <a:txBody>
-                    <a:bodyPr/>
-                    <a:lstStyle/>
-                    <a:p>
-                      <a:pPr algn="ctr"/>
-                      <a:r>
-                        <a:rPr lang="de-DE" b="1" dirty="0"/>
-                        <a:t>Brief: „Hallo Peter…“</a:t>
-                      </a:r>
-                    </a:p>
-                  </a:txBody>
-                  <a:tcPr/>
-                </a:tc>
-                <a:extLst>
-                  <a:ext uri="{0D108BD9-81ED-4DB2-BD59-A6C34878D82A}">
-                    <a16:rowId xmlns="" xmlns:a16="http://schemas.microsoft.com/office/drawing/2014/main" val="2247199928"/>
-                  </a:ext>
-                </a:extLst>
-              </a:tr>
-            </a:tbl>
-          </a:graphicData>
-        </a:graphic>
-      </p:graphicFrame>
-    </p:spTree>
-    <p:extLst>
-      <p:ext uri="{BB962C8B-B14F-4D97-AF65-F5344CB8AC3E}">
-        <p14:creationId xmlns:p14="http://schemas.microsoft.com/office/powerpoint/2010/main" val="708806423"/>
-      </p:ext>
-    </p:extLst>
-  </p:cSld>
-  <p:clrMapOvr>
-    <a:masterClrMapping/>
-  </p:clrMapOvr>
-  <p:timing>
-    <p:tnLst>
-      <p:par>
-        <p:cTn id="1" dur="indefinite" restart="never" nodeType="tmRoot"/>
-      </p:par>
-    </p:tnLst>
-  </p:timing>
-</p:sld>
-</file>
-
-<file path=ppt/slides/slide4.xml><?xml version="1.0" encoding="utf-8"?>
-<p:sld xmlns:a="http://schemas.openxmlformats.org/drawingml/2006/main" xmlns:r="http://schemas.openxmlformats.org/officeDocument/2006/relationships" xmlns:p="http://schemas.openxmlformats.org/presentationml/2006/main">
-  <p:cSld>
-    <p:spTree>
-      <p:nvGrpSpPr>
-        <p:cNvPr id="1" name=""/>
-        <p:cNvGrpSpPr/>
-        <p:nvPr/>
-      </p:nvGrpSpPr>
-      <p:grpSpPr>
-        <a:xfrm>
-          <a:off x="0" y="0"/>
-          <a:ext cx="0" cy="0"/>
-          <a:chOff x="0" y="0"/>
-          <a:chExt cx="0" cy="0"/>
-        </a:xfrm>
-      </p:grpSpPr>
-      <p:sp>
-        <p:nvSpPr>
-          <p:cNvPr id="2" name="Titel 1">
-            <a:extLst>
-              <a:ext uri="{FF2B5EF4-FFF2-40B4-BE49-F238E27FC236}">
-                <a16:creationId xmlns="" xmlns:a16="http://schemas.microsoft.com/office/drawing/2014/main" id="{EF536E04-EAC1-47A0-8829-51766F106DCC}"/>
-              </a:ext>
-            </a:extLst>
-          </p:cNvPr>
-          <p:cNvSpPr>
-            <a:spLocks noGrp="1"/>
-          </p:cNvSpPr>
-          <p:nvPr>
-            <p:ph type="title"/>
-          </p:nvPr>
-        </p:nvSpPr>
-        <p:spPr>
-          <a:xfrm>
-            <a:off x="822838" y="466281"/>
-            <a:ext cx="7886700" cy="1325563"/>
-          </a:xfrm>
-        </p:spPr>
-        <p:txBody>
-          <a:bodyPr/>
-          <a:lstStyle/>
-          <a:p>
-            <a:r>
-              <a:rPr lang="de-DE" dirty="0"/>
-              <a:t>Beispiel „Geheime Nachricht“</a:t>
-            </a:r>
-          </a:p>
-        </p:txBody>
-      </p:sp>
-      <p:sp>
-        <p:nvSpPr>
-          <p:cNvPr id="4" name="Textfeld 3">
-            <a:extLst>
-              <a:ext uri="{FF2B5EF4-FFF2-40B4-BE49-F238E27FC236}">
-                <a16:creationId xmlns="" xmlns:a16="http://schemas.microsoft.com/office/drawing/2014/main" id="{32FE719B-0696-4C8D-84B7-05ED8A8D436A}"/>
-              </a:ext>
-            </a:extLst>
-          </p:cNvPr>
-          <p:cNvSpPr txBox="1"/>
-          <p:nvPr/>
-        </p:nvSpPr>
-        <p:spPr>
-          <a:xfrm>
-            <a:off x="2709187" y="2304578"/>
-            <a:ext cx="4133183" cy="369332"/>
-          </a:xfrm>
-          <a:prstGeom prst="rect">
-            <a:avLst/>
-          </a:prstGeom>
-          <a:noFill/>
-        </p:spPr>
-        <p:txBody>
-          <a:bodyPr wrap="none" rtlCol="0">
-            <a:spAutoFit/>
-          </a:bodyPr>
-          <a:lstStyle/>
-          <a:p>
-            <a:r>
-              <a:rPr lang="de-DE" dirty="0"/>
-              <a:t>„Wir treffen uns im 15 Uhr an der Brücke“</a:t>
-            </a:r>
-          </a:p>
-        </p:txBody>
-      </p:sp>
-      <p:sp>
-        <p:nvSpPr>
-          <p:cNvPr id="5" name="Textfeld 4">
-            <a:extLst>
-              <a:ext uri="{FF2B5EF4-FFF2-40B4-BE49-F238E27FC236}">
-                <a16:creationId xmlns="" xmlns:a16="http://schemas.microsoft.com/office/drawing/2014/main" id="{998894AA-639C-42C3-9C85-2D3B3A5A3016}"/>
-              </a:ext>
-            </a:extLst>
-          </p:cNvPr>
-          <p:cNvSpPr txBox="1"/>
-          <p:nvPr/>
-        </p:nvSpPr>
-        <p:spPr>
-          <a:xfrm>
-            <a:off x="3320440" y="4853736"/>
-            <a:ext cx="2891497" cy="369332"/>
-          </a:xfrm>
-          <a:prstGeom prst="rect">
-            <a:avLst/>
-          </a:prstGeom>
-          <a:noFill/>
-        </p:spPr>
-        <p:txBody>
-          <a:bodyPr wrap="none" rtlCol="0">
-            <a:spAutoFit/>
-          </a:bodyPr>
-          <a:lstStyle/>
-          <a:p>
-            <a:r>
-              <a:rPr lang="de-DE" dirty="0"/>
-              <a:t>„AHsdhwi29idsfnpöaoweifn“</a:t>
-            </a:r>
-          </a:p>
-        </p:txBody>
-      </p:sp>
-      <p:sp>
-        <p:nvSpPr>
-          <p:cNvPr id="6" name="Rechteck 5">
-            <a:extLst>
-              <a:ext uri="{FF2B5EF4-FFF2-40B4-BE49-F238E27FC236}">
-                <a16:creationId xmlns="" xmlns:a16="http://schemas.microsoft.com/office/drawing/2014/main" id="{F76FA42C-6237-4F24-8AF1-CB0F6F717A92}"/>
-              </a:ext>
-            </a:extLst>
-          </p:cNvPr>
-          <p:cNvSpPr/>
-          <p:nvPr/>
-        </p:nvSpPr>
-        <p:spPr>
-          <a:xfrm>
-            <a:off x="2882420" y="3415094"/>
-            <a:ext cx="3613922" cy="783772"/>
-          </a:xfrm>
-          <a:prstGeom prst="rect">
-            <a:avLst/>
-          </a:prstGeom>
-        </p:spPr>
-        <p:style>
-          <a:lnRef idx="2">
-            <a:schemeClr val="accent1">
-              <a:shade val="50000"/>
-            </a:schemeClr>
-          </a:lnRef>
-          <a:fillRef idx="1">
-            <a:schemeClr val="accent1"/>
-          </a:fillRef>
-          <a:effectRef idx="0">
-            <a:schemeClr val="accent1"/>
-          </a:effectRef>
-          <a:fontRef idx="minor">
-            <a:schemeClr val="lt1"/>
-          </a:fontRef>
-        </p:style>
-        <p:txBody>
-          <a:bodyPr rtlCol="0" anchor="ctr"/>
-          <a:lstStyle/>
-          <a:p>
-            <a:pPr algn="ctr"/>
-            <a:r>
-              <a:rPr lang="de-DE" dirty="0"/>
-              <a:t>Verschlüsselung</a:t>
-            </a:r>
-          </a:p>
-        </p:txBody>
-      </p:sp>
-      <p:sp>
-        <p:nvSpPr>
-          <p:cNvPr id="7" name="Rechteck 6">
-            <a:extLst>
-              <a:ext uri="{FF2B5EF4-FFF2-40B4-BE49-F238E27FC236}">
-                <a16:creationId xmlns="" xmlns:a16="http://schemas.microsoft.com/office/drawing/2014/main" id="{4B49A3BD-1A73-4636-9F2C-3C4BCBEB0A4C}"/>
-              </a:ext>
-            </a:extLst>
-          </p:cNvPr>
-          <p:cNvSpPr/>
-          <p:nvPr/>
-        </p:nvSpPr>
-        <p:spPr>
-          <a:xfrm>
-            <a:off x="2573064" y="2093366"/>
-            <a:ext cx="4232635" cy="783772"/>
-          </a:xfrm>
-          <a:prstGeom prst="rect">
-            <a:avLst/>
-          </a:prstGeom>
-          <a:solidFill>
-            <a:srgbClr val="4472C4">
-              <a:alpha val="23137"/>
-            </a:srgbClr>
-          </a:solidFill>
-        </p:spPr>
-        <p:style>
-          <a:lnRef idx="2">
-            <a:schemeClr val="accent1">
-              <a:shade val="50000"/>
-            </a:schemeClr>
-          </a:lnRef>
-          <a:fillRef idx="1">
-            <a:schemeClr val="accent1"/>
-          </a:fillRef>
-          <a:effectRef idx="0">
-            <a:schemeClr val="accent1"/>
-          </a:effectRef>
-          <a:fontRef idx="minor">
-            <a:schemeClr val="lt1"/>
-          </a:fontRef>
-        </p:style>
-        <p:txBody>
-          <a:bodyPr rtlCol="0" anchor="ctr"/>
-          <a:lstStyle/>
-          <a:p>
-            <a:pPr algn="ctr"/>
-            <a:endParaRPr lang="de-DE" dirty="0"/>
-          </a:p>
-        </p:txBody>
-      </p:sp>
-      <p:sp>
-        <p:nvSpPr>
-          <p:cNvPr id="8" name="Rechteck 7">
-            <a:extLst>
-              <a:ext uri="{FF2B5EF4-FFF2-40B4-BE49-F238E27FC236}">
-                <a16:creationId xmlns="" xmlns:a16="http://schemas.microsoft.com/office/drawing/2014/main" id="{B727591C-D425-46F6-B354-C4940CB9DAB9}"/>
-              </a:ext>
-            </a:extLst>
-          </p:cNvPr>
-          <p:cNvSpPr/>
-          <p:nvPr/>
-        </p:nvSpPr>
-        <p:spPr>
-          <a:xfrm>
-            <a:off x="3339621" y="1725241"/>
-            <a:ext cx="2872316" cy="380007"/>
-          </a:xfrm>
-          <a:prstGeom prst="rect">
-            <a:avLst/>
-          </a:prstGeom>
-        </p:spPr>
-        <p:style>
-          <a:lnRef idx="2">
-            <a:schemeClr val="accent1">
-              <a:shade val="50000"/>
-            </a:schemeClr>
-          </a:lnRef>
-          <a:fillRef idx="1">
-            <a:schemeClr val="accent1"/>
-          </a:fillRef>
-          <a:effectRef idx="0">
-            <a:schemeClr val="accent1"/>
-          </a:effectRef>
-          <a:fontRef idx="minor">
-            <a:schemeClr val="lt1"/>
-          </a:fontRef>
-        </p:style>
-        <p:txBody>
-          <a:bodyPr rtlCol="0" anchor="ctr"/>
-          <a:lstStyle/>
-          <a:p>
-            <a:pPr algn="ctr"/>
-            <a:r>
-              <a:rPr lang="de-DE" dirty="0"/>
-              <a:t>Klartext</a:t>
-            </a:r>
-          </a:p>
-        </p:txBody>
-      </p:sp>
-      <p:sp>
-        <p:nvSpPr>
-          <p:cNvPr id="9" name="Pfeil: nach unten 8">
-            <a:extLst>
-              <a:ext uri="{FF2B5EF4-FFF2-40B4-BE49-F238E27FC236}">
-                <a16:creationId xmlns="" xmlns:a16="http://schemas.microsoft.com/office/drawing/2014/main" id="{C42042D9-7A44-44AB-B286-4D088E9BA4D5}"/>
-              </a:ext>
-            </a:extLst>
-          </p:cNvPr>
-          <p:cNvSpPr/>
-          <p:nvPr/>
-        </p:nvSpPr>
-        <p:spPr>
-          <a:xfrm>
-            <a:off x="4361000" y="2889020"/>
-            <a:ext cx="829558" cy="514192"/>
-          </a:xfrm>
-          <a:prstGeom prst="downArrow">
-            <a:avLst/>
-          </a:prstGeom>
-        </p:spPr>
-        <p:style>
-          <a:lnRef idx="2">
-            <a:schemeClr val="accent1">
-              <a:shade val="50000"/>
-            </a:schemeClr>
-          </a:lnRef>
-          <a:fillRef idx="1">
-            <a:schemeClr val="accent1"/>
-          </a:fillRef>
-          <a:effectRef idx="0">
-            <a:schemeClr val="accent1"/>
-          </a:effectRef>
-          <a:fontRef idx="minor">
-            <a:schemeClr val="lt1"/>
-          </a:fontRef>
-        </p:style>
-        <p:txBody>
-          <a:bodyPr rtlCol="0" anchor="ctr"/>
-          <a:lstStyle/>
-          <a:p>
-            <a:pPr algn="ctr"/>
-            <a:endParaRPr lang="de-DE"/>
-          </a:p>
-        </p:txBody>
-      </p:sp>
-      <p:pic>
-        <p:nvPicPr>
-          <p:cNvPr id="11" name="Inhaltsplatzhalter 10" descr="Schlüssel">
-            <a:extLst>
-              <a:ext uri="{FF2B5EF4-FFF2-40B4-BE49-F238E27FC236}">
-                <a16:creationId xmlns="" xmlns:a16="http://schemas.microsoft.com/office/drawing/2014/main" id="{6D7BFB5B-731D-452B-B693-0F2F0B2F354C}"/>
-              </a:ext>
-            </a:extLst>
-          </p:cNvPr>
-          <p:cNvPicPr>
-            <a:picLocks noGrp="1" noChangeAspect="1"/>
-          </p:cNvPicPr>
-          <p:nvPr>
-            <p:ph idx="1"/>
-          </p:nvPr>
-        </p:nvPicPr>
-        <p:blipFill>
-          <a:blip r:embed="rId2">
-            <a:extLst>
-              <a:ext uri="{96DAC541-7B7A-43D3-8B79-37D633B846F1}">
-                <asvg:svgBlip xmlns="" xmlns:asvg="http://schemas.microsoft.com/office/drawing/2016/SVG/main" r:embed="rId3"/>
-              </a:ext>
-            </a:extLst>
-          </a:blip>
-          <a:stretch>
-            <a:fillRect/>
-          </a:stretch>
-        </p:blipFill>
-        <p:spPr>
-          <a:xfrm rot="20076561">
-            <a:off x="5581942" y="3307538"/>
-            <a:ext cx="914400" cy="914400"/>
-          </a:xfrm>
-        </p:spPr>
-      </p:pic>
-      <p:sp>
-        <p:nvSpPr>
-          <p:cNvPr id="12" name="Rechteck 11">
-            <a:extLst>
-              <a:ext uri="{FF2B5EF4-FFF2-40B4-BE49-F238E27FC236}">
-                <a16:creationId xmlns="" xmlns:a16="http://schemas.microsoft.com/office/drawing/2014/main" id="{82576D0B-508B-40D3-9228-7AAC1B6AB72B}"/>
-              </a:ext>
-            </a:extLst>
-          </p:cNvPr>
-          <p:cNvSpPr/>
-          <p:nvPr/>
-        </p:nvSpPr>
-        <p:spPr>
-          <a:xfrm>
-            <a:off x="2229904" y="4736822"/>
-            <a:ext cx="5110929" cy="787768"/>
-          </a:xfrm>
-          <a:prstGeom prst="rect">
-            <a:avLst/>
-          </a:prstGeom>
-          <a:solidFill>
-            <a:srgbClr val="E46D24">
-              <a:alpha val="21961"/>
-            </a:srgbClr>
-          </a:solidFill>
-        </p:spPr>
-        <p:style>
-          <a:lnRef idx="2">
-            <a:schemeClr val="accent1">
-              <a:shade val="50000"/>
-            </a:schemeClr>
-          </a:lnRef>
-          <a:fillRef idx="1">
-            <a:schemeClr val="accent1"/>
-          </a:fillRef>
-          <a:effectRef idx="0">
-            <a:schemeClr val="accent1"/>
-          </a:effectRef>
-          <a:fontRef idx="minor">
-            <a:schemeClr val="lt1"/>
-          </a:fontRef>
-        </p:style>
-        <p:txBody>
-          <a:bodyPr rtlCol="0" anchor="ctr"/>
-          <a:lstStyle/>
-          <a:p>
-            <a:pPr algn="ctr"/>
-            <a:endParaRPr lang="de-DE" dirty="0"/>
-          </a:p>
-        </p:txBody>
-      </p:sp>
-      <p:sp>
-        <p:nvSpPr>
-          <p:cNvPr id="14" name="Rechteck 13">
-            <a:extLst>
-              <a:ext uri="{FF2B5EF4-FFF2-40B4-BE49-F238E27FC236}">
-                <a16:creationId xmlns="" xmlns:a16="http://schemas.microsoft.com/office/drawing/2014/main" id="{2F2C98AE-3954-45EE-A438-EA42E1660AC5}"/>
-              </a:ext>
-            </a:extLst>
-          </p:cNvPr>
-          <p:cNvSpPr/>
-          <p:nvPr/>
-        </p:nvSpPr>
-        <p:spPr>
-          <a:xfrm>
-            <a:off x="3253223" y="5524590"/>
-            <a:ext cx="2872316" cy="380007"/>
-          </a:xfrm>
-          <a:prstGeom prst="rect">
-            <a:avLst/>
-          </a:prstGeom>
-        </p:spPr>
-        <p:style>
-          <a:lnRef idx="2">
-            <a:schemeClr val="accent1">
-              <a:shade val="50000"/>
-            </a:schemeClr>
-          </a:lnRef>
-          <a:fillRef idx="1">
-            <a:schemeClr val="accent1"/>
-          </a:fillRef>
-          <a:effectRef idx="0">
-            <a:schemeClr val="accent1"/>
-          </a:effectRef>
-          <a:fontRef idx="minor">
-            <a:schemeClr val="lt1"/>
-          </a:fontRef>
-        </p:style>
-        <p:txBody>
-          <a:bodyPr rtlCol="0" anchor="ctr"/>
-          <a:lstStyle/>
-          <a:p>
-            <a:pPr algn="ctr"/>
-            <a:r>
-              <a:rPr lang="de-DE" dirty="0"/>
-              <a:t>Verschlüsselte Nachricht</a:t>
-            </a:r>
-          </a:p>
-        </p:txBody>
-      </p:sp>
-      <p:sp>
-        <p:nvSpPr>
-          <p:cNvPr id="15" name="Pfeil: nach unten 14">
-            <a:extLst>
-              <a:ext uri="{FF2B5EF4-FFF2-40B4-BE49-F238E27FC236}">
-                <a16:creationId xmlns="" xmlns:a16="http://schemas.microsoft.com/office/drawing/2014/main" id="{59B8D604-0C2E-41D3-B7F2-6996A1172587}"/>
-              </a:ext>
-            </a:extLst>
-          </p:cNvPr>
-          <p:cNvSpPr/>
-          <p:nvPr/>
-        </p:nvSpPr>
-        <p:spPr>
-          <a:xfrm>
-            <a:off x="4360999" y="4222630"/>
-            <a:ext cx="829558" cy="514192"/>
-          </a:xfrm>
-          <a:prstGeom prst="downArrow">
-            <a:avLst/>
-          </a:prstGeom>
-        </p:spPr>
-        <p:style>
-          <a:lnRef idx="2">
-            <a:schemeClr val="accent1">
-              <a:shade val="50000"/>
-            </a:schemeClr>
-          </a:lnRef>
-          <a:fillRef idx="1">
-            <a:schemeClr val="accent1"/>
-          </a:fillRef>
-          <a:effectRef idx="0">
-            <a:schemeClr val="accent1"/>
-          </a:effectRef>
-          <a:fontRef idx="minor">
-            <a:schemeClr val="lt1"/>
-          </a:fontRef>
-        </p:style>
-        <p:txBody>
-          <a:bodyPr rtlCol="0" anchor="ctr"/>
-          <a:lstStyle/>
-          <a:p>
-            <a:pPr algn="ctr"/>
-            <a:endParaRPr lang="de-DE"/>
-          </a:p>
-        </p:txBody>
-      </p:sp>
-      <p:pic>
-        <p:nvPicPr>
-          <p:cNvPr id="17" name="Grafik 16" descr="Umschlag">
-            <a:extLst>
-              <a:ext uri="{FF2B5EF4-FFF2-40B4-BE49-F238E27FC236}">
-                <a16:creationId xmlns="" xmlns:a16="http://schemas.microsoft.com/office/drawing/2014/main" id="{A2B38B75-A68C-486B-9A4F-ADC2253DF048}"/>
-              </a:ext>
-            </a:extLst>
-          </p:cNvPr>
-          <p:cNvPicPr>
-            <a:picLocks noChangeAspect="1"/>
-          </p:cNvPicPr>
-          <p:nvPr/>
-        </p:nvPicPr>
-        <p:blipFill>
-          <a:blip r:embed="rId4">
-            <a:extLst>
-              <a:ext uri="{96DAC541-7B7A-43D3-8B79-37D633B846F1}">
-                <asvg:svgBlip xmlns="" xmlns:asvg="http://schemas.microsoft.com/office/drawing/2016/SVG/main" r:embed="rId5"/>
-              </a:ext>
-            </a:extLst>
-          </a:blip>
-          <a:stretch>
-            <a:fillRect/>
-          </a:stretch>
-        </p:blipFill>
-        <p:spPr>
-          <a:xfrm>
-            <a:off x="1292093" y="1022108"/>
-            <a:ext cx="7169912" cy="4962837"/>
-          </a:xfrm>
-          <a:prstGeom prst="rect">
-            <a:avLst/>
-          </a:prstGeom>
-        </p:spPr>
-      </p:pic>
-      <p:sp>
-        <p:nvSpPr>
-          <p:cNvPr id="18" name="Textfeld 17">
-            <a:extLst>
-              <a:ext uri="{FF2B5EF4-FFF2-40B4-BE49-F238E27FC236}">
-                <a16:creationId xmlns="" xmlns:a16="http://schemas.microsoft.com/office/drawing/2014/main" id="{FA0FED51-9512-4036-95D7-083076142DAC}"/>
-              </a:ext>
-            </a:extLst>
-          </p:cNvPr>
-          <p:cNvSpPr txBox="1"/>
-          <p:nvPr/>
-        </p:nvSpPr>
-        <p:spPr>
-          <a:xfrm>
-            <a:off x="4081778" y="2549420"/>
-            <a:ext cx="2091171" cy="954107"/>
-          </a:xfrm>
-          <a:prstGeom prst="rect">
-            <a:avLst/>
-          </a:prstGeom>
-          <a:noFill/>
-        </p:spPr>
-        <p:txBody>
-          <a:bodyPr wrap="square" rtlCol="0">
-            <a:spAutoFit/>
-          </a:bodyPr>
-          <a:lstStyle/>
-          <a:p>
-            <a:r>
-              <a:rPr lang="de-DE" sz="2800" dirty="0">
-                <a:solidFill>
-                  <a:srgbClr val="FF0000"/>
-                </a:solidFill>
-              </a:rPr>
-              <a:t>Geheime Nachricht</a:t>
-            </a:r>
-          </a:p>
-        </p:txBody>
-      </p:sp>
-    </p:spTree>
-    <p:extLst>
-      <p:ext uri="{BB962C8B-B14F-4D97-AF65-F5344CB8AC3E}">
-        <p14:creationId xmlns:p14="http://schemas.microsoft.com/office/powerpoint/2010/main" val="221382964"/>
-      </p:ext>
-    </p:extLst>
-  </p:cSld>
-  <p:clrMapOvr>
-    <a:masterClrMapping/>
-  </p:clrMapOvr>
-  <p:timing>
-    <p:tnLst>
-      <p:par>
-        <p:cTn id="1" dur="indefinite" restart="never" nodeType="tmRoot">
-          <p:childTnLst>
-            <p:seq concurrent="1" nextAc="seek">
-              <p:cTn id="2" dur="indefinite" nodeType="mainSeq">
-                <p:childTnLst>
-                  <p:par>
-                    <p:cTn id="3" fill="hold">
-                      <p:stCondLst>
-                        <p:cond delay="indefinite"/>
-                      </p:stCondLst>
-                      <p:childTnLst>
-                        <p:par>
-                          <p:cTn id="4" fill="hold">
-                            <p:stCondLst>
-                              <p:cond delay="0"/>
-                            </p:stCondLst>
-                            <p:childTnLst>
-                              <p:par>
-                                <p:cTn id="5" presetID="1" presetClass="entr" presetSubtype="0" fill="hold" grpId="0" nodeType="clickEffect">
-                                  <p:stCondLst>
-                                    <p:cond delay="0"/>
-                                  </p:stCondLst>
-                                  <p:childTnLst>
-                                    <p:set>
-                                      <p:cBhvr>
-                                        <p:cTn id="6" dur="1" fill="hold">
-                                          <p:stCondLst>
-                                            <p:cond delay="0"/>
-                                          </p:stCondLst>
-                                        </p:cTn>
-                                        <p:tgtEl>
-                                          <p:spTgt spid="9"/>
-                                        </p:tgtEl>
-                                        <p:attrNameLst>
-                                          <p:attrName>style.visibility</p:attrName>
-                                        </p:attrNameLst>
-                                      </p:cBhvr>
-                                      <p:to>
-                                        <p:strVal val="visible"/>
-                                      </p:to>
-                                    </p:set>
-                                  </p:childTnLst>
-                                </p:cTn>
-                              </p:par>
-                              <p:par>
-                                <p:cTn id="7" presetID="1" presetClass="entr" presetSubtype="0" fill="hold" grpId="0" nodeType="withEffect">
-                                  <p:stCondLst>
-                                    <p:cond delay="0"/>
-                                  </p:stCondLst>
-                                  <p:childTnLst>
-                                    <p:set>
-                                      <p:cBhvr>
-                                        <p:cTn id="8" dur="1" fill="hold">
-                                          <p:stCondLst>
-                                            <p:cond delay="0"/>
-                                          </p:stCondLst>
-                                        </p:cTn>
-                                        <p:tgtEl>
-                                          <p:spTgt spid="6"/>
-                                        </p:tgtEl>
-                                        <p:attrNameLst>
-                                          <p:attrName>style.visibility</p:attrName>
-                                        </p:attrNameLst>
-                                      </p:cBhvr>
-                                      <p:to>
-                                        <p:strVal val="visible"/>
-                                      </p:to>
-                                    </p:set>
-                                  </p:childTnLst>
-                                </p:cTn>
-                              </p:par>
-                              <p:par>
-                                <p:cTn id="9" presetID="1" presetClass="entr" presetSubtype="0" fill="hold" nodeType="withEffect">
-                                  <p:stCondLst>
-                                    <p:cond delay="0"/>
-                                  </p:stCondLst>
-                                  <p:childTnLst>
-                                    <p:set>
-                                      <p:cBhvr>
-                                        <p:cTn id="10" dur="1" fill="hold">
-                                          <p:stCondLst>
-                                            <p:cond delay="0"/>
-                                          </p:stCondLst>
-                                        </p:cTn>
-                                        <p:tgtEl>
-                                          <p:spTgt spid="11"/>
-                                        </p:tgtEl>
-                                        <p:attrNameLst>
-                                          <p:attrName>style.visibility</p:attrName>
-                                        </p:attrNameLst>
-                                      </p:cBhvr>
-                                      <p:to>
-                                        <p:strVal val="visible"/>
-                                      </p:to>
-                                    </p:set>
-                                  </p:childTnLst>
-                                </p:cTn>
-                              </p:par>
-                            </p:childTnLst>
-                          </p:cTn>
-                        </p:par>
-                      </p:childTnLst>
-                    </p:cTn>
-                  </p:par>
-                  <p:par>
-                    <p:cTn id="11" fill="hold">
-                      <p:stCondLst>
-                        <p:cond delay="indefinite"/>
-                      </p:stCondLst>
-                      <p:childTnLst>
-                        <p:par>
-                          <p:cTn id="12" fill="hold">
-                            <p:stCondLst>
-                              <p:cond delay="0"/>
-                            </p:stCondLst>
-                            <p:childTnLst>
-                              <p:par>
-                                <p:cTn id="13" presetID="1" presetClass="entr" presetSubtype="0" fill="hold" grpId="0" nodeType="clickEffect">
-                                  <p:stCondLst>
-                                    <p:cond delay="0"/>
-                                  </p:stCondLst>
-                                  <p:childTnLst>
-                                    <p:set>
-                                      <p:cBhvr>
-                                        <p:cTn id="14" dur="1" fill="hold">
-                                          <p:stCondLst>
-                                            <p:cond delay="0"/>
-                                          </p:stCondLst>
-                                        </p:cTn>
-                                        <p:tgtEl>
-                                          <p:spTgt spid="5"/>
-                                        </p:tgtEl>
-                                        <p:attrNameLst>
-                                          <p:attrName>style.visibility</p:attrName>
-                                        </p:attrNameLst>
-                                      </p:cBhvr>
-                                      <p:to>
-                                        <p:strVal val="visible"/>
-                                      </p:to>
-                                    </p:set>
-                                  </p:childTnLst>
-                                </p:cTn>
-                              </p:par>
-                              <p:par>
-                                <p:cTn id="15" presetID="1" presetClass="entr" presetSubtype="0" fill="hold" grpId="0" nodeType="withEffect">
-                                  <p:stCondLst>
-                                    <p:cond delay="0"/>
-                                  </p:stCondLst>
-                                  <p:childTnLst>
-                                    <p:set>
-                                      <p:cBhvr>
-                                        <p:cTn id="16" dur="1" fill="hold">
-                                          <p:stCondLst>
-                                            <p:cond delay="0"/>
-                                          </p:stCondLst>
-                                        </p:cTn>
-                                        <p:tgtEl>
-                                          <p:spTgt spid="12"/>
-                                        </p:tgtEl>
-                                        <p:attrNameLst>
-                                          <p:attrName>style.visibility</p:attrName>
-                                        </p:attrNameLst>
-                                      </p:cBhvr>
-                                      <p:to>
-                                        <p:strVal val="visible"/>
-                                      </p:to>
-                                    </p:set>
-                                  </p:childTnLst>
-                                </p:cTn>
-                              </p:par>
-                              <p:par>
-                                <p:cTn id="17" presetID="1" presetClass="entr" presetSubtype="0" fill="hold" grpId="0" nodeType="withEffect">
-                                  <p:stCondLst>
-                                    <p:cond delay="0"/>
-                                  </p:stCondLst>
-                                  <p:childTnLst>
-                                    <p:set>
-                                      <p:cBhvr>
-                                        <p:cTn id="18" dur="1" fill="hold">
-                                          <p:stCondLst>
-                                            <p:cond delay="0"/>
-                                          </p:stCondLst>
-                                        </p:cTn>
-                                        <p:tgtEl>
-                                          <p:spTgt spid="14"/>
-                                        </p:tgtEl>
-                                        <p:attrNameLst>
-                                          <p:attrName>style.visibility</p:attrName>
-                                        </p:attrNameLst>
-                                      </p:cBhvr>
-                                      <p:to>
-                                        <p:strVal val="visible"/>
-                                      </p:to>
-                                    </p:set>
-                                  </p:childTnLst>
-                                </p:cTn>
-                              </p:par>
-                              <p:par>
-                                <p:cTn id="19" presetID="1" presetClass="entr" presetSubtype="0" fill="hold" grpId="1" nodeType="withEffect">
-                                  <p:stCondLst>
-                                    <p:cond delay="0"/>
-                                  </p:stCondLst>
-                                  <p:childTnLst>
-                                    <p:set>
-                                      <p:cBhvr>
-                                        <p:cTn id="20" dur="1" fill="hold">
-                                          <p:stCondLst>
-                                            <p:cond delay="0"/>
-                                          </p:stCondLst>
-                                        </p:cTn>
-                                        <p:tgtEl>
-                                          <p:spTgt spid="15"/>
-                                        </p:tgtEl>
-                                        <p:attrNameLst>
-                                          <p:attrName>style.visibility</p:attrName>
-                                        </p:attrNameLst>
-                                      </p:cBhvr>
-                                      <p:to>
-                                        <p:strVal val="visible"/>
-                                      </p:to>
-                                    </p:set>
-                                  </p:childTnLst>
-                                </p:cTn>
-                              </p:par>
-                            </p:childTnLst>
-                          </p:cTn>
-                        </p:par>
-                      </p:childTnLst>
-                    </p:cTn>
-                  </p:par>
-                  <p:par>
-                    <p:cTn id="21" fill="hold">
-                      <p:stCondLst>
-                        <p:cond delay="indefinite"/>
-                      </p:stCondLst>
-                      <p:childTnLst>
-                        <p:par>
-                          <p:cTn id="22" fill="hold">
-                            <p:stCondLst>
-                              <p:cond delay="0"/>
-                            </p:stCondLst>
-                            <p:childTnLst>
-                              <p:par>
-                                <p:cTn id="23" presetID="1" presetClass="exit" presetSubtype="0" fill="hold" grpId="1" nodeType="clickEffect">
-                                  <p:stCondLst>
-                                    <p:cond delay="0"/>
-                                  </p:stCondLst>
-                                  <p:childTnLst>
-                                    <p:set>
-                                      <p:cBhvr>
-                                        <p:cTn id="24" dur="1" fill="hold">
-                                          <p:stCondLst>
-                                            <p:cond delay="0"/>
-                                          </p:stCondLst>
-                                        </p:cTn>
-                                        <p:tgtEl>
-                                          <p:spTgt spid="9"/>
-                                        </p:tgtEl>
-                                        <p:attrNameLst>
-                                          <p:attrName>style.visibility</p:attrName>
-                                        </p:attrNameLst>
-                                      </p:cBhvr>
-                                      <p:to>
-                                        <p:strVal val="hidden"/>
-                                      </p:to>
-                                    </p:set>
-                                  </p:childTnLst>
-                                </p:cTn>
-                              </p:par>
-                              <p:par>
-                                <p:cTn id="25" presetID="1" presetClass="exit" presetSubtype="0" fill="hold" grpId="1" nodeType="withEffect">
-                                  <p:stCondLst>
-                                    <p:cond delay="0"/>
-                                  </p:stCondLst>
-                                  <p:childTnLst>
-                                    <p:set>
-                                      <p:cBhvr>
-                                        <p:cTn id="26" dur="1" fill="hold">
-                                          <p:stCondLst>
-                                            <p:cond delay="0"/>
-                                          </p:stCondLst>
-                                        </p:cTn>
-                                        <p:tgtEl>
-                                          <p:spTgt spid="6"/>
-                                        </p:tgtEl>
-                                        <p:attrNameLst>
-                                          <p:attrName>style.visibility</p:attrName>
-                                        </p:attrNameLst>
-                                      </p:cBhvr>
-                                      <p:to>
-                                        <p:strVal val="hidden"/>
-                                      </p:to>
-                                    </p:set>
-                                  </p:childTnLst>
-                                </p:cTn>
-                              </p:par>
-                              <p:par>
-                                <p:cTn id="27" presetID="1" presetClass="exit" presetSubtype="0" fill="hold" nodeType="withEffect">
-                                  <p:stCondLst>
-                                    <p:cond delay="0"/>
-                                  </p:stCondLst>
-                                  <p:childTnLst>
-                                    <p:set>
-                                      <p:cBhvr>
-                                        <p:cTn id="28" dur="1" fill="hold">
-                                          <p:stCondLst>
-                                            <p:cond delay="0"/>
-                                          </p:stCondLst>
-                                        </p:cTn>
-                                        <p:tgtEl>
-                                          <p:spTgt spid="11"/>
-                                        </p:tgtEl>
-                                        <p:attrNameLst>
-                                          <p:attrName>style.visibility</p:attrName>
-                                        </p:attrNameLst>
-                                      </p:cBhvr>
-                                      <p:to>
-                                        <p:strVal val="hidden"/>
-                                      </p:to>
-                                    </p:set>
-                                  </p:childTnLst>
-                                </p:cTn>
-                              </p:par>
-                              <p:par>
-                                <p:cTn id="29" presetID="1" presetClass="exit" presetSubtype="0" fill="hold" grpId="1" nodeType="withEffect">
-                                  <p:stCondLst>
-                                    <p:cond delay="0"/>
-                                  </p:stCondLst>
-                                  <p:childTnLst>
-                                    <p:set>
-                                      <p:cBhvr>
-                                        <p:cTn id="30" dur="1" fill="hold">
-                                          <p:stCondLst>
-                                            <p:cond delay="0"/>
-                                          </p:stCondLst>
-                                        </p:cTn>
-                                        <p:tgtEl>
-                                          <p:spTgt spid="5"/>
-                                        </p:tgtEl>
-                                        <p:attrNameLst>
-                                          <p:attrName>style.visibility</p:attrName>
-                                        </p:attrNameLst>
-                                      </p:cBhvr>
-                                      <p:to>
-                                        <p:strVal val="hidden"/>
-                                      </p:to>
-                                    </p:set>
-                                  </p:childTnLst>
-                                </p:cTn>
-                              </p:par>
-                              <p:par>
-                                <p:cTn id="31" presetID="1" presetClass="exit" presetSubtype="0" fill="hold" grpId="1" nodeType="withEffect">
-                                  <p:stCondLst>
-                                    <p:cond delay="0"/>
-                                  </p:stCondLst>
-                                  <p:childTnLst>
-                                    <p:set>
-                                      <p:cBhvr>
-                                        <p:cTn id="32" dur="1" fill="hold">
-                                          <p:stCondLst>
-                                            <p:cond delay="0"/>
-                                          </p:stCondLst>
-                                        </p:cTn>
-                                        <p:tgtEl>
-                                          <p:spTgt spid="12"/>
-                                        </p:tgtEl>
-                                        <p:attrNameLst>
-                                          <p:attrName>style.visibility</p:attrName>
-                                        </p:attrNameLst>
-                                      </p:cBhvr>
-                                      <p:to>
-                                        <p:strVal val="hidden"/>
-                                      </p:to>
-                                    </p:set>
-                                  </p:childTnLst>
-                                </p:cTn>
-                              </p:par>
-                              <p:par>
-                                <p:cTn id="33" presetID="1" presetClass="exit" presetSubtype="0" fill="hold" grpId="1" nodeType="withEffect">
-                                  <p:stCondLst>
-                                    <p:cond delay="0"/>
-                                  </p:stCondLst>
-                                  <p:childTnLst>
-                                    <p:set>
-                                      <p:cBhvr>
-                                        <p:cTn id="34" dur="1" fill="hold">
-                                          <p:stCondLst>
-                                            <p:cond delay="0"/>
-                                          </p:stCondLst>
-                                        </p:cTn>
-                                        <p:tgtEl>
-                                          <p:spTgt spid="14"/>
-                                        </p:tgtEl>
-                                        <p:attrNameLst>
-                                          <p:attrName>style.visibility</p:attrName>
-                                        </p:attrNameLst>
-                                      </p:cBhvr>
-                                      <p:to>
-                                        <p:strVal val="hidden"/>
-                                      </p:to>
-                                    </p:set>
-                                  </p:childTnLst>
-                                </p:cTn>
-                              </p:par>
-                              <p:par>
-                                <p:cTn id="35" presetID="1" presetClass="exit" presetSubtype="0" fill="hold" grpId="0" nodeType="withEffect">
-                                  <p:stCondLst>
-                                    <p:cond delay="0"/>
-                                  </p:stCondLst>
-                                  <p:childTnLst>
-                                    <p:set>
-                                      <p:cBhvr>
-                                        <p:cTn id="36" dur="1" fill="hold">
-                                          <p:stCondLst>
-                                            <p:cond delay="0"/>
-                                          </p:stCondLst>
-                                        </p:cTn>
-                                        <p:tgtEl>
-                                          <p:spTgt spid="4"/>
-                                        </p:tgtEl>
-                                        <p:attrNameLst>
-                                          <p:attrName>style.visibility</p:attrName>
-                                        </p:attrNameLst>
-                                      </p:cBhvr>
-                                      <p:to>
-                                        <p:strVal val="hidden"/>
-                                      </p:to>
-                                    </p:set>
-                                  </p:childTnLst>
-                                </p:cTn>
-                              </p:par>
-                              <p:par>
-                                <p:cTn id="37" presetID="1" presetClass="exit" presetSubtype="0" fill="hold" grpId="0" nodeType="withEffect">
-                                  <p:stCondLst>
-                                    <p:cond delay="0"/>
-                                  </p:stCondLst>
-                                  <p:childTnLst>
-                                    <p:set>
-                                      <p:cBhvr>
-                                        <p:cTn id="38" dur="1" fill="hold">
-                                          <p:stCondLst>
-                                            <p:cond delay="0"/>
-                                          </p:stCondLst>
-                                        </p:cTn>
-                                        <p:tgtEl>
-                                          <p:spTgt spid="7"/>
-                                        </p:tgtEl>
-                                        <p:attrNameLst>
-                                          <p:attrName>style.visibility</p:attrName>
-                                        </p:attrNameLst>
-                                      </p:cBhvr>
-                                      <p:to>
-                                        <p:strVal val="hidden"/>
-                                      </p:to>
-                                    </p:set>
-                                  </p:childTnLst>
-                                </p:cTn>
-                              </p:par>
-                              <p:par>
-                                <p:cTn id="39" presetID="1" presetClass="exit" presetSubtype="0" fill="hold" grpId="0" nodeType="withEffect">
-                                  <p:stCondLst>
-                                    <p:cond delay="0"/>
-                                  </p:stCondLst>
-                                  <p:childTnLst>
-                                    <p:set>
-                                      <p:cBhvr>
-                                        <p:cTn id="40" dur="1" fill="hold">
-                                          <p:stCondLst>
-                                            <p:cond delay="0"/>
-                                          </p:stCondLst>
-                                        </p:cTn>
-                                        <p:tgtEl>
-                                          <p:spTgt spid="8"/>
-                                        </p:tgtEl>
-                                        <p:attrNameLst>
-                                          <p:attrName>style.visibility</p:attrName>
-                                        </p:attrNameLst>
-                                      </p:cBhvr>
-                                      <p:to>
-                                        <p:strVal val="hidden"/>
-                                      </p:to>
-                                    </p:set>
-                                  </p:childTnLst>
-                                </p:cTn>
-                              </p:par>
-                              <p:par>
-                                <p:cTn id="41" presetID="1" presetClass="exit" presetSubtype="0" fill="hold" grpId="0" nodeType="withEffect">
-                                  <p:stCondLst>
-                                    <p:cond delay="0"/>
-                                  </p:stCondLst>
-                                  <p:childTnLst>
-                                    <p:set>
-                                      <p:cBhvr>
-                                        <p:cTn id="42" dur="1" fill="hold">
-                                          <p:stCondLst>
-                                            <p:cond delay="0"/>
-                                          </p:stCondLst>
-                                        </p:cTn>
-                                        <p:tgtEl>
-                                          <p:spTgt spid="15"/>
-                                        </p:tgtEl>
-                                        <p:attrNameLst>
-                                          <p:attrName>style.visibility</p:attrName>
-                                        </p:attrNameLst>
-                                      </p:cBhvr>
-                                      <p:to>
-                                        <p:strVal val="hidden"/>
-                                      </p:to>
-                                    </p:set>
-                                  </p:childTnLst>
-                                </p:cTn>
-                              </p:par>
-                            </p:childTnLst>
-                          </p:cTn>
-                        </p:par>
-                        <p:par>
-                          <p:cTn id="43" fill="hold">
-                            <p:stCondLst>
-                              <p:cond delay="0"/>
-                            </p:stCondLst>
-                            <p:childTnLst>
-                              <p:par>
-                                <p:cTn id="44" presetID="1" presetClass="entr" presetSubtype="0" fill="hold" nodeType="afterEffect">
-                                  <p:stCondLst>
-                                    <p:cond delay="0"/>
-                                  </p:stCondLst>
-                                  <p:childTnLst>
-                                    <p:set>
-                                      <p:cBhvr>
-                                        <p:cTn id="45" dur="1" fill="hold">
-                                          <p:stCondLst>
-                                            <p:cond delay="0"/>
-                                          </p:stCondLst>
-                                        </p:cTn>
-                                        <p:tgtEl>
-                                          <p:spTgt spid="17"/>
-                                        </p:tgtEl>
-                                        <p:attrNameLst>
-                                          <p:attrName>style.visibility</p:attrName>
-                                        </p:attrNameLst>
-                                      </p:cBhvr>
-                                      <p:to>
-                                        <p:strVal val="visible"/>
-                                      </p:to>
-                                    </p:set>
-                                  </p:childTnLst>
-                                </p:cTn>
-                              </p:par>
-                              <p:par>
-                                <p:cTn id="46" presetID="1" presetClass="entr" presetSubtype="0" fill="hold" grpId="0" nodeType="withEffect">
-                                  <p:stCondLst>
-                                    <p:cond delay="0"/>
-                                  </p:stCondLst>
-                                  <p:childTnLst>
-                                    <p:set>
-                                      <p:cBhvr>
-                                        <p:cTn id="47" dur="1" fill="hold">
-                                          <p:stCondLst>
-                                            <p:cond delay="0"/>
-                                          </p:stCondLst>
-                                        </p:cTn>
-                                        <p:tgtEl>
-                                          <p:spTgt spid="18"/>
-                                        </p:tgtEl>
-                                        <p:attrNameLst>
-                                          <p:attrName>style.visibility</p:attrName>
-                                        </p:attrNameLst>
-                                      </p:cBhvr>
-                                      <p:to>
-                                        <p:strVal val="visible"/>
-                                      </p:to>
-                                    </p:set>
-                                  </p:childTnLst>
-                                </p:cTn>
-                              </p:par>
-                            </p:childTnLst>
-                          </p:cTn>
-                        </p:par>
-                      </p:childTnLst>
-                    </p:cTn>
-                  </p:par>
-                </p:childTnLst>
-              </p:cTn>
-              <p:prevCondLst>
-                <p:cond evt="onPrev" delay="0">
-                  <p:tgtEl>
-                    <p:sldTgt/>
-                  </p:tgtEl>
-                </p:cond>
-              </p:prevCondLst>
-              <p:nextCondLst>
-                <p:cond evt="onNext" delay="0">
-                  <p:tgtEl>
-                    <p:sldTgt/>
-                  </p:tgtEl>
-                </p:cond>
-              </p:nextCondLst>
-            </p:seq>
-          </p:childTnLst>
-        </p:cTn>
-      </p:par>
-    </p:tnLst>
-    <p:bldLst>
-      <p:bldP spid="4" grpId="0"/>
-      <p:bldP spid="5" grpId="0"/>
-      <p:bldP spid="5" grpId="1"/>
-      <p:bldP spid="6" grpId="0" animBg="1"/>
-      <p:bldP spid="6" grpId="1" animBg="1"/>
-      <p:bldP spid="7" grpId="0" animBg="1"/>
-      <p:bldP spid="8" grpId="0" animBg="1"/>
-      <p:bldP spid="9" grpId="0" animBg="1"/>
-      <p:bldP spid="9" grpId="1" animBg="1"/>
-      <p:bldP spid="12" grpId="0" animBg="1"/>
-      <p:bldP spid="12" grpId="1" animBg="1"/>
-      <p:bldP spid="14" grpId="0" animBg="1"/>
-      <p:bldP spid="14" grpId="1" animBg="1"/>
-      <p:bldP spid="15" grpId="0" animBg="1"/>
-      <p:bldP spid="15" grpId="1" animBg="1"/>
-      <p:bldP spid="18" grpId="0"/>
-    </p:bldLst>
-  </p:timing>
-</p:sld>
-</file>
-
-<file path=ppt/slides/slide5.xml><?xml version="1.0" encoding="utf-8"?>
-<p:sld xmlns:a="http://schemas.openxmlformats.org/drawingml/2006/main" xmlns:r="http://schemas.openxmlformats.org/officeDocument/2006/relationships" xmlns:p="http://schemas.openxmlformats.org/presentationml/2006/main">
-  <p:cSld>
-    <p:spTree>
-      <p:nvGrpSpPr>
-        <p:cNvPr id="1" name=""/>
-        <p:cNvGrpSpPr/>
-        <p:nvPr/>
-      </p:nvGrpSpPr>
-      <p:grpSpPr>
-        <a:xfrm>
-          <a:off x="0" y="0"/>
-          <a:ext cx="0" cy="0"/>
-          <a:chOff x="0" y="0"/>
-          <a:chExt cx="0" cy="0"/>
-        </a:xfrm>
-      </p:grpSpPr>
-      <p:sp>
-        <p:nvSpPr>
-          <p:cNvPr id="2" name="Titel 1">
-            <a:extLst>
-              <a:ext uri="{FF2B5EF4-FFF2-40B4-BE49-F238E27FC236}">
-                <a16:creationId xmlns="" xmlns:a16="http://schemas.microsoft.com/office/drawing/2014/main" id="{4194B536-3561-4DED-AAD8-70C8558F7BB2}"/>
-              </a:ext>
-            </a:extLst>
-          </p:cNvPr>
-          <p:cNvSpPr>
-            <a:spLocks noGrp="1"/>
-          </p:cNvSpPr>
-          <p:nvPr>
-            <p:ph type="title"/>
-          </p:nvPr>
-        </p:nvSpPr>
-        <p:spPr/>
-        <p:txBody>
-          <a:bodyPr/>
-          <a:lstStyle/>
-          <a:p>
-            <a:r>
-              <a:rPr lang="de-DE" dirty="0"/>
-              <a:t>Beispiel „Hallo Peter“</a:t>
-            </a:r>
-          </a:p>
-        </p:txBody>
-      </p:sp>
-      <p:sp>
-        <p:nvSpPr>
-          <p:cNvPr id="4" name="Textfeld 3">
-            <a:extLst>
-              <a:ext uri="{FF2B5EF4-FFF2-40B4-BE49-F238E27FC236}">
-                <a16:creationId xmlns="" xmlns:a16="http://schemas.microsoft.com/office/drawing/2014/main" id="{D43745DA-730F-4B9E-AB94-ED671069BA44}"/>
-              </a:ext>
-            </a:extLst>
-          </p:cNvPr>
-          <p:cNvSpPr txBox="1"/>
-          <p:nvPr/>
-        </p:nvSpPr>
-        <p:spPr>
-          <a:xfrm>
-            <a:off x="1226885" y="3586433"/>
-            <a:ext cx="6690229" cy="1477328"/>
-          </a:xfrm>
-          <a:prstGeom prst="rect">
-            <a:avLst/>
-          </a:prstGeom>
-          <a:solidFill>
-            <a:srgbClr val="E46D24">
-              <a:alpha val="30196"/>
-            </a:srgbClr>
-          </a:solidFill>
-        </p:spPr>
-        <p:txBody>
-          <a:bodyPr wrap="none" rtlCol="0">
-            <a:spAutoFit/>
-          </a:bodyPr>
-          <a:lstStyle/>
-          <a:p>
-            <a:r>
-              <a:rPr lang="de-DE" dirty="0"/>
-              <a:t>Hallo Peter, </a:t>
-            </a:r>
-            <a:r>
-              <a:rPr lang="de-DE" dirty="0">
-                <a:solidFill>
-                  <a:srgbClr val="FF0000"/>
-                </a:solidFill>
-              </a:rPr>
-              <a:t>b</a:t>
-            </a:r>
-            <a:r>
-              <a:rPr lang="de-DE" dirty="0"/>
-              <a:t>ei mir ist alles Gut! </a:t>
-            </a:r>
-            <a:r>
-              <a:rPr lang="de-DE" dirty="0">
-                <a:solidFill>
-                  <a:srgbClr val="FF0000"/>
-                </a:solidFill>
-              </a:rPr>
-              <a:t>R</a:t>
-            </a:r>
-            <a:r>
-              <a:rPr lang="de-DE" dirty="0"/>
-              <a:t>ücksprachlich zu deiner Nachricht,</a:t>
-            </a:r>
-            <a:br>
-              <a:rPr lang="de-DE" dirty="0"/>
-            </a:br>
-            <a:r>
-              <a:rPr lang="de-DE" dirty="0">
-                <a:solidFill>
-                  <a:srgbClr val="FF0000"/>
-                </a:solidFill>
-              </a:rPr>
-              <a:t>ü</a:t>
-            </a:r>
-            <a:r>
-              <a:rPr lang="de-DE" dirty="0"/>
-              <a:t>bersende ich dir auch liebste Grüße.</a:t>
-            </a:r>
-            <a:br>
-              <a:rPr lang="de-DE" dirty="0"/>
-            </a:br>
-            <a:r>
-              <a:rPr lang="de-DE" dirty="0">
-                <a:solidFill>
-                  <a:srgbClr val="FF0000"/>
-                </a:solidFill>
-              </a:rPr>
-              <a:t>C</a:t>
-            </a:r>
-            <a:r>
-              <a:rPr lang="de-DE" dirty="0"/>
-              <a:t>asablanca ist wirklich schön, </a:t>
-            </a:r>
-            <a:r>
-              <a:rPr lang="de-DE" dirty="0" err="1">
-                <a:solidFill>
-                  <a:srgbClr val="FF0000"/>
-                </a:solidFill>
-              </a:rPr>
-              <a:t>K</a:t>
-            </a:r>
-            <a:r>
-              <a:rPr lang="de-DE" dirty="0" err="1"/>
-              <a:t>aral</a:t>
-            </a:r>
-            <a:r>
-              <a:rPr lang="de-DE" dirty="0"/>
-              <a:t> und ich waren ja auch schon dort.</a:t>
-            </a:r>
-            <a:br>
-              <a:rPr lang="de-DE" dirty="0"/>
-            </a:br>
-            <a:r>
-              <a:rPr lang="de-DE" dirty="0" err="1">
-                <a:solidFill>
-                  <a:srgbClr val="FF0000"/>
-                </a:solidFill>
-              </a:rPr>
-              <a:t>E</a:t>
-            </a:r>
-            <a:r>
-              <a:rPr lang="de-DE" dirty="0" err="1"/>
-              <a:t>glise</a:t>
-            </a:r>
-            <a:r>
-              <a:rPr lang="de-DE" dirty="0"/>
-              <a:t> </a:t>
-            </a:r>
-            <a:r>
-              <a:rPr lang="de-DE" dirty="0" err="1"/>
-              <a:t>Notredam</a:t>
-            </a:r>
-            <a:r>
-              <a:rPr lang="de-DE" dirty="0"/>
-              <a:t> ist dort ein absolutes highlight!......</a:t>
-            </a:r>
-          </a:p>
-          <a:p>
-            <a:endParaRPr lang="de-DE" dirty="0"/>
-          </a:p>
-        </p:txBody>
-      </p:sp>
-      <p:sp>
-        <p:nvSpPr>
-          <p:cNvPr id="6" name="Rechteck 5">
-            <a:extLst>
-              <a:ext uri="{FF2B5EF4-FFF2-40B4-BE49-F238E27FC236}">
-                <a16:creationId xmlns="" xmlns:a16="http://schemas.microsoft.com/office/drawing/2014/main" id="{A25ED339-59D9-463E-A3C4-B6D84BE5B6D7}"/>
-              </a:ext>
-            </a:extLst>
-          </p:cNvPr>
-          <p:cNvSpPr/>
-          <p:nvPr/>
-        </p:nvSpPr>
-        <p:spPr>
-          <a:xfrm>
-            <a:off x="2455681" y="1897038"/>
-            <a:ext cx="4232635" cy="680973"/>
-          </a:xfrm>
-          <a:prstGeom prst="rect">
-            <a:avLst/>
-          </a:prstGeom>
-          <a:solidFill>
-            <a:srgbClr val="4472C4">
-              <a:alpha val="23137"/>
-            </a:srgbClr>
-          </a:solidFill>
-        </p:spPr>
-        <p:style>
-          <a:lnRef idx="2">
-            <a:schemeClr val="accent1">
-              <a:shade val="50000"/>
-            </a:schemeClr>
-          </a:lnRef>
-          <a:fillRef idx="1">
-            <a:schemeClr val="accent1"/>
-          </a:fillRef>
-          <a:effectRef idx="0">
-            <a:schemeClr val="accent1"/>
-          </a:effectRef>
-          <a:fontRef idx="minor">
-            <a:schemeClr val="lt1"/>
-          </a:fontRef>
-        </p:style>
-        <p:txBody>
-          <a:bodyPr rtlCol="0" anchor="ctr"/>
-          <a:lstStyle/>
-          <a:p>
-            <a:pPr algn="ctr"/>
-            <a:r>
-              <a:rPr lang="de-DE" dirty="0">
-                <a:solidFill>
-                  <a:schemeClr val="tx1"/>
-                </a:solidFill>
-              </a:rPr>
-              <a:t>Brücke 15 Uhr</a:t>
-            </a:r>
-          </a:p>
-        </p:txBody>
-      </p:sp>
-      <p:sp>
-        <p:nvSpPr>
-          <p:cNvPr id="7" name="Rechteck 6">
-            <a:extLst>
-              <a:ext uri="{FF2B5EF4-FFF2-40B4-BE49-F238E27FC236}">
-                <a16:creationId xmlns="" xmlns:a16="http://schemas.microsoft.com/office/drawing/2014/main" id="{089A73A4-8D45-434C-8217-3C91B1307487}"/>
-              </a:ext>
-            </a:extLst>
-          </p:cNvPr>
-          <p:cNvSpPr/>
-          <p:nvPr/>
-        </p:nvSpPr>
-        <p:spPr>
-          <a:xfrm>
-            <a:off x="3821373" y="1655274"/>
-            <a:ext cx="1733266" cy="241764"/>
-          </a:xfrm>
-          <a:prstGeom prst="rect">
-            <a:avLst/>
-          </a:prstGeom>
-        </p:spPr>
-        <p:style>
-          <a:lnRef idx="2">
-            <a:schemeClr val="accent1">
-              <a:shade val="50000"/>
-            </a:schemeClr>
-          </a:lnRef>
-          <a:fillRef idx="1">
-            <a:schemeClr val="accent1"/>
-          </a:fillRef>
-          <a:effectRef idx="0">
-            <a:schemeClr val="accent1"/>
-          </a:effectRef>
-          <a:fontRef idx="minor">
-            <a:schemeClr val="lt1"/>
-          </a:fontRef>
-        </p:style>
-        <p:txBody>
-          <a:bodyPr rtlCol="0" anchor="ctr"/>
-          <a:lstStyle/>
-          <a:p>
-            <a:pPr algn="ctr"/>
-            <a:r>
-              <a:rPr lang="de-DE" dirty="0"/>
-              <a:t>Klartext</a:t>
-            </a:r>
-          </a:p>
-        </p:txBody>
-      </p:sp>
-      <p:sp>
-        <p:nvSpPr>
-          <p:cNvPr id="8" name="Pfeil: nach unten 7">
-            <a:extLst>
-              <a:ext uri="{FF2B5EF4-FFF2-40B4-BE49-F238E27FC236}">
-                <a16:creationId xmlns="" xmlns:a16="http://schemas.microsoft.com/office/drawing/2014/main" id="{627132F9-9F8A-4C39-8700-05429A0C96FF}"/>
-              </a:ext>
-            </a:extLst>
-          </p:cNvPr>
-          <p:cNvSpPr/>
-          <p:nvPr/>
-        </p:nvSpPr>
-        <p:spPr>
-          <a:xfrm>
-            <a:off x="4157221" y="2671034"/>
-            <a:ext cx="829558" cy="825201"/>
-          </a:xfrm>
-          <a:prstGeom prst="downArrow">
-            <a:avLst/>
-          </a:prstGeom>
-        </p:spPr>
-        <p:style>
-          <a:lnRef idx="2">
-            <a:schemeClr val="accent1">
-              <a:shade val="50000"/>
-            </a:schemeClr>
-          </a:lnRef>
-          <a:fillRef idx="1">
-            <a:schemeClr val="accent1"/>
-          </a:fillRef>
-          <a:effectRef idx="0">
-            <a:schemeClr val="accent1"/>
-          </a:effectRef>
-          <a:fontRef idx="minor">
-            <a:schemeClr val="lt1"/>
-          </a:fontRef>
-        </p:style>
-        <p:txBody>
-          <a:bodyPr rtlCol="0" anchor="ctr"/>
-          <a:lstStyle/>
-          <a:p>
-            <a:pPr algn="ctr"/>
-            <a:endParaRPr lang="de-DE"/>
-          </a:p>
-        </p:txBody>
-      </p:sp>
-      <p:pic>
-        <p:nvPicPr>
-          <p:cNvPr id="10" name="Grafik 9" descr="Umschlag">
-            <a:extLst>
-              <a:ext uri="{FF2B5EF4-FFF2-40B4-BE49-F238E27FC236}">
-                <a16:creationId xmlns="" xmlns:a16="http://schemas.microsoft.com/office/drawing/2014/main" id="{F1295AF7-BC96-440E-991B-56D55DE2171E}"/>
-              </a:ext>
-            </a:extLst>
-          </p:cNvPr>
-          <p:cNvPicPr>
-            <a:picLocks noChangeAspect="1"/>
-          </p:cNvPicPr>
-          <p:nvPr/>
-        </p:nvPicPr>
-        <p:blipFill>
-          <a:blip r:embed="rId2">
-            <a:extLst>
-              <a:ext uri="{96DAC541-7B7A-43D3-8B79-37D633B846F1}">
-                <asvg:svgBlip xmlns="" xmlns:asvg="http://schemas.microsoft.com/office/drawing/2016/SVG/main" r:embed="rId3"/>
-              </a:ext>
-            </a:extLst>
-          </a:blip>
-          <a:stretch>
-            <a:fillRect/>
-          </a:stretch>
-        </p:blipFill>
-        <p:spPr>
-          <a:xfrm>
-            <a:off x="1292093" y="1022108"/>
-            <a:ext cx="7169912" cy="4962837"/>
-          </a:xfrm>
-          <a:prstGeom prst="rect">
-            <a:avLst/>
-          </a:prstGeom>
-        </p:spPr>
-      </p:pic>
-      <p:sp>
-        <p:nvSpPr>
-          <p:cNvPr id="11" name="Textfeld 10">
-            <a:extLst>
-              <a:ext uri="{FF2B5EF4-FFF2-40B4-BE49-F238E27FC236}">
-                <a16:creationId xmlns="" xmlns:a16="http://schemas.microsoft.com/office/drawing/2014/main" id="{3A52AEB7-32CE-497A-9B56-5D2DE7D9C226}"/>
-              </a:ext>
-            </a:extLst>
-          </p:cNvPr>
-          <p:cNvSpPr txBox="1"/>
-          <p:nvPr/>
-        </p:nvSpPr>
-        <p:spPr>
-          <a:xfrm>
-            <a:off x="3391416" y="2343786"/>
-            <a:ext cx="3190725" cy="1077218"/>
-          </a:xfrm>
-          <a:prstGeom prst="rect">
-            <a:avLst/>
-          </a:prstGeom>
-          <a:noFill/>
-        </p:spPr>
-        <p:txBody>
-          <a:bodyPr wrap="square" rtlCol="0">
-            <a:spAutoFit/>
-          </a:bodyPr>
-          <a:lstStyle/>
-          <a:p>
-            <a:pPr algn="ctr"/>
-            <a:r>
-              <a:rPr lang="de-DE" sz="3200" dirty="0">
-                <a:solidFill>
-                  <a:srgbClr val="00B050"/>
-                </a:solidFill>
-              </a:rPr>
-              <a:t>Unauffällige Nachricht</a:t>
-            </a:r>
-          </a:p>
-        </p:txBody>
-      </p:sp>
-      <p:pic>
-        <p:nvPicPr>
-          <p:cNvPr id="13" name="Grafik 12" descr="Zahnräder">
-            <a:extLst>
-              <a:ext uri="{FF2B5EF4-FFF2-40B4-BE49-F238E27FC236}">
-                <a16:creationId xmlns="" xmlns:a16="http://schemas.microsoft.com/office/drawing/2014/main" id="{FFF7DBD6-56D7-4A78-B12B-E0BFAD8714F7}"/>
-              </a:ext>
-            </a:extLst>
-          </p:cNvPr>
-          <p:cNvPicPr>
-            <a:picLocks noChangeAspect="1"/>
-          </p:cNvPicPr>
-          <p:nvPr/>
-        </p:nvPicPr>
-        <p:blipFill>
-          <a:blip r:embed="rId4">
-            <a:extLst>
-              <a:ext uri="{96DAC541-7B7A-43D3-8B79-37D633B846F1}">
-                <asvg:svgBlip xmlns="" xmlns:asvg="http://schemas.microsoft.com/office/drawing/2016/SVG/main" r:embed="rId5"/>
-              </a:ext>
-            </a:extLst>
-          </a:blip>
-          <a:stretch>
-            <a:fillRect/>
-          </a:stretch>
-        </p:blipFill>
-        <p:spPr>
-          <a:xfrm>
-            <a:off x="5176345" y="2626434"/>
-            <a:ext cx="914400" cy="914400"/>
-          </a:xfrm>
-          <a:prstGeom prst="rect">
-            <a:avLst/>
-          </a:prstGeom>
-        </p:spPr>
-      </p:pic>
-    </p:spTree>
-    <p:extLst>
-      <p:ext uri="{BB962C8B-B14F-4D97-AF65-F5344CB8AC3E}">
-        <p14:creationId xmlns:p14="http://schemas.microsoft.com/office/powerpoint/2010/main" val="1341799344"/>
-      </p:ext>
-    </p:extLst>
-  </p:cSld>
-  <p:clrMapOvr>
-    <a:masterClrMapping/>
-  </p:clrMapOvr>
-  <p:timing>
-    <p:tnLst>
-      <p:par>
-        <p:cTn id="1" dur="indefinite" restart="never" nodeType="tmRoot">
-          <p:childTnLst>
-            <p:seq concurrent="1" nextAc="seek">
-              <p:cTn id="2" dur="indefinite" nodeType="mainSeq">
-                <p:childTnLst>
-                  <p:par>
-                    <p:cTn id="3" fill="hold">
-                      <p:stCondLst>
-                        <p:cond delay="indefinite"/>
-                      </p:stCondLst>
-                      <p:childTnLst>
-                        <p:par>
-                          <p:cTn id="4" fill="hold">
-                            <p:stCondLst>
-                              <p:cond delay="0"/>
-                            </p:stCondLst>
-                            <p:childTnLst>
-                              <p:par>
-                                <p:cTn id="5" presetID="1" presetClass="entr" presetSubtype="0" fill="hold" grpId="0" nodeType="clickEffect">
-                                  <p:stCondLst>
-                                    <p:cond delay="0"/>
-                                  </p:stCondLst>
-                                  <p:childTnLst>
-                                    <p:set>
-                                      <p:cBhvr>
-                                        <p:cTn id="6" dur="1" fill="hold">
-                                          <p:stCondLst>
-                                            <p:cond delay="0"/>
-                                          </p:stCondLst>
-                                        </p:cTn>
-                                        <p:tgtEl>
-                                          <p:spTgt spid="8"/>
-                                        </p:tgtEl>
-                                        <p:attrNameLst>
-                                          <p:attrName>style.visibility</p:attrName>
-                                        </p:attrNameLst>
-                                      </p:cBhvr>
-                                      <p:to>
-                                        <p:strVal val="visible"/>
-                                      </p:to>
-                                    </p:set>
-                                  </p:childTnLst>
-                                </p:cTn>
-                              </p:par>
-                              <p:par>
-                                <p:cTn id="7" presetID="1" presetClass="entr" presetSubtype="0" fill="hold" nodeType="withEffect">
-                                  <p:stCondLst>
-                                    <p:cond delay="0"/>
-                                  </p:stCondLst>
-                                  <p:childTnLst>
-                                    <p:set>
-                                      <p:cBhvr>
-                                        <p:cTn id="8" dur="1" fill="hold">
-                                          <p:stCondLst>
-                                            <p:cond delay="0"/>
-                                          </p:stCondLst>
-                                        </p:cTn>
-                                        <p:tgtEl>
-                                          <p:spTgt spid="13"/>
-                                        </p:tgtEl>
-                                        <p:attrNameLst>
-                                          <p:attrName>style.visibility</p:attrName>
-                                        </p:attrNameLst>
-                                      </p:cBhvr>
-                                      <p:to>
-                                        <p:strVal val="visible"/>
-                                      </p:to>
-                                    </p:set>
-                                  </p:childTnLst>
-                                </p:cTn>
-                              </p:par>
-                            </p:childTnLst>
-                          </p:cTn>
-                        </p:par>
-                      </p:childTnLst>
-                    </p:cTn>
-                  </p:par>
-                  <p:par>
-                    <p:cTn id="9" fill="hold">
-                      <p:stCondLst>
-                        <p:cond delay="indefinite"/>
-                      </p:stCondLst>
-                      <p:childTnLst>
-                        <p:par>
-                          <p:cTn id="10" fill="hold">
-                            <p:stCondLst>
-                              <p:cond delay="0"/>
-                            </p:stCondLst>
-                            <p:childTnLst>
-                              <p:par>
-                                <p:cTn id="11" presetID="1" presetClass="entr" presetSubtype="0" fill="hold" grpId="0" nodeType="clickEffect">
-                                  <p:stCondLst>
-                                    <p:cond delay="0"/>
-                                  </p:stCondLst>
-                                  <p:childTnLst>
-                                    <p:set>
-                                      <p:cBhvr>
-                                        <p:cTn id="12" dur="1" fill="hold">
-                                          <p:stCondLst>
-                                            <p:cond delay="0"/>
-                                          </p:stCondLst>
-                                        </p:cTn>
-                                        <p:tgtEl>
-                                          <p:spTgt spid="4"/>
-                                        </p:tgtEl>
-                                        <p:attrNameLst>
-                                          <p:attrName>style.visibility</p:attrName>
-                                        </p:attrNameLst>
-                                      </p:cBhvr>
-                                      <p:to>
-                                        <p:strVal val="visible"/>
-                                      </p:to>
-                                    </p:set>
-                                  </p:childTnLst>
-                                </p:cTn>
-                              </p:par>
-                            </p:childTnLst>
-                          </p:cTn>
-                        </p:par>
-                      </p:childTnLst>
-                    </p:cTn>
-                  </p:par>
-                  <p:par>
-                    <p:cTn id="13" fill="hold">
-                      <p:stCondLst>
-                        <p:cond delay="indefinite"/>
-                      </p:stCondLst>
-                      <p:childTnLst>
-                        <p:par>
-                          <p:cTn id="14" fill="hold">
-                            <p:stCondLst>
-                              <p:cond delay="0"/>
-                            </p:stCondLst>
-                            <p:childTnLst>
-                              <p:par>
-                                <p:cTn id="15" presetID="1" presetClass="exit" presetSubtype="0" fill="hold" grpId="1" nodeType="clickEffect">
-                                  <p:stCondLst>
-                                    <p:cond delay="0"/>
-                                  </p:stCondLst>
-                                  <p:childTnLst>
-                                    <p:set>
-                                      <p:cBhvr>
-                                        <p:cTn id="16" dur="1" fill="hold">
-                                          <p:stCondLst>
-                                            <p:cond delay="0"/>
-                                          </p:stCondLst>
-                                        </p:cTn>
-                                        <p:tgtEl>
-                                          <p:spTgt spid="8"/>
-                                        </p:tgtEl>
-                                        <p:attrNameLst>
-                                          <p:attrName>style.visibility</p:attrName>
-                                        </p:attrNameLst>
-                                      </p:cBhvr>
-                                      <p:to>
-                                        <p:strVal val="hidden"/>
-                                      </p:to>
-                                    </p:set>
-                                  </p:childTnLst>
-                                </p:cTn>
-                              </p:par>
-                              <p:par>
-                                <p:cTn id="17" presetID="1" presetClass="exit" presetSubtype="0" fill="hold" grpId="1" nodeType="withEffect">
-                                  <p:stCondLst>
-                                    <p:cond delay="0"/>
-                                  </p:stCondLst>
-                                  <p:childTnLst>
-                                    <p:set>
-                                      <p:cBhvr>
-                                        <p:cTn id="18" dur="1" fill="hold">
-                                          <p:stCondLst>
-                                            <p:cond delay="0"/>
-                                          </p:stCondLst>
-                                        </p:cTn>
-                                        <p:tgtEl>
-                                          <p:spTgt spid="4"/>
-                                        </p:tgtEl>
-                                        <p:attrNameLst>
-                                          <p:attrName>style.visibility</p:attrName>
-                                        </p:attrNameLst>
-                                      </p:cBhvr>
-                                      <p:to>
-                                        <p:strVal val="hidden"/>
-                                      </p:to>
-                                    </p:set>
-                                  </p:childTnLst>
-                                </p:cTn>
-                              </p:par>
-                              <p:par>
-                                <p:cTn id="19" presetID="1" presetClass="exit" presetSubtype="0" fill="hold" grpId="0" nodeType="withEffect">
-                                  <p:stCondLst>
-                                    <p:cond delay="0"/>
-                                  </p:stCondLst>
-                                  <p:childTnLst>
-                                    <p:set>
-                                      <p:cBhvr>
-                                        <p:cTn id="20" dur="1" fill="hold">
-                                          <p:stCondLst>
-                                            <p:cond delay="0"/>
-                                          </p:stCondLst>
-                                        </p:cTn>
-                                        <p:tgtEl>
-                                          <p:spTgt spid="6"/>
-                                        </p:tgtEl>
-                                        <p:attrNameLst>
-                                          <p:attrName>style.visibility</p:attrName>
-                                        </p:attrNameLst>
-                                      </p:cBhvr>
-                                      <p:to>
-                                        <p:strVal val="hidden"/>
-                                      </p:to>
-                                    </p:set>
-                                  </p:childTnLst>
-                                </p:cTn>
-                              </p:par>
-                              <p:par>
-                                <p:cTn id="21" presetID="1" presetClass="exit" presetSubtype="0" fill="hold" grpId="0" nodeType="withEffect">
-                                  <p:stCondLst>
-                                    <p:cond delay="0"/>
-                                  </p:stCondLst>
-                                  <p:childTnLst>
-                                    <p:set>
-                                      <p:cBhvr>
-                                        <p:cTn id="22" dur="1" fill="hold">
-                                          <p:stCondLst>
-                                            <p:cond delay="0"/>
-                                          </p:stCondLst>
-                                        </p:cTn>
-                                        <p:tgtEl>
-                                          <p:spTgt spid="7"/>
-                                        </p:tgtEl>
-                                        <p:attrNameLst>
-                                          <p:attrName>style.visibility</p:attrName>
-                                        </p:attrNameLst>
-                                      </p:cBhvr>
-                                      <p:to>
-                                        <p:strVal val="hidden"/>
-                                      </p:to>
-                                    </p:set>
-                                  </p:childTnLst>
-                                </p:cTn>
-                              </p:par>
-                              <p:par>
-                                <p:cTn id="23" presetID="1" presetClass="exit" presetSubtype="0" fill="hold" nodeType="withEffect">
-                                  <p:stCondLst>
-                                    <p:cond delay="0"/>
-                                  </p:stCondLst>
-                                  <p:childTnLst>
-                                    <p:set>
-                                      <p:cBhvr>
-                                        <p:cTn id="24" dur="1" fill="hold">
-                                          <p:stCondLst>
-                                            <p:cond delay="0"/>
-                                          </p:stCondLst>
-                                        </p:cTn>
-                                        <p:tgtEl>
-                                          <p:spTgt spid="13"/>
-                                        </p:tgtEl>
-                                        <p:attrNameLst>
-                                          <p:attrName>style.visibility</p:attrName>
-                                        </p:attrNameLst>
-                                      </p:cBhvr>
-                                      <p:to>
-                                        <p:strVal val="hidden"/>
-                                      </p:to>
-                                    </p:set>
-                                  </p:childTnLst>
-                                </p:cTn>
-                              </p:par>
-                            </p:childTnLst>
-                          </p:cTn>
-                        </p:par>
-                        <p:par>
-                          <p:cTn id="25" fill="hold">
-                            <p:stCondLst>
-                              <p:cond delay="0"/>
-                            </p:stCondLst>
-                            <p:childTnLst>
-                              <p:par>
-                                <p:cTn id="26" presetID="1" presetClass="entr" presetSubtype="0" fill="hold" nodeType="afterEffect">
-                                  <p:stCondLst>
-                                    <p:cond delay="0"/>
-                                  </p:stCondLst>
-                                  <p:childTnLst>
-                                    <p:set>
-                                      <p:cBhvr>
-                                        <p:cTn id="27" dur="1" fill="hold">
-                                          <p:stCondLst>
-                                            <p:cond delay="0"/>
-                                          </p:stCondLst>
-                                        </p:cTn>
-                                        <p:tgtEl>
-                                          <p:spTgt spid="10"/>
-                                        </p:tgtEl>
-                                        <p:attrNameLst>
-                                          <p:attrName>style.visibility</p:attrName>
-                                        </p:attrNameLst>
-                                      </p:cBhvr>
-                                      <p:to>
-                                        <p:strVal val="visible"/>
-                                      </p:to>
-                                    </p:set>
-                                  </p:childTnLst>
-                                </p:cTn>
-                              </p:par>
-                            </p:childTnLst>
-                          </p:cTn>
-                        </p:par>
-                        <p:par>
-                          <p:cTn id="28" fill="hold">
-                            <p:stCondLst>
-                              <p:cond delay="0"/>
-                            </p:stCondLst>
-                            <p:childTnLst>
-                              <p:par>
-                                <p:cTn id="29" presetID="1" presetClass="entr" presetSubtype="0" fill="hold" grpId="0" nodeType="afterEffect">
-                                  <p:stCondLst>
-                                    <p:cond delay="0"/>
-                                  </p:stCondLst>
-                                  <p:childTnLst>
-                                    <p:set>
-                                      <p:cBhvr>
-                                        <p:cTn id="30" dur="1" fill="hold">
-                                          <p:stCondLst>
-                                            <p:cond delay="0"/>
-                                          </p:stCondLst>
-                                        </p:cTn>
-                                        <p:tgtEl>
-                                          <p:spTgt spid="11"/>
-                                        </p:tgtEl>
-                                        <p:attrNameLst>
-                                          <p:attrName>style.visibility</p:attrName>
-                                        </p:attrNameLst>
-                                      </p:cBhvr>
-                                      <p:to>
-                                        <p:strVal val="visible"/>
-                                      </p:to>
-                                    </p:set>
-                                  </p:childTnLst>
-                                </p:cTn>
-                              </p:par>
-                            </p:childTnLst>
-                          </p:cTn>
-                        </p:par>
-                      </p:childTnLst>
-                    </p:cTn>
-                  </p:par>
-                </p:childTnLst>
-              </p:cTn>
-              <p:prevCondLst>
-                <p:cond evt="onPrev" delay="0">
-                  <p:tgtEl>
-                    <p:sldTgt/>
-                  </p:tgtEl>
-                </p:cond>
-              </p:prevCondLst>
-              <p:nextCondLst>
-                <p:cond evt="onNext" delay="0">
-                  <p:tgtEl>
-                    <p:sldTgt/>
-                  </p:tgtEl>
-                </p:cond>
-              </p:nextCondLst>
-            </p:seq>
-          </p:childTnLst>
-        </p:cTn>
-      </p:par>
-    </p:tnLst>
-    <p:bldLst>
-      <p:bldP spid="4" grpId="0" animBg="1"/>
-      <p:bldP spid="4" grpId="1" animBg="1"/>
-      <p:bldP spid="6" grpId="0" animBg="1"/>
-      <p:bldP spid="7" grpId="0" animBg="1"/>
-      <p:bldP spid="8" grpId="0" animBg="1"/>
-      <p:bldP spid="8" grpId="1" animBg="1"/>
-      <p:bldP spid="11" grpId="0"/>
-    </p:bldLst>
-  </p:timing>
-</p:sld>
-</file>
-
-<file path=ppt/slides/slide6.xml><?xml version="1.0" encoding="utf-8"?>
-<p:sld xmlns:a="http://schemas.openxmlformats.org/drawingml/2006/main" xmlns:r="http://schemas.openxmlformats.org/officeDocument/2006/relationships" xmlns:p="http://schemas.openxmlformats.org/presentationml/2006/main">
-  <p:cSld>
-    <p:spTree>
-      <p:nvGrpSpPr>
-        <p:cNvPr id="1" name=""/>
-        <p:cNvGrpSpPr/>
-        <p:nvPr/>
-      </p:nvGrpSpPr>
-      <p:grpSpPr>
-        <a:xfrm>
-          <a:off x="0" y="0"/>
-          <a:ext cx="0" cy="0"/>
-          <a:chOff x="0" y="0"/>
-          <a:chExt cx="0" cy="0"/>
-        </a:xfrm>
-      </p:grpSpPr>
-      <p:sp>
-        <p:nvSpPr>
-          <p:cNvPr id="2" name="Titel 1">
-            <a:extLst>
-              <a:ext uri="{FF2B5EF4-FFF2-40B4-BE49-F238E27FC236}">
-                <a16:creationId xmlns="" xmlns:a16="http://schemas.microsoft.com/office/drawing/2014/main" id="{2A3BD540-D9C6-4786-AC06-C2E5D7DF1BC2}"/>
-              </a:ext>
-            </a:extLst>
-          </p:cNvPr>
-          <p:cNvSpPr>
-            <a:spLocks noGrp="1"/>
-          </p:cNvSpPr>
-          <p:nvPr>
-            <p:ph type="title"/>
-          </p:nvPr>
-        </p:nvSpPr>
-        <p:spPr/>
-        <p:txBody>
-          <a:bodyPr/>
-          <a:lstStyle/>
-          <a:p>
-            <a:r>
-              <a:rPr lang="de-DE" dirty="0"/>
-              <a:t>Historisches</a:t>
-            </a:r>
-          </a:p>
-        </p:txBody>
-      </p:sp>
-      <p:sp>
-        <p:nvSpPr>
-          <p:cNvPr id="3" name="Inhaltsplatzhalter 2">
-            <a:extLst>
-              <a:ext uri="{FF2B5EF4-FFF2-40B4-BE49-F238E27FC236}">
-                <a16:creationId xmlns="" xmlns:a16="http://schemas.microsoft.com/office/drawing/2014/main" id="{175C8ADC-6AC9-4431-8425-75DA39884991}"/>
-              </a:ext>
-            </a:extLst>
-          </p:cNvPr>
-          <p:cNvSpPr>
-            <a:spLocks noGrp="1"/>
-          </p:cNvSpPr>
-          <p:nvPr>
-            <p:ph idx="1"/>
-          </p:nvPr>
-        </p:nvSpPr>
-        <p:spPr/>
-        <p:txBody>
-          <a:bodyPr/>
-          <a:lstStyle/>
-          <a:p>
-            <a:pPr marL="0" indent="0">
-              <a:buNone/>
-            </a:pPr>
-            <a:r>
-              <a:rPr lang="de-DE" sz="2800" dirty="0"/>
-              <a:t>Hohe Varianz in Auswahl des Mediums:</a:t>
-            </a:r>
-          </a:p>
-          <a:p>
-            <a:r>
-              <a:rPr lang="de-DE" sz="2800" dirty="0"/>
-              <a:t>Holz einer Wachstafel</a:t>
-            </a:r>
-          </a:p>
-          <a:p>
-            <a:r>
-              <a:rPr lang="de-DE" sz="2800" dirty="0"/>
-              <a:t>Kopfhaut eines Sklaven</a:t>
-            </a:r>
-          </a:p>
-          <a:p>
-            <a:r>
-              <a:rPr lang="de-DE" sz="2800" dirty="0"/>
-              <a:t>Texten</a:t>
-            </a:r>
-          </a:p>
-          <a:p>
-            <a:r>
-              <a:rPr lang="de-DE" sz="2800" dirty="0"/>
-              <a:t>Bilder</a:t>
-            </a:r>
-          </a:p>
-          <a:p>
-            <a:endParaRPr lang="de-DE" dirty="0"/>
-          </a:p>
-        </p:txBody>
-      </p:sp>
-    </p:spTree>
-    <p:extLst>
-      <p:ext uri="{BB962C8B-B14F-4D97-AF65-F5344CB8AC3E}">
-        <p14:creationId xmlns:p14="http://schemas.microsoft.com/office/powerpoint/2010/main" val="895797461"/>
-      </p:ext>
-    </p:extLst>
-  </p:cSld>
-  <p:clrMapOvr>
-    <a:masterClrMapping/>
-  </p:clrMapOvr>
-  <p:timing>
-    <p:tnLst>
-      <p:par>
-        <p:cTn id="1" dur="indefinite" restart="never" nodeType="tmRoot"/>
-      </p:par>
-    </p:tnLst>
-  </p:timing>
-</p:sld>
-</file>
-
-<file path=ppt/slides/slide7.xml><?xml version="1.0" encoding="utf-8"?>
-<p:sld xmlns:a="http://schemas.openxmlformats.org/drawingml/2006/main" xmlns:r="http://schemas.openxmlformats.org/officeDocument/2006/relationships" xmlns:p="http://schemas.openxmlformats.org/presentationml/2006/main">
-  <p:cSld>
-    <p:spTree>
-      <p:nvGrpSpPr>
-        <p:cNvPr id="1" name=""/>
-        <p:cNvGrpSpPr/>
-        <p:nvPr/>
-      </p:nvGrpSpPr>
-      <p:grpSpPr>
-        <a:xfrm>
-          <a:off x="0" y="0"/>
-          <a:ext cx="0" cy="0"/>
-          <a:chOff x="0" y="0"/>
-          <a:chExt cx="0" cy="0"/>
-        </a:xfrm>
-      </p:grpSpPr>
-      <p:sp>
-        <p:nvSpPr>
-          <p:cNvPr id="2" name="Titel 1">
-            <a:extLst>
-              <a:ext uri="{FF2B5EF4-FFF2-40B4-BE49-F238E27FC236}">
-                <a16:creationId xmlns="" xmlns:a16="http://schemas.microsoft.com/office/drawing/2014/main" id="{8171CFD2-AC23-4109-BD0D-21B9EB4AEA0D}"/>
-              </a:ext>
-            </a:extLst>
-          </p:cNvPr>
-          <p:cNvSpPr>
-            <a:spLocks noGrp="1"/>
-          </p:cNvSpPr>
-          <p:nvPr>
-            <p:ph type="title"/>
-          </p:nvPr>
-        </p:nvSpPr>
-        <p:spPr/>
-        <p:txBody>
-          <a:bodyPr/>
-          <a:lstStyle/>
-          <a:p>
-            <a:r>
-              <a:rPr lang="de-DE" dirty="0"/>
-              <a:t>Steganographie Heute</a:t>
-            </a:r>
-          </a:p>
-        </p:txBody>
-      </p:sp>
-      <p:sp>
-        <p:nvSpPr>
-          <p:cNvPr id="3" name="Inhaltsplatzhalter 2">
-            <a:extLst>
-              <a:ext uri="{FF2B5EF4-FFF2-40B4-BE49-F238E27FC236}">
-                <a16:creationId xmlns="" xmlns:a16="http://schemas.microsoft.com/office/drawing/2014/main" id="{1CD1DB79-E4AB-4162-BBA9-C61E24112BCD}"/>
-              </a:ext>
-            </a:extLst>
-          </p:cNvPr>
-          <p:cNvSpPr>
-            <a:spLocks noGrp="1"/>
-          </p:cNvSpPr>
-          <p:nvPr>
-            <p:ph idx="1"/>
-          </p:nvPr>
-        </p:nvSpPr>
-        <p:spPr/>
-        <p:txBody>
-          <a:bodyPr/>
-          <a:lstStyle/>
-          <a:p>
-            <a:pPr marL="0" indent="0">
-              <a:buNone/>
-            </a:pPr>
-            <a:r>
-              <a:rPr lang="de-DE" dirty="0"/>
-              <a:t>Vor allem Computergestützt</a:t>
-            </a:r>
-          </a:p>
-          <a:p>
-            <a:r>
-              <a:rPr lang="de-DE" dirty="0"/>
-              <a:t>Bilder</a:t>
-            </a:r>
-          </a:p>
-          <a:p>
-            <a:r>
-              <a:rPr lang="de-DE" dirty="0"/>
-              <a:t>Video</a:t>
-            </a:r>
-          </a:p>
-          <a:p>
-            <a:r>
-              <a:rPr lang="de-DE" dirty="0"/>
-              <a:t>Audio</a:t>
-            </a:r>
-          </a:p>
-          <a:p>
-            <a:r>
-              <a:rPr lang="de-DE" dirty="0"/>
-              <a:t>Fragmentierung </a:t>
-            </a:r>
-          </a:p>
-          <a:p>
-            <a:endParaRPr lang="de-DE" dirty="0"/>
-          </a:p>
-        </p:txBody>
-      </p:sp>
-    </p:spTree>
-    <p:extLst>
-      <p:ext uri="{BB962C8B-B14F-4D97-AF65-F5344CB8AC3E}">
-        <p14:creationId xmlns:p14="http://schemas.microsoft.com/office/powerpoint/2010/main" val="1383418037"/>
-      </p:ext>
-    </p:extLst>
-  </p:cSld>
-  <p:clrMapOvr>
-    <a:masterClrMapping/>
-  </p:clrMapOvr>
-  <p:timing>
-    <p:tnLst>
-      <p:par>
-        <p:cTn id="1" dur="indefinite" restart="never" nodeType="tmRoot"/>
-      </p:par>
-    </p:tnLst>
-  </p:timing>
-</p:sld>
-</file>
-
-<file path=ppt/slides/slide8.xml><?xml version="1.0" encoding="utf-8"?>
-<p:sld xmlns:a="http://schemas.openxmlformats.org/drawingml/2006/main" xmlns:r="http://schemas.openxmlformats.org/officeDocument/2006/relationships" xmlns:p="http://schemas.openxmlformats.org/presentationml/2006/main">
-  <p:cSld>
-    <p:spTree>
-      <p:nvGrpSpPr>
-        <p:cNvPr id="1" name=""/>
-        <p:cNvGrpSpPr/>
-        <p:nvPr/>
-      </p:nvGrpSpPr>
-      <p:grpSpPr>
-        <a:xfrm>
-          <a:off x="0" y="0"/>
-          <a:ext cx="0" cy="0"/>
-          <a:chOff x="0" y="0"/>
-          <a:chExt cx="0" cy="0"/>
-        </a:xfrm>
-      </p:grpSpPr>
-      <p:sp>
-        <p:nvSpPr>
-          <p:cNvPr id="2" name="Titel 1"/>
-          <p:cNvSpPr>
-            <a:spLocks noGrp="1"/>
-          </p:cNvSpPr>
-          <p:nvPr>
-            <p:ph type="title"/>
-          </p:nvPr>
-        </p:nvSpPr>
         <p:spPr>
           <a:xfrm>
             <a:off x="628650" y="468677"/>
@@ -8073,7 +4973,7 @@
           <p:cNvPr id="5" name="Inhaltsplatzhalter 4">
             <a:extLst>
               <a:ext uri="{FF2B5EF4-FFF2-40B4-BE49-F238E27FC236}">
-                <a16:creationId xmlns="" xmlns:a16="http://schemas.microsoft.com/office/drawing/2014/main" id="{4B151A84-1B23-5D44-B458-480E5CACA641}"/>
+                <a16:creationId xmlns:a16="http://schemas.microsoft.com/office/drawing/2014/main" xmlns="" id="{4B151A84-1B23-5D44-B458-480E5CACA641}"/>
               </a:ext>
             </a:extLst>
           </p:cNvPr>
@@ -8099,28 +4999,28 @@
                 <a:gridCol w="450000">
                   <a:extLst>
                     <a:ext uri="{9D8B030D-6E8A-4147-A177-3AD203B41FA5}">
-                      <a16:colId xmlns="" xmlns:a16="http://schemas.microsoft.com/office/drawing/2014/main" val="1793104185"/>
+                      <a16:colId xmlns:a16="http://schemas.microsoft.com/office/drawing/2014/main" xmlns="" val="1793104185"/>
                     </a:ext>
                   </a:extLst>
                 </a:gridCol>
                 <a:gridCol w="450000">
                   <a:extLst>
                     <a:ext uri="{9D8B030D-6E8A-4147-A177-3AD203B41FA5}">
-                      <a16:colId xmlns="" xmlns:a16="http://schemas.microsoft.com/office/drawing/2014/main" val="2564365368"/>
+                      <a16:colId xmlns:a16="http://schemas.microsoft.com/office/drawing/2014/main" xmlns="" val="2564365368"/>
                     </a:ext>
                   </a:extLst>
                 </a:gridCol>
                 <a:gridCol w="450000">
                   <a:extLst>
                     <a:ext uri="{9D8B030D-6E8A-4147-A177-3AD203B41FA5}">
-                      <a16:colId xmlns="" xmlns:a16="http://schemas.microsoft.com/office/drawing/2014/main" val="2895716269"/>
+                      <a16:colId xmlns:a16="http://schemas.microsoft.com/office/drawing/2014/main" xmlns="" val="2895716269"/>
                     </a:ext>
                   </a:extLst>
                 </a:gridCol>
                 <a:gridCol w="450000">
                   <a:extLst>
                     <a:ext uri="{9D8B030D-6E8A-4147-A177-3AD203B41FA5}">
-                      <a16:colId xmlns="" xmlns:a16="http://schemas.microsoft.com/office/drawing/2014/main" val="2846545993"/>
+                      <a16:colId xmlns:a16="http://schemas.microsoft.com/office/drawing/2014/main" xmlns="" val="2846545993"/>
                     </a:ext>
                   </a:extLst>
                 </a:gridCol>
@@ -8360,7 +5260,7 @@
                 </a:tc>
                 <a:extLst>
                   <a:ext uri="{0D108BD9-81ED-4DB2-BD59-A6C34878D82A}">
-                    <a16:rowId xmlns="" xmlns:a16="http://schemas.microsoft.com/office/drawing/2014/main" val="645863001"/>
+                    <a16:rowId xmlns:a16="http://schemas.microsoft.com/office/drawing/2014/main" xmlns="" val="645863001"/>
                   </a:ext>
                 </a:extLst>
               </a:tr>
@@ -8599,7 +5499,7 @@
                 </a:tc>
                 <a:extLst>
                   <a:ext uri="{0D108BD9-81ED-4DB2-BD59-A6C34878D82A}">
-                    <a16:rowId xmlns="" xmlns:a16="http://schemas.microsoft.com/office/drawing/2014/main" val="3661175127"/>
+                    <a16:rowId xmlns:a16="http://schemas.microsoft.com/office/drawing/2014/main" xmlns="" val="3661175127"/>
                   </a:ext>
                 </a:extLst>
               </a:tr>
@@ -8838,7 +5738,7 @@
                 </a:tc>
                 <a:extLst>
                   <a:ext uri="{0D108BD9-81ED-4DB2-BD59-A6C34878D82A}">
-                    <a16:rowId xmlns="" xmlns:a16="http://schemas.microsoft.com/office/drawing/2014/main" val="3927872209"/>
+                    <a16:rowId xmlns:a16="http://schemas.microsoft.com/office/drawing/2014/main" xmlns="" val="3927872209"/>
                   </a:ext>
                 </a:extLst>
               </a:tr>
@@ -9077,7 +5977,7 @@
                 </a:tc>
                 <a:extLst>
                   <a:ext uri="{0D108BD9-81ED-4DB2-BD59-A6C34878D82A}">
-                    <a16:rowId xmlns="" xmlns:a16="http://schemas.microsoft.com/office/drawing/2014/main" val="1439815679"/>
+                    <a16:rowId xmlns:a16="http://schemas.microsoft.com/office/drawing/2014/main" xmlns="" val="1439815679"/>
                   </a:ext>
                 </a:extLst>
               </a:tr>
@@ -9090,7 +5990,7 @@
           <p:cNvPr id="12" name="Rechteck 11">
             <a:extLst>
               <a:ext uri="{FF2B5EF4-FFF2-40B4-BE49-F238E27FC236}">
-                <a16:creationId xmlns="" xmlns:a16="http://schemas.microsoft.com/office/drawing/2014/main" id="{D661AC50-4938-5049-8712-7924FCDA5E71}"/>
+                <a16:creationId xmlns:a16="http://schemas.microsoft.com/office/drawing/2014/main" xmlns="" id="{D661AC50-4938-5049-8712-7924FCDA5E71}"/>
               </a:ext>
             </a:extLst>
           </p:cNvPr>
@@ -9142,7 +6042,7 @@
           <p:cNvPr id="13" name="Pfeil nach rechts 12">
             <a:extLst>
               <a:ext uri="{FF2B5EF4-FFF2-40B4-BE49-F238E27FC236}">
-                <a16:creationId xmlns="" xmlns:a16="http://schemas.microsoft.com/office/drawing/2014/main" id="{DB76D098-EBA4-E24E-92B8-163FB16868BA}"/>
+                <a16:creationId xmlns:a16="http://schemas.microsoft.com/office/drawing/2014/main" xmlns="" id="{DB76D098-EBA4-E24E-92B8-163FB16868BA}"/>
               </a:ext>
             </a:extLst>
           </p:cNvPr>
@@ -9188,7 +6088,7 @@
           <p:cNvPr id="14" name="Textfeld 13">
             <a:extLst>
               <a:ext uri="{FF2B5EF4-FFF2-40B4-BE49-F238E27FC236}">
-                <a16:creationId xmlns="" xmlns:a16="http://schemas.microsoft.com/office/drawing/2014/main" id="{C887F461-4D90-474E-9B89-23BC65C231C9}"/>
+                <a16:creationId xmlns:a16="http://schemas.microsoft.com/office/drawing/2014/main" xmlns="" id="{C887F461-4D90-474E-9B89-23BC65C231C9}"/>
               </a:ext>
             </a:extLst>
           </p:cNvPr>
@@ -9228,7 +6128,7 @@
           <p:cNvPr id="16" name="Textfeld 15">
             <a:extLst>
               <a:ext uri="{FF2B5EF4-FFF2-40B4-BE49-F238E27FC236}">
-                <a16:creationId xmlns="" xmlns:a16="http://schemas.microsoft.com/office/drawing/2014/main" id="{80DB5BA5-2ED5-D647-B7BB-B1B32DA24895}"/>
+                <a16:creationId xmlns:a16="http://schemas.microsoft.com/office/drawing/2014/main" xmlns="" id="{80DB5BA5-2ED5-D647-B7BB-B1B32DA24895}"/>
               </a:ext>
             </a:extLst>
           </p:cNvPr>
@@ -9264,7 +6164,7 @@
           <p:cNvPr id="18" name="Textfeld 17">
             <a:extLst>
               <a:ext uri="{FF2B5EF4-FFF2-40B4-BE49-F238E27FC236}">
-                <a16:creationId xmlns="" xmlns:a16="http://schemas.microsoft.com/office/drawing/2014/main" id="{7496C66C-1E15-E645-9BFE-A543DD2FD105}"/>
+                <a16:creationId xmlns:a16="http://schemas.microsoft.com/office/drawing/2014/main" xmlns="" id="{7496C66C-1E15-E645-9BFE-A543DD2FD105}"/>
               </a:ext>
             </a:extLst>
           </p:cNvPr>
@@ -9299,7 +6199,7 @@
           <p:cNvPr id="19" name="Textfeld 18">
             <a:extLst>
               <a:ext uri="{FF2B5EF4-FFF2-40B4-BE49-F238E27FC236}">
-                <a16:creationId xmlns="" xmlns:a16="http://schemas.microsoft.com/office/drawing/2014/main" id="{92870ED6-2512-EC44-BCC5-1F1CCEBB14C0}"/>
+                <a16:creationId xmlns:a16="http://schemas.microsoft.com/office/drawing/2014/main" xmlns="" id="{92870ED6-2512-EC44-BCC5-1F1CCEBB14C0}"/>
               </a:ext>
             </a:extLst>
           </p:cNvPr>
@@ -9334,7 +6234,7 @@
           <p:cNvPr id="21" name="Rechteck 20">
             <a:extLst>
               <a:ext uri="{FF2B5EF4-FFF2-40B4-BE49-F238E27FC236}">
-                <a16:creationId xmlns="" xmlns:a16="http://schemas.microsoft.com/office/drawing/2014/main" id="{4AFD8E6B-31A6-EF45-AF9E-1C6A066A4F02}"/>
+                <a16:creationId xmlns:a16="http://schemas.microsoft.com/office/drawing/2014/main" xmlns="" id="{4AFD8E6B-31A6-EF45-AF9E-1C6A066A4F02}"/>
               </a:ext>
             </a:extLst>
           </p:cNvPr>
@@ -9495,7 +6395,7 @@
           <p:cNvPr id="22" name="Pfeil nach rechts 21">
             <a:extLst>
               <a:ext uri="{FF2B5EF4-FFF2-40B4-BE49-F238E27FC236}">
-                <a16:creationId xmlns="" xmlns:a16="http://schemas.microsoft.com/office/drawing/2014/main" id="{BF69A26C-FC84-A546-BA8E-0AA858501DD7}"/>
+                <a16:creationId xmlns:a16="http://schemas.microsoft.com/office/drawing/2014/main" xmlns="" id="{BF69A26C-FC84-A546-BA8E-0AA858501DD7}"/>
               </a:ext>
             </a:extLst>
           </p:cNvPr>
@@ -9541,7 +6441,7 @@
           <p:cNvPr id="24" name="Rechteck 23">
             <a:extLst>
               <a:ext uri="{FF2B5EF4-FFF2-40B4-BE49-F238E27FC236}">
-                <a16:creationId xmlns="" xmlns:a16="http://schemas.microsoft.com/office/drawing/2014/main" id="{0278C1FD-B8FE-4644-B1E4-4308F77AA079}"/>
+                <a16:creationId xmlns:a16="http://schemas.microsoft.com/office/drawing/2014/main" xmlns="" id="{0278C1FD-B8FE-4644-B1E4-4308F77AA079}"/>
               </a:ext>
             </a:extLst>
           </p:cNvPr>
@@ -9593,7 +6493,7 @@
           <p:cNvPr id="26" name="Textfeld 25">
             <a:extLst>
               <a:ext uri="{FF2B5EF4-FFF2-40B4-BE49-F238E27FC236}">
-                <a16:creationId xmlns="" xmlns:a16="http://schemas.microsoft.com/office/drawing/2014/main" id="{1728373E-2BBC-0540-9B0A-07DD41E6FD17}"/>
+                <a16:creationId xmlns:a16="http://schemas.microsoft.com/office/drawing/2014/main" xmlns="" id="{1728373E-2BBC-0540-9B0A-07DD41E6FD17}"/>
               </a:ext>
             </a:extLst>
           </p:cNvPr>
@@ -9628,7 +6528,7 @@
           <p:cNvPr id="27" name="Pfeil nach rechts 26">
             <a:extLst>
               <a:ext uri="{FF2B5EF4-FFF2-40B4-BE49-F238E27FC236}">
-                <a16:creationId xmlns="" xmlns:a16="http://schemas.microsoft.com/office/drawing/2014/main" id="{D1449B73-AA44-7640-9F6D-C7DE4117DBB9}"/>
+                <a16:creationId xmlns:a16="http://schemas.microsoft.com/office/drawing/2014/main" xmlns="" id="{D1449B73-AA44-7640-9F6D-C7DE4117DBB9}"/>
               </a:ext>
             </a:extLst>
           </p:cNvPr>
@@ -9674,7 +6574,7 @@
           <p:cNvPr id="28" name="Textfeld 27">
             <a:extLst>
               <a:ext uri="{FF2B5EF4-FFF2-40B4-BE49-F238E27FC236}">
-                <a16:creationId xmlns="" xmlns:a16="http://schemas.microsoft.com/office/drawing/2014/main" id="{71D1A6D2-C19B-754E-9D86-3291C844EACA}"/>
+                <a16:creationId xmlns:a16="http://schemas.microsoft.com/office/drawing/2014/main" xmlns="" id="{71D1A6D2-C19B-754E-9D86-3291C844EACA}"/>
               </a:ext>
             </a:extLst>
           </p:cNvPr>
@@ -9709,7 +6609,7 @@
           <p:cNvPr id="29" name="Pfeil nach rechts 28">
             <a:extLst>
               <a:ext uri="{FF2B5EF4-FFF2-40B4-BE49-F238E27FC236}">
-                <a16:creationId xmlns="" xmlns:a16="http://schemas.microsoft.com/office/drawing/2014/main" id="{C23A2E74-C480-034A-BD80-190F5A1AC1F1}"/>
+                <a16:creationId xmlns:a16="http://schemas.microsoft.com/office/drawing/2014/main" xmlns="" id="{C23A2E74-C480-034A-BD80-190F5A1AC1F1}"/>
               </a:ext>
             </a:extLst>
           </p:cNvPr>
@@ -9755,7 +6655,7 @@
           <p:cNvPr id="30" name="Textfeld 29">
             <a:extLst>
               <a:ext uri="{FF2B5EF4-FFF2-40B4-BE49-F238E27FC236}">
-                <a16:creationId xmlns="" xmlns:a16="http://schemas.microsoft.com/office/drawing/2014/main" id="{426B111E-CE9C-D14F-9261-7D06B742709C}"/>
+                <a16:creationId xmlns:a16="http://schemas.microsoft.com/office/drawing/2014/main" xmlns="" id="{426B111E-CE9C-D14F-9261-7D06B742709C}"/>
               </a:ext>
             </a:extLst>
           </p:cNvPr>
@@ -9790,7 +6690,7 @@
           <p:cNvPr id="31" name="Pfeil nach rechts 30">
             <a:extLst>
               <a:ext uri="{FF2B5EF4-FFF2-40B4-BE49-F238E27FC236}">
-                <a16:creationId xmlns="" xmlns:a16="http://schemas.microsoft.com/office/drawing/2014/main" id="{846150B6-CD17-864F-AEC5-85E84BF085B0}"/>
+                <a16:creationId xmlns:a16="http://schemas.microsoft.com/office/drawing/2014/main" xmlns="" id="{846150B6-CD17-864F-AEC5-85E84BF085B0}"/>
               </a:ext>
             </a:extLst>
           </p:cNvPr>
@@ -9836,7 +6736,7 @@
           <p:cNvPr id="32" name="Textfeld 31">
             <a:extLst>
               <a:ext uri="{FF2B5EF4-FFF2-40B4-BE49-F238E27FC236}">
-                <a16:creationId xmlns="" xmlns:a16="http://schemas.microsoft.com/office/drawing/2014/main" id="{CAC378BD-11FD-8B46-828A-11DF7B25674F}"/>
+                <a16:creationId xmlns:a16="http://schemas.microsoft.com/office/drawing/2014/main" xmlns="" id="{CAC378BD-11FD-8B46-828A-11DF7B25674F}"/>
               </a:ext>
             </a:extLst>
           </p:cNvPr>
@@ -9871,7 +6771,7 @@
           <p:cNvPr id="33" name="Textfeld 32">
             <a:extLst>
               <a:ext uri="{FF2B5EF4-FFF2-40B4-BE49-F238E27FC236}">
-                <a16:creationId xmlns="" xmlns:a16="http://schemas.microsoft.com/office/drawing/2014/main" id="{02AF5F33-406D-4646-AF98-1DCEE6EE1281}"/>
+                <a16:creationId xmlns:a16="http://schemas.microsoft.com/office/drawing/2014/main" xmlns="" id="{02AF5F33-406D-4646-AF98-1DCEE6EE1281}"/>
               </a:ext>
             </a:extLst>
           </p:cNvPr>
@@ -9906,7 +6806,7 @@
           <p:cNvPr id="40" name="Textfeld 39">
             <a:extLst>
               <a:ext uri="{FF2B5EF4-FFF2-40B4-BE49-F238E27FC236}">
-                <a16:creationId xmlns="" xmlns:a16="http://schemas.microsoft.com/office/drawing/2014/main" id="{6350F64E-245D-8547-BD5B-216BA3F58A11}"/>
+                <a16:creationId xmlns:a16="http://schemas.microsoft.com/office/drawing/2014/main" xmlns="" id="{6350F64E-245D-8547-BD5B-216BA3F58A11}"/>
               </a:ext>
             </a:extLst>
           </p:cNvPr>
@@ -9941,7 +6841,7 @@
           <p:cNvPr id="42" name="Rechteck 41">
             <a:extLst>
               <a:ext uri="{FF2B5EF4-FFF2-40B4-BE49-F238E27FC236}">
-                <a16:creationId xmlns="" xmlns:a16="http://schemas.microsoft.com/office/drawing/2014/main" id="{F26871B9-F063-CD40-94DE-F61A542737F7}"/>
+                <a16:creationId xmlns:a16="http://schemas.microsoft.com/office/drawing/2014/main" xmlns="" id="{F26871B9-F063-CD40-94DE-F61A542737F7}"/>
               </a:ext>
             </a:extLst>
           </p:cNvPr>
@@ -9996,7 +6896,7 @@
           <p:cNvPr id="44" name="Rechteck 43">
             <a:extLst>
               <a:ext uri="{FF2B5EF4-FFF2-40B4-BE49-F238E27FC236}">
-                <a16:creationId xmlns="" xmlns:a16="http://schemas.microsoft.com/office/drawing/2014/main" id="{C48281B8-D5D7-AC4C-912F-A626417A7BA0}"/>
+                <a16:creationId xmlns:a16="http://schemas.microsoft.com/office/drawing/2014/main" xmlns="" id="{C48281B8-D5D7-AC4C-912F-A626417A7BA0}"/>
               </a:ext>
             </a:extLst>
           </p:cNvPr>
@@ -10051,7 +6951,7 @@
           <p:cNvPr id="46" name="Rechteck 45">
             <a:extLst>
               <a:ext uri="{FF2B5EF4-FFF2-40B4-BE49-F238E27FC236}">
-                <a16:creationId xmlns="" xmlns:a16="http://schemas.microsoft.com/office/drawing/2014/main" id="{B3D5E505-3BC6-2E42-852F-071B6B8EEB33}"/>
+                <a16:creationId xmlns:a16="http://schemas.microsoft.com/office/drawing/2014/main" xmlns="" id="{B3D5E505-3BC6-2E42-852F-071B6B8EEB33}"/>
               </a:ext>
             </a:extLst>
           </p:cNvPr>
@@ -10106,7 +7006,7 @@
           <p:cNvPr id="47" name="Rechteck 46">
             <a:extLst>
               <a:ext uri="{FF2B5EF4-FFF2-40B4-BE49-F238E27FC236}">
-                <a16:creationId xmlns="" xmlns:a16="http://schemas.microsoft.com/office/drawing/2014/main" id="{204EF40F-4FDC-3040-8EB2-6753E48E0DA0}"/>
+                <a16:creationId xmlns:a16="http://schemas.microsoft.com/office/drawing/2014/main" xmlns="" id="{204EF40F-4FDC-3040-8EB2-6753E48E0DA0}"/>
               </a:ext>
             </a:extLst>
           </p:cNvPr>
@@ -10161,7 +7061,7 @@
           <p:cNvPr id="51" name="Gewinkelte Verbindung 50">
             <a:extLst>
               <a:ext uri="{FF2B5EF4-FFF2-40B4-BE49-F238E27FC236}">
-                <a16:creationId xmlns="" xmlns:a16="http://schemas.microsoft.com/office/drawing/2014/main" id="{839A9111-DE5A-C54D-8764-6BD4E4F2C2CD}"/>
+                <a16:creationId xmlns:a16="http://schemas.microsoft.com/office/drawing/2014/main" xmlns="" id="{839A9111-DE5A-C54D-8764-6BD4E4F2C2CD}"/>
               </a:ext>
             </a:extLst>
           </p:cNvPr>
@@ -10203,7 +7103,7 @@
           <p:cNvPr id="53" name="Gewinkelte Verbindung 52">
             <a:extLst>
               <a:ext uri="{FF2B5EF4-FFF2-40B4-BE49-F238E27FC236}">
-                <a16:creationId xmlns="" xmlns:a16="http://schemas.microsoft.com/office/drawing/2014/main" id="{36DBE74B-F50D-484B-8D7A-1F0787EB8D4F}"/>
+                <a16:creationId xmlns:a16="http://schemas.microsoft.com/office/drawing/2014/main" xmlns="" id="{36DBE74B-F50D-484B-8D7A-1F0787EB8D4F}"/>
               </a:ext>
             </a:extLst>
           </p:cNvPr>
@@ -11053,7 +7953,7 @@
 </p:sld>
 </file>
 
-<file path=ppt/slides/slide9.xml><?xml version="1.0" encoding="utf-8"?>
+<file path=ppt/slides/slide13.xml><?xml version="1.0" encoding="utf-8"?>
 <p:sld xmlns:a="http://schemas.openxmlformats.org/drawingml/2006/main" xmlns:r="http://schemas.openxmlformats.org/officeDocument/2006/relationships" xmlns:p="http://schemas.openxmlformats.org/presentationml/2006/main">
   <p:cSld>
     <p:spTree>
@@ -11102,7 +8002,7 @@
           <p:cNvPr id="23" name="Grafik 22">
             <a:extLst>
               <a:ext uri="{FF2B5EF4-FFF2-40B4-BE49-F238E27FC236}">
-                <a16:creationId xmlns="" xmlns:a16="http://schemas.microsoft.com/office/drawing/2014/main" id="{97E32352-D993-7044-85BB-3926FD99A06E}"/>
+                <a16:creationId xmlns:a16="http://schemas.microsoft.com/office/drawing/2014/main" xmlns="" id="{97E32352-D993-7044-85BB-3926FD99A06E}"/>
               </a:ext>
             </a:extLst>
           </p:cNvPr>
@@ -11131,6 +8031,4097 @@
     <p:extLst>
       <p:ext uri="{BB962C8B-B14F-4D97-AF65-F5344CB8AC3E}">
         <p14:creationId xmlns:p14="http://schemas.microsoft.com/office/powerpoint/2010/main" val="265993517"/>
+      </p:ext>
+    </p:extLst>
+  </p:cSld>
+  <p:clrMapOvr>
+    <a:masterClrMapping/>
+  </p:clrMapOvr>
+  <p:timing>
+    <p:tnLst>
+      <p:par>
+        <p:cTn id="1" dur="indefinite" restart="never" nodeType="tmRoot"/>
+      </p:par>
+    </p:tnLst>
+  </p:timing>
+</p:sld>
+</file>
+
+<file path=ppt/slides/slide14.xml><?xml version="1.0" encoding="utf-8"?>
+<p:sld xmlns:a="http://schemas.openxmlformats.org/drawingml/2006/main" xmlns:r="http://schemas.openxmlformats.org/officeDocument/2006/relationships" xmlns:p="http://schemas.openxmlformats.org/presentationml/2006/main">
+  <p:cSld>
+    <p:spTree>
+      <p:nvGrpSpPr>
+        <p:cNvPr id="1" name=""/>
+        <p:cNvGrpSpPr/>
+        <p:nvPr/>
+      </p:nvGrpSpPr>
+      <p:grpSpPr>
+        <a:xfrm>
+          <a:off x="0" y="0"/>
+          <a:ext cx="0" cy="0"/>
+          <a:chOff x="0" y="0"/>
+          <a:chExt cx="0" cy="0"/>
+        </a:xfrm>
+      </p:grpSpPr>
+      <p:sp>
+        <p:nvSpPr>
+          <p:cNvPr id="2" name="Titel 1"/>
+          <p:cNvSpPr>
+            <a:spLocks noGrp="1"/>
+          </p:cNvSpPr>
+          <p:nvPr>
+            <p:ph type="title"/>
+          </p:nvPr>
+        </p:nvSpPr>
+        <p:spPr/>
+        <p:txBody>
+          <a:bodyPr/>
+          <a:lstStyle/>
+          <a:p>
+            <a:r>
+              <a:rPr lang="de-DE" dirty="0"/>
+              <a:t>Text in Binär</a:t>
+            </a:r>
+          </a:p>
+        </p:txBody>
+      </p:sp>
+      <p:pic>
+        <p:nvPicPr>
+          <p:cNvPr id="4" name="Grafik 3">
+            <a:extLst>
+              <a:ext uri="{FF2B5EF4-FFF2-40B4-BE49-F238E27FC236}">
+                <a16:creationId xmlns:a16="http://schemas.microsoft.com/office/drawing/2014/main" xmlns="" id="{F69BB79F-E552-4E4C-8CBE-957E849CC8B4}"/>
+              </a:ext>
+            </a:extLst>
+          </p:cNvPr>
+          <p:cNvPicPr>
+            <a:picLocks noChangeAspect="1"/>
+          </p:cNvPicPr>
+          <p:nvPr/>
+        </p:nvPicPr>
+        <p:blipFill>
+          <a:blip r:embed="rId2"/>
+          <a:stretch>
+            <a:fillRect/>
+          </a:stretch>
+        </p:blipFill>
+        <p:spPr>
+          <a:xfrm>
+            <a:off x="717550" y="1590413"/>
+            <a:ext cx="7797800" cy="3670300"/>
+          </a:xfrm>
+          <a:prstGeom prst="rect">
+            <a:avLst/>
+          </a:prstGeom>
+        </p:spPr>
+      </p:pic>
+    </p:spTree>
+    <p:extLst>
+      <p:ext uri="{BB962C8B-B14F-4D97-AF65-F5344CB8AC3E}">
+        <p14:creationId xmlns:p14="http://schemas.microsoft.com/office/powerpoint/2010/main" val="1903962627"/>
+      </p:ext>
+    </p:extLst>
+  </p:cSld>
+  <p:clrMapOvr>
+    <a:masterClrMapping/>
+  </p:clrMapOvr>
+  <p:timing>
+    <p:tnLst>
+      <p:par>
+        <p:cTn id="1" dur="indefinite" restart="never" nodeType="tmRoot"/>
+      </p:par>
+    </p:tnLst>
+  </p:timing>
+</p:sld>
+</file>
+
+<file path=ppt/slides/slide15.xml><?xml version="1.0" encoding="utf-8"?>
+<p:sld xmlns:a="http://schemas.openxmlformats.org/drawingml/2006/main" xmlns:r="http://schemas.openxmlformats.org/officeDocument/2006/relationships" xmlns:p="http://schemas.openxmlformats.org/presentationml/2006/main">
+  <p:cSld>
+    <p:spTree>
+      <p:nvGrpSpPr>
+        <p:cNvPr id="1" name=""/>
+        <p:cNvGrpSpPr/>
+        <p:nvPr/>
+      </p:nvGrpSpPr>
+      <p:grpSpPr>
+        <a:xfrm>
+          <a:off x="0" y="0"/>
+          <a:ext cx="0" cy="0"/>
+          <a:chOff x="0" y="0"/>
+          <a:chExt cx="0" cy="0"/>
+        </a:xfrm>
+      </p:grpSpPr>
+      <p:sp>
+        <p:nvSpPr>
+          <p:cNvPr id="2" name="Titel 1"/>
+          <p:cNvSpPr>
+            <a:spLocks noGrp="1"/>
+          </p:cNvSpPr>
+          <p:nvPr>
+            <p:ph type="title"/>
+          </p:nvPr>
+        </p:nvSpPr>
+        <p:spPr/>
+        <p:txBody>
+          <a:bodyPr/>
+          <a:lstStyle/>
+          <a:p>
+            <a:r>
+              <a:rPr lang="de-DE" dirty="0"/>
+              <a:t>Bits einfügen</a:t>
+            </a:r>
+          </a:p>
+        </p:txBody>
+      </p:sp>
+      <p:pic>
+        <p:nvPicPr>
+          <p:cNvPr id="5" name="Grafik 4">
+            <a:extLst>
+              <a:ext uri="{FF2B5EF4-FFF2-40B4-BE49-F238E27FC236}">
+                <a16:creationId xmlns:a16="http://schemas.microsoft.com/office/drawing/2014/main" xmlns="" id="{3F8E3A34-2CAD-614D-9FEE-921CF91B4FC6}"/>
+              </a:ext>
+            </a:extLst>
+          </p:cNvPr>
+          <p:cNvPicPr>
+            <a:picLocks noChangeAspect="1"/>
+          </p:cNvPicPr>
+          <p:nvPr/>
+        </p:nvPicPr>
+        <p:blipFill>
+          <a:blip r:embed="rId2"/>
+          <a:stretch>
+            <a:fillRect/>
+          </a:stretch>
+        </p:blipFill>
+        <p:spPr>
+          <a:xfrm>
+            <a:off x="0" y="1455510"/>
+            <a:ext cx="9144000" cy="4933813"/>
+          </a:xfrm>
+          <a:prstGeom prst="rect">
+            <a:avLst/>
+          </a:prstGeom>
+        </p:spPr>
+      </p:pic>
+    </p:spTree>
+    <p:extLst>
+      <p:ext uri="{BB962C8B-B14F-4D97-AF65-F5344CB8AC3E}">
+        <p14:creationId xmlns:p14="http://schemas.microsoft.com/office/powerpoint/2010/main" val="246048042"/>
+      </p:ext>
+    </p:extLst>
+  </p:cSld>
+  <p:clrMapOvr>
+    <a:masterClrMapping/>
+  </p:clrMapOvr>
+  <p:timing>
+    <p:tnLst>
+      <p:par>
+        <p:cTn id="1" dur="indefinite" restart="never" nodeType="tmRoot"/>
+      </p:par>
+    </p:tnLst>
+  </p:timing>
+</p:sld>
+</file>
+
+<file path=ppt/slides/slide16.xml><?xml version="1.0" encoding="utf-8"?>
+<p:sld xmlns:a="http://schemas.openxmlformats.org/drawingml/2006/main" xmlns:r="http://schemas.openxmlformats.org/officeDocument/2006/relationships" xmlns:p="http://schemas.openxmlformats.org/presentationml/2006/main">
+  <p:cSld>
+    <p:spTree>
+      <p:nvGrpSpPr>
+        <p:cNvPr id="1" name=""/>
+        <p:cNvGrpSpPr/>
+        <p:nvPr/>
+      </p:nvGrpSpPr>
+      <p:grpSpPr>
+        <a:xfrm>
+          <a:off x="0" y="0"/>
+          <a:ext cx="0" cy="0"/>
+          <a:chOff x="0" y="0"/>
+          <a:chExt cx="0" cy="0"/>
+        </a:xfrm>
+      </p:grpSpPr>
+      <p:sp>
+        <p:nvSpPr>
+          <p:cNvPr id="2" name="Titel 1"/>
+          <p:cNvSpPr>
+            <a:spLocks noGrp="1"/>
+          </p:cNvSpPr>
+          <p:nvPr>
+            <p:ph type="title"/>
+          </p:nvPr>
+        </p:nvSpPr>
+        <p:spPr/>
+        <p:txBody>
+          <a:bodyPr/>
+          <a:lstStyle/>
+          <a:p>
+            <a:r>
+              <a:rPr lang="de-DE" dirty="0"/>
+              <a:t>Speichern</a:t>
+            </a:r>
+          </a:p>
+        </p:txBody>
+      </p:sp>
+      <p:pic>
+        <p:nvPicPr>
+          <p:cNvPr id="4" name="Grafik 3">
+            <a:extLst>
+              <a:ext uri="{FF2B5EF4-FFF2-40B4-BE49-F238E27FC236}">
+                <a16:creationId xmlns:a16="http://schemas.microsoft.com/office/drawing/2014/main" xmlns="" id="{38BF1D61-EFE8-0C43-8139-76BD0D7A6BAD}"/>
+              </a:ext>
+            </a:extLst>
+          </p:cNvPr>
+          <p:cNvPicPr>
+            <a:picLocks noChangeAspect="1"/>
+          </p:cNvPicPr>
+          <p:nvPr/>
+        </p:nvPicPr>
+        <p:blipFill>
+          <a:blip r:embed="rId2"/>
+          <a:stretch>
+            <a:fillRect/>
+          </a:stretch>
+        </p:blipFill>
+        <p:spPr>
+          <a:xfrm>
+            <a:off x="2044700" y="1593847"/>
+            <a:ext cx="5054600" cy="3670300"/>
+          </a:xfrm>
+          <a:prstGeom prst="rect">
+            <a:avLst/>
+          </a:prstGeom>
+        </p:spPr>
+      </p:pic>
+    </p:spTree>
+    <p:extLst>
+      <p:ext uri="{BB962C8B-B14F-4D97-AF65-F5344CB8AC3E}">
+        <p14:creationId xmlns:p14="http://schemas.microsoft.com/office/powerpoint/2010/main" val="109236196"/>
+      </p:ext>
+    </p:extLst>
+  </p:cSld>
+  <p:clrMapOvr>
+    <a:masterClrMapping/>
+  </p:clrMapOvr>
+  <p:timing>
+    <p:tnLst>
+      <p:par>
+        <p:cTn id="1" dur="indefinite" restart="never" nodeType="tmRoot"/>
+      </p:par>
+    </p:tnLst>
+  </p:timing>
+</p:sld>
+</file>
+
+<file path=ppt/slides/slide17.xml><?xml version="1.0" encoding="utf-8"?>
+<p:sld xmlns:a="http://schemas.openxmlformats.org/drawingml/2006/main" xmlns:r="http://schemas.openxmlformats.org/officeDocument/2006/relationships" xmlns:p="http://schemas.openxmlformats.org/presentationml/2006/main">
+  <p:cSld>
+    <p:spTree>
+      <p:nvGrpSpPr>
+        <p:cNvPr id="1" name=""/>
+        <p:cNvGrpSpPr/>
+        <p:nvPr/>
+      </p:nvGrpSpPr>
+      <p:grpSpPr>
+        <a:xfrm>
+          <a:off x="0" y="0"/>
+          <a:ext cx="0" cy="0"/>
+          <a:chOff x="0" y="0"/>
+          <a:chExt cx="0" cy="0"/>
+        </a:xfrm>
+      </p:grpSpPr>
+      <p:sp>
+        <p:nvSpPr>
+          <p:cNvPr id="2" name="Titel 1"/>
+          <p:cNvSpPr>
+            <a:spLocks noGrp="1"/>
+          </p:cNvSpPr>
+          <p:nvPr>
+            <p:ph type="title"/>
+          </p:nvPr>
+        </p:nvSpPr>
+        <p:spPr/>
+        <p:txBody>
+          <a:bodyPr/>
+          <a:lstStyle/>
+          <a:p>
+            <a:r>
+              <a:rPr lang="de-DE" dirty="0"/>
+              <a:t>Bild nachher</a:t>
+            </a:r>
+          </a:p>
+        </p:txBody>
+      </p:sp>
+      <p:pic>
+        <p:nvPicPr>
+          <p:cNvPr id="7" name="Grafik 6">
+            <a:extLst>
+              <a:ext uri="{FF2B5EF4-FFF2-40B4-BE49-F238E27FC236}">
+                <a16:creationId xmlns:a16="http://schemas.microsoft.com/office/drawing/2014/main" xmlns="" id="{4A98AE2C-4EC1-7F44-AD7C-3F4669FE5846}"/>
+              </a:ext>
+            </a:extLst>
+          </p:cNvPr>
+          <p:cNvPicPr>
+            <a:picLocks noChangeAspect="1"/>
+          </p:cNvPicPr>
+          <p:nvPr/>
+        </p:nvPicPr>
+        <p:blipFill>
+          <a:blip r:embed="rId2"/>
+          <a:stretch>
+            <a:fillRect/>
+          </a:stretch>
+        </p:blipFill>
+        <p:spPr>
+          <a:xfrm>
+            <a:off x="4783020" y="2076450"/>
+            <a:ext cx="4064000" cy="2705100"/>
+          </a:xfrm>
+          <a:prstGeom prst="rect">
+            <a:avLst/>
+          </a:prstGeom>
+        </p:spPr>
+      </p:pic>
+      <p:pic>
+        <p:nvPicPr>
+          <p:cNvPr id="9" name="Grafik 8">
+            <a:extLst>
+              <a:ext uri="{FF2B5EF4-FFF2-40B4-BE49-F238E27FC236}">
+                <a16:creationId xmlns:a16="http://schemas.microsoft.com/office/drawing/2014/main" xmlns="" id="{FF955252-EF42-9849-8D62-41A51BA973D2}"/>
+              </a:ext>
+            </a:extLst>
+          </p:cNvPr>
+          <p:cNvPicPr>
+            <a:picLocks noChangeAspect="1"/>
+          </p:cNvPicPr>
+          <p:nvPr/>
+        </p:nvPicPr>
+        <p:blipFill>
+          <a:blip r:embed="rId3"/>
+          <a:stretch>
+            <a:fillRect/>
+          </a:stretch>
+        </p:blipFill>
+        <p:spPr>
+          <a:xfrm>
+            <a:off x="296981" y="2076450"/>
+            <a:ext cx="4064000" cy="2705100"/>
+          </a:xfrm>
+          <a:prstGeom prst="rect">
+            <a:avLst/>
+          </a:prstGeom>
+        </p:spPr>
+      </p:pic>
+    </p:spTree>
+    <p:extLst>
+      <p:ext uri="{BB962C8B-B14F-4D97-AF65-F5344CB8AC3E}">
+        <p14:creationId xmlns:p14="http://schemas.microsoft.com/office/powerpoint/2010/main" val="1981711634"/>
+      </p:ext>
+    </p:extLst>
+  </p:cSld>
+  <p:clrMapOvr>
+    <a:masterClrMapping/>
+  </p:clrMapOvr>
+  <p:timing>
+    <p:tnLst>
+      <p:par>
+        <p:cTn id="1" dur="indefinite" restart="never" nodeType="tmRoot"/>
+      </p:par>
+    </p:tnLst>
+  </p:timing>
+</p:sld>
+</file>
+
+<file path=ppt/slides/slide18.xml><?xml version="1.0" encoding="utf-8"?>
+<p:sld xmlns:a="http://schemas.openxmlformats.org/drawingml/2006/main" xmlns:r="http://schemas.openxmlformats.org/officeDocument/2006/relationships" xmlns:p="http://schemas.openxmlformats.org/presentationml/2006/main">
+  <p:cSld>
+    <p:spTree>
+      <p:nvGrpSpPr>
+        <p:cNvPr id="1" name=""/>
+        <p:cNvGrpSpPr/>
+        <p:nvPr/>
+      </p:nvGrpSpPr>
+      <p:grpSpPr>
+        <a:xfrm>
+          <a:off x="0" y="0"/>
+          <a:ext cx="0" cy="0"/>
+          <a:chOff x="0" y="0"/>
+          <a:chExt cx="0" cy="0"/>
+        </a:xfrm>
+      </p:grpSpPr>
+      <p:sp>
+        <p:nvSpPr>
+          <p:cNvPr id="2" name="Titel 1"/>
+          <p:cNvSpPr>
+            <a:spLocks noGrp="1"/>
+          </p:cNvSpPr>
+          <p:nvPr>
+            <p:ph type="title"/>
+          </p:nvPr>
+        </p:nvSpPr>
+        <p:spPr/>
+        <p:txBody>
+          <a:bodyPr/>
+          <a:lstStyle/>
+          <a:p>
+            <a:r>
+              <a:rPr lang="de-DE" dirty="0"/>
+              <a:t>Verteilung der Bits</a:t>
+            </a:r>
+          </a:p>
+        </p:txBody>
+      </p:sp>
+      <p:pic>
+        <p:nvPicPr>
+          <p:cNvPr id="7" name="Grafik 6">
+            <a:extLst>
+              <a:ext uri="{FF2B5EF4-FFF2-40B4-BE49-F238E27FC236}">
+                <a16:creationId xmlns:a16="http://schemas.microsoft.com/office/drawing/2014/main" xmlns="" id="{75974717-D42F-0745-A3CE-4518ECE0AB6E}"/>
+              </a:ext>
+            </a:extLst>
+          </p:cNvPr>
+          <p:cNvPicPr>
+            <a:picLocks noChangeAspect="1"/>
+          </p:cNvPicPr>
+          <p:nvPr/>
+        </p:nvPicPr>
+        <p:blipFill>
+          <a:blip r:embed="rId2"/>
+          <a:stretch>
+            <a:fillRect/>
+          </a:stretch>
+        </p:blipFill>
+        <p:spPr>
+          <a:xfrm>
+            <a:off x="1068168" y="1388110"/>
+            <a:ext cx="7035800" cy="4813300"/>
+          </a:xfrm>
+          <a:prstGeom prst="rect">
+            <a:avLst/>
+          </a:prstGeom>
+        </p:spPr>
+      </p:pic>
+    </p:spTree>
+    <p:extLst>
+      <p:ext uri="{BB962C8B-B14F-4D97-AF65-F5344CB8AC3E}">
+        <p14:creationId xmlns:p14="http://schemas.microsoft.com/office/powerpoint/2010/main" val="1303551315"/>
+      </p:ext>
+    </p:extLst>
+  </p:cSld>
+  <p:clrMapOvr>
+    <a:masterClrMapping/>
+  </p:clrMapOvr>
+  <p:timing>
+    <p:tnLst>
+      <p:par>
+        <p:cTn id="1" dur="indefinite" restart="never" nodeType="tmRoot"/>
+      </p:par>
+    </p:tnLst>
+  </p:timing>
+</p:sld>
+</file>
+
+<file path=ppt/slides/slide19.xml><?xml version="1.0" encoding="utf-8"?>
+<p:sld xmlns:a="http://schemas.openxmlformats.org/drawingml/2006/main" xmlns:r="http://schemas.openxmlformats.org/officeDocument/2006/relationships" xmlns:p="http://schemas.openxmlformats.org/presentationml/2006/main">
+  <p:cSld>
+    <p:spTree>
+      <p:nvGrpSpPr>
+        <p:cNvPr id="1" name=""/>
+        <p:cNvGrpSpPr/>
+        <p:nvPr/>
+      </p:nvGrpSpPr>
+      <p:grpSpPr>
+        <a:xfrm>
+          <a:off x="0" y="0"/>
+          <a:ext cx="0" cy="0"/>
+          <a:chOff x="0" y="0"/>
+          <a:chExt cx="0" cy="0"/>
+        </a:xfrm>
+      </p:grpSpPr>
+      <p:sp>
+        <p:nvSpPr>
+          <p:cNvPr id="2" name="Titel 1"/>
+          <p:cNvSpPr>
+            <a:spLocks noGrp="1"/>
+          </p:cNvSpPr>
+          <p:nvPr>
+            <p:ph type="title"/>
+          </p:nvPr>
+        </p:nvSpPr>
+        <p:spPr/>
+        <p:txBody>
+          <a:bodyPr/>
+          <a:lstStyle/>
+          <a:p>
+            <a:r>
+              <a:rPr lang="de-DE" dirty="0"/>
+              <a:t>Verteilung der Bits</a:t>
+            </a:r>
+          </a:p>
+        </p:txBody>
+      </p:sp>
+      <p:pic>
+        <p:nvPicPr>
+          <p:cNvPr id="5" name="Grafik 4">
+            <a:extLst>
+              <a:ext uri="{FF2B5EF4-FFF2-40B4-BE49-F238E27FC236}">
+                <a16:creationId xmlns:a16="http://schemas.microsoft.com/office/drawing/2014/main" xmlns="" id="{042E58FD-4D23-334A-A6C6-60F5D2C4D394}"/>
+              </a:ext>
+            </a:extLst>
+          </p:cNvPr>
+          <p:cNvPicPr>
+            <a:picLocks noChangeAspect="1"/>
+          </p:cNvPicPr>
+          <p:nvPr/>
+        </p:nvPicPr>
+        <p:blipFill>
+          <a:blip r:embed="rId2"/>
+          <a:stretch>
+            <a:fillRect/>
+          </a:stretch>
+        </p:blipFill>
+        <p:spPr>
+          <a:xfrm>
+            <a:off x="1124440" y="1402178"/>
+            <a:ext cx="7035800" cy="4813300"/>
+          </a:xfrm>
+          <a:prstGeom prst="rect">
+            <a:avLst/>
+          </a:prstGeom>
+        </p:spPr>
+      </p:pic>
+    </p:spTree>
+    <p:extLst>
+      <p:ext uri="{BB962C8B-B14F-4D97-AF65-F5344CB8AC3E}">
+        <p14:creationId xmlns:p14="http://schemas.microsoft.com/office/powerpoint/2010/main" val="158784511"/>
+      </p:ext>
+    </p:extLst>
+  </p:cSld>
+  <p:clrMapOvr>
+    <a:masterClrMapping/>
+  </p:clrMapOvr>
+  <p:timing>
+    <p:tnLst>
+      <p:par>
+        <p:cTn id="1" dur="indefinite" restart="never" nodeType="tmRoot"/>
+      </p:par>
+    </p:tnLst>
+  </p:timing>
+</p:sld>
+</file>
+
+<file path=ppt/slides/slide2.xml><?xml version="1.0" encoding="utf-8"?>
+<p:sld xmlns:a="http://schemas.openxmlformats.org/drawingml/2006/main" xmlns:r="http://schemas.openxmlformats.org/officeDocument/2006/relationships" xmlns:p="http://schemas.openxmlformats.org/presentationml/2006/main">
+  <p:cSld>
+    <p:spTree>
+      <p:nvGrpSpPr>
+        <p:cNvPr id="1" name=""/>
+        <p:cNvGrpSpPr/>
+        <p:nvPr/>
+      </p:nvGrpSpPr>
+      <p:grpSpPr>
+        <a:xfrm>
+          <a:off x="0" y="0"/>
+          <a:ext cx="0" cy="0"/>
+          <a:chOff x="0" y="0"/>
+          <a:chExt cx="0" cy="0"/>
+        </a:xfrm>
+      </p:grpSpPr>
+      <p:sp>
+        <p:nvSpPr>
+          <p:cNvPr id="2" name="Titel 1"/>
+          <p:cNvSpPr>
+            <a:spLocks noGrp="1"/>
+          </p:cNvSpPr>
+          <p:nvPr>
+            <p:ph type="title"/>
+          </p:nvPr>
+        </p:nvSpPr>
+        <p:spPr/>
+        <p:txBody>
+          <a:bodyPr/>
+          <a:lstStyle/>
+          <a:p>
+            <a:r>
+              <a:rPr lang="de-DE" dirty="0" smtClean="0"/>
+              <a:t>Inhalt</a:t>
+            </a:r>
+            <a:endParaRPr lang="de-DE" dirty="0"/>
+          </a:p>
+        </p:txBody>
+      </p:sp>
+      <p:sp>
+        <p:nvSpPr>
+          <p:cNvPr id="3" name="Inhaltsplatzhalter 2"/>
+          <p:cNvSpPr>
+            <a:spLocks noGrp="1"/>
+          </p:cNvSpPr>
+          <p:nvPr>
+            <p:ph idx="1"/>
+          </p:nvPr>
+        </p:nvSpPr>
+        <p:spPr/>
+        <p:txBody>
+          <a:bodyPr/>
+          <a:lstStyle/>
+          <a:p>
+            <a:r>
+              <a:rPr lang="de-DE" b="1" dirty="0" smtClean="0"/>
+              <a:t>Grundlagen der </a:t>
+            </a:r>
+            <a:r>
+              <a:rPr lang="de-DE" b="1" dirty="0" err="1" smtClean="0"/>
+              <a:t>Steganographie</a:t>
+            </a:r>
+            <a:endParaRPr lang="de-DE" b="1" dirty="0" smtClean="0"/>
+          </a:p>
+          <a:p>
+            <a:pPr lvl="1"/>
+            <a:r>
+              <a:rPr lang="de-DE" dirty="0" smtClean="0"/>
+              <a:t>Erläuterung</a:t>
+            </a:r>
+          </a:p>
+          <a:p>
+            <a:pPr lvl="1"/>
+            <a:r>
+              <a:rPr lang="de-DE" dirty="0" smtClean="0"/>
+              <a:t>Geschichtliches</a:t>
+            </a:r>
+          </a:p>
+          <a:p>
+            <a:pPr lvl="1"/>
+            <a:r>
+              <a:rPr lang="de-DE" dirty="0" smtClean="0"/>
+              <a:t>Anwendungen heute</a:t>
+            </a:r>
+            <a:br>
+              <a:rPr lang="de-DE" dirty="0" smtClean="0"/>
+            </a:br>
+            <a:endParaRPr lang="de-DE" dirty="0" smtClean="0"/>
+          </a:p>
+          <a:p>
+            <a:r>
+              <a:rPr lang="de-DE" b="1" dirty="0" smtClean="0"/>
+              <a:t>Anwendung von </a:t>
+            </a:r>
+            <a:r>
+              <a:rPr lang="de-DE" b="1" dirty="0" err="1" smtClean="0"/>
+              <a:t>steganographischen</a:t>
+            </a:r>
+            <a:r>
+              <a:rPr lang="de-DE" b="1" dirty="0" smtClean="0"/>
+              <a:t> Verfahren</a:t>
+            </a:r>
+          </a:p>
+          <a:p>
+            <a:pPr lvl="1"/>
+            <a:r>
+              <a:rPr lang="de-DE" dirty="0"/>
+              <a:t>n</a:t>
+            </a:r>
+            <a:r>
+              <a:rPr lang="de-DE" dirty="0" smtClean="0"/>
+              <a:t>aiver Ansatz</a:t>
+            </a:r>
+          </a:p>
+          <a:p>
+            <a:pPr lvl="1"/>
+            <a:r>
+              <a:rPr lang="de-DE" dirty="0"/>
+              <a:t>t</a:t>
+            </a:r>
+            <a:r>
+              <a:rPr lang="de-DE" dirty="0" smtClean="0"/>
+              <a:t>echnische Grundlagen zu Bildern</a:t>
+            </a:r>
+          </a:p>
+          <a:p>
+            <a:pPr lvl="1"/>
+            <a:r>
+              <a:rPr lang="de-DE" dirty="0" smtClean="0"/>
+              <a:t>Speicherung von Bildern und Kompression</a:t>
+            </a:r>
+          </a:p>
+          <a:p>
+            <a:pPr lvl="1"/>
+            <a:r>
+              <a:rPr lang="de-DE" dirty="0" smtClean="0"/>
+              <a:t>LSB-Methodik</a:t>
+            </a:r>
+            <a:br>
+              <a:rPr lang="de-DE" dirty="0" smtClean="0"/>
+            </a:br>
+            <a:endParaRPr lang="de-DE" dirty="0"/>
+          </a:p>
+          <a:p>
+            <a:r>
+              <a:rPr lang="de-DE" b="1" dirty="0" smtClean="0"/>
+              <a:t>Zusammenfassung und Ausblick</a:t>
+            </a:r>
+          </a:p>
+        </p:txBody>
+      </p:sp>
+    </p:spTree>
+    <p:extLst>
+      <p:ext uri="{BB962C8B-B14F-4D97-AF65-F5344CB8AC3E}">
+        <p14:creationId xmlns:p14="http://schemas.microsoft.com/office/powerpoint/2010/main" val="1320407738"/>
+      </p:ext>
+    </p:extLst>
+  </p:cSld>
+  <p:clrMapOvr>
+    <a:masterClrMapping/>
+  </p:clrMapOvr>
+  <p:timing>
+    <p:tnLst>
+      <p:par>
+        <p:cTn id="1" dur="indefinite" restart="never" nodeType="tmRoot"/>
+      </p:par>
+    </p:tnLst>
+  </p:timing>
+</p:sld>
+</file>
+
+<file path=ppt/slides/slide20.xml><?xml version="1.0" encoding="utf-8"?>
+<p:sld xmlns:a="http://schemas.openxmlformats.org/drawingml/2006/main" xmlns:r="http://schemas.openxmlformats.org/officeDocument/2006/relationships" xmlns:p="http://schemas.openxmlformats.org/presentationml/2006/main">
+  <p:cSld>
+    <p:spTree>
+      <p:nvGrpSpPr>
+        <p:cNvPr id="1" name=""/>
+        <p:cNvGrpSpPr/>
+        <p:nvPr/>
+      </p:nvGrpSpPr>
+      <p:grpSpPr>
+        <a:xfrm>
+          <a:off x="0" y="0"/>
+          <a:ext cx="0" cy="0"/>
+          <a:chOff x="0" y="0"/>
+          <a:chExt cx="0" cy="0"/>
+        </a:xfrm>
+      </p:grpSpPr>
+      <p:sp>
+        <p:nvSpPr>
+          <p:cNvPr id="2" name="Titel 1"/>
+          <p:cNvSpPr>
+            <a:spLocks noGrp="1"/>
+          </p:cNvSpPr>
+          <p:nvPr>
+            <p:ph type="title"/>
+          </p:nvPr>
+        </p:nvSpPr>
+        <p:spPr/>
+        <p:txBody>
+          <a:bodyPr/>
+          <a:lstStyle/>
+          <a:p>
+            <a:r>
+              <a:rPr lang="de-DE" dirty="0" smtClean="0"/>
+              <a:t>Zusammenfassung</a:t>
+            </a:r>
+            <a:endParaRPr lang="de-DE" dirty="0"/>
+          </a:p>
+        </p:txBody>
+      </p:sp>
+      <p:sp>
+        <p:nvSpPr>
+          <p:cNvPr id="3" name="Inhaltsplatzhalter 2"/>
+          <p:cNvSpPr>
+            <a:spLocks noGrp="1"/>
+          </p:cNvSpPr>
+          <p:nvPr>
+            <p:ph idx="1"/>
+          </p:nvPr>
+        </p:nvSpPr>
+        <p:spPr/>
+        <p:txBody>
+          <a:bodyPr/>
+          <a:lstStyle/>
+          <a:p>
+            <a:r>
+              <a:rPr lang="de-DE" dirty="0" err="1" smtClean="0"/>
+              <a:t>Steganographie</a:t>
+            </a:r>
+            <a:r>
+              <a:rPr lang="de-DE" dirty="0" smtClean="0"/>
+              <a:t> befasst sich mit dem Verstecken von Informationen in verschiedenen Medien</a:t>
+            </a:r>
+            <a:br>
+              <a:rPr lang="de-DE" dirty="0" smtClean="0"/>
+            </a:br>
+            <a:endParaRPr lang="de-DE" dirty="0" smtClean="0"/>
+          </a:p>
+          <a:p>
+            <a:r>
+              <a:rPr lang="de-DE" dirty="0" smtClean="0"/>
+              <a:t>Eine Nachricht wird mithilfe eines festgelegten Verfahrens in ein Medium wie bspw. ein Bild codiert</a:t>
+            </a:r>
+            <a:br>
+              <a:rPr lang="de-DE" dirty="0" smtClean="0"/>
+            </a:br>
+            <a:endParaRPr lang="de-DE" dirty="0" smtClean="0"/>
+          </a:p>
+          <a:p>
+            <a:r>
+              <a:rPr lang="de-DE" dirty="0" err="1" smtClean="0"/>
+              <a:t>Steganographie</a:t>
+            </a:r>
+            <a:r>
+              <a:rPr lang="de-DE" dirty="0" smtClean="0"/>
+              <a:t> computergestützt in Kombination mit Bildern, Videos und Audiodateien</a:t>
+            </a:r>
+            <a:br>
+              <a:rPr lang="de-DE" dirty="0" smtClean="0"/>
+            </a:br>
+            <a:endParaRPr lang="de-DE" dirty="0" smtClean="0"/>
+          </a:p>
+          <a:p>
+            <a:r>
+              <a:rPr lang="de-DE" dirty="0" smtClean="0"/>
+              <a:t>Entdeckung von versteckten Informationen in einem Medium:</a:t>
+            </a:r>
+            <a:br>
+              <a:rPr lang="de-DE" dirty="0" smtClean="0"/>
+            </a:br>
+            <a:r>
+              <a:rPr lang="de-DE" dirty="0" err="1" smtClean="0"/>
+              <a:t>Steganographische</a:t>
+            </a:r>
+            <a:r>
+              <a:rPr lang="de-DE" dirty="0" smtClean="0"/>
+              <a:t> Analyse bzw. Steganalyse</a:t>
+            </a:r>
+            <a:endParaRPr lang="de-DE" dirty="0"/>
+          </a:p>
+        </p:txBody>
+      </p:sp>
+    </p:spTree>
+    <p:extLst>
+      <p:ext uri="{BB962C8B-B14F-4D97-AF65-F5344CB8AC3E}">
+        <p14:creationId xmlns:p14="http://schemas.microsoft.com/office/powerpoint/2010/main" val="1717313812"/>
+      </p:ext>
+    </p:extLst>
+  </p:cSld>
+  <p:clrMapOvr>
+    <a:masterClrMapping/>
+  </p:clrMapOvr>
+  <p:timing>
+    <p:tnLst>
+      <p:par>
+        <p:cTn id="1" dur="indefinite" restart="never" nodeType="tmRoot"/>
+      </p:par>
+    </p:tnLst>
+  </p:timing>
+</p:sld>
+</file>
+
+<file path=ppt/slides/slide21.xml><?xml version="1.0" encoding="utf-8"?>
+<p:sld xmlns:a="http://schemas.openxmlformats.org/drawingml/2006/main" xmlns:r="http://schemas.openxmlformats.org/officeDocument/2006/relationships" xmlns:p="http://schemas.openxmlformats.org/presentationml/2006/main">
+  <p:cSld>
+    <p:spTree>
+      <p:nvGrpSpPr>
+        <p:cNvPr id="1" name=""/>
+        <p:cNvGrpSpPr/>
+        <p:nvPr/>
+      </p:nvGrpSpPr>
+      <p:grpSpPr>
+        <a:xfrm>
+          <a:off x="0" y="0"/>
+          <a:ext cx="0" cy="0"/>
+          <a:chOff x="0" y="0"/>
+          <a:chExt cx="0" cy="0"/>
+        </a:xfrm>
+      </p:grpSpPr>
+      <p:sp>
+        <p:nvSpPr>
+          <p:cNvPr id="2" name="Titel 1"/>
+          <p:cNvSpPr>
+            <a:spLocks noGrp="1"/>
+          </p:cNvSpPr>
+          <p:nvPr>
+            <p:ph type="title"/>
+          </p:nvPr>
+        </p:nvSpPr>
+        <p:spPr/>
+        <p:txBody>
+          <a:bodyPr/>
+          <a:lstStyle/>
+          <a:p>
+            <a:r>
+              <a:rPr lang="de-DE" dirty="0" smtClean="0"/>
+              <a:t>Ausblick</a:t>
+            </a:r>
+            <a:endParaRPr lang="de-DE" dirty="0"/>
+          </a:p>
+        </p:txBody>
+      </p:sp>
+      <p:sp>
+        <p:nvSpPr>
+          <p:cNvPr id="3" name="Inhaltsplatzhalter 2"/>
+          <p:cNvSpPr>
+            <a:spLocks noGrp="1"/>
+          </p:cNvSpPr>
+          <p:nvPr>
+            <p:ph idx="1"/>
+          </p:nvPr>
+        </p:nvSpPr>
+        <p:spPr/>
+        <p:txBody>
+          <a:bodyPr/>
+          <a:lstStyle/>
+          <a:p>
+            <a:r>
+              <a:rPr lang="de-DE" dirty="0" smtClean="0"/>
+              <a:t>Themen der nächsten Seminare:</a:t>
+            </a:r>
+            <a:br>
+              <a:rPr lang="de-DE" dirty="0" smtClean="0"/>
+            </a:br>
+            <a:endParaRPr lang="de-DE" dirty="0" smtClean="0"/>
+          </a:p>
+          <a:p>
+            <a:pPr lvl="1"/>
+            <a:r>
+              <a:rPr lang="de-DE" dirty="0" smtClean="0"/>
+              <a:t>Steganalyse</a:t>
+            </a:r>
+          </a:p>
+          <a:p>
+            <a:pPr lvl="2"/>
+            <a:r>
+              <a:rPr lang="de-DE" dirty="0" smtClean="0"/>
+              <a:t>Analyse von Bildern mit versteckten Informationen</a:t>
+            </a:r>
+          </a:p>
+          <a:p>
+            <a:pPr lvl="2"/>
+            <a:r>
+              <a:rPr lang="de-DE" dirty="0" smtClean="0"/>
+              <a:t>Verwendung der LSB-Methodik erkennen</a:t>
+            </a:r>
+          </a:p>
+          <a:p>
+            <a:pPr lvl="2"/>
+            <a:r>
+              <a:rPr lang="de-DE" dirty="0"/>
+              <a:t>s</a:t>
+            </a:r>
+            <a:r>
+              <a:rPr lang="de-DE" dirty="0" smtClean="0"/>
+              <a:t>tatistische bzw. stochastische Verfahren</a:t>
+            </a:r>
+          </a:p>
+          <a:p>
+            <a:pPr lvl="2"/>
+            <a:endParaRPr lang="de-DE" dirty="0" smtClean="0"/>
+          </a:p>
+          <a:p>
+            <a:pPr lvl="2"/>
+            <a:endParaRPr lang="de-DE" dirty="0"/>
+          </a:p>
+          <a:p>
+            <a:pPr lvl="2"/>
+            <a:endParaRPr lang="de-DE" dirty="0"/>
+          </a:p>
+        </p:txBody>
+      </p:sp>
+    </p:spTree>
+    <p:extLst>
+      <p:ext uri="{BB962C8B-B14F-4D97-AF65-F5344CB8AC3E}">
+        <p14:creationId xmlns:p14="http://schemas.microsoft.com/office/powerpoint/2010/main" val="1322205089"/>
+      </p:ext>
+    </p:extLst>
+  </p:cSld>
+  <p:clrMapOvr>
+    <a:masterClrMapping/>
+  </p:clrMapOvr>
+  <p:timing>
+    <p:tnLst>
+      <p:par>
+        <p:cTn id="1" dur="indefinite" restart="never" nodeType="tmRoot"/>
+      </p:par>
+    </p:tnLst>
+  </p:timing>
+</p:sld>
+</file>
+
+<file path=ppt/slides/slide3.xml><?xml version="1.0" encoding="utf-8"?>
+<p:sld xmlns:a="http://schemas.openxmlformats.org/drawingml/2006/main" xmlns:r="http://schemas.openxmlformats.org/officeDocument/2006/relationships" xmlns:p="http://schemas.openxmlformats.org/presentationml/2006/main">
+  <p:cSld>
+    <p:spTree>
+      <p:nvGrpSpPr>
+        <p:cNvPr id="1" name=""/>
+        <p:cNvGrpSpPr/>
+        <p:nvPr/>
+      </p:nvGrpSpPr>
+      <p:grpSpPr>
+        <a:xfrm>
+          <a:off x="0" y="0"/>
+          <a:ext cx="0" cy="0"/>
+          <a:chOff x="0" y="0"/>
+          <a:chExt cx="0" cy="0"/>
+        </a:xfrm>
+      </p:grpSpPr>
+      <p:sp>
+        <p:nvSpPr>
+          <p:cNvPr id="2" name="Titel 1">
+            <a:extLst>
+              <a:ext uri="{FF2B5EF4-FFF2-40B4-BE49-F238E27FC236}">
+                <a16:creationId xmlns:a16="http://schemas.microsoft.com/office/drawing/2014/main" xmlns="" id="{5FF6CD7F-1442-4093-94B4-D780428F1254}"/>
+              </a:ext>
+            </a:extLst>
+          </p:cNvPr>
+          <p:cNvSpPr>
+            <a:spLocks noGrp="1"/>
+          </p:cNvSpPr>
+          <p:nvPr>
+            <p:ph type="title"/>
+          </p:nvPr>
+        </p:nvSpPr>
+        <p:spPr/>
+        <p:txBody>
+          <a:bodyPr/>
+          <a:lstStyle/>
+          <a:p>
+            <a:r>
+              <a:rPr lang="de-DE" dirty="0"/>
+              <a:t>Steganographie</a:t>
+            </a:r>
+          </a:p>
+        </p:txBody>
+      </p:sp>
+      <p:sp>
+        <p:nvSpPr>
+          <p:cNvPr id="3" name="Inhaltsplatzhalter 2">
+            <a:extLst>
+              <a:ext uri="{FF2B5EF4-FFF2-40B4-BE49-F238E27FC236}">
+                <a16:creationId xmlns:a16="http://schemas.microsoft.com/office/drawing/2014/main" xmlns="" id="{32D3E699-82FD-4FAB-9360-39ACF8561A95}"/>
+              </a:ext>
+            </a:extLst>
+          </p:cNvPr>
+          <p:cNvSpPr>
+            <a:spLocks noGrp="1"/>
+          </p:cNvSpPr>
+          <p:nvPr>
+            <p:ph idx="1"/>
+          </p:nvPr>
+        </p:nvSpPr>
+        <p:spPr/>
+        <p:txBody>
+          <a:bodyPr>
+            <a:noAutofit/>
+          </a:bodyPr>
+          <a:lstStyle/>
+          <a:p>
+            <a:r>
+              <a:rPr lang="de-DE" dirty="0"/>
+              <a:t>Griechisch: </a:t>
+            </a:r>
+            <a:r>
+              <a:rPr lang="de-DE" dirty="0" err="1"/>
+              <a:t>steganos</a:t>
+            </a:r>
+            <a:r>
+              <a:rPr lang="de-DE" dirty="0"/>
+              <a:t> – bedeckt; </a:t>
+            </a:r>
+            <a:r>
+              <a:rPr lang="de-DE" dirty="0" err="1"/>
+              <a:t>graphein</a:t>
+            </a:r>
+            <a:r>
+              <a:rPr lang="de-DE" dirty="0"/>
+              <a:t> – schreiben</a:t>
+            </a:r>
+          </a:p>
+          <a:p>
+            <a:r>
+              <a:rPr lang="de-DE" dirty="0"/>
+              <a:t>Nachrichten in einem bestimmten Medium verborgen speichern</a:t>
+            </a:r>
+          </a:p>
+          <a:p>
+            <a:pPr marL="0" indent="0">
+              <a:buNone/>
+            </a:pPr>
+            <a:r>
+              <a:rPr lang="de-DE" dirty="0"/>
+              <a:t/>
+            </a:r>
+            <a:br>
+              <a:rPr lang="de-DE" dirty="0"/>
+            </a:br>
+            <a:r>
+              <a:rPr lang="de-DE" dirty="0"/>
+              <a:t/>
+            </a:r>
+            <a:br>
+              <a:rPr lang="de-DE" dirty="0"/>
+            </a:br>
+            <a:r>
+              <a:rPr lang="de-DE" dirty="0"/>
+              <a:t/>
+            </a:r>
+            <a:br>
+              <a:rPr lang="de-DE" dirty="0"/>
+            </a:br>
+            <a:r>
+              <a:rPr lang="de-DE" dirty="0"/>
+              <a:t/>
+            </a:r>
+            <a:br>
+              <a:rPr lang="de-DE" dirty="0"/>
+            </a:br>
+            <a:endParaRPr lang="de-DE" dirty="0"/>
+          </a:p>
+          <a:p>
+            <a:pPr marL="0" indent="0">
+              <a:buNone/>
+            </a:pPr>
+            <a:endParaRPr lang="de-DE" dirty="0"/>
+          </a:p>
+          <a:p>
+            <a:pPr marL="0" indent="0">
+              <a:buNone/>
+            </a:pPr>
+            <a:endParaRPr lang="de-DE" dirty="0"/>
+          </a:p>
+          <a:p>
+            <a:endParaRPr lang="de-DE" dirty="0"/>
+          </a:p>
+          <a:p>
+            <a:pPr marL="0" indent="0">
+              <a:buNone/>
+            </a:pPr>
+            <a:endParaRPr lang="de-DE" dirty="0"/>
+          </a:p>
+          <a:p>
+            <a:pPr marL="0" indent="0">
+              <a:buNone/>
+            </a:pPr>
+            <a:endParaRPr lang="de-DE" dirty="0"/>
+          </a:p>
+          <a:p>
+            <a:pPr marL="0" indent="0">
+              <a:buNone/>
+            </a:pPr>
+            <a:endParaRPr lang="de-DE" dirty="0"/>
+          </a:p>
+          <a:p>
+            <a:pPr marL="0" indent="0">
+              <a:buNone/>
+            </a:pPr>
+            <a:endParaRPr lang="de-DE" dirty="0"/>
+          </a:p>
+          <a:p>
+            <a:pPr marL="0" indent="0">
+              <a:buNone/>
+            </a:pPr>
+            <a:r>
+              <a:rPr lang="de-DE" dirty="0"/>
+              <a:t>			</a:t>
+            </a:r>
+          </a:p>
+        </p:txBody>
+      </p:sp>
+      <p:graphicFrame>
+        <p:nvGraphicFramePr>
+          <p:cNvPr id="5" name="Tabelle 4">
+            <a:extLst>
+              <a:ext uri="{FF2B5EF4-FFF2-40B4-BE49-F238E27FC236}">
+                <a16:creationId xmlns:a16="http://schemas.microsoft.com/office/drawing/2014/main" xmlns="" id="{EE1AB0B7-CF13-43B1-A209-552898714154}"/>
+              </a:ext>
+            </a:extLst>
+          </p:cNvPr>
+          <p:cNvGraphicFramePr>
+            <a:graphicFrameLocks noGrp="1"/>
+          </p:cNvGraphicFramePr>
+          <p:nvPr>
+            <p:extLst/>
+          </p:nvPr>
+        </p:nvGraphicFramePr>
+        <p:xfrm>
+          <a:off x="1553029" y="2888773"/>
+          <a:ext cx="6066971" cy="1765487"/>
+        </p:xfrm>
+        <a:graphic>
+          <a:graphicData uri="http://schemas.openxmlformats.org/drawingml/2006/table">
+            <a:tbl>
+              <a:tblPr firstRow="1" bandRow="1">
+                <a:tableStyleId>{5C22544A-7EE6-4342-B048-85BDC9FD1C3A}</a:tableStyleId>
+              </a:tblPr>
+              <a:tblGrid>
+                <a:gridCol w="1117600">
+                  <a:extLst>
+                    <a:ext uri="{9D8B030D-6E8A-4147-A177-3AD203B41FA5}">
+                      <a16:colId xmlns:a16="http://schemas.microsoft.com/office/drawing/2014/main" xmlns="" val="1521050298"/>
+                    </a:ext>
+                  </a:extLst>
+                </a:gridCol>
+                <a:gridCol w="2917371">
+                  <a:extLst>
+                    <a:ext uri="{9D8B030D-6E8A-4147-A177-3AD203B41FA5}">
+                      <a16:colId xmlns:a16="http://schemas.microsoft.com/office/drawing/2014/main" xmlns="" val="1946410970"/>
+                    </a:ext>
+                  </a:extLst>
+                </a:gridCol>
+                <a:gridCol w="2032000">
+                  <a:extLst>
+                    <a:ext uri="{9D8B030D-6E8A-4147-A177-3AD203B41FA5}">
+                      <a16:colId xmlns:a16="http://schemas.microsoft.com/office/drawing/2014/main" xmlns="" val="1228833664"/>
+                    </a:ext>
+                  </a:extLst>
+                </a:gridCol>
+              </a:tblGrid>
+              <a:tr h="420771">
+                <a:tc>
+                  <a:txBody>
+                    <a:bodyPr/>
+                    <a:lstStyle/>
+                    <a:p>
+                      <a:pPr algn="ctr"/>
+                      <a:endParaRPr lang="de-DE" dirty="0"/>
+                    </a:p>
+                  </a:txBody>
+                  <a:tcPr/>
+                </a:tc>
+                <a:tc>
+                  <a:txBody>
+                    <a:bodyPr/>
+                    <a:lstStyle/>
+                    <a:p>
+                      <a:pPr algn="ctr"/>
+                      <a:r>
+                        <a:rPr lang="de-DE" b="1" dirty="0"/>
+                        <a:t>Kryptographie</a:t>
+                      </a:r>
+                      <a:endParaRPr lang="de-DE" dirty="0"/>
+                    </a:p>
+                  </a:txBody>
+                  <a:tcPr/>
+                </a:tc>
+                <a:tc>
+                  <a:txBody>
+                    <a:bodyPr/>
+                    <a:lstStyle/>
+                    <a:p>
+                      <a:pPr marL="0" marR="0" lvl="0" indent="0" algn="ctr" defTabSz="685750" rtl="0" eaLnBrk="1" fontAlgn="auto" latinLnBrk="0" hangingPunct="1">
+                        <a:lnSpc>
+                          <a:spcPct val="100000"/>
+                        </a:lnSpc>
+                        <a:spcBef>
+                          <a:spcPts val="0"/>
+                        </a:spcBef>
+                        <a:spcAft>
+                          <a:spcPts val="0"/>
+                        </a:spcAft>
+                        <a:buClrTx/>
+                        <a:buSzTx/>
+                        <a:buFontTx/>
+                        <a:buNone/>
+                        <a:tabLst/>
+                        <a:defRPr/>
+                      </a:pPr>
+                      <a:r>
+                        <a:rPr lang="de-DE" b="1" dirty="0"/>
+                        <a:t>Steganographie</a:t>
+                      </a:r>
+                    </a:p>
+                  </a:txBody>
+                  <a:tcPr/>
+                </a:tc>
+                <a:extLst>
+                  <a:ext uri="{0D108BD9-81ED-4DB2-BD59-A6C34878D82A}">
+                    <a16:rowId xmlns:a16="http://schemas.microsoft.com/office/drawing/2014/main" xmlns="" val="4224393478"/>
+                  </a:ext>
+                </a:extLst>
+              </a:tr>
+              <a:tr h="420771">
+                <a:tc>
+                  <a:txBody>
+                    <a:bodyPr/>
+                    <a:lstStyle/>
+                    <a:p>
+                      <a:pPr algn="ctr"/>
+                      <a:r>
+                        <a:rPr lang="de-DE" b="1" dirty="0"/>
+                        <a:t>Fokus</a:t>
+                      </a:r>
+                    </a:p>
+                  </a:txBody>
+                  <a:tcPr/>
+                </a:tc>
+                <a:tc>
+                  <a:txBody>
+                    <a:bodyPr/>
+                    <a:lstStyle/>
+                    <a:p>
+                      <a:pPr algn="ctr"/>
+                      <a:r>
+                        <a:rPr lang="de-DE" b="1" dirty="0"/>
+                        <a:t>Fokus: Schlüssel </a:t>
+                      </a:r>
+                    </a:p>
+                    <a:p>
+                      <a:pPr algn="ctr"/>
+                      <a:r>
+                        <a:rPr lang="de-DE" b="1" dirty="0" err="1"/>
+                        <a:t>Kerckhoff‘s</a:t>
+                      </a:r>
+                      <a:r>
+                        <a:rPr lang="de-DE" b="1" dirty="0"/>
+                        <a:t> Prinzip</a:t>
+                      </a:r>
+                    </a:p>
+                  </a:txBody>
+                  <a:tcPr/>
+                </a:tc>
+                <a:tc>
+                  <a:txBody>
+                    <a:bodyPr/>
+                    <a:lstStyle/>
+                    <a:p>
+                      <a:pPr algn="ctr"/>
+                      <a:r>
+                        <a:rPr lang="de-DE" b="1" dirty="0"/>
+                        <a:t>Fokus: Verfahren</a:t>
+                      </a:r>
+                    </a:p>
+                  </a:txBody>
+                  <a:tcPr/>
+                </a:tc>
+                <a:extLst>
+                  <a:ext uri="{0D108BD9-81ED-4DB2-BD59-A6C34878D82A}">
+                    <a16:rowId xmlns:a16="http://schemas.microsoft.com/office/drawing/2014/main" xmlns="" val="479920095"/>
+                  </a:ext>
+                </a:extLst>
+              </a:tr>
+              <a:tr h="420771">
+                <a:tc>
+                  <a:txBody>
+                    <a:bodyPr/>
+                    <a:lstStyle/>
+                    <a:p>
+                      <a:pPr algn="ctr"/>
+                      <a:r>
+                        <a:rPr lang="de-DE" b="1" dirty="0"/>
+                        <a:t>Analyse</a:t>
+                      </a:r>
+                    </a:p>
+                  </a:txBody>
+                  <a:tcPr/>
+                </a:tc>
+                <a:tc>
+                  <a:txBody>
+                    <a:bodyPr/>
+                    <a:lstStyle/>
+                    <a:p>
+                      <a:pPr algn="ctr"/>
+                      <a:r>
+                        <a:rPr lang="de-DE" b="1" dirty="0" err="1"/>
+                        <a:t>Kryptoanalyse</a:t>
+                      </a:r>
+                      <a:r>
+                        <a:rPr lang="de-DE" b="1" dirty="0"/>
+                        <a:t>: Mathematisch</a:t>
+                      </a:r>
+                    </a:p>
+                  </a:txBody>
+                  <a:tcPr/>
+                </a:tc>
+                <a:tc>
+                  <a:txBody>
+                    <a:bodyPr/>
+                    <a:lstStyle/>
+                    <a:p>
+                      <a:pPr algn="ctr"/>
+                      <a:r>
+                        <a:rPr lang="de-DE" b="1" dirty="0"/>
+                        <a:t>Steganalyse ‚Kreativ‘</a:t>
+                      </a:r>
+                    </a:p>
+                  </a:txBody>
+                  <a:tcPr/>
+                </a:tc>
+                <a:extLst>
+                  <a:ext uri="{0D108BD9-81ED-4DB2-BD59-A6C34878D82A}">
+                    <a16:rowId xmlns:a16="http://schemas.microsoft.com/office/drawing/2014/main" xmlns="" val="4175534960"/>
+                  </a:ext>
+                </a:extLst>
+              </a:tr>
+              <a:tr h="420771">
+                <a:tc>
+                  <a:txBody>
+                    <a:bodyPr/>
+                    <a:lstStyle/>
+                    <a:p>
+                      <a:pPr algn="ctr"/>
+                      <a:r>
+                        <a:rPr lang="de-DE" b="1" dirty="0"/>
+                        <a:t>Beispiel</a:t>
+                      </a:r>
+                    </a:p>
+                  </a:txBody>
+                  <a:tcPr/>
+                </a:tc>
+                <a:tc>
+                  <a:txBody>
+                    <a:bodyPr/>
+                    <a:lstStyle/>
+                    <a:p>
+                      <a:pPr algn="ctr"/>
+                      <a:r>
+                        <a:rPr lang="de-DE" b="1" dirty="0"/>
+                        <a:t>Brief „Geheime Nachricht“</a:t>
+                      </a:r>
+                    </a:p>
+                  </a:txBody>
+                  <a:tcPr/>
+                </a:tc>
+                <a:tc>
+                  <a:txBody>
+                    <a:bodyPr/>
+                    <a:lstStyle/>
+                    <a:p>
+                      <a:pPr algn="ctr"/>
+                      <a:r>
+                        <a:rPr lang="de-DE" b="1" dirty="0"/>
+                        <a:t>Brief: „Hallo Peter…“</a:t>
+                      </a:r>
+                    </a:p>
+                  </a:txBody>
+                  <a:tcPr/>
+                </a:tc>
+                <a:extLst>
+                  <a:ext uri="{0D108BD9-81ED-4DB2-BD59-A6C34878D82A}">
+                    <a16:rowId xmlns:a16="http://schemas.microsoft.com/office/drawing/2014/main" xmlns="" val="2247199928"/>
+                  </a:ext>
+                </a:extLst>
+              </a:tr>
+            </a:tbl>
+          </a:graphicData>
+        </a:graphic>
+      </p:graphicFrame>
+    </p:spTree>
+    <p:extLst>
+      <p:ext uri="{BB962C8B-B14F-4D97-AF65-F5344CB8AC3E}">
+        <p14:creationId xmlns:p14="http://schemas.microsoft.com/office/powerpoint/2010/main" val="708806423"/>
+      </p:ext>
+    </p:extLst>
+  </p:cSld>
+  <p:clrMapOvr>
+    <a:masterClrMapping/>
+  </p:clrMapOvr>
+  <p:timing>
+    <p:tnLst>
+      <p:par>
+        <p:cTn id="1" dur="indefinite" restart="never" nodeType="tmRoot"/>
+      </p:par>
+    </p:tnLst>
+  </p:timing>
+</p:sld>
+</file>
+
+<file path=ppt/slides/slide4.xml><?xml version="1.0" encoding="utf-8"?>
+<p:sld xmlns:a="http://schemas.openxmlformats.org/drawingml/2006/main" xmlns:r="http://schemas.openxmlformats.org/officeDocument/2006/relationships" xmlns:p="http://schemas.openxmlformats.org/presentationml/2006/main">
+  <p:cSld>
+    <p:spTree>
+      <p:nvGrpSpPr>
+        <p:cNvPr id="1" name=""/>
+        <p:cNvGrpSpPr/>
+        <p:nvPr/>
+      </p:nvGrpSpPr>
+      <p:grpSpPr>
+        <a:xfrm>
+          <a:off x="0" y="0"/>
+          <a:ext cx="0" cy="0"/>
+          <a:chOff x="0" y="0"/>
+          <a:chExt cx="0" cy="0"/>
+        </a:xfrm>
+      </p:grpSpPr>
+      <p:sp>
+        <p:nvSpPr>
+          <p:cNvPr id="2" name="Titel 1">
+            <a:extLst>
+              <a:ext uri="{FF2B5EF4-FFF2-40B4-BE49-F238E27FC236}">
+                <a16:creationId xmlns:a16="http://schemas.microsoft.com/office/drawing/2014/main" xmlns="" id="{EF536E04-EAC1-47A0-8829-51766F106DCC}"/>
+              </a:ext>
+            </a:extLst>
+          </p:cNvPr>
+          <p:cNvSpPr>
+            <a:spLocks noGrp="1"/>
+          </p:cNvSpPr>
+          <p:nvPr>
+            <p:ph type="title"/>
+          </p:nvPr>
+        </p:nvSpPr>
+        <p:spPr>
+          <a:xfrm>
+            <a:off x="822838" y="466281"/>
+            <a:ext cx="7886700" cy="1325563"/>
+          </a:xfrm>
+        </p:spPr>
+        <p:txBody>
+          <a:bodyPr/>
+          <a:lstStyle/>
+          <a:p>
+            <a:r>
+              <a:rPr lang="de-DE" dirty="0"/>
+              <a:t>Beispiel „Geheime Nachricht“</a:t>
+            </a:r>
+          </a:p>
+        </p:txBody>
+      </p:sp>
+      <p:sp>
+        <p:nvSpPr>
+          <p:cNvPr id="4" name="Textfeld 3">
+            <a:extLst>
+              <a:ext uri="{FF2B5EF4-FFF2-40B4-BE49-F238E27FC236}">
+                <a16:creationId xmlns:a16="http://schemas.microsoft.com/office/drawing/2014/main" xmlns="" id="{32FE719B-0696-4C8D-84B7-05ED8A8D436A}"/>
+              </a:ext>
+            </a:extLst>
+          </p:cNvPr>
+          <p:cNvSpPr txBox="1"/>
+          <p:nvPr/>
+        </p:nvSpPr>
+        <p:spPr>
+          <a:xfrm>
+            <a:off x="2709187" y="2304578"/>
+            <a:ext cx="4133183" cy="369332"/>
+          </a:xfrm>
+          <a:prstGeom prst="rect">
+            <a:avLst/>
+          </a:prstGeom>
+          <a:noFill/>
+        </p:spPr>
+        <p:txBody>
+          <a:bodyPr wrap="none" rtlCol="0">
+            <a:spAutoFit/>
+          </a:bodyPr>
+          <a:lstStyle/>
+          <a:p>
+            <a:r>
+              <a:rPr lang="de-DE" dirty="0"/>
+              <a:t>„Wir treffen uns im 15 Uhr an der Brücke“</a:t>
+            </a:r>
+          </a:p>
+        </p:txBody>
+      </p:sp>
+      <p:sp>
+        <p:nvSpPr>
+          <p:cNvPr id="5" name="Textfeld 4">
+            <a:extLst>
+              <a:ext uri="{FF2B5EF4-FFF2-40B4-BE49-F238E27FC236}">
+                <a16:creationId xmlns:a16="http://schemas.microsoft.com/office/drawing/2014/main" xmlns="" id="{998894AA-639C-42C3-9C85-2D3B3A5A3016}"/>
+              </a:ext>
+            </a:extLst>
+          </p:cNvPr>
+          <p:cNvSpPr txBox="1"/>
+          <p:nvPr/>
+        </p:nvSpPr>
+        <p:spPr>
+          <a:xfrm>
+            <a:off x="3320440" y="4853736"/>
+            <a:ext cx="2891497" cy="369332"/>
+          </a:xfrm>
+          <a:prstGeom prst="rect">
+            <a:avLst/>
+          </a:prstGeom>
+          <a:noFill/>
+        </p:spPr>
+        <p:txBody>
+          <a:bodyPr wrap="none" rtlCol="0">
+            <a:spAutoFit/>
+          </a:bodyPr>
+          <a:lstStyle/>
+          <a:p>
+            <a:r>
+              <a:rPr lang="de-DE" dirty="0"/>
+              <a:t>„AHsdhwi29idsfnpöaoweifn“</a:t>
+            </a:r>
+          </a:p>
+        </p:txBody>
+      </p:sp>
+      <p:sp>
+        <p:nvSpPr>
+          <p:cNvPr id="6" name="Rechteck 5">
+            <a:extLst>
+              <a:ext uri="{FF2B5EF4-FFF2-40B4-BE49-F238E27FC236}">
+                <a16:creationId xmlns:a16="http://schemas.microsoft.com/office/drawing/2014/main" xmlns="" id="{F76FA42C-6237-4F24-8AF1-CB0F6F717A92}"/>
+              </a:ext>
+            </a:extLst>
+          </p:cNvPr>
+          <p:cNvSpPr/>
+          <p:nvPr/>
+        </p:nvSpPr>
+        <p:spPr>
+          <a:xfrm>
+            <a:off x="2882420" y="3415094"/>
+            <a:ext cx="3613922" cy="783772"/>
+          </a:xfrm>
+          <a:prstGeom prst="rect">
+            <a:avLst/>
+          </a:prstGeom>
+        </p:spPr>
+        <p:style>
+          <a:lnRef idx="2">
+            <a:schemeClr val="accent1">
+              <a:shade val="50000"/>
+            </a:schemeClr>
+          </a:lnRef>
+          <a:fillRef idx="1">
+            <a:schemeClr val="accent1"/>
+          </a:fillRef>
+          <a:effectRef idx="0">
+            <a:schemeClr val="accent1"/>
+          </a:effectRef>
+          <a:fontRef idx="minor">
+            <a:schemeClr val="lt1"/>
+          </a:fontRef>
+        </p:style>
+        <p:txBody>
+          <a:bodyPr rtlCol="0" anchor="ctr"/>
+          <a:lstStyle/>
+          <a:p>
+            <a:pPr algn="ctr"/>
+            <a:r>
+              <a:rPr lang="de-DE" dirty="0"/>
+              <a:t>Verschlüsselung</a:t>
+            </a:r>
+          </a:p>
+        </p:txBody>
+      </p:sp>
+      <p:sp>
+        <p:nvSpPr>
+          <p:cNvPr id="7" name="Rechteck 6">
+            <a:extLst>
+              <a:ext uri="{FF2B5EF4-FFF2-40B4-BE49-F238E27FC236}">
+                <a16:creationId xmlns:a16="http://schemas.microsoft.com/office/drawing/2014/main" xmlns="" id="{4B49A3BD-1A73-4636-9F2C-3C4BCBEB0A4C}"/>
+              </a:ext>
+            </a:extLst>
+          </p:cNvPr>
+          <p:cNvSpPr/>
+          <p:nvPr/>
+        </p:nvSpPr>
+        <p:spPr>
+          <a:xfrm>
+            <a:off x="2573064" y="2093366"/>
+            <a:ext cx="4232635" cy="783772"/>
+          </a:xfrm>
+          <a:prstGeom prst="rect">
+            <a:avLst/>
+          </a:prstGeom>
+          <a:solidFill>
+            <a:srgbClr val="4472C4">
+              <a:alpha val="23137"/>
+            </a:srgbClr>
+          </a:solidFill>
+        </p:spPr>
+        <p:style>
+          <a:lnRef idx="2">
+            <a:schemeClr val="accent1">
+              <a:shade val="50000"/>
+            </a:schemeClr>
+          </a:lnRef>
+          <a:fillRef idx="1">
+            <a:schemeClr val="accent1"/>
+          </a:fillRef>
+          <a:effectRef idx="0">
+            <a:schemeClr val="accent1"/>
+          </a:effectRef>
+          <a:fontRef idx="minor">
+            <a:schemeClr val="lt1"/>
+          </a:fontRef>
+        </p:style>
+        <p:txBody>
+          <a:bodyPr rtlCol="0" anchor="ctr"/>
+          <a:lstStyle/>
+          <a:p>
+            <a:pPr algn="ctr"/>
+            <a:endParaRPr lang="de-DE" dirty="0"/>
+          </a:p>
+        </p:txBody>
+      </p:sp>
+      <p:sp>
+        <p:nvSpPr>
+          <p:cNvPr id="8" name="Rechteck 7">
+            <a:extLst>
+              <a:ext uri="{FF2B5EF4-FFF2-40B4-BE49-F238E27FC236}">
+                <a16:creationId xmlns:a16="http://schemas.microsoft.com/office/drawing/2014/main" xmlns="" id="{B727591C-D425-46F6-B354-C4940CB9DAB9}"/>
+              </a:ext>
+            </a:extLst>
+          </p:cNvPr>
+          <p:cNvSpPr/>
+          <p:nvPr/>
+        </p:nvSpPr>
+        <p:spPr>
+          <a:xfrm>
+            <a:off x="3339621" y="1725241"/>
+            <a:ext cx="2872316" cy="380007"/>
+          </a:xfrm>
+          <a:prstGeom prst="rect">
+            <a:avLst/>
+          </a:prstGeom>
+        </p:spPr>
+        <p:style>
+          <a:lnRef idx="2">
+            <a:schemeClr val="accent1">
+              <a:shade val="50000"/>
+            </a:schemeClr>
+          </a:lnRef>
+          <a:fillRef idx="1">
+            <a:schemeClr val="accent1"/>
+          </a:fillRef>
+          <a:effectRef idx="0">
+            <a:schemeClr val="accent1"/>
+          </a:effectRef>
+          <a:fontRef idx="minor">
+            <a:schemeClr val="lt1"/>
+          </a:fontRef>
+        </p:style>
+        <p:txBody>
+          <a:bodyPr rtlCol="0" anchor="ctr"/>
+          <a:lstStyle/>
+          <a:p>
+            <a:pPr algn="ctr"/>
+            <a:r>
+              <a:rPr lang="de-DE" dirty="0"/>
+              <a:t>Klartext</a:t>
+            </a:r>
+          </a:p>
+        </p:txBody>
+      </p:sp>
+      <p:sp>
+        <p:nvSpPr>
+          <p:cNvPr id="9" name="Pfeil: nach unten 8">
+            <a:extLst>
+              <a:ext uri="{FF2B5EF4-FFF2-40B4-BE49-F238E27FC236}">
+                <a16:creationId xmlns:a16="http://schemas.microsoft.com/office/drawing/2014/main" xmlns="" id="{C42042D9-7A44-44AB-B286-4D088E9BA4D5}"/>
+              </a:ext>
+            </a:extLst>
+          </p:cNvPr>
+          <p:cNvSpPr/>
+          <p:nvPr/>
+        </p:nvSpPr>
+        <p:spPr>
+          <a:xfrm>
+            <a:off x="4361000" y="2889020"/>
+            <a:ext cx="829558" cy="514192"/>
+          </a:xfrm>
+          <a:prstGeom prst="downArrow">
+            <a:avLst/>
+          </a:prstGeom>
+        </p:spPr>
+        <p:style>
+          <a:lnRef idx="2">
+            <a:schemeClr val="accent1">
+              <a:shade val="50000"/>
+            </a:schemeClr>
+          </a:lnRef>
+          <a:fillRef idx="1">
+            <a:schemeClr val="accent1"/>
+          </a:fillRef>
+          <a:effectRef idx="0">
+            <a:schemeClr val="accent1"/>
+          </a:effectRef>
+          <a:fontRef idx="minor">
+            <a:schemeClr val="lt1"/>
+          </a:fontRef>
+        </p:style>
+        <p:txBody>
+          <a:bodyPr rtlCol="0" anchor="ctr"/>
+          <a:lstStyle/>
+          <a:p>
+            <a:pPr algn="ctr"/>
+            <a:endParaRPr lang="de-DE"/>
+          </a:p>
+        </p:txBody>
+      </p:sp>
+      <p:pic>
+        <p:nvPicPr>
+          <p:cNvPr id="11" name="Inhaltsplatzhalter 10" descr="Schlüssel">
+            <a:extLst>
+              <a:ext uri="{FF2B5EF4-FFF2-40B4-BE49-F238E27FC236}">
+                <a16:creationId xmlns:a16="http://schemas.microsoft.com/office/drawing/2014/main" xmlns="" id="{6D7BFB5B-731D-452B-B693-0F2F0B2F354C}"/>
+              </a:ext>
+            </a:extLst>
+          </p:cNvPr>
+          <p:cNvPicPr>
+            <a:picLocks noGrp="1" noChangeAspect="1"/>
+          </p:cNvPicPr>
+          <p:nvPr>
+            <p:ph idx="1"/>
+          </p:nvPr>
+        </p:nvPicPr>
+        <p:blipFill>
+          <a:blip r:embed="rId2">
+            <a:extLst>
+              <a:ext uri="{96DAC541-7B7A-43D3-8B79-37D633B846F1}">
+                <asvg:svgBlip xmlns:asvg="http://schemas.microsoft.com/office/drawing/2016/SVG/main" xmlns="" r:embed="rId3"/>
+              </a:ext>
+            </a:extLst>
+          </a:blip>
+          <a:stretch>
+            <a:fillRect/>
+          </a:stretch>
+        </p:blipFill>
+        <p:spPr>
+          <a:xfrm rot="20076561">
+            <a:off x="5581942" y="3307538"/>
+            <a:ext cx="914400" cy="914400"/>
+          </a:xfrm>
+        </p:spPr>
+      </p:pic>
+      <p:sp>
+        <p:nvSpPr>
+          <p:cNvPr id="12" name="Rechteck 11">
+            <a:extLst>
+              <a:ext uri="{FF2B5EF4-FFF2-40B4-BE49-F238E27FC236}">
+                <a16:creationId xmlns:a16="http://schemas.microsoft.com/office/drawing/2014/main" xmlns="" id="{82576D0B-508B-40D3-9228-7AAC1B6AB72B}"/>
+              </a:ext>
+            </a:extLst>
+          </p:cNvPr>
+          <p:cNvSpPr/>
+          <p:nvPr/>
+        </p:nvSpPr>
+        <p:spPr>
+          <a:xfrm>
+            <a:off x="2229904" y="4736822"/>
+            <a:ext cx="5110929" cy="787768"/>
+          </a:xfrm>
+          <a:prstGeom prst="rect">
+            <a:avLst/>
+          </a:prstGeom>
+          <a:solidFill>
+            <a:srgbClr val="E46D24">
+              <a:alpha val="21961"/>
+            </a:srgbClr>
+          </a:solidFill>
+        </p:spPr>
+        <p:style>
+          <a:lnRef idx="2">
+            <a:schemeClr val="accent1">
+              <a:shade val="50000"/>
+            </a:schemeClr>
+          </a:lnRef>
+          <a:fillRef idx="1">
+            <a:schemeClr val="accent1"/>
+          </a:fillRef>
+          <a:effectRef idx="0">
+            <a:schemeClr val="accent1"/>
+          </a:effectRef>
+          <a:fontRef idx="minor">
+            <a:schemeClr val="lt1"/>
+          </a:fontRef>
+        </p:style>
+        <p:txBody>
+          <a:bodyPr rtlCol="0" anchor="ctr"/>
+          <a:lstStyle/>
+          <a:p>
+            <a:pPr algn="ctr"/>
+            <a:endParaRPr lang="de-DE" dirty="0"/>
+          </a:p>
+        </p:txBody>
+      </p:sp>
+      <p:sp>
+        <p:nvSpPr>
+          <p:cNvPr id="14" name="Rechteck 13">
+            <a:extLst>
+              <a:ext uri="{FF2B5EF4-FFF2-40B4-BE49-F238E27FC236}">
+                <a16:creationId xmlns:a16="http://schemas.microsoft.com/office/drawing/2014/main" xmlns="" id="{2F2C98AE-3954-45EE-A438-EA42E1660AC5}"/>
+              </a:ext>
+            </a:extLst>
+          </p:cNvPr>
+          <p:cNvSpPr/>
+          <p:nvPr/>
+        </p:nvSpPr>
+        <p:spPr>
+          <a:xfrm>
+            <a:off x="3253223" y="5524590"/>
+            <a:ext cx="2872316" cy="380007"/>
+          </a:xfrm>
+          <a:prstGeom prst="rect">
+            <a:avLst/>
+          </a:prstGeom>
+        </p:spPr>
+        <p:style>
+          <a:lnRef idx="2">
+            <a:schemeClr val="accent1">
+              <a:shade val="50000"/>
+            </a:schemeClr>
+          </a:lnRef>
+          <a:fillRef idx="1">
+            <a:schemeClr val="accent1"/>
+          </a:fillRef>
+          <a:effectRef idx="0">
+            <a:schemeClr val="accent1"/>
+          </a:effectRef>
+          <a:fontRef idx="minor">
+            <a:schemeClr val="lt1"/>
+          </a:fontRef>
+        </p:style>
+        <p:txBody>
+          <a:bodyPr rtlCol="0" anchor="ctr"/>
+          <a:lstStyle/>
+          <a:p>
+            <a:pPr algn="ctr"/>
+            <a:r>
+              <a:rPr lang="de-DE" dirty="0"/>
+              <a:t>Verschlüsselte Nachricht</a:t>
+            </a:r>
+          </a:p>
+        </p:txBody>
+      </p:sp>
+      <p:sp>
+        <p:nvSpPr>
+          <p:cNvPr id="15" name="Pfeil: nach unten 14">
+            <a:extLst>
+              <a:ext uri="{FF2B5EF4-FFF2-40B4-BE49-F238E27FC236}">
+                <a16:creationId xmlns:a16="http://schemas.microsoft.com/office/drawing/2014/main" xmlns="" id="{59B8D604-0C2E-41D3-B7F2-6996A1172587}"/>
+              </a:ext>
+            </a:extLst>
+          </p:cNvPr>
+          <p:cNvSpPr/>
+          <p:nvPr/>
+        </p:nvSpPr>
+        <p:spPr>
+          <a:xfrm>
+            <a:off x="4360999" y="4222630"/>
+            <a:ext cx="829558" cy="514192"/>
+          </a:xfrm>
+          <a:prstGeom prst="downArrow">
+            <a:avLst/>
+          </a:prstGeom>
+        </p:spPr>
+        <p:style>
+          <a:lnRef idx="2">
+            <a:schemeClr val="accent1">
+              <a:shade val="50000"/>
+            </a:schemeClr>
+          </a:lnRef>
+          <a:fillRef idx="1">
+            <a:schemeClr val="accent1"/>
+          </a:fillRef>
+          <a:effectRef idx="0">
+            <a:schemeClr val="accent1"/>
+          </a:effectRef>
+          <a:fontRef idx="minor">
+            <a:schemeClr val="lt1"/>
+          </a:fontRef>
+        </p:style>
+        <p:txBody>
+          <a:bodyPr rtlCol="0" anchor="ctr"/>
+          <a:lstStyle/>
+          <a:p>
+            <a:pPr algn="ctr"/>
+            <a:endParaRPr lang="de-DE"/>
+          </a:p>
+        </p:txBody>
+      </p:sp>
+      <p:pic>
+        <p:nvPicPr>
+          <p:cNvPr id="17" name="Grafik 16" descr="Umschlag">
+            <a:extLst>
+              <a:ext uri="{FF2B5EF4-FFF2-40B4-BE49-F238E27FC236}">
+                <a16:creationId xmlns:a16="http://schemas.microsoft.com/office/drawing/2014/main" xmlns="" id="{A2B38B75-A68C-486B-9A4F-ADC2253DF048}"/>
+              </a:ext>
+            </a:extLst>
+          </p:cNvPr>
+          <p:cNvPicPr>
+            <a:picLocks noChangeAspect="1"/>
+          </p:cNvPicPr>
+          <p:nvPr/>
+        </p:nvPicPr>
+        <p:blipFill>
+          <a:blip r:embed="rId4">
+            <a:extLst>
+              <a:ext uri="{96DAC541-7B7A-43D3-8B79-37D633B846F1}">
+                <asvg:svgBlip xmlns:asvg="http://schemas.microsoft.com/office/drawing/2016/SVG/main" xmlns="" r:embed="rId5"/>
+              </a:ext>
+            </a:extLst>
+          </a:blip>
+          <a:stretch>
+            <a:fillRect/>
+          </a:stretch>
+        </p:blipFill>
+        <p:spPr>
+          <a:xfrm>
+            <a:off x="1292093" y="1022108"/>
+            <a:ext cx="7169912" cy="4962837"/>
+          </a:xfrm>
+          <a:prstGeom prst="rect">
+            <a:avLst/>
+          </a:prstGeom>
+        </p:spPr>
+      </p:pic>
+      <p:sp>
+        <p:nvSpPr>
+          <p:cNvPr id="18" name="Textfeld 17">
+            <a:extLst>
+              <a:ext uri="{FF2B5EF4-FFF2-40B4-BE49-F238E27FC236}">
+                <a16:creationId xmlns:a16="http://schemas.microsoft.com/office/drawing/2014/main" xmlns="" id="{FA0FED51-9512-4036-95D7-083076142DAC}"/>
+              </a:ext>
+            </a:extLst>
+          </p:cNvPr>
+          <p:cNvSpPr txBox="1"/>
+          <p:nvPr/>
+        </p:nvSpPr>
+        <p:spPr>
+          <a:xfrm>
+            <a:off x="4081778" y="2549420"/>
+            <a:ext cx="2091171" cy="954107"/>
+          </a:xfrm>
+          <a:prstGeom prst="rect">
+            <a:avLst/>
+          </a:prstGeom>
+          <a:noFill/>
+        </p:spPr>
+        <p:txBody>
+          <a:bodyPr wrap="square" rtlCol="0">
+            <a:spAutoFit/>
+          </a:bodyPr>
+          <a:lstStyle/>
+          <a:p>
+            <a:r>
+              <a:rPr lang="de-DE" sz="2800" dirty="0">
+                <a:solidFill>
+                  <a:srgbClr val="FF0000"/>
+                </a:solidFill>
+              </a:rPr>
+              <a:t>Geheime Nachricht</a:t>
+            </a:r>
+          </a:p>
+        </p:txBody>
+      </p:sp>
+    </p:spTree>
+    <p:extLst>
+      <p:ext uri="{BB962C8B-B14F-4D97-AF65-F5344CB8AC3E}">
+        <p14:creationId xmlns:p14="http://schemas.microsoft.com/office/powerpoint/2010/main" val="221382964"/>
+      </p:ext>
+    </p:extLst>
+  </p:cSld>
+  <p:clrMapOvr>
+    <a:masterClrMapping/>
+  </p:clrMapOvr>
+  <p:timing>
+    <p:tnLst>
+      <p:par>
+        <p:cTn id="1" dur="indefinite" restart="never" nodeType="tmRoot">
+          <p:childTnLst>
+            <p:seq concurrent="1" nextAc="seek">
+              <p:cTn id="2" dur="indefinite" nodeType="mainSeq">
+                <p:childTnLst>
+                  <p:par>
+                    <p:cTn id="3" fill="hold">
+                      <p:stCondLst>
+                        <p:cond delay="indefinite"/>
+                      </p:stCondLst>
+                      <p:childTnLst>
+                        <p:par>
+                          <p:cTn id="4" fill="hold">
+                            <p:stCondLst>
+                              <p:cond delay="0"/>
+                            </p:stCondLst>
+                            <p:childTnLst>
+                              <p:par>
+                                <p:cTn id="5" presetID="1" presetClass="entr" presetSubtype="0" fill="hold" grpId="0" nodeType="clickEffect">
+                                  <p:stCondLst>
+                                    <p:cond delay="0"/>
+                                  </p:stCondLst>
+                                  <p:childTnLst>
+                                    <p:set>
+                                      <p:cBhvr>
+                                        <p:cTn id="6" dur="1" fill="hold">
+                                          <p:stCondLst>
+                                            <p:cond delay="0"/>
+                                          </p:stCondLst>
+                                        </p:cTn>
+                                        <p:tgtEl>
+                                          <p:spTgt spid="9"/>
+                                        </p:tgtEl>
+                                        <p:attrNameLst>
+                                          <p:attrName>style.visibility</p:attrName>
+                                        </p:attrNameLst>
+                                      </p:cBhvr>
+                                      <p:to>
+                                        <p:strVal val="visible"/>
+                                      </p:to>
+                                    </p:set>
+                                  </p:childTnLst>
+                                </p:cTn>
+                              </p:par>
+                              <p:par>
+                                <p:cTn id="7" presetID="1" presetClass="entr" presetSubtype="0" fill="hold" grpId="0" nodeType="withEffect">
+                                  <p:stCondLst>
+                                    <p:cond delay="0"/>
+                                  </p:stCondLst>
+                                  <p:childTnLst>
+                                    <p:set>
+                                      <p:cBhvr>
+                                        <p:cTn id="8" dur="1" fill="hold">
+                                          <p:stCondLst>
+                                            <p:cond delay="0"/>
+                                          </p:stCondLst>
+                                        </p:cTn>
+                                        <p:tgtEl>
+                                          <p:spTgt spid="6"/>
+                                        </p:tgtEl>
+                                        <p:attrNameLst>
+                                          <p:attrName>style.visibility</p:attrName>
+                                        </p:attrNameLst>
+                                      </p:cBhvr>
+                                      <p:to>
+                                        <p:strVal val="visible"/>
+                                      </p:to>
+                                    </p:set>
+                                  </p:childTnLst>
+                                </p:cTn>
+                              </p:par>
+                              <p:par>
+                                <p:cTn id="9" presetID="1" presetClass="entr" presetSubtype="0" fill="hold" nodeType="withEffect">
+                                  <p:stCondLst>
+                                    <p:cond delay="0"/>
+                                  </p:stCondLst>
+                                  <p:childTnLst>
+                                    <p:set>
+                                      <p:cBhvr>
+                                        <p:cTn id="10" dur="1" fill="hold">
+                                          <p:stCondLst>
+                                            <p:cond delay="0"/>
+                                          </p:stCondLst>
+                                        </p:cTn>
+                                        <p:tgtEl>
+                                          <p:spTgt spid="11"/>
+                                        </p:tgtEl>
+                                        <p:attrNameLst>
+                                          <p:attrName>style.visibility</p:attrName>
+                                        </p:attrNameLst>
+                                      </p:cBhvr>
+                                      <p:to>
+                                        <p:strVal val="visible"/>
+                                      </p:to>
+                                    </p:set>
+                                  </p:childTnLst>
+                                </p:cTn>
+                              </p:par>
+                            </p:childTnLst>
+                          </p:cTn>
+                        </p:par>
+                      </p:childTnLst>
+                    </p:cTn>
+                  </p:par>
+                  <p:par>
+                    <p:cTn id="11" fill="hold">
+                      <p:stCondLst>
+                        <p:cond delay="indefinite"/>
+                      </p:stCondLst>
+                      <p:childTnLst>
+                        <p:par>
+                          <p:cTn id="12" fill="hold">
+                            <p:stCondLst>
+                              <p:cond delay="0"/>
+                            </p:stCondLst>
+                            <p:childTnLst>
+                              <p:par>
+                                <p:cTn id="13" presetID="1" presetClass="entr" presetSubtype="0" fill="hold" grpId="0" nodeType="clickEffect">
+                                  <p:stCondLst>
+                                    <p:cond delay="0"/>
+                                  </p:stCondLst>
+                                  <p:childTnLst>
+                                    <p:set>
+                                      <p:cBhvr>
+                                        <p:cTn id="14" dur="1" fill="hold">
+                                          <p:stCondLst>
+                                            <p:cond delay="0"/>
+                                          </p:stCondLst>
+                                        </p:cTn>
+                                        <p:tgtEl>
+                                          <p:spTgt spid="5"/>
+                                        </p:tgtEl>
+                                        <p:attrNameLst>
+                                          <p:attrName>style.visibility</p:attrName>
+                                        </p:attrNameLst>
+                                      </p:cBhvr>
+                                      <p:to>
+                                        <p:strVal val="visible"/>
+                                      </p:to>
+                                    </p:set>
+                                  </p:childTnLst>
+                                </p:cTn>
+                              </p:par>
+                              <p:par>
+                                <p:cTn id="15" presetID="1" presetClass="entr" presetSubtype="0" fill="hold" grpId="0" nodeType="withEffect">
+                                  <p:stCondLst>
+                                    <p:cond delay="0"/>
+                                  </p:stCondLst>
+                                  <p:childTnLst>
+                                    <p:set>
+                                      <p:cBhvr>
+                                        <p:cTn id="16" dur="1" fill="hold">
+                                          <p:stCondLst>
+                                            <p:cond delay="0"/>
+                                          </p:stCondLst>
+                                        </p:cTn>
+                                        <p:tgtEl>
+                                          <p:spTgt spid="12"/>
+                                        </p:tgtEl>
+                                        <p:attrNameLst>
+                                          <p:attrName>style.visibility</p:attrName>
+                                        </p:attrNameLst>
+                                      </p:cBhvr>
+                                      <p:to>
+                                        <p:strVal val="visible"/>
+                                      </p:to>
+                                    </p:set>
+                                  </p:childTnLst>
+                                </p:cTn>
+                              </p:par>
+                              <p:par>
+                                <p:cTn id="17" presetID="1" presetClass="entr" presetSubtype="0" fill="hold" grpId="0" nodeType="withEffect">
+                                  <p:stCondLst>
+                                    <p:cond delay="0"/>
+                                  </p:stCondLst>
+                                  <p:childTnLst>
+                                    <p:set>
+                                      <p:cBhvr>
+                                        <p:cTn id="18" dur="1" fill="hold">
+                                          <p:stCondLst>
+                                            <p:cond delay="0"/>
+                                          </p:stCondLst>
+                                        </p:cTn>
+                                        <p:tgtEl>
+                                          <p:spTgt spid="14"/>
+                                        </p:tgtEl>
+                                        <p:attrNameLst>
+                                          <p:attrName>style.visibility</p:attrName>
+                                        </p:attrNameLst>
+                                      </p:cBhvr>
+                                      <p:to>
+                                        <p:strVal val="visible"/>
+                                      </p:to>
+                                    </p:set>
+                                  </p:childTnLst>
+                                </p:cTn>
+                              </p:par>
+                              <p:par>
+                                <p:cTn id="19" presetID="1" presetClass="entr" presetSubtype="0" fill="hold" grpId="1" nodeType="withEffect">
+                                  <p:stCondLst>
+                                    <p:cond delay="0"/>
+                                  </p:stCondLst>
+                                  <p:childTnLst>
+                                    <p:set>
+                                      <p:cBhvr>
+                                        <p:cTn id="20" dur="1" fill="hold">
+                                          <p:stCondLst>
+                                            <p:cond delay="0"/>
+                                          </p:stCondLst>
+                                        </p:cTn>
+                                        <p:tgtEl>
+                                          <p:spTgt spid="15"/>
+                                        </p:tgtEl>
+                                        <p:attrNameLst>
+                                          <p:attrName>style.visibility</p:attrName>
+                                        </p:attrNameLst>
+                                      </p:cBhvr>
+                                      <p:to>
+                                        <p:strVal val="visible"/>
+                                      </p:to>
+                                    </p:set>
+                                  </p:childTnLst>
+                                </p:cTn>
+                              </p:par>
+                            </p:childTnLst>
+                          </p:cTn>
+                        </p:par>
+                      </p:childTnLst>
+                    </p:cTn>
+                  </p:par>
+                  <p:par>
+                    <p:cTn id="21" fill="hold">
+                      <p:stCondLst>
+                        <p:cond delay="indefinite"/>
+                      </p:stCondLst>
+                      <p:childTnLst>
+                        <p:par>
+                          <p:cTn id="22" fill="hold">
+                            <p:stCondLst>
+                              <p:cond delay="0"/>
+                            </p:stCondLst>
+                            <p:childTnLst>
+                              <p:par>
+                                <p:cTn id="23" presetID="1" presetClass="exit" presetSubtype="0" fill="hold" grpId="1" nodeType="clickEffect">
+                                  <p:stCondLst>
+                                    <p:cond delay="0"/>
+                                  </p:stCondLst>
+                                  <p:childTnLst>
+                                    <p:set>
+                                      <p:cBhvr>
+                                        <p:cTn id="24" dur="1" fill="hold">
+                                          <p:stCondLst>
+                                            <p:cond delay="0"/>
+                                          </p:stCondLst>
+                                        </p:cTn>
+                                        <p:tgtEl>
+                                          <p:spTgt spid="9"/>
+                                        </p:tgtEl>
+                                        <p:attrNameLst>
+                                          <p:attrName>style.visibility</p:attrName>
+                                        </p:attrNameLst>
+                                      </p:cBhvr>
+                                      <p:to>
+                                        <p:strVal val="hidden"/>
+                                      </p:to>
+                                    </p:set>
+                                  </p:childTnLst>
+                                </p:cTn>
+                              </p:par>
+                              <p:par>
+                                <p:cTn id="25" presetID="1" presetClass="exit" presetSubtype="0" fill="hold" grpId="1" nodeType="withEffect">
+                                  <p:stCondLst>
+                                    <p:cond delay="0"/>
+                                  </p:stCondLst>
+                                  <p:childTnLst>
+                                    <p:set>
+                                      <p:cBhvr>
+                                        <p:cTn id="26" dur="1" fill="hold">
+                                          <p:stCondLst>
+                                            <p:cond delay="0"/>
+                                          </p:stCondLst>
+                                        </p:cTn>
+                                        <p:tgtEl>
+                                          <p:spTgt spid="6"/>
+                                        </p:tgtEl>
+                                        <p:attrNameLst>
+                                          <p:attrName>style.visibility</p:attrName>
+                                        </p:attrNameLst>
+                                      </p:cBhvr>
+                                      <p:to>
+                                        <p:strVal val="hidden"/>
+                                      </p:to>
+                                    </p:set>
+                                  </p:childTnLst>
+                                </p:cTn>
+                              </p:par>
+                              <p:par>
+                                <p:cTn id="27" presetID="1" presetClass="exit" presetSubtype="0" fill="hold" nodeType="withEffect">
+                                  <p:stCondLst>
+                                    <p:cond delay="0"/>
+                                  </p:stCondLst>
+                                  <p:childTnLst>
+                                    <p:set>
+                                      <p:cBhvr>
+                                        <p:cTn id="28" dur="1" fill="hold">
+                                          <p:stCondLst>
+                                            <p:cond delay="0"/>
+                                          </p:stCondLst>
+                                        </p:cTn>
+                                        <p:tgtEl>
+                                          <p:spTgt spid="11"/>
+                                        </p:tgtEl>
+                                        <p:attrNameLst>
+                                          <p:attrName>style.visibility</p:attrName>
+                                        </p:attrNameLst>
+                                      </p:cBhvr>
+                                      <p:to>
+                                        <p:strVal val="hidden"/>
+                                      </p:to>
+                                    </p:set>
+                                  </p:childTnLst>
+                                </p:cTn>
+                              </p:par>
+                              <p:par>
+                                <p:cTn id="29" presetID="1" presetClass="exit" presetSubtype="0" fill="hold" grpId="1" nodeType="withEffect">
+                                  <p:stCondLst>
+                                    <p:cond delay="0"/>
+                                  </p:stCondLst>
+                                  <p:childTnLst>
+                                    <p:set>
+                                      <p:cBhvr>
+                                        <p:cTn id="30" dur="1" fill="hold">
+                                          <p:stCondLst>
+                                            <p:cond delay="0"/>
+                                          </p:stCondLst>
+                                        </p:cTn>
+                                        <p:tgtEl>
+                                          <p:spTgt spid="5"/>
+                                        </p:tgtEl>
+                                        <p:attrNameLst>
+                                          <p:attrName>style.visibility</p:attrName>
+                                        </p:attrNameLst>
+                                      </p:cBhvr>
+                                      <p:to>
+                                        <p:strVal val="hidden"/>
+                                      </p:to>
+                                    </p:set>
+                                  </p:childTnLst>
+                                </p:cTn>
+                              </p:par>
+                              <p:par>
+                                <p:cTn id="31" presetID="1" presetClass="exit" presetSubtype="0" fill="hold" grpId="1" nodeType="withEffect">
+                                  <p:stCondLst>
+                                    <p:cond delay="0"/>
+                                  </p:stCondLst>
+                                  <p:childTnLst>
+                                    <p:set>
+                                      <p:cBhvr>
+                                        <p:cTn id="32" dur="1" fill="hold">
+                                          <p:stCondLst>
+                                            <p:cond delay="0"/>
+                                          </p:stCondLst>
+                                        </p:cTn>
+                                        <p:tgtEl>
+                                          <p:spTgt spid="12"/>
+                                        </p:tgtEl>
+                                        <p:attrNameLst>
+                                          <p:attrName>style.visibility</p:attrName>
+                                        </p:attrNameLst>
+                                      </p:cBhvr>
+                                      <p:to>
+                                        <p:strVal val="hidden"/>
+                                      </p:to>
+                                    </p:set>
+                                  </p:childTnLst>
+                                </p:cTn>
+                              </p:par>
+                              <p:par>
+                                <p:cTn id="33" presetID="1" presetClass="exit" presetSubtype="0" fill="hold" grpId="1" nodeType="withEffect">
+                                  <p:stCondLst>
+                                    <p:cond delay="0"/>
+                                  </p:stCondLst>
+                                  <p:childTnLst>
+                                    <p:set>
+                                      <p:cBhvr>
+                                        <p:cTn id="34" dur="1" fill="hold">
+                                          <p:stCondLst>
+                                            <p:cond delay="0"/>
+                                          </p:stCondLst>
+                                        </p:cTn>
+                                        <p:tgtEl>
+                                          <p:spTgt spid="14"/>
+                                        </p:tgtEl>
+                                        <p:attrNameLst>
+                                          <p:attrName>style.visibility</p:attrName>
+                                        </p:attrNameLst>
+                                      </p:cBhvr>
+                                      <p:to>
+                                        <p:strVal val="hidden"/>
+                                      </p:to>
+                                    </p:set>
+                                  </p:childTnLst>
+                                </p:cTn>
+                              </p:par>
+                              <p:par>
+                                <p:cTn id="35" presetID="1" presetClass="exit" presetSubtype="0" fill="hold" grpId="0" nodeType="withEffect">
+                                  <p:stCondLst>
+                                    <p:cond delay="0"/>
+                                  </p:stCondLst>
+                                  <p:childTnLst>
+                                    <p:set>
+                                      <p:cBhvr>
+                                        <p:cTn id="36" dur="1" fill="hold">
+                                          <p:stCondLst>
+                                            <p:cond delay="0"/>
+                                          </p:stCondLst>
+                                        </p:cTn>
+                                        <p:tgtEl>
+                                          <p:spTgt spid="4"/>
+                                        </p:tgtEl>
+                                        <p:attrNameLst>
+                                          <p:attrName>style.visibility</p:attrName>
+                                        </p:attrNameLst>
+                                      </p:cBhvr>
+                                      <p:to>
+                                        <p:strVal val="hidden"/>
+                                      </p:to>
+                                    </p:set>
+                                  </p:childTnLst>
+                                </p:cTn>
+                              </p:par>
+                              <p:par>
+                                <p:cTn id="37" presetID="1" presetClass="exit" presetSubtype="0" fill="hold" grpId="0" nodeType="withEffect">
+                                  <p:stCondLst>
+                                    <p:cond delay="0"/>
+                                  </p:stCondLst>
+                                  <p:childTnLst>
+                                    <p:set>
+                                      <p:cBhvr>
+                                        <p:cTn id="38" dur="1" fill="hold">
+                                          <p:stCondLst>
+                                            <p:cond delay="0"/>
+                                          </p:stCondLst>
+                                        </p:cTn>
+                                        <p:tgtEl>
+                                          <p:spTgt spid="7"/>
+                                        </p:tgtEl>
+                                        <p:attrNameLst>
+                                          <p:attrName>style.visibility</p:attrName>
+                                        </p:attrNameLst>
+                                      </p:cBhvr>
+                                      <p:to>
+                                        <p:strVal val="hidden"/>
+                                      </p:to>
+                                    </p:set>
+                                  </p:childTnLst>
+                                </p:cTn>
+                              </p:par>
+                              <p:par>
+                                <p:cTn id="39" presetID="1" presetClass="exit" presetSubtype="0" fill="hold" grpId="0" nodeType="withEffect">
+                                  <p:stCondLst>
+                                    <p:cond delay="0"/>
+                                  </p:stCondLst>
+                                  <p:childTnLst>
+                                    <p:set>
+                                      <p:cBhvr>
+                                        <p:cTn id="40" dur="1" fill="hold">
+                                          <p:stCondLst>
+                                            <p:cond delay="0"/>
+                                          </p:stCondLst>
+                                        </p:cTn>
+                                        <p:tgtEl>
+                                          <p:spTgt spid="8"/>
+                                        </p:tgtEl>
+                                        <p:attrNameLst>
+                                          <p:attrName>style.visibility</p:attrName>
+                                        </p:attrNameLst>
+                                      </p:cBhvr>
+                                      <p:to>
+                                        <p:strVal val="hidden"/>
+                                      </p:to>
+                                    </p:set>
+                                  </p:childTnLst>
+                                </p:cTn>
+                              </p:par>
+                              <p:par>
+                                <p:cTn id="41" presetID="1" presetClass="exit" presetSubtype="0" fill="hold" grpId="0" nodeType="withEffect">
+                                  <p:stCondLst>
+                                    <p:cond delay="0"/>
+                                  </p:stCondLst>
+                                  <p:childTnLst>
+                                    <p:set>
+                                      <p:cBhvr>
+                                        <p:cTn id="42" dur="1" fill="hold">
+                                          <p:stCondLst>
+                                            <p:cond delay="0"/>
+                                          </p:stCondLst>
+                                        </p:cTn>
+                                        <p:tgtEl>
+                                          <p:spTgt spid="15"/>
+                                        </p:tgtEl>
+                                        <p:attrNameLst>
+                                          <p:attrName>style.visibility</p:attrName>
+                                        </p:attrNameLst>
+                                      </p:cBhvr>
+                                      <p:to>
+                                        <p:strVal val="hidden"/>
+                                      </p:to>
+                                    </p:set>
+                                  </p:childTnLst>
+                                </p:cTn>
+                              </p:par>
+                            </p:childTnLst>
+                          </p:cTn>
+                        </p:par>
+                        <p:par>
+                          <p:cTn id="43" fill="hold">
+                            <p:stCondLst>
+                              <p:cond delay="0"/>
+                            </p:stCondLst>
+                            <p:childTnLst>
+                              <p:par>
+                                <p:cTn id="44" presetID="1" presetClass="entr" presetSubtype="0" fill="hold" nodeType="afterEffect">
+                                  <p:stCondLst>
+                                    <p:cond delay="0"/>
+                                  </p:stCondLst>
+                                  <p:childTnLst>
+                                    <p:set>
+                                      <p:cBhvr>
+                                        <p:cTn id="45" dur="1" fill="hold">
+                                          <p:stCondLst>
+                                            <p:cond delay="0"/>
+                                          </p:stCondLst>
+                                        </p:cTn>
+                                        <p:tgtEl>
+                                          <p:spTgt spid="17"/>
+                                        </p:tgtEl>
+                                        <p:attrNameLst>
+                                          <p:attrName>style.visibility</p:attrName>
+                                        </p:attrNameLst>
+                                      </p:cBhvr>
+                                      <p:to>
+                                        <p:strVal val="visible"/>
+                                      </p:to>
+                                    </p:set>
+                                  </p:childTnLst>
+                                </p:cTn>
+                              </p:par>
+                              <p:par>
+                                <p:cTn id="46" presetID="1" presetClass="entr" presetSubtype="0" fill="hold" grpId="0" nodeType="withEffect">
+                                  <p:stCondLst>
+                                    <p:cond delay="0"/>
+                                  </p:stCondLst>
+                                  <p:childTnLst>
+                                    <p:set>
+                                      <p:cBhvr>
+                                        <p:cTn id="47" dur="1" fill="hold">
+                                          <p:stCondLst>
+                                            <p:cond delay="0"/>
+                                          </p:stCondLst>
+                                        </p:cTn>
+                                        <p:tgtEl>
+                                          <p:spTgt spid="18"/>
+                                        </p:tgtEl>
+                                        <p:attrNameLst>
+                                          <p:attrName>style.visibility</p:attrName>
+                                        </p:attrNameLst>
+                                      </p:cBhvr>
+                                      <p:to>
+                                        <p:strVal val="visible"/>
+                                      </p:to>
+                                    </p:set>
+                                  </p:childTnLst>
+                                </p:cTn>
+                              </p:par>
+                            </p:childTnLst>
+                          </p:cTn>
+                        </p:par>
+                      </p:childTnLst>
+                    </p:cTn>
+                  </p:par>
+                </p:childTnLst>
+              </p:cTn>
+              <p:prevCondLst>
+                <p:cond evt="onPrev" delay="0">
+                  <p:tgtEl>
+                    <p:sldTgt/>
+                  </p:tgtEl>
+                </p:cond>
+              </p:prevCondLst>
+              <p:nextCondLst>
+                <p:cond evt="onNext" delay="0">
+                  <p:tgtEl>
+                    <p:sldTgt/>
+                  </p:tgtEl>
+                </p:cond>
+              </p:nextCondLst>
+            </p:seq>
+          </p:childTnLst>
+        </p:cTn>
+      </p:par>
+    </p:tnLst>
+    <p:bldLst>
+      <p:bldP spid="4" grpId="0"/>
+      <p:bldP spid="5" grpId="0"/>
+      <p:bldP spid="5" grpId="1"/>
+      <p:bldP spid="6" grpId="0" animBg="1"/>
+      <p:bldP spid="6" grpId="1" animBg="1"/>
+      <p:bldP spid="7" grpId="0" animBg="1"/>
+      <p:bldP spid="8" grpId="0" animBg="1"/>
+      <p:bldP spid="9" grpId="0" animBg="1"/>
+      <p:bldP spid="9" grpId="1" animBg="1"/>
+      <p:bldP spid="12" grpId="0" animBg="1"/>
+      <p:bldP spid="12" grpId="1" animBg="1"/>
+      <p:bldP spid="14" grpId="0" animBg="1"/>
+      <p:bldP spid="14" grpId="1" animBg="1"/>
+      <p:bldP spid="15" grpId="0" animBg="1"/>
+      <p:bldP spid="15" grpId="1" animBg="1"/>
+      <p:bldP spid="18" grpId="0"/>
+    </p:bldLst>
+  </p:timing>
+</p:sld>
+</file>
+
+<file path=ppt/slides/slide5.xml><?xml version="1.0" encoding="utf-8"?>
+<p:sld xmlns:a="http://schemas.openxmlformats.org/drawingml/2006/main" xmlns:r="http://schemas.openxmlformats.org/officeDocument/2006/relationships" xmlns:p="http://schemas.openxmlformats.org/presentationml/2006/main">
+  <p:cSld>
+    <p:spTree>
+      <p:nvGrpSpPr>
+        <p:cNvPr id="1" name=""/>
+        <p:cNvGrpSpPr/>
+        <p:nvPr/>
+      </p:nvGrpSpPr>
+      <p:grpSpPr>
+        <a:xfrm>
+          <a:off x="0" y="0"/>
+          <a:ext cx="0" cy="0"/>
+          <a:chOff x="0" y="0"/>
+          <a:chExt cx="0" cy="0"/>
+        </a:xfrm>
+      </p:grpSpPr>
+      <p:sp>
+        <p:nvSpPr>
+          <p:cNvPr id="2" name="Titel 1">
+            <a:extLst>
+              <a:ext uri="{FF2B5EF4-FFF2-40B4-BE49-F238E27FC236}">
+                <a16:creationId xmlns:a16="http://schemas.microsoft.com/office/drawing/2014/main" xmlns="" id="{4194B536-3561-4DED-AAD8-70C8558F7BB2}"/>
+              </a:ext>
+            </a:extLst>
+          </p:cNvPr>
+          <p:cNvSpPr>
+            <a:spLocks noGrp="1"/>
+          </p:cNvSpPr>
+          <p:nvPr>
+            <p:ph type="title"/>
+          </p:nvPr>
+        </p:nvSpPr>
+        <p:spPr/>
+        <p:txBody>
+          <a:bodyPr/>
+          <a:lstStyle/>
+          <a:p>
+            <a:r>
+              <a:rPr lang="de-DE" dirty="0"/>
+              <a:t>Beispiel „Hallo Peter“</a:t>
+            </a:r>
+          </a:p>
+        </p:txBody>
+      </p:sp>
+      <p:sp>
+        <p:nvSpPr>
+          <p:cNvPr id="4" name="Textfeld 3">
+            <a:extLst>
+              <a:ext uri="{FF2B5EF4-FFF2-40B4-BE49-F238E27FC236}">
+                <a16:creationId xmlns:a16="http://schemas.microsoft.com/office/drawing/2014/main" xmlns="" id="{D43745DA-730F-4B9E-AB94-ED671069BA44}"/>
+              </a:ext>
+            </a:extLst>
+          </p:cNvPr>
+          <p:cNvSpPr txBox="1"/>
+          <p:nvPr/>
+        </p:nvSpPr>
+        <p:spPr>
+          <a:xfrm>
+            <a:off x="1226885" y="3586433"/>
+            <a:ext cx="6690229" cy="1477328"/>
+          </a:xfrm>
+          <a:prstGeom prst="rect">
+            <a:avLst/>
+          </a:prstGeom>
+          <a:solidFill>
+            <a:srgbClr val="E46D24">
+              <a:alpha val="30196"/>
+            </a:srgbClr>
+          </a:solidFill>
+        </p:spPr>
+        <p:txBody>
+          <a:bodyPr wrap="none" rtlCol="0">
+            <a:spAutoFit/>
+          </a:bodyPr>
+          <a:lstStyle/>
+          <a:p>
+            <a:r>
+              <a:rPr lang="de-DE" dirty="0"/>
+              <a:t>Hallo Peter, </a:t>
+            </a:r>
+            <a:r>
+              <a:rPr lang="de-DE" dirty="0">
+                <a:solidFill>
+                  <a:srgbClr val="FF0000"/>
+                </a:solidFill>
+              </a:rPr>
+              <a:t>b</a:t>
+            </a:r>
+            <a:r>
+              <a:rPr lang="de-DE" dirty="0"/>
+              <a:t>ei mir ist alles Gut! </a:t>
+            </a:r>
+            <a:r>
+              <a:rPr lang="de-DE" dirty="0">
+                <a:solidFill>
+                  <a:srgbClr val="FF0000"/>
+                </a:solidFill>
+              </a:rPr>
+              <a:t>R</a:t>
+            </a:r>
+            <a:r>
+              <a:rPr lang="de-DE" dirty="0"/>
+              <a:t>ücksprachlich zu deiner Nachricht,</a:t>
+            </a:r>
+            <a:br>
+              <a:rPr lang="de-DE" dirty="0"/>
+            </a:br>
+            <a:r>
+              <a:rPr lang="de-DE" dirty="0">
+                <a:solidFill>
+                  <a:srgbClr val="FF0000"/>
+                </a:solidFill>
+              </a:rPr>
+              <a:t>ü</a:t>
+            </a:r>
+            <a:r>
+              <a:rPr lang="de-DE" dirty="0"/>
+              <a:t>bersende ich dir auch liebste Grüße.</a:t>
+            </a:r>
+            <a:br>
+              <a:rPr lang="de-DE" dirty="0"/>
+            </a:br>
+            <a:r>
+              <a:rPr lang="de-DE" dirty="0">
+                <a:solidFill>
+                  <a:srgbClr val="FF0000"/>
+                </a:solidFill>
+              </a:rPr>
+              <a:t>C</a:t>
+            </a:r>
+            <a:r>
+              <a:rPr lang="de-DE" dirty="0"/>
+              <a:t>asablanca ist wirklich schön, </a:t>
+            </a:r>
+            <a:r>
+              <a:rPr lang="de-DE" dirty="0" err="1">
+                <a:solidFill>
+                  <a:srgbClr val="FF0000"/>
+                </a:solidFill>
+              </a:rPr>
+              <a:t>K</a:t>
+            </a:r>
+            <a:r>
+              <a:rPr lang="de-DE" dirty="0" err="1"/>
+              <a:t>aral</a:t>
+            </a:r>
+            <a:r>
+              <a:rPr lang="de-DE" dirty="0"/>
+              <a:t> und ich waren ja auch schon dort.</a:t>
+            </a:r>
+            <a:br>
+              <a:rPr lang="de-DE" dirty="0"/>
+            </a:br>
+            <a:r>
+              <a:rPr lang="de-DE" dirty="0" err="1">
+                <a:solidFill>
+                  <a:srgbClr val="FF0000"/>
+                </a:solidFill>
+              </a:rPr>
+              <a:t>E</a:t>
+            </a:r>
+            <a:r>
+              <a:rPr lang="de-DE" dirty="0" err="1"/>
+              <a:t>glise</a:t>
+            </a:r>
+            <a:r>
+              <a:rPr lang="de-DE" dirty="0"/>
+              <a:t> </a:t>
+            </a:r>
+            <a:r>
+              <a:rPr lang="de-DE" dirty="0" err="1"/>
+              <a:t>Notredam</a:t>
+            </a:r>
+            <a:r>
+              <a:rPr lang="de-DE" dirty="0"/>
+              <a:t> ist dort ein absolutes highlight!......</a:t>
+            </a:r>
+          </a:p>
+          <a:p>
+            <a:endParaRPr lang="de-DE" dirty="0"/>
+          </a:p>
+        </p:txBody>
+      </p:sp>
+      <p:sp>
+        <p:nvSpPr>
+          <p:cNvPr id="6" name="Rechteck 5">
+            <a:extLst>
+              <a:ext uri="{FF2B5EF4-FFF2-40B4-BE49-F238E27FC236}">
+                <a16:creationId xmlns:a16="http://schemas.microsoft.com/office/drawing/2014/main" xmlns="" id="{A25ED339-59D9-463E-A3C4-B6D84BE5B6D7}"/>
+              </a:ext>
+            </a:extLst>
+          </p:cNvPr>
+          <p:cNvSpPr/>
+          <p:nvPr/>
+        </p:nvSpPr>
+        <p:spPr>
+          <a:xfrm>
+            <a:off x="2455681" y="1897038"/>
+            <a:ext cx="4232635" cy="680973"/>
+          </a:xfrm>
+          <a:prstGeom prst="rect">
+            <a:avLst/>
+          </a:prstGeom>
+          <a:solidFill>
+            <a:srgbClr val="4472C4">
+              <a:alpha val="23137"/>
+            </a:srgbClr>
+          </a:solidFill>
+        </p:spPr>
+        <p:style>
+          <a:lnRef idx="2">
+            <a:schemeClr val="accent1">
+              <a:shade val="50000"/>
+            </a:schemeClr>
+          </a:lnRef>
+          <a:fillRef idx="1">
+            <a:schemeClr val="accent1"/>
+          </a:fillRef>
+          <a:effectRef idx="0">
+            <a:schemeClr val="accent1"/>
+          </a:effectRef>
+          <a:fontRef idx="minor">
+            <a:schemeClr val="lt1"/>
+          </a:fontRef>
+        </p:style>
+        <p:txBody>
+          <a:bodyPr rtlCol="0" anchor="ctr"/>
+          <a:lstStyle/>
+          <a:p>
+            <a:pPr algn="ctr"/>
+            <a:r>
+              <a:rPr lang="de-DE" dirty="0">
+                <a:solidFill>
+                  <a:schemeClr val="tx1"/>
+                </a:solidFill>
+              </a:rPr>
+              <a:t>Brücke 15 Uhr</a:t>
+            </a:r>
+          </a:p>
+        </p:txBody>
+      </p:sp>
+      <p:sp>
+        <p:nvSpPr>
+          <p:cNvPr id="7" name="Rechteck 6">
+            <a:extLst>
+              <a:ext uri="{FF2B5EF4-FFF2-40B4-BE49-F238E27FC236}">
+                <a16:creationId xmlns:a16="http://schemas.microsoft.com/office/drawing/2014/main" xmlns="" id="{089A73A4-8D45-434C-8217-3C91B1307487}"/>
+              </a:ext>
+            </a:extLst>
+          </p:cNvPr>
+          <p:cNvSpPr/>
+          <p:nvPr/>
+        </p:nvSpPr>
+        <p:spPr>
+          <a:xfrm>
+            <a:off x="3821373" y="1655274"/>
+            <a:ext cx="1733266" cy="241764"/>
+          </a:xfrm>
+          <a:prstGeom prst="rect">
+            <a:avLst/>
+          </a:prstGeom>
+        </p:spPr>
+        <p:style>
+          <a:lnRef idx="2">
+            <a:schemeClr val="accent1">
+              <a:shade val="50000"/>
+            </a:schemeClr>
+          </a:lnRef>
+          <a:fillRef idx="1">
+            <a:schemeClr val="accent1"/>
+          </a:fillRef>
+          <a:effectRef idx="0">
+            <a:schemeClr val="accent1"/>
+          </a:effectRef>
+          <a:fontRef idx="minor">
+            <a:schemeClr val="lt1"/>
+          </a:fontRef>
+        </p:style>
+        <p:txBody>
+          <a:bodyPr rtlCol="0" anchor="ctr"/>
+          <a:lstStyle/>
+          <a:p>
+            <a:pPr algn="ctr"/>
+            <a:r>
+              <a:rPr lang="de-DE" dirty="0"/>
+              <a:t>Klartext</a:t>
+            </a:r>
+          </a:p>
+        </p:txBody>
+      </p:sp>
+      <p:sp>
+        <p:nvSpPr>
+          <p:cNvPr id="8" name="Pfeil: nach unten 7">
+            <a:extLst>
+              <a:ext uri="{FF2B5EF4-FFF2-40B4-BE49-F238E27FC236}">
+                <a16:creationId xmlns:a16="http://schemas.microsoft.com/office/drawing/2014/main" xmlns="" id="{627132F9-9F8A-4C39-8700-05429A0C96FF}"/>
+              </a:ext>
+            </a:extLst>
+          </p:cNvPr>
+          <p:cNvSpPr/>
+          <p:nvPr/>
+        </p:nvSpPr>
+        <p:spPr>
+          <a:xfrm>
+            <a:off x="4157221" y="2671034"/>
+            <a:ext cx="829558" cy="825201"/>
+          </a:xfrm>
+          <a:prstGeom prst="downArrow">
+            <a:avLst/>
+          </a:prstGeom>
+        </p:spPr>
+        <p:style>
+          <a:lnRef idx="2">
+            <a:schemeClr val="accent1">
+              <a:shade val="50000"/>
+            </a:schemeClr>
+          </a:lnRef>
+          <a:fillRef idx="1">
+            <a:schemeClr val="accent1"/>
+          </a:fillRef>
+          <a:effectRef idx="0">
+            <a:schemeClr val="accent1"/>
+          </a:effectRef>
+          <a:fontRef idx="minor">
+            <a:schemeClr val="lt1"/>
+          </a:fontRef>
+        </p:style>
+        <p:txBody>
+          <a:bodyPr rtlCol="0" anchor="ctr"/>
+          <a:lstStyle/>
+          <a:p>
+            <a:pPr algn="ctr"/>
+            <a:endParaRPr lang="de-DE"/>
+          </a:p>
+        </p:txBody>
+      </p:sp>
+      <p:pic>
+        <p:nvPicPr>
+          <p:cNvPr id="10" name="Grafik 9" descr="Umschlag">
+            <a:extLst>
+              <a:ext uri="{FF2B5EF4-FFF2-40B4-BE49-F238E27FC236}">
+                <a16:creationId xmlns:a16="http://schemas.microsoft.com/office/drawing/2014/main" xmlns="" id="{F1295AF7-BC96-440E-991B-56D55DE2171E}"/>
+              </a:ext>
+            </a:extLst>
+          </p:cNvPr>
+          <p:cNvPicPr>
+            <a:picLocks noChangeAspect="1"/>
+          </p:cNvPicPr>
+          <p:nvPr/>
+        </p:nvPicPr>
+        <p:blipFill>
+          <a:blip r:embed="rId2">
+            <a:extLst>
+              <a:ext uri="{96DAC541-7B7A-43D3-8B79-37D633B846F1}">
+                <asvg:svgBlip xmlns:asvg="http://schemas.microsoft.com/office/drawing/2016/SVG/main" xmlns="" r:embed="rId3"/>
+              </a:ext>
+            </a:extLst>
+          </a:blip>
+          <a:stretch>
+            <a:fillRect/>
+          </a:stretch>
+        </p:blipFill>
+        <p:spPr>
+          <a:xfrm>
+            <a:off x="1292093" y="1022108"/>
+            <a:ext cx="7169912" cy="4962837"/>
+          </a:xfrm>
+          <a:prstGeom prst="rect">
+            <a:avLst/>
+          </a:prstGeom>
+        </p:spPr>
+      </p:pic>
+      <p:sp>
+        <p:nvSpPr>
+          <p:cNvPr id="11" name="Textfeld 10">
+            <a:extLst>
+              <a:ext uri="{FF2B5EF4-FFF2-40B4-BE49-F238E27FC236}">
+                <a16:creationId xmlns:a16="http://schemas.microsoft.com/office/drawing/2014/main" xmlns="" id="{3A52AEB7-32CE-497A-9B56-5D2DE7D9C226}"/>
+              </a:ext>
+            </a:extLst>
+          </p:cNvPr>
+          <p:cNvSpPr txBox="1"/>
+          <p:nvPr/>
+        </p:nvSpPr>
+        <p:spPr>
+          <a:xfrm>
+            <a:off x="3391416" y="2343786"/>
+            <a:ext cx="3190725" cy="1077218"/>
+          </a:xfrm>
+          <a:prstGeom prst="rect">
+            <a:avLst/>
+          </a:prstGeom>
+          <a:noFill/>
+        </p:spPr>
+        <p:txBody>
+          <a:bodyPr wrap="square" rtlCol="0">
+            <a:spAutoFit/>
+          </a:bodyPr>
+          <a:lstStyle/>
+          <a:p>
+            <a:pPr algn="ctr"/>
+            <a:r>
+              <a:rPr lang="de-DE" sz="3200" dirty="0">
+                <a:solidFill>
+                  <a:srgbClr val="00B050"/>
+                </a:solidFill>
+              </a:rPr>
+              <a:t>Unauffällige Nachricht</a:t>
+            </a:r>
+          </a:p>
+        </p:txBody>
+      </p:sp>
+      <p:pic>
+        <p:nvPicPr>
+          <p:cNvPr id="13" name="Grafik 12" descr="Zahnräder">
+            <a:extLst>
+              <a:ext uri="{FF2B5EF4-FFF2-40B4-BE49-F238E27FC236}">
+                <a16:creationId xmlns:a16="http://schemas.microsoft.com/office/drawing/2014/main" xmlns="" id="{FFF7DBD6-56D7-4A78-B12B-E0BFAD8714F7}"/>
+              </a:ext>
+            </a:extLst>
+          </p:cNvPr>
+          <p:cNvPicPr>
+            <a:picLocks noChangeAspect="1"/>
+          </p:cNvPicPr>
+          <p:nvPr/>
+        </p:nvPicPr>
+        <p:blipFill>
+          <a:blip r:embed="rId4">
+            <a:extLst>
+              <a:ext uri="{96DAC541-7B7A-43D3-8B79-37D633B846F1}">
+                <asvg:svgBlip xmlns:asvg="http://schemas.microsoft.com/office/drawing/2016/SVG/main" xmlns="" r:embed="rId5"/>
+              </a:ext>
+            </a:extLst>
+          </a:blip>
+          <a:stretch>
+            <a:fillRect/>
+          </a:stretch>
+        </p:blipFill>
+        <p:spPr>
+          <a:xfrm>
+            <a:off x="5176345" y="2626434"/>
+            <a:ext cx="914400" cy="914400"/>
+          </a:xfrm>
+          <a:prstGeom prst="rect">
+            <a:avLst/>
+          </a:prstGeom>
+        </p:spPr>
+      </p:pic>
+    </p:spTree>
+    <p:extLst>
+      <p:ext uri="{BB962C8B-B14F-4D97-AF65-F5344CB8AC3E}">
+        <p14:creationId xmlns:p14="http://schemas.microsoft.com/office/powerpoint/2010/main" val="1341799344"/>
+      </p:ext>
+    </p:extLst>
+  </p:cSld>
+  <p:clrMapOvr>
+    <a:masterClrMapping/>
+  </p:clrMapOvr>
+  <p:timing>
+    <p:tnLst>
+      <p:par>
+        <p:cTn id="1" dur="indefinite" restart="never" nodeType="tmRoot">
+          <p:childTnLst>
+            <p:seq concurrent="1" nextAc="seek">
+              <p:cTn id="2" dur="indefinite" nodeType="mainSeq">
+                <p:childTnLst>
+                  <p:par>
+                    <p:cTn id="3" fill="hold">
+                      <p:stCondLst>
+                        <p:cond delay="indefinite"/>
+                      </p:stCondLst>
+                      <p:childTnLst>
+                        <p:par>
+                          <p:cTn id="4" fill="hold">
+                            <p:stCondLst>
+                              <p:cond delay="0"/>
+                            </p:stCondLst>
+                            <p:childTnLst>
+                              <p:par>
+                                <p:cTn id="5" presetID="1" presetClass="entr" presetSubtype="0" fill="hold" grpId="0" nodeType="clickEffect">
+                                  <p:stCondLst>
+                                    <p:cond delay="0"/>
+                                  </p:stCondLst>
+                                  <p:childTnLst>
+                                    <p:set>
+                                      <p:cBhvr>
+                                        <p:cTn id="6" dur="1" fill="hold">
+                                          <p:stCondLst>
+                                            <p:cond delay="0"/>
+                                          </p:stCondLst>
+                                        </p:cTn>
+                                        <p:tgtEl>
+                                          <p:spTgt spid="8"/>
+                                        </p:tgtEl>
+                                        <p:attrNameLst>
+                                          <p:attrName>style.visibility</p:attrName>
+                                        </p:attrNameLst>
+                                      </p:cBhvr>
+                                      <p:to>
+                                        <p:strVal val="visible"/>
+                                      </p:to>
+                                    </p:set>
+                                  </p:childTnLst>
+                                </p:cTn>
+                              </p:par>
+                              <p:par>
+                                <p:cTn id="7" presetID="1" presetClass="entr" presetSubtype="0" fill="hold" nodeType="withEffect">
+                                  <p:stCondLst>
+                                    <p:cond delay="0"/>
+                                  </p:stCondLst>
+                                  <p:childTnLst>
+                                    <p:set>
+                                      <p:cBhvr>
+                                        <p:cTn id="8" dur="1" fill="hold">
+                                          <p:stCondLst>
+                                            <p:cond delay="0"/>
+                                          </p:stCondLst>
+                                        </p:cTn>
+                                        <p:tgtEl>
+                                          <p:spTgt spid="13"/>
+                                        </p:tgtEl>
+                                        <p:attrNameLst>
+                                          <p:attrName>style.visibility</p:attrName>
+                                        </p:attrNameLst>
+                                      </p:cBhvr>
+                                      <p:to>
+                                        <p:strVal val="visible"/>
+                                      </p:to>
+                                    </p:set>
+                                  </p:childTnLst>
+                                </p:cTn>
+                              </p:par>
+                            </p:childTnLst>
+                          </p:cTn>
+                        </p:par>
+                      </p:childTnLst>
+                    </p:cTn>
+                  </p:par>
+                  <p:par>
+                    <p:cTn id="9" fill="hold">
+                      <p:stCondLst>
+                        <p:cond delay="indefinite"/>
+                      </p:stCondLst>
+                      <p:childTnLst>
+                        <p:par>
+                          <p:cTn id="10" fill="hold">
+                            <p:stCondLst>
+                              <p:cond delay="0"/>
+                            </p:stCondLst>
+                            <p:childTnLst>
+                              <p:par>
+                                <p:cTn id="11" presetID="1" presetClass="entr" presetSubtype="0" fill="hold" grpId="0" nodeType="clickEffect">
+                                  <p:stCondLst>
+                                    <p:cond delay="0"/>
+                                  </p:stCondLst>
+                                  <p:childTnLst>
+                                    <p:set>
+                                      <p:cBhvr>
+                                        <p:cTn id="12" dur="1" fill="hold">
+                                          <p:stCondLst>
+                                            <p:cond delay="0"/>
+                                          </p:stCondLst>
+                                        </p:cTn>
+                                        <p:tgtEl>
+                                          <p:spTgt spid="4"/>
+                                        </p:tgtEl>
+                                        <p:attrNameLst>
+                                          <p:attrName>style.visibility</p:attrName>
+                                        </p:attrNameLst>
+                                      </p:cBhvr>
+                                      <p:to>
+                                        <p:strVal val="visible"/>
+                                      </p:to>
+                                    </p:set>
+                                  </p:childTnLst>
+                                </p:cTn>
+                              </p:par>
+                            </p:childTnLst>
+                          </p:cTn>
+                        </p:par>
+                      </p:childTnLst>
+                    </p:cTn>
+                  </p:par>
+                  <p:par>
+                    <p:cTn id="13" fill="hold">
+                      <p:stCondLst>
+                        <p:cond delay="indefinite"/>
+                      </p:stCondLst>
+                      <p:childTnLst>
+                        <p:par>
+                          <p:cTn id="14" fill="hold">
+                            <p:stCondLst>
+                              <p:cond delay="0"/>
+                            </p:stCondLst>
+                            <p:childTnLst>
+                              <p:par>
+                                <p:cTn id="15" presetID="1" presetClass="exit" presetSubtype="0" fill="hold" grpId="1" nodeType="clickEffect">
+                                  <p:stCondLst>
+                                    <p:cond delay="0"/>
+                                  </p:stCondLst>
+                                  <p:childTnLst>
+                                    <p:set>
+                                      <p:cBhvr>
+                                        <p:cTn id="16" dur="1" fill="hold">
+                                          <p:stCondLst>
+                                            <p:cond delay="0"/>
+                                          </p:stCondLst>
+                                        </p:cTn>
+                                        <p:tgtEl>
+                                          <p:spTgt spid="8"/>
+                                        </p:tgtEl>
+                                        <p:attrNameLst>
+                                          <p:attrName>style.visibility</p:attrName>
+                                        </p:attrNameLst>
+                                      </p:cBhvr>
+                                      <p:to>
+                                        <p:strVal val="hidden"/>
+                                      </p:to>
+                                    </p:set>
+                                  </p:childTnLst>
+                                </p:cTn>
+                              </p:par>
+                              <p:par>
+                                <p:cTn id="17" presetID="1" presetClass="exit" presetSubtype="0" fill="hold" grpId="1" nodeType="withEffect">
+                                  <p:stCondLst>
+                                    <p:cond delay="0"/>
+                                  </p:stCondLst>
+                                  <p:childTnLst>
+                                    <p:set>
+                                      <p:cBhvr>
+                                        <p:cTn id="18" dur="1" fill="hold">
+                                          <p:stCondLst>
+                                            <p:cond delay="0"/>
+                                          </p:stCondLst>
+                                        </p:cTn>
+                                        <p:tgtEl>
+                                          <p:spTgt spid="4"/>
+                                        </p:tgtEl>
+                                        <p:attrNameLst>
+                                          <p:attrName>style.visibility</p:attrName>
+                                        </p:attrNameLst>
+                                      </p:cBhvr>
+                                      <p:to>
+                                        <p:strVal val="hidden"/>
+                                      </p:to>
+                                    </p:set>
+                                  </p:childTnLst>
+                                </p:cTn>
+                              </p:par>
+                              <p:par>
+                                <p:cTn id="19" presetID="1" presetClass="exit" presetSubtype="0" fill="hold" grpId="0" nodeType="withEffect">
+                                  <p:stCondLst>
+                                    <p:cond delay="0"/>
+                                  </p:stCondLst>
+                                  <p:childTnLst>
+                                    <p:set>
+                                      <p:cBhvr>
+                                        <p:cTn id="20" dur="1" fill="hold">
+                                          <p:stCondLst>
+                                            <p:cond delay="0"/>
+                                          </p:stCondLst>
+                                        </p:cTn>
+                                        <p:tgtEl>
+                                          <p:spTgt spid="6"/>
+                                        </p:tgtEl>
+                                        <p:attrNameLst>
+                                          <p:attrName>style.visibility</p:attrName>
+                                        </p:attrNameLst>
+                                      </p:cBhvr>
+                                      <p:to>
+                                        <p:strVal val="hidden"/>
+                                      </p:to>
+                                    </p:set>
+                                  </p:childTnLst>
+                                </p:cTn>
+                              </p:par>
+                              <p:par>
+                                <p:cTn id="21" presetID="1" presetClass="exit" presetSubtype="0" fill="hold" grpId="0" nodeType="withEffect">
+                                  <p:stCondLst>
+                                    <p:cond delay="0"/>
+                                  </p:stCondLst>
+                                  <p:childTnLst>
+                                    <p:set>
+                                      <p:cBhvr>
+                                        <p:cTn id="22" dur="1" fill="hold">
+                                          <p:stCondLst>
+                                            <p:cond delay="0"/>
+                                          </p:stCondLst>
+                                        </p:cTn>
+                                        <p:tgtEl>
+                                          <p:spTgt spid="7"/>
+                                        </p:tgtEl>
+                                        <p:attrNameLst>
+                                          <p:attrName>style.visibility</p:attrName>
+                                        </p:attrNameLst>
+                                      </p:cBhvr>
+                                      <p:to>
+                                        <p:strVal val="hidden"/>
+                                      </p:to>
+                                    </p:set>
+                                  </p:childTnLst>
+                                </p:cTn>
+                              </p:par>
+                              <p:par>
+                                <p:cTn id="23" presetID="1" presetClass="exit" presetSubtype="0" fill="hold" nodeType="withEffect">
+                                  <p:stCondLst>
+                                    <p:cond delay="0"/>
+                                  </p:stCondLst>
+                                  <p:childTnLst>
+                                    <p:set>
+                                      <p:cBhvr>
+                                        <p:cTn id="24" dur="1" fill="hold">
+                                          <p:stCondLst>
+                                            <p:cond delay="0"/>
+                                          </p:stCondLst>
+                                        </p:cTn>
+                                        <p:tgtEl>
+                                          <p:spTgt spid="13"/>
+                                        </p:tgtEl>
+                                        <p:attrNameLst>
+                                          <p:attrName>style.visibility</p:attrName>
+                                        </p:attrNameLst>
+                                      </p:cBhvr>
+                                      <p:to>
+                                        <p:strVal val="hidden"/>
+                                      </p:to>
+                                    </p:set>
+                                  </p:childTnLst>
+                                </p:cTn>
+                              </p:par>
+                            </p:childTnLst>
+                          </p:cTn>
+                        </p:par>
+                        <p:par>
+                          <p:cTn id="25" fill="hold">
+                            <p:stCondLst>
+                              <p:cond delay="0"/>
+                            </p:stCondLst>
+                            <p:childTnLst>
+                              <p:par>
+                                <p:cTn id="26" presetID="1" presetClass="entr" presetSubtype="0" fill="hold" nodeType="afterEffect">
+                                  <p:stCondLst>
+                                    <p:cond delay="0"/>
+                                  </p:stCondLst>
+                                  <p:childTnLst>
+                                    <p:set>
+                                      <p:cBhvr>
+                                        <p:cTn id="27" dur="1" fill="hold">
+                                          <p:stCondLst>
+                                            <p:cond delay="0"/>
+                                          </p:stCondLst>
+                                        </p:cTn>
+                                        <p:tgtEl>
+                                          <p:spTgt spid="10"/>
+                                        </p:tgtEl>
+                                        <p:attrNameLst>
+                                          <p:attrName>style.visibility</p:attrName>
+                                        </p:attrNameLst>
+                                      </p:cBhvr>
+                                      <p:to>
+                                        <p:strVal val="visible"/>
+                                      </p:to>
+                                    </p:set>
+                                  </p:childTnLst>
+                                </p:cTn>
+                              </p:par>
+                            </p:childTnLst>
+                          </p:cTn>
+                        </p:par>
+                        <p:par>
+                          <p:cTn id="28" fill="hold">
+                            <p:stCondLst>
+                              <p:cond delay="0"/>
+                            </p:stCondLst>
+                            <p:childTnLst>
+                              <p:par>
+                                <p:cTn id="29" presetID="1" presetClass="entr" presetSubtype="0" fill="hold" grpId="0" nodeType="afterEffect">
+                                  <p:stCondLst>
+                                    <p:cond delay="0"/>
+                                  </p:stCondLst>
+                                  <p:childTnLst>
+                                    <p:set>
+                                      <p:cBhvr>
+                                        <p:cTn id="30" dur="1" fill="hold">
+                                          <p:stCondLst>
+                                            <p:cond delay="0"/>
+                                          </p:stCondLst>
+                                        </p:cTn>
+                                        <p:tgtEl>
+                                          <p:spTgt spid="11"/>
+                                        </p:tgtEl>
+                                        <p:attrNameLst>
+                                          <p:attrName>style.visibility</p:attrName>
+                                        </p:attrNameLst>
+                                      </p:cBhvr>
+                                      <p:to>
+                                        <p:strVal val="visible"/>
+                                      </p:to>
+                                    </p:set>
+                                  </p:childTnLst>
+                                </p:cTn>
+                              </p:par>
+                            </p:childTnLst>
+                          </p:cTn>
+                        </p:par>
+                      </p:childTnLst>
+                    </p:cTn>
+                  </p:par>
+                </p:childTnLst>
+              </p:cTn>
+              <p:prevCondLst>
+                <p:cond evt="onPrev" delay="0">
+                  <p:tgtEl>
+                    <p:sldTgt/>
+                  </p:tgtEl>
+                </p:cond>
+              </p:prevCondLst>
+              <p:nextCondLst>
+                <p:cond evt="onNext" delay="0">
+                  <p:tgtEl>
+                    <p:sldTgt/>
+                  </p:tgtEl>
+                </p:cond>
+              </p:nextCondLst>
+            </p:seq>
+          </p:childTnLst>
+        </p:cTn>
+      </p:par>
+    </p:tnLst>
+    <p:bldLst>
+      <p:bldP spid="4" grpId="0" animBg="1"/>
+      <p:bldP spid="4" grpId="1" animBg="1"/>
+      <p:bldP spid="6" grpId="0" animBg="1"/>
+      <p:bldP spid="7" grpId="0" animBg="1"/>
+      <p:bldP spid="8" grpId="0" animBg="1"/>
+      <p:bldP spid="8" grpId="1" animBg="1"/>
+      <p:bldP spid="11" grpId="0"/>
+    </p:bldLst>
+  </p:timing>
+</p:sld>
+</file>
+
+<file path=ppt/slides/slide6.xml><?xml version="1.0" encoding="utf-8"?>
+<p:sld xmlns:a="http://schemas.openxmlformats.org/drawingml/2006/main" xmlns:r="http://schemas.openxmlformats.org/officeDocument/2006/relationships" xmlns:p="http://schemas.openxmlformats.org/presentationml/2006/main">
+  <p:cSld>
+    <p:spTree>
+      <p:nvGrpSpPr>
+        <p:cNvPr id="1" name=""/>
+        <p:cNvGrpSpPr/>
+        <p:nvPr/>
+      </p:nvGrpSpPr>
+      <p:grpSpPr>
+        <a:xfrm>
+          <a:off x="0" y="0"/>
+          <a:ext cx="0" cy="0"/>
+          <a:chOff x="0" y="0"/>
+          <a:chExt cx="0" cy="0"/>
+        </a:xfrm>
+      </p:grpSpPr>
+      <p:sp>
+        <p:nvSpPr>
+          <p:cNvPr id="2" name="Titel 1">
+            <a:extLst>
+              <a:ext uri="{FF2B5EF4-FFF2-40B4-BE49-F238E27FC236}">
+                <a16:creationId xmlns:a16="http://schemas.microsoft.com/office/drawing/2014/main" xmlns="" id="{2A3BD540-D9C6-4786-AC06-C2E5D7DF1BC2}"/>
+              </a:ext>
+            </a:extLst>
+          </p:cNvPr>
+          <p:cNvSpPr>
+            <a:spLocks noGrp="1"/>
+          </p:cNvSpPr>
+          <p:nvPr>
+            <p:ph type="title"/>
+          </p:nvPr>
+        </p:nvSpPr>
+        <p:spPr/>
+        <p:txBody>
+          <a:bodyPr/>
+          <a:lstStyle/>
+          <a:p>
+            <a:r>
+              <a:rPr lang="de-DE" dirty="0"/>
+              <a:t>Historisches</a:t>
+            </a:r>
+          </a:p>
+        </p:txBody>
+      </p:sp>
+      <p:sp>
+        <p:nvSpPr>
+          <p:cNvPr id="3" name="Inhaltsplatzhalter 2">
+            <a:extLst>
+              <a:ext uri="{FF2B5EF4-FFF2-40B4-BE49-F238E27FC236}">
+                <a16:creationId xmlns:a16="http://schemas.microsoft.com/office/drawing/2014/main" xmlns="" id="{175C8ADC-6AC9-4431-8425-75DA39884991}"/>
+              </a:ext>
+            </a:extLst>
+          </p:cNvPr>
+          <p:cNvSpPr>
+            <a:spLocks noGrp="1"/>
+          </p:cNvSpPr>
+          <p:nvPr>
+            <p:ph idx="1"/>
+          </p:nvPr>
+        </p:nvSpPr>
+        <p:spPr/>
+        <p:txBody>
+          <a:bodyPr/>
+          <a:lstStyle/>
+          <a:p>
+            <a:pPr marL="0" indent="0">
+              <a:buNone/>
+            </a:pPr>
+            <a:r>
+              <a:rPr lang="de-DE" sz="2800" dirty="0"/>
+              <a:t>Hohe Varianz in Auswahl des Mediums:</a:t>
+            </a:r>
+          </a:p>
+          <a:p>
+            <a:r>
+              <a:rPr lang="de-DE" sz="2800" dirty="0"/>
+              <a:t>Holz einer Wachstafel</a:t>
+            </a:r>
+          </a:p>
+          <a:p>
+            <a:r>
+              <a:rPr lang="de-DE" sz="2800" dirty="0"/>
+              <a:t>Kopfhaut eines Sklaven</a:t>
+            </a:r>
+          </a:p>
+          <a:p>
+            <a:r>
+              <a:rPr lang="de-DE" sz="2800" dirty="0"/>
+              <a:t>Texten</a:t>
+            </a:r>
+          </a:p>
+          <a:p>
+            <a:r>
+              <a:rPr lang="de-DE" sz="2800" dirty="0"/>
+              <a:t>Bilder</a:t>
+            </a:r>
+          </a:p>
+          <a:p>
+            <a:endParaRPr lang="de-DE" dirty="0"/>
+          </a:p>
+        </p:txBody>
+      </p:sp>
+    </p:spTree>
+    <p:extLst>
+      <p:ext uri="{BB962C8B-B14F-4D97-AF65-F5344CB8AC3E}">
+        <p14:creationId xmlns:p14="http://schemas.microsoft.com/office/powerpoint/2010/main" val="895797461"/>
+      </p:ext>
+    </p:extLst>
+  </p:cSld>
+  <p:clrMapOvr>
+    <a:masterClrMapping/>
+  </p:clrMapOvr>
+  <p:timing>
+    <p:tnLst>
+      <p:par>
+        <p:cTn id="1" dur="indefinite" restart="never" nodeType="tmRoot"/>
+      </p:par>
+    </p:tnLst>
+  </p:timing>
+</p:sld>
+</file>
+
+<file path=ppt/slides/slide7.xml><?xml version="1.0" encoding="utf-8"?>
+<p:sld xmlns:a="http://schemas.openxmlformats.org/drawingml/2006/main" xmlns:r="http://schemas.openxmlformats.org/officeDocument/2006/relationships" xmlns:p="http://schemas.openxmlformats.org/presentationml/2006/main">
+  <p:cSld>
+    <p:spTree>
+      <p:nvGrpSpPr>
+        <p:cNvPr id="1" name=""/>
+        <p:cNvGrpSpPr/>
+        <p:nvPr/>
+      </p:nvGrpSpPr>
+      <p:grpSpPr>
+        <a:xfrm>
+          <a:off x="0" y="0"/>
+          <a:ext cx="0" cy="0"/>
+          <a:chOff x="0" y="0"/>
+          <a:chExt cx="0" cy="0"/>
+        </a:xfrm>
+      </p:grpSpPr>
+      <p:sp>
+        <p:nvSpPr>
+          <p:cNvPr id="2" name="Titel 1">
+            <a:extLst>
+              <a:ext uri="{FF2B5EF4-FFF2-40B4-BE49-F238E27FC236}">
+                <a16:creationId xmlns:a16="http://schemas.microsoft.com/office/drawing/2014/main" xmlns="" id="{8171CFD2-AC23-4109-BD0D-21B9EB4AEA0D}"/>
+              </a:ext>
+            </a:extLst>
+          </p:cNvPr>
+          <p:cNvSpPr>
+            <a:spLocks noGrp="1"/>
+          </p:cNvSpPr>
+          <p:nvPr>
+            <p:ph type="title"/>
+          </p:nvPr>
+        </p:nvSpPr>
+        <p:spPr/>
+        <p:txBody>
+          <a:bodyPr/>
+          <a:lstStyle/>
+          <a:p>
+            <a:r>
+              <a:rPr lang="de-DE" dirty="0"/>
+              <a:t>Steganographie Heute</a:t>
+            </a:r>
+          </a:p>
+        </p:txBody>
+      </p:sp>
+      <p:sp>
+        <p:nvSpPr>
+          <p:cNvPr id="3" name="Inhaltsplatzhalter 2">
+            <a:extLst>
+              <a:ext uri="{FF2B5EF4-FFF2-40B4-BE49-F238E27FC236}">
+                <a16:creationId xmlns:a16="http://schemas.microsoft.com/office/drawing/2014/main" xmlns="" id="{1CD1DB79-E4AB-4162-BBA9-C61E24112BCD}"/>
+              </a:ext>
+            </a:extLst>
+          </p:cNvPr>
+          <p:cNvSpPr>
+            <a:spLocks noGrp="1"/>
+          </p:cNvSpPr>
+          <p:nvPr>
+            <p:ph idx="1"/>
+          </p:nvPr>
+        </p:nvSpPr>
+        <p:spPr/>
+        <p:txBody>
+          <a:bodyPr/>
+          <a:lstStyle/>
+          <a:p>
+            <a:pPr marL="0" indent="0">
+              <a:buNone/>
+            </a:pPr>
+            <a:r>
+              <a:rPr lang="de-DE" dirty="0"/>
+              <a:t>Vor allem Computergestützt</a:t>
+            </a:r>
+          </a:p>
+          <a:p>
+            <a:r>
+              <a:rPr lang="de-DE" dirty="0"/>
+              <a:t>Bilder</a:t>
+            </a:r>
+          </a:p>
+          <a:p>
+            <a:r>
+              <a:rPr lang="de-DE" dirty="0"/>
+              <a:t>Video</a:t>
+            </a:r>
+          </a:p>
+          <a:p>
+            <a:r>
+              <a:rPr lang="de-DE" dirty="0"/>
+              <a:t>Audio</a:t>
+            </a:r>
+          </a:p>
+          <a:p>
+            <a:r>
+              <a:rPr lang="de-DE" dirty="0"/>
+              <a:t>Fragmentierung </a:t>
+            </a:r>
+          </a:p>
+          <a:p>
+            <a:endParaRPr lang="de-DE" dirty="0"/>
+          </a:p>
+        </p:txBody>
+      </p:sp>
+    </p:spTree>
+    <p:extLst>
+      <p:ext uri="{BB962C8B-B14F-4D97-AF65-F5344CB8AC3E}">
+        <p14:creationId xmlns:p14="http://schemas.microsoft.com/office/powerpoint/2010/main" val="1383418037"/>
+      </p:ext>
+    </p:extLst>
+  </p:cSld>
+  <p:clrMapOvr>
+    <a:masterClrMapping/>
+  </p:clrMapOvr>
+  <p:timing>
+    <p:tnLst>
+      <p:par>
+        <p:cTn id="1" dur="indefinite" restart="never" nodeType="tmRoot"/>
+      </p:par>
+    </p:tnLst>
+  </p:timing>
+</p:sld>
+</file>
+
+<file path=ppt/slides/slide8.xml><?xml version="1.0" encoding="utf-8"?>
+<p:sld xmlns:a="http://schemas.openxmlformats.org/drawingml/2006/main" xmlns:r="http://schemas.openxmlformats.org/officeDocument/2006/relationships" xmlns:p="http://schemas.openxmlformats.org/presentationml/2006/main">
+  <p:cSld>
+    <p:spTree>
+      <p:nvGrpSpPr>
+        <p:cNvPr id="1" name=""/>
+        <p:cNvGrpSpPr/>
+        <p:nvPr/>
+      </p:nvGrpSpPr>
+      <p:grpSpPr>
+        <a:xfrm>
+          <a:off x="0" y="0"/>
+          <a:ext cx="0" cy="0"/>
+          <a:chOff x="0" y="0"/>
+          <a:chExt cx="0" cy="0"/>
+        </a:xfrm>
+      </p:grpSpPr>
+      <p:sp>
+        <p:nvSpPr>
+          <p:cNvPr id="2" name="Titel 1"/>
+          <p:cNvSpPr>
+            <a:spLocks noGrp="1"/>
+          </p:cNvSpPr>
+          <p:nvPr>
+            <p:ph type="title"/>
+          </p:nvPr>
+        </p:nvSpPr>
+        <p:spPr/>
+        <p:txBody>
+          <a:bodyPr/>
+          <a:lstStyle/>
+          <a:p>
+            <a:r>
+              <a:rPr lang="de-DE" dirty="0" smtClean="0"/>
+              <a:t>Anwendungen der </a:t>
+            </a:r>
+            <a:r>
+              <a:rPr lang="de-DE" dirty="0" err="1" smtClean="0"/>
+              <a:t>Steganographie</a:t>
+            </a:r>
+            <a:endParaRPr lang="de-DE" dirty="0"/>
+          </a:p>
+        </p:txBody>
+      </p:sp>
+      <p:sp>
+        <p:nvSpPr>
+          <p:cNvPr id="3" name="Inhaltsplatzhalter 2"/>
+          <p:cNvSpPr>
+            <a:spLocks noGrp="1"/>
+          </p:cNvSpPr>
+          <p:nvPr>
+            <p:ph idx="1"/>
+          </p:nvPr>
+        </p:nvSpPr>
+        <p:spPr/>
+        <p:txBody>
+          <a:bodyPr/>
+          <a:lstStyle/>
+          <a:p>
+            <a:r>
+              <a:rPr lang="de-DE" b="1" dirty="0" smtClean="0"/>
+              <a:t>Wasserzeichen</a:t>
+            </a:r>
+          </a:p>
+          <a:p>
+            <a:pPr lvl="1"/>
+            <a:r>
+              <a:rPr lang="de-DE" sz="1600" dirty="0" smtClean="0"/>
+              <a:t>Unterhaltungsindustrie</a:t>
+            </a:r>
+          </a:p>
+          <a:p>
+            <a:pPr lvl="1"/>
+            <a:r>
+              <a:rPr lang="de-DE" sz="1600" dirty="0" smtClean="0"/>
+              <a:t>Teilen von vertraulichen Informationen</a:t>
+            </a:r>
+          </a:p>
+          <a:p>
+            <a:endParaRPr lang="de-DE" b="1" dirty="0" smtClean="0"/>
+          </a:p>
+          <a:p>
+            <a:r>
+              <a:rPr lang="de-DE" b="1" dirty="0" smtClean="0"/>
+              <a:t>Plausible </a:t>
+            </a:r>
+            <a:r>
+              <a:rPr lang="de-DE" b="1" dirty="0" err="1" smtClean="0"/>
+              <a:t>Deniability</a:t>
+            </a:r>
+            <a:endParaRPr lang="de-DE" b="1" dirty="0" smtClean="0"/>
+          </a:p>
+          <a:p>
+            <a:endParaRPr lang="de-DE" b="1" dirty="0" smtClean="0"/>
+          </a:p>
+          <a:p>
+            <a:r>
+              <a:rPr lang="de-DE" b="1" dirty="0" smtClean="0"/>
+              <a:t>Unterstützung von Angriffen auf IT-Systeme</a:t>
+            </a:r>
+          </a:p>
+          <a:p>
+            <a:pPr lvl="1"/>
+            <a:r>
+              <a:rPr lang="de-DE" sz="1600" dirty="0" smtClean="0"/>
+              <a:t>Ultraschall</a:t>
+            </a:r>
+          </a:p>
+          <a:p>
+            <a:pPr lvl="1"/>
+            <a:r>
+              <a:rPr lang="de-DE" sz="1600" dirty="0" smtClean="0"/>
+              <a:t>Verstecken von abgegriffenen Informationen</a:t>
+            </a:r>
+          </a:p>
+          <a:p>
+            <a:pPr lvl="1"/>
+            <a:r>
+              <a:rPr lang="de-DE" sz="1600" dirty="0" smtClean="0"/>
+              <a:t>Verbinden von nicht vernetzten Rechnern</a:t>
+            </a:r>
+          </a:p>
+          <a:p>
+            <a:endParaRPr lang="de-DE" b="1" dirty="0" smtClean="0"/>
+          </a:p>
+          <a:p>
+            <a:endParaRPr lang="de-DE" dirty="0"/>
+          </a:p>
+        </p:txBody>
+      </p:sp>
+    </p:spTree>
+    <p:extLst>
+      <p:ext uri="{BB962C8B-B14F-4D97-AF65-F5344CB8AC3E}">
+        <p14:creationId xmlns:p14="http://schemas.microsoft.com/office/powerpoint/2010/main" val="1805483871"/>
+      </p:ext>
+    </p:extLst>
+  </p:cSld>
+  <p:clrMapOvr>
+    <a:masterClrMapping/>
+  </p:clrMapOvr>
+  <p:timing>
+    <p:tnLst>
+      <p:par>
+        <p:cTn id="1" dur="indefinite" restart="never" nodeType="tmRoot"/>
+      </p:par>
+    </p:tnLst>
+  </p:timing>
+</p:sld>
+</file>
+
+<file path=ppt/slides/slide9.xml><?xml version="1.0" encoding="utf-8"?>
+<p:sld xmlns:a="http://schemas.openxmlformats.org/drawingml/2006/main" xmlns:r="http://schemas.openxmlformats.org/officeDocument/2006/relationships" xmlns:p="http://schemas.openxmlformats.org/presentationml/2006/main">
+  <p:cSld>
+    <p:spTree>
+      <p:nvGrpSpPr>
+        <p:cNvPr id="1" name=""/>
+        <p:cNvGrpSpPr/>
+        <p:nvPr/>
+      </p:nvGrpSpPr>
+      <p:grpSpPr>
+        <a:xfrm>
+          <a:off x="0" y="0"/>
+          <a:ext cx="0" cy="0"/>
+          <a:chOff x="0" y="0"/>
+          <a:chExt cx="0" cy="0"/>
+        </a:xfrm>
+      </p:grpSpPr>
+      <p:sp>
+        <p:nvSpPr>
+          <p:cNvPr id="2" name="Titel 1"/>
+          <p:cNvSpPr>
+            <a:spLocks noGrp="1"/>
+          </p:cNvSpPr>
+          <p:nvPr>
+            <p:ph type="title"/>
+          </p:nvPr>
+        </p:nvSpPr>
+        <p:spPr/>
+        <p:txBody>
+          <a:bodyPr/>
+          <a:lstStyle/>
+          <a:p>
+            <a:r>
+              <a:rPr lang="de-DE" dirty="0" smtClean="0"/>
+              <a:t>Anwendungsbeispiel Bilder</a:t>
+            </a:r>
+            <a:endParaRPr lang="de-DE" dirty="0"/>
+          </a:p>
+        </p:txBody>
+      </p:sp>
+      <p:sp>
+        <p:nvSpPr>
+          <p:cNvPr id="3" name="Inhaltsplatzhalter 2"/>
+          <p:cNvSpPr>
+            <a:spLocks noGrp="1"/>
+          </p:cNvSpPr>
+          <p:nvPr>
+            <p:ph idx="1"/>
+          </p:nvPr>
+        </p:nvSpPr>
+        <p:spPr/>
+        <p:txBody>
+          <a:bodyPr/>
+          <a:lstStyle/>
+          <a:p>
+            <a:endParaRPr lang="de-DE" b="1" dirty="0" smtClean="0"/>
+          </a:p>
+          <a:p>
+            <a:endParaRPr lang="de-DE" dirty="0"/>
+          </a:p>
+        </p:txBody>
+      </p:sp>
+      <p:pic>
+        <p:nvPicPr>
+          <p:cNvPr id="1026" name="Picture 2" descr="C:\Master Info\WS\main-qimg-b5dc1d0b4ac7b2115a1c7523b1f1a4b0.png"/>
+          <p:cNvPicPr>
+            <a:picLocks noChangeAspect="1" noChangeArrowheads="1"/>
+          </p:cNvPicPr>
+          <p:nvPr/>
+        </p:nvPicPr>
+        <p:blipFill>
+          <a:blip r:embed="rId3">
+            <a:extLst>
+              <a:ext uri="{28A0092B-C50C-407E-A947-70E740481C1C}">
+                <a14:useLocalDpi xmlns:a14="http://schemas.microsoft.com/office/drawing/2010/main" val="0"/>
+              </a:ext>
+            </a:extLst>
+          </a:blip>
+          <a:srcRect/>
+          <a:stretch>
+            <a:fillRect/>
+          </a:stretch>
+        </p:blipFill>
+        <p:spPr bwMode="auto">
+          <a:xfrm>
+            <a:off x="919277" y="1628775"/>
+            <a:ext cx="4352925" cy="3600450"/>
+          </a:xfrm>
+          <a:prstGeom prst="rect">
+            <a:avLst/>
+          </a:prstGeom>
+          <a:noFill/>
+          <a:extLst>
+            <a:ext uri="{909E8E84-426E-40DD-AFC4-6F175D3DCCD1}">
+              <a14:hiddenFill xmlns:a14="http://schemas.microsoft.com/office/drawing/2010/main">
+                <a:solidFill>
+                  <a:srgbClr val="FFFFFF"/>
+                </a:solidFill>
+              </a14:hiddenFill>
+            </a:ext>
+          </a:extLst>
+        </p:spPr>
+      </p:pic>
+      <p:sp>
+        <p:nvSpPr>
+          <p:cNvPr id="4" name="Textfeld 3"/>
+          <p:cNvSpPr txBox="1"/>
+          <p:nvPr/>
+        </p:nvSpPr>
+        <p:spPr>
+          <a:xfrm>
+            <a:off x="5673687" y="1628775"/>
+            <a:ext cx="3062689" cy="1200329"/>
+          </a:xfrm>
+          <a:prstGeom prst="rect">
+            <a:avLst/>
+          </a:prstGeom>
+          <a:noFill/>
+        </p:spPr>
+        <p:txBody>
+          <a:bodyPr wrap="square" rtlCol="0">
+            <a:spAutoFit/>
+          </a:bodyPr>
+          <a:lstStyle/>
+          <a:p>
+            <a:r>
+              <a:rPr lang="de-DE" dirty="0" smtClean="0"/>
+              <a:t>8 Bit </a:t>
+            </a:r>
+            <a:r>
+              <a:rPr lang="de-DE" dirty="0" err="1" smtClean="0"/>
+              <a:t>Grayscale</a:t>
+            </a:r>
+            <a:endParaRPr lang="de-DE" dirty="0" smtClean="0"/>
+          </a:p>
+          <a:p>
+            <a:endParaRPr lang="de-DE" dirty="0"/>
+          </a:p>
+          <a:p>
+            <a:r>
+              <a:rPr lang="de-DE" dirty="0" smtClean="0"/>
+              <a:t>3 Kanäle (RGB) für Farbbilder</a:t>
+            </a:r>
+          </a:p>
+          <a:p>
+            <a:endParaRPr lang="de-DE" dirty="0"/>
+          </a:p>
+        </p:txBody>
+      </p:sp>
+    </p:spTree>
+    <p:extLst>
+      <p:ext uri="{BB962C8B-B14F-4D97-AF65-F5344CB8AC3E}">
+        <p14:creationId xmlns:p14="http://schemas.microsoft.com/office/powerpoint/2010/main" val="1974614841"/>
       </p:ext>
     </p:extLst>
   </p:cSld>

--- a/Präsentationen/Steganographie&Steganalyse_Gesamtpräsentation.pptx
+++ b/Präsentationen/Steganographie&Steganalyse_Gesamtpräsentation.pptx
@@ -8972,7 +8972,33 @@
           <a:p>
             <a:r>
               <a:rPr lang="de-DE" dirty="0" smtClean="0"/>
-              <a:t>Themen der nächsten Seminare:</a:t>
+              <a:t>Themen der nächsten Seminare</a:t>
+            </a:r>
+            <a:r>
+              <a:rPr lang="de-DE" dirty="0" smtClean="0"/>
+              <a:t>:</a:t>
+            </a:r>
+          </a:p>
+          <a:p>
+            <a:endParaRPr lang="de-DE" dirty="0"/>
+          </a:p>
+          <a:p>
+            <a:pPr lvl="1"/>
+            <a:r>
+              <a:rPr lang="de-DE" dirty="0" err="1" smtClean="0"/>
+              <a:t>Steganographie</a:t>
+            </a:r>
+            <a:endParaRPr lang="de-DE" dirty="0" smtClean="0"/>
+          </a:p>
+          <a:p>
+            <a:pPr lvl="2"/>
+            <a:r>
+              <a:rPr lang="de-DE" dirty="0" smtClean="0"/>
+              <a:t>Speicherung von Informationen in Audio-Dateien</a:t>
+            </a:r>
+            <a:r>
+              <a:rPr lang="de-DE" dirty="0" smtClean="0"/>
+              <a:t/>
             </a:r>
             <a:br>
               <a:rPr lang="de-DE" dirty="0" smtClean="0"/>
@@ -9008,8 +9034,16 @@
             </a:r>
             <a:r>
               <a:rPr lang="de-DE" dirty="0" smtClean="0"/>
-              <a:t>tatistische bzw. stochastische Verfahren</a:t>
-            </a:r>
+              <a:t>tatistische bzw. stochastische </a:t>
+            </a:r>
+            <a:r>
+              <a:rPr lang="de-DE" dirty="0" smtClean="0"/>
+              <a:t>Verfahren</a:t>
+            </a:r>
+          </a:p>
+          <a:p>
+            <a:pPr lvl="1"/>
+            <a:endParaRPr lang="de-DE" dirty="0" smtClean="0"/>
           </a:p>
           <a:p>
             <a:pPr lvl="2"/>
